--- a/Dokumentation/Abschlusspräsentation.pptx
+++ b/Dokumentation/Abschlusspräsentation.pptx
@@ -5,25 +5,28 @@
     <p:sldMasterId id="2147483891" r:id="rId1"/>
   </p:sldMasterIdLst>
   <p:notesMasterIdLst>
-    <p:notesMasterId r:id="rId15"/>
+    <p:notesMasterId r:id="rId18"/>
   </p:notesMasterIdLst>
   <p:handoutMasterIdLst>
-    <p:handoutMasterId r:id="rId16"/>
+    <p:handoutMasterId r:id="rId19"/>
   </p:handoutMasterIdLst>
   <p:sldIdLst>
     <p:sldId id="290" r:id="rId2"/>
-    <p:sldId id="300" r:id="rId3"/>
-    <p:sldId id="291" r:id="rId4"/>
+    <p:sldId id="291" r:id="rId3"/>
+    <p:sldId id="300" r:id="rId4"/>
     <p:sldId id="292" r:id="rId5"/>
     <p:sldId id="293" r:id="rId6"/>
     <p:sldId id="301" r:id="rId7"/>
-    <p:sldId id="299" r:id="rId8"/>
-    <p:sldId id="294" r:id="rId9"/>
-    <p:sldId id="303" r:id="rId10"/>
-    <p:sldId id="296" r:id="rId11"/>
-    <p:sldId id="302" r:id="rId12"/>
-    <p:sldId id="304" r:id="rId13"/>
-    <p:sldId id="297" r:id="rId14"/>
+    <p:sldId id="305" r:id="rId8"/>
+    <p:sldId id="306" r:id="rId9"/>
+    <p:sldId id="307" r:id="rId10"/>
+    <p:sldId id="299" r:id="rId11"/>
+    <p:sldId id="294" r:id="rId12"/>
+    <p:sldId id="296" r:id="rId13"/>
+    <p:sldId id="303" r:id="rId14"/>
+    <p:sldId id="304" r:id="rId15"/>
+    <p:sldId id="297" r:id="rId16"/>
+    <p:sldId id="308" r:id="rId17"/>
   </p:sldIdLst>
   <p:sldSz cx="12192000" cy="6858000"/>
   <p:notesSz cx="6858000" cy="9144000"/>
@@ -218,7 +221,7 @@
           <a:p>
             <a:fld id="{C6AC6211-610F-44E5-BF19-D3CDF6EDD281}" type="datetimeFigureOut">
               <a:rPr lang="de-DE" smtClean="0"/>
-              <a:t>22.03.2023</a:t>
+              <a:t>24.03.2023</a:t>
             </a:fld>
             <a:endParaRPr lang="de-DE"/>
           </a:p>
@@ -384,7 +387,7 @@
           <a:p>
             <a:fld id="{347435D3-23A6-45D3-8DFA-7317DC1E7A64}" type="datetimeFigureOut">
               <a:rPr lang="de-DE" smtClean="0"/>
-              <a:t>22.03.2023</a:t>
+              <a:t>24.03.2023</a:t>
             </a:fld>
             <a:endParaRPr lang="de-DE"/>
           </a:p>
@@ -2928,7 +2931,7 @@
           <a:p>
             <a:fld id="{4771D386-8A79-4311-8C22-2E64011E473F}" type="datetime1">
               <a:rPr lang="de-LU" smtClean="0"/>
-              <a:t>22.03.2023</a:t>
+              <a:t>24.03.2023</a:t>
             </a:fld>
             <a:endParaRPr lang="de-LU" dirty="0"/>
           </a:p>
@@ -8586,7 +8589,7 @@
                   <a:schemeClr val="bg2"/>
                 </a:solidFill>
               </a:rPr>
-              <a:t>Abschlusspräsentation</a:t>
+              <a:t>Individualisierte Sprachinteraktion</a:t>
             </a:r>
           </a:p>
           <a:p>
@@ -9607,10 +9610,10 @@
       </p:grpSpPr>
       <p:sp>
         <p:nvSpPr>
-          <p:cNvPr id="4" name="Titel 3">
+          <p:cNvPr id="2" name="Titel 1">
             <a:extLst>
               <a:ext uri="{FF2B5EF4-FFF2-40B4-BE49-F238E27FC236}">
-                <a16:creationId xmlns:a16="http://schemas.microsoft.com/office/drawing/2014/main" id="{46218C23-3ACC-9840-9A39-34B585361AC6}"/>
+                <a16:creationId xmlns:a16="http://schemas.microsoft.com/office/drawing/2014/main" id="{487E467D-BE78-FA4C-918C-3FF09D6F46B8}"/>
               </a:ext>
             </a:extLst>
           </p:cNvPr>
@@ -9628,7 +9631,1265 @@
           <a:p>
             <a:r>
               <a:rPr lang="de-DE" dirty="0"/>
-              <a:t>Demo</a:t>
+              <a:t>Recommender-System</a:t>
+            </a:r>
+            <a:br>
+              <a:rPr lang="de-DE" dirty="0"/>
+            </a:br>
+            <a:r>
+              <a:rPr lang="de-DE" b="0" dirty="0"/>
+              <a:t>Zuordnung mittels Deep-Learning</a:t>
+            </a:r>
+          </a:p>
+        </p:txBody>
+      </p:sp>
+      <p:sp>
+        <p:nvSpPr>
+          <p:cNvPr id="4" name="Textfeld 3">
+            <a:extLst>
+              <a:ext uri="{FF2B5EF4-FFF2-40B4-BE49-F238E27FC236}">
+                <a16:creationId xmlns:a16="http://schemas.microsoft.com/office/drawing/2014/main" id="{27B1F09D-B4AC-732C-1C3C-08BF520B6266}"/>
+              </a:ext>
+            </a:extLst>
+          </p:cNvPr>
+          <p:cNvSpPr txBox="1"/>
+          <p:nvPr/>
+        </p:nvSpPr>
+        <p:spPr>
+          <a:xfrm>
+            <a:off x="786324" y="1517579"/>
+            <a:ext cx="1382110" cy="341632"/>
+          </a:xfrm>
+          <a:prstGeom prst="rect">
+            <a:avLst/>
+          </a:prstGeom>
+          <a:noFill/>
+        </p:spPr>
+        <p:txBody>
+          <a:bodyPr wrap="none" rtlCol="0">
+            <a:spAutoFit/>
+          </a:bodyPr>
+          <a:lstStyle/>
+          <a:p>
+            <a:r>
+              <a:rPr lang="de-DE" b="1" i="1" dirty="0"/>
+              <a:t>Nutzerprofil</a:t>
+            </a:r>
+          </a:p>
+        </p:txBody>
+      </p:sp>
+      <p:graphicFrame>
+        <p:nvGraphicFramePr>
+          <p:cNvPr id="5" name="Tabelle 5">
+            <a:extLst>
+              <a:ext uri="{FF2B5EF4-FFF2-40B4-BE49-F238E27FC236}">
+                <a16:creationId xmlns:a16="http://schemas.microsoft.com/office/drawing/2014/main" id="{79886C85-CCB1-2E85-04F0-9AF2F34FCFF6}"/>
+              </a:ext>
+            </a:extLst>
+          </p:cNvPr>
+          <p:cNvGraphicFramePr>
+            <a:graphicFrameLocks noGrp="1"/>
+          </p:cNvGraphicFramePr>
+          <p:nvPr>
+            <p:extLst>
+              <p:ext uri="{D42A27DB-BD31-4B8C-83A1-F6EECF244321}">
+                <p14:modId xmlns:p14="http://schemas.microsoft.com/office/powerpoint/2010/main" val="1728115607"/>
+              </p:ext>
+            </p:extLst>
+          </p:nvPr>
+        </p:nvGraphicFramePr>
+        <p:xfrm>
+          <a:off x="7555238" y="1859211"/>
+          <a:ext cx="3900161" cy="3840480"/>
+        </p:xfrm>
+        <a:graphic>
+          <a:graphicData uri="http://schemas.openxmlformats.org/drawingml/2006/table">
+            <a:tbl>
+              <a:tblPr firstRow="1" bandRow="1">
+                <a:tableStyleId>{073A0DAA-6AF3-43AB-8588-CEC1D06C72B9}</a:tableStyleId>
+              </a:tblPr>
+              <a:tblGrid>
+                <a:gridCol w="2184012">
+                  <a:extLst>
+                    <a:ext uri="{9D8B030D-6E8A-4147-A177-3AD203B41FA5}">
+                      <a16:colId xmlns:a16="http://schemas.microsoft.com/office/drawing/2014/main" val="1200783749"/>
+                    </a:ext>
+                  </a:extLst>
+                </a:gridCol>
+                <a:gridCol w="1716149">
+                  <a:extLst>
+                    <a:ext uri="{9D8B030D-6E8A-4147-A177-3AD203B41FA5}">
+                      <a16:colId xmlns:a16="http://schemas.microsoft.com/office/drawing/2014/main" val="564832144"/>
+                    </a:ext>
+                  </a:extLst>
+                </a:gridCol>
+              </a:tblGrid>
+              <a:tr h="253229">
+                <a:tc>
+                  <a:txBody>
+                    <a:bodyPr/>
+                    <a:lstStyle/>
+                    <a:p>
+                      <a:r>
+                        <a:rPr lang="de-DE" sz="1200" dirty="0"/>
+                        <a:t>Konfiguration</a:t>
+                      </a:r>
+                    </a:p>
+                  </a:txBody>
+                  <a:tcPr/>
+                </a:tc>
+                <a:tc>
+                  <a:txBody>
+                    <a:bodyPr/>
+                    <a:lstStyle/>
+                    <a:p>
+                      <a:endParaRPr lang="de-DE" sz="1200" dirty="0"/>
+                    </a:p>
+                  </a:txBody>
+                  <a:tcPr/>
+                </a:tc>
+                <a:extLst>
+                  <a:ext uri="{0D108BD9-81ED-4DB2-BD59-A6C34878D82A}">
+                    <a16:rowId xmlns:a16="http://schemas.microsoft.com/office/drawing/2014/main" val="1323979079"/>
+                  </a:ext>
+                </a:extLst>
+              </a:tr>
+              <a:tr h="253229">
+                <a:tc>
+                  <a:txBody>
+                    <a:bodyPr/>
+                    <a:lstStyle/>
+                    <a:p>
+                      <a:r>
+                        <a:rPr lang="de-DE" sz="1200" dirty="0"/>
+                        <a:t>ID</a:t>
+                      </a:r>
+                    </a:p>
+                  </a:txBody>
+                  <a:tcPr/>
+                </a:tc>
+                <a:tc>
+                  <a:txBody>
+                    <a:bodyPr/>
+                    <a:lstStyle/>
+                    <a:p>
+                      <a:r>
+                        <a:rPr lang="de-DE" sz="1200" dirty="0"/>
+                        <a:t>1</a:t>
+                      </a:r>
+                    </a:p>
+                  </a:txBody>
+                  <a:tcPr/>
+                </a:tc>
+                <a:extLst>
+                  <a:ext uri="{0D108BD9-81ED-4DB2-BD59-A6C34878D82A}">
+                    <a16:rowId xmlns:a16="http://schemas.microsoft.com/office/drawing/2014/main" val="3943069711"/>
+                  </a:ext>
+                </a:extLst>
+              </a:tr>
+              <a:tr h="253229">
+                <a:tc>
+                  <a:txBody>
+                    <a:bodyPr/>
+                    <a:lstStyle/>
+                    <a:p>
+                      <a:r>
+                        <a:rPr lang="de-DE" sz="1200" dirty="0"/>
+                        <a:t>Geschlecht</a:t>
+                      </a:r>
+                    </a:p>
+                  </a:txBody>
+                  <a:tcPr/>
+                </a:tc>
+                <a:tc>
+                  <a:txBody>
+                    <a:bodyPr/>
+                    <a:lstStyle/>
+                    <a:p>
+                      <a:r>
+                        <a:rPr lang="de-DE" sz="1200" dirty="0"/>
+                        <a:t>Männlich</a:t>
+                      </a:r>
+                    </a:p>
+                  </a:txBody>
+                  <a:tcPr/>
+                </a:tc>
+                <a:extLst>
+                  <a:ext uri="{0D108BD9-81ED-4DB2-BD59-A6C34878D82A}">
+                    <a16:rowId xmlns:a16="http://schemas.microsoft.com/office/drawing/2014/main" val="3424107606"/>
+                  </a:ext>
+                </a:extLst>
+              </a:tr>
+              <a:tr h="253229">
+                <a:tc>
+                  <a:txBody>
+                    <a:bodyPr/>
+                    <a:lstStyle/>
+                    <a:p>
+                      <a:r>
+                        <a:rPr lang="de-DE" sz="1200" dirty="0"/>
+                        <a:t>Tonlage</a:t>
+                      </a:r>
+                    </a:p>
+                  </a:txBody>
+                  <a:tcPr/>
+                </a:tc>
+                <a:tc>
+                  <a:txBody>
+                    <a:bodyPr/>
+                    <a:lstStyle/>
+                    <a:p>
+                      <a:r>
+                        <a:rPr lang="de-DE" sz="1200" dirty="0"/>
+                        <a:t>Tief</a:t>
+                      </a:r>
+                    </a:p>
+                  </a:txBody>
+                  <a:tcPr/>
+                </a:tc>
+                <a:extLst>
+                  <a:ext uri="{0D108BD9-81ED-4DB2-BD59-A6C34878D82A}">
+                    <a16:rowId xmlns:a16="http://schemas.microsoft.com/office/drawing/2014/main" val="4091870542"/>
+                  </a:ext>
+                </a:extLst>
+              </a:tr>
+              <a:tr h="253229">
+                <a:tc>
+                  <a:txBody>
+                    <a:bodyPr/>
+                    <a:lstStyle/>
+                    <a:p>
+                      <a:r>
+                        <a:rPr lang="de-DE" sz="1200" dirty="0"/>
+                        <a:t>Klang</a:t>
+                      </a:r>
+                    </a:p>
+                  </a:txBody>
+                  <a:tcPr/>
+                </a:tc>
+                <a:tc>
+                  <a:txBody>
+                    <a:bodyPr/>
+                    <a:lstStyle/>
+                    <a:p>
+                      <a:r>
+                        <a:rPr lang="de-DE" sz="1200" dirty="0"/>
+                        <a:t>Natürlich</a:t>
+                      </a:r>
+                    </a:p>
+                  </a:txBody>
+                  <a:tcPr/>
+                </a:tc>
+                <a:extLst>
+                  <a:ext uri="{0D108BD9-81ED-4DB2-BD59-A6C34878D82A}">
+                    <a16:rowId xmlns:a16="http://schemas.microsoft.com/office/drawing/2014/main" val="1051169168"/>
+                  </a:ext>
+                </a:extLst>
+              </a:tr>
+              <a:tr h="253229">
+                <a:tc>
+                  <a:txBody>
+                    <a:bodyPr/>
+                    <a:lstStyle/>
+                    <a:p>
+                      <a:r>
+                        <a:rPr lang="de-DE" sz="1200" dirty="0"/>
+                        <a:t>Lautstärke</a:t>
+                      </a:r>
+                    </a:p>
+                  </a:txBody>
+                  <a:tcPr/>
+                </a:tc>
+                <a:tc>
+                  <a:txBody>
+                    <a:bodyPr/>
+                    <a:lstStyle/>
+                    <a:p>
+                      <a:r>
+                        <a:rPr lang="de-DE" sz="1200" dirty="0"/>
+                        <a:t>3</a:t>
+                      </a:r>
+                    </a:p>
+                  </a:txBody>
+                  <a:tcPr/>
+                </a:tc>
+                <a:extLst>
+                  <a:ext uri="{0D108BD9-81ED-4DB2-BD59-A6C34878D82A}">
+                    <a16:rowId xmlns:a16="http://schemas.microsoft.com/office/drawing/2014/main" val="2112996931"/>
+                  </a:ext>
+                </a:extLst>
+              </a:tr>
+              <a:tr h="253229">
+                <a:tc>
+                  <a:txBody>
+                    <a:bodyPr/>
+                    <a:lstStyle/>
+                    <a:p>
+                      <a:r>
+                        <a:rPr lang="de-DE" sz="1200" dirty="0"/>
+                        <a:t>Pause zwischen den Sätzen</a:t>
+                      </a:r>
+                    </a:p>
+                  </a:txBody>
+                  <a:tcPr/>
+                </a:tc>
+                <a:tc>
+                  <a:txBody>
+                    <a:bodyPr/>
+                    <a:lstStyle/>
+                    <a:p>
+                      <a:r>
+                        <a:rPr lang="de-DE" sz="1200" dirty="0"/>
+                        <a:t>Kurz</a:t>
+                      </a:r>
+                    </a:p>
+                  </a:txBody>
+                  <a:tcPr/>
+                </a:tc>
+                <a:extLst>
+                  <a:ext uri="{0D108BD9-81ED-4DB2-BD59-A6C34878D82A}">
+                    <a16:rowId xmlns:a16="http://schemas.microsoft.com/office/drawing/2014/main" val="2637411601"/>
+                  </a:ext>
+                </a:extLst>
+              </a:tr>
+              <a:tr h="253229">
+                <a:tc>
+                  <a:txBody>
+                    <a:bodyPr/>
+                    <a:lstStyle/>
+                    <a:p>
+                      <a:r>
+                        <a:rPr lang="de-DE" sz="1200" dirty="0"/>
+                        <a:t>Sprechgeschwindigkeit</a:t>
+                      </a:r>
+                    </a:p>
+                  </a:txBody>
+                  <a:tcPr/>
+                </a:tc>
+                <a:tc>
+                  <a:txBody>
+                    <a:bodyPr/>
+                    <a:lstStyle/>
+                    <a:p>
+                      <a:r>
+                        <a:rPr lang="de-DE" sz="1200" dirty="0"/>
+                        <a:t>Durchschnittlich</a:t>
+                      </a:r>
+                    </a:p>
+                  </a:txBody>
+                  <a:tcPr/>
+                </a:tc>
+                <a:extLst>
+                  <a:ext uri="{0D108BD9-81ED-4DB2-BD59-A6C34878D82A}">
+                    <a16:rowId xmlns:a16="http://schemas.microsoft.com/office/drawing/2014/main" val="3982867020"/>
+                  </a:ext>
+                </a:extLst>
+              </a:tr>
+              <a:tr h="253229">
+                <a:tc>
+                  <a:txBody>
+                    <a:bodyPr/>
+                    <a:lstStyle/>
+                    <a:p>
+                      <a:r>
+                        <a:rPr lang="de-DE" sz="1200" dirty="0"/>
+                        <a:t>Satzlänge</a:t>
+                      </a:r>
+                    </a:p>
+                  </a:txBody>
+                  <a:tcPr/>
+                </a:tc>
+                <a:tc>
+                  <a:txBody>
+                    <a:bodyPr/>
+                    <a:lstStyle/>
+                    <a:p>
+                      <a:r>
+                        <a:rPr lang="de-DE" sz="1200" dirty="0"/>
+                        <a:t>Normal</a:t>
+                      </a:r>
+                    </a:p>
+                  </a:txBody>
+                  <a:tcPr/>
+                </a:tc>
+                <a:extLst>
+                  <a:ext uri="{0D108BD9-81ED-4DB2-BD59-A6C34878D82A}">
+                    <a16:rowId xmlns:a16="http://schemas.microsoft.com/office/drawing/2014/main" val="1920420549"/>
+                  </a:ext>
+                </a:extLst>
+              </a:tr>
+              <a:tr h="253229">
+                <a:tc>
+                  <a:txBody>
+                    <a:bodyPr/>
+                    <a:lstStyle/>
+                    <a:p>
+                      <a:r>
+                        <a:rPr lang="de-DE" sz="1200" dirty="0"/>
+                        <a:t>Vereinfachter Ausdruck</a:t>
+                      </a:r>
+                    </a:p>
+                  </a:txBody>
+                  <a:tcPr/>
+                </a:tc>
+                <a:tc>
+                  <a:txBody>
+                    <a:bodyPr/>
+                    <a:lstStyle/>
+                    <a:p>
+                      <a:r>
+                        <a:rPr lang="de-DE" sz="1200" dirty="0"/>
+                        <a:t>Ja</a:t>
+                      </a:r>
+                    </a:p>
+                  </a:txBody>
+                  <a:tcPr/>
+                </a:tc>
+                <a:extLst>
+                  <a:ext uri="{0D108BD9-81ED-4DB2-BD59-A6C34878D82A}">
+                    <a16:rowId xmlns:a16="http://schemas.microsoft.com/office/drawing/2014/main" val="1823208591"/>
+                  </a:ext>
+                </a:extLst>
+              </a:tr>
+              <a:tr h="253229">
+                <a:tc>
+                  <a:txBody>
+                    <a:bodyPr/>
+                    <a:lstStyle/>
+                    <a:p>
+                      <a:r>
+                        <a:rPr lang="de-DE" sz="1200" dirty="0"/>
+                        <a:t>Sprache</a:t>
+                      </a:r>
+                    </a:p>
+                  </a:txBody>
+                  <a:tcPr/>
+                </a:tc>
+                <a:tc>
+                  <a:txBody>
+                    <a:bodyPr/>
+                    <a:lstStyle/>
+                    <a:p>
+                      <a:r>
+                        <a:rPr lang="de-DE" sz="1200" dirty="0"/>
+                        <a:t>Deutsch</a:t>
+                      </a:r>
+                    </a:p>
+                  </a:txBody>
+                  <a:tcPr/>
+                </a:tc>
+                <a:extLst>
+                  <a:ext uri="{0D108BD9-81ED-4DB2-BD59-A6C34878D82A}">
+                    <a16:rowId xmlns:a16="http://schemas.microsoft.com/office/drawing/2014/main" val="1934673044"/>
+                  </a:ext>
+                </a:extLst>
+              </a:tr>
+              <a:tr h="253229">
+                <a:tc>
+                  <a:txBody>
+                    <a:bodyPr/>
+                    <a:lstStyle/>
+                    <a:p>
+                      <a:r>
+                        <a:rPr lang="de-DE" sz="1200" dirty="0"/>
+                        <a:t>Gesprächsorientierung</a:t>
+                      </a:r>
+                    </a:p>
+                  </a:txBody>
+                  <a:tcPr/>
+                </a:tc>
+                <a:tc>
+                  <a:txBody>
+                    <a:bodyPr/>
+                    <a:lstStyle/>
+                    <a:p>
+                      <a:r>
+                        <a:rPr lang="de-DE" sz="1200" dirty="0"/>
+                        <a:t>Aufgaben orientiert</a:t>
+                      </a:r>
+                    </a:p>
+                  </a:txBody>
+                  <a:tcPr/>
+                </a:tc>
+                <a:extLst>
+                  <a:ext uri="{0D108BD9-81ED-4DB2-BD59-A6C34878D82A}">
+                    <a16:rowId xmlns:a16="http://schemas.microsoft.com/office/drawing/2014/main" val="3134820202"/>
+                  </a:ext>
+                </a:extLst>
+              </a:tr>
+              <a:tr h="253229">
+                <a:tc>
+                  <a:txBody>
+                    <a:bodyPr/>
+                    <a:lstStyle/>
+                    <a:p>
+                      <a:r>
+                        <a:rPr lang="de-DE" sz="1200" dirty="0"/>
+                        <a:t>Anrede</a:t>
+                      </a:r>
+                    </a:p>
+                  </a:txBody>
+                  <a:tcPr/>
+                </a:tc>
+                <a:tc>
+                  <a:txBody>
+                    <a:bodyPr/>
+                    <a:lstStyle/>
+                    <a:p>
+                      <a:r>
+                        <a:rPr lang="de-DE" sz="1200" dirty="0"/>
+                        <a:t>Du</a:t>
+                      </a:r>
+                    </a:p>
+                  </a:txBody>
+                  <a:tcPr/>
+                </a:tc>
+                <a:extLst>
+                  <a:ext uri="{0D108BD9-81ED-4DB2-BD59-A6C34878D82A}">
+                    <a16:rowId xmlns:a16="http://schemas.microsoft.com/office/drawing/2014/main" val="1282899089"/>
+                  </a:ext>
+                </a:extLst>
+              </a:tr>
+              <a:tr h="253229">
+                <a:tc>
+                  <a:txBody>
+                    <a:bodyPr/>
+                    <a:lstStyle/>
+                    <a:p>
+                      <a:r>
+                        <a:rPr lang="de-DE" sz="1200" dirty="0"/>
+                        <a:t>Alternative Keywords</a:t>
+                      </a:r>
+                    </a:p>
+                  </a:txBody>
+                  <a:tcPr/>
+                </a:tc>
+                <a:tc>
+                  <a:txBody>
+                    <a:bodyPr/>
+                    <a:lstStyle/>
+                    <a:p>
+                      <a:r>
+                        <a:rPr lang="de-DE" sz="1200" dirty="0"/>
+                        <a:t>-</a:t>
+                      </a:r>
+                    </a:p>
+                  </a:txBody>
+                  <a:tcPr/>
+                </a:tc>
+                <a:extLst>
+                  <a:ext uri="{0D108BD9-81ED-4DB2-BD59-A6C34878D82A}">
+                    <a16:rowId xmlns:a16="http://schemas.microsoft.com/office/drawing/2014/main" val="2985344660"/>
+                  </a:ext>
+                </a:extLst>
+              </a:tr>
+            </a:tbl>
+          </a:graphicData>
+        </a:graphic>
+      </p:graphicFrame>
+      <p:sp>
+        <p:nvSpPr>
+          <p:cNvPr id="6" name="Textfeld 5">
+            <a:extLst>
+              <a:ext uri="{FF2B5EF4-FFF2-40B4-BE49-F238E27FC236}">
+                <a16:creationId xmlns:a16="http://schemas.microsoft.com/office/drawing/2014/main" id="{45109A6C-7ADE-D411-10F4-E4BB24A600EC}"/>
+              </a:ext>
+            </a:extLst>
+          </p:cNvPr>
+          <p:cNvSpPr txBox="1"/>
+          <p:nvPr/>
+        </p:nvSpPr>
+        <p:spPr>
+          <a:xfrm>
+            <a:off x="7497011" y="1516136"/>
+            <a:ext cx="3820277" cy="341632"/>
+          </a:xfrm>
+          <a:prstGeom prst="rect">
+            <a:avLst/>
+          </a:prstGeom>
+          <a:noFill/>
+        </p:spPr>
+        <p:txBody>
+          <a:bodyPr wrap="none" rtlCol="0">
+            <a:spAutoFit/>
+          </a:bodyPr>
+          <a:lstStyle/>
+          <a:p>
+            <a:r>
+              <a:rPr lang="de-DE" b="1" i="1" dirty="0"/>
+              <a:t>Vorschlag des Recommender-System</a:t>
+            </a:r>
+          </a:p>
+        </p:txBody>
+      </p:sp>
+      <p:graphicFrame>
+        <p:nvGraphicFramePr>
+          <p:cNvPr id="7" name="Tabelle 5">
+            <a:extLst>
+              <a:ext uri="{FF2B5EF4-FFF2-40B4-BE49-F238E27FC236}">
+                <a16:creationId xmlns:a16="http://schemas.microsoft.com/office/drawing/2014/main" id="{3A966E47-C0A1-F355-8B5A-F5AEF22C6038}"/>
+              </a:ext>
+            </a:extLst>
+          </p:cNvPr>
+          <p:cNvGraphicFramePr>
+            <a:graphicFrameLocks noGrp="1"/>
+          </p:cNvGraphicFramePr>
+          <p:nvPr>
+            <p:extLst>
+              <p:ext uri="{D42A27DB-BD31-4B8C-83A1-F6EECF244321}">
+                <p14:modId xmlns:p14="http://schemas.microsoft.com/office/powerpoint/2010/main" val="1301394766"/>
+              </p:ext>
+            </p:extLst>
+          </p:nvPr>
+        </p:nvGraphicFramePr>
+        <p:xfrm>
+          <a:off x="874712" y="1857768"/>
+          <a:ext cx="2587444" cy="2377440"/>
+        </p:xfrm>
+        <a:graphic>
+          <a:graphicData uri="http://schemas.openxmlformats.org/drawingml/2006/table">
+            <a:tbl>
+              <a:tblPr firstRow="1" bandRow="1">
+                <a:tableStyleId>{073A0DAA-6AF3-43AB-8588-CEC1D06C72B9}</a:tableStyleId>
+              </a:tblPr>
+              <a:tblGrid>
+                <a:gridCol w="1331016">
+                  <a:extLst>
+                    <a:ext uri="{9D8B030D-6E8A-4147-A177-3AD203B41FA5}">
+                      <a16:colId xmlns:a16="http://schemas.microsoft.com/office/drawing/2014/main" val="1200783749"/>
+                    </a:ext>
+                  </a:extLst>
+                </a:gridCol>
+                <a:gridCol w="1256428">
+                  <a:extLst>
+                    <a:ext uri="{9D8B030D-6E8A-4147-A177-3AD203B41FA5}">
+                      <a16:colId xmlns:a16="http://schemas.microsoft.com/office/drawing/2014/main" val="564832144"/>
+                    </a:ext>
+                  </a:extLst>
+                </a:gridCol>
+              </a:tblGrid>
+              <a:tr h="253229">
+                <a:tc>
+                  <a:txBody>
+                    <a:bodyPr/>
+                    <a:lstStyle/>
+                    <a:p>
+                      <a:r>
+                        <a:rPr lang="de-DE" sz="1200" dirty="0"/>
+                        <a:t>Profil</a:t>
+                      </a:r>
+                    </a:p>
+                  </a:txBody>
+                  <a:tcPr/>
+                </a:tc>
+                <a:tc>
+                  <a:txBody>
+                    <a:bodyPr/>
+                    <a:lstStyle/>
+                    <a:p>
+                      <a:endParaRPr lang="de-DE" sz="1200" dirty="0"/>
+                    </a:p>
+                  </a:txBody>
+                  <a:tcPr/>
+                </a:tc>
+                <a:extLst>
+                  <a:ext uri="{0D108BD9-81ED-4DB2-BD59-A6C34878D82A}">
+                    <a16:rowId xmlns:a16="http://schemas.microsoft.com/office/drawing/2014/main" val="1323979079"/>
+                  </a:ext>
+                </a:extLst>
+              </a:tr>
+              <a:tr h="253229">
+                <a:tc>
+                  <a:txBody>
+                    <a:bodyPr/>
+                    <a:lstStyle/>
+                    <a:p>
+                      <a:r>
+                        <a:rPr lang="de-DE" sz="1200" dirty="0"/>
+                        <a:t>ID</a:t>
+                      </a:r>
+                    </a:p>
+                  </a:txBody>
+                  <a:tcPr/>
+                </a:tc>
+                <a:tc>
+                  <a:txBody>
+                    <a:bodyPr/>
+                    <a:lstStyle/>
+                    <a:p>
+                      <a:r>
+                        <a:rPr lang="de-DE" sz="1200" dirty="0"/>
+                        <a:t>1</a:t>
+                      </a:r>
+                    </a:p>
+                  </a:txBody>
+                  <a:tcPr/>
+                </a:tc>
+                <a:extLst>
+                  <a:ext uri="{0D108BD9-81ED-4DB2-BD59-A6C34878D82A}">
+                    <a16:rowId xmlns:a16="http://schemas.microsoft.com/office/drawing/2014/main" val="3943069711"/>
+                  </a:ext>
+                </a:extLst>
+              </a:tr>
+              <a:tr h="253229">
+                <a:tc>
+                  <a:txBody>
+                    <a:bodyPr/>
+                    <a:lstStyle/>
+                    <a:p>
+                      <a:r>
+                        <a:rPr lang="de-DE" sz="1200" dirty="0"/>
+                        <a:t>Name</a:t>
+                      </a:r>
+                    </a:p>
+                  </a:txBody>
+                  <a:tcPr/>
+                </a:tc>
+                <a:tc>
+                  <a:txBody>
+                    <a:bodyPr/>
+                    <a:lstStyle/>
+                    <a:p>
+                      <a:r>
+                        <a:rPr lang="de-DE" sz="1200" dirty="0"/>
+                        <a:t>Giesela Müller</a:t>
+                      </a:r>
+                    </a:p>
+                  </a:txBody>
+                  <a:tcPr/>
+                </a:tc>
+                <a:extLst>
+                  <a:ext uri="{0D108BD9-81ED-4DB2-BD59-A6C34878D82A}">
+                    <a16:rowId xmlns:a16="http://schemas.microsoft.com/office/drawing/2014/main" val="3424107606"/>
+                  </a:ext>
+                </a:extLst>
+              </a:tr>
+              <a:tr h="253229">
+                <a:tc>
+                  <a:txBody>
+                    <a:bodyPr/>
+                    <a:lstStyle/>
+                    <a:p>
+                      <a:r>
+                        <a:rPr lang="de-DE" sz="1200" dirty="0"/>
+                        <a:t>Geschlecht</a:t>
+                      </a:r>
+                    </a:p>
+                  </a:txBody>
+                  <a:tcPr/>
+                </a:tc>
+                <a:tc>
+                  <a:txBody>
+                    <a:bodyPr/>
+                    <a:lstStyle/>
+                    <a:p>
+                      <a:r>
+                        <a:rPr lang="de-DE" sz="1200" dirty="0"/>
+                        <a:t>Weiblich</a:t>
+                      </a:r>
+                    </a:p>
+                  </a:txBody>
+                  <a:tcPr/>
+                </a:tc>
+                <a:extLst>
+                  <a:ext uri="{0D108BD9-81ED-4DB2-BD59-A6C34878D82A}">
+                    <a16:rowId xmlns:a16="http://schemas.microsoft.com/office/drawing/2014/main" val="4091870542"/>
+                  </a:ext>
+                </a:extLst>
+              </a:tr>
+              <a:tr h="253229">
+                <a:tc>
+                  <a:txBody>
+                    <a:bodyPr/>
+                    <a:lstStyle/>
+                    <a:p>
+                      <a:r>
+                        <a:rPr lang="de-DE" sz="1200" dirty="0"/>
+                        <a:t>Alter</a:t>
+                      </a:r>
+                    </a:p>
+                  </a:txBody>
+                  <a:tcPr/>
+                </a:tc>
+                <a:tc>
+                  <a:txBody>
+                    <a:bodyPr/>
+                    <a:lstStyle/>
+                    <a:p>
+                      <a:r>
+                        <a:rPr lang="de-DE" sz="1200" dirty="0"/>
+                        <a:t>92</a:t>
+                      </a:r>
+                    </a:p>
+                  </a:txBody>
+                  <a:tcPr/>
+                </a:tc>
+                <a:extLst>
+                  <a:ext uri="{0D108BD9-81ED-4DB2-BD59-A6C34878D82A}">
+                    <a16:rowId xmlns:a16="http://schemas.microsoft.com/office/drawing/2014/main" val="1051169168"/>
+                  </a:ext>
+                </a:extLst>
+              </a:tr>
+              <a:tr h="253229">
+                <a:tc>
+                  <a:txBody>
+                    <a:bodyPr/>
+                    <a:lstStyle/>
+                    <a:p>
+                      <a:r>
+                        <a:rPr lang="de-DE" sz="1200" dirty="0"/>
+                        <a:t>Sprache</a:t>
+                      </a:r>
+                    </a:p>
+                  </a:txBody>
+                  <a:tcPr/>
+                </a:tc>
+                <a:tc>
+                  <a:txBody>
+                    <a:bodyPr/>
+                    <a:lstStyle/>
+                    <a:p>
+                      <a:r>
+                        <a:rPr lang="de-DE" sz="1200" dirty="0"/>
+                        <a:t>Deutsch</a:t>
+                      </a:r>
+                    </a:p>
+                  </a:txBody>
+                  <a:tcPr/>
+                </a:tc>
+                <a:extLst>
+                  <a:ext uri="{0D108BD9-81ED-4DB2-BD59-A6C34878D82A}">
+                    <a16:rowId xmlns:a16="http://schemas.microsoft.com/office/drawing/2014/main" val="2112996931"/>
+                  </a:ext>
+                </a:extLst>
+              </a:tr>
+              <a:tr h="253229">
+                <a:tc>
+                  <a:txBody>
+                    <a:bodyPr/>
+                    <a:lstStyle/>
+                    <a:p>
+                      <a:r>
+                        <a:rPr lang="de-DE" sz="1200" dirty="0"/>
+                        <a:t>Hörgerät</a:t>
+                      </a:r>
+                    </a:p>
+                  </a:txBody>
+                  <a:tcPr/>
+                </a:tc>
+                <a:tc>
+                  <a:txBody>
+                    <a:bodyPr/>
+                    <a:lstStyle/>
+                    <a:p>
+                      <a:r>
+                        <a:rPr lang="de-DE" sz="1200" dirty="0"/>
+                        <a:t>Nein</a:t>
+                      </a:r>
+                    </a:p>
+                  </a:txBody>
+                  <a:tcPr/>
+                </a:tc>
+                <a:extLst>
+                  <a:ext uri="{0D108BD9-81ED-4DB2-BD59-A6C34878D82A}">
+                    <a16:rowId xmlns:a16="http://schemas.microsoft.com/office/drawing/2014/main" val="2637411601"/>
+                  </a:ext>
+                </a:extLst>
+              </a:tr>
+              <a:tr h="253229">
+                <a:tc>
+                  <a:txBody>
+                    <a:bodyPr/>
+                    <a:lstStyle/>
+                    <a:p>
+                      <a:r>
+                        <a:rPr lang="de-DE" sz="1200" dirty="0"/>
+                        <a:t>Technische Vorkenntnisse</a:t>
+                      </a:r>
+                    </a:p>
+                  </a:txBody>
+                  <a:tcPr/>
+                </a:tc>
+                <a:tc>
+                  <a:txBody>
+                    <a:bodyPr/>
+                    <a:lstStyle/>
+                    <a:p>
+                      <a:r>
+                        <a:rPr lang="de-DE" sz="1200" dirty="0"/>
+                        <a:t>Ja</a:t>
+                      </a:r>
+                    </a:p>
+                  </a:txBody>
+                  <a:tcPr/>
+                </a:tc>
+                <a:extLst>
+                  <a:ext uri="{0D108BD9-81ED-4DB2-BD59-A6C34878D82A}">
+                    <a16:rowId xmlns:a16="http://schemas.microsoft.com/office/drawing/2014/main" val="3982867020"/>
+                  </a:ext>
+                </a:extLst>
+              </a:tr>
+            </a:tbl>
+          </a:graphicData>
+        </a:graphic>
+      </p:graphicFrame>
+      <p:pic>
+        <p:nvPicPr>
+          <p:cNvPr id="3074" name="Picture 2">
+            <a:extLst>
+              <a:ext uri="{FF2B5EF4-FFF2-40B4-BE49-F238E27FC236}">
+                <a16:creationId xmlns:a16="http://schemas.microsoft.com/office/drawing/2014/main" id="{322BBCDE-B354-E706-B831-A9BA4855F6E1}"/>
+              </a:ext>
+            </a:extLst>
+          </p:cNvPr>
+          <p:cNvPicPr>
+            <a:picLocks noChangeAspect="1" noChangeArrowheads="1"/>
+          </p:cNvPicPr>
+          <p:nvPr/>
+        </p:nvPicPr>
+        <p:blipFill>
+          <a:blip r:embed="rId2" cstate="print">
+            <a:extLst>
+              <a:ext uri="{28A0092B-C50C-407E-A947-70E740481C1C}">
+                <a14:useLocalDpi xmlns:a14="http://schemas.microsoft.com/office/drawing/2010/main" val="0"/>
+              </a:ext>
+            </a:extLst>
+          </a:blip>
+          <a:srcRect/>
+          <a:stretch>
+            <a:fillRect/>
+          </a:stretch>
+        </p:blipFill>
+        <p:spPr bwMode="auto">
+          <a:xfrm>
+            <a:off x="4644087" y="2144033"/>
+            <a:ext cx="1729220" cy="1804910"/>
+          </a:xfrm>
+          <a:prstGeom prst="rect">
+            <a:avLst/>
+          </a:prstGeom>
+          <a:noFill/>
+          <a:extLst>
+            <a:ext uri="{909E8E84-426E-40DD-AFC4-6F175D3DCCD1}">
+              <a14:hiddenFill xmlns:a14="http://schemas.microsoft.com/office/drawing/2010/main">
+                <a:solidFill>
+                  <a:srgbClr val="FFFFFF"/>
+                </a:solidFill>
+              </a14:hiddenFill>
+            </a:ext>
+          </a:extLst>
+        </p:spPr>
+      </p:pic>
+      <p:sp>
+        <p:nvSpPr>
+          <p:cNvPr id="9" name="Pfeil: nach rechts 8">
+            <a:extLst>
+              <a:ext uri="{FF2B5EF4-FFF2-40B4-BE49-F238E27FC236}">
+                <a16:creationId xmlns:a16="http://schemas.microsoft.com/office/drawing/2014/main" id="{785AB0CB-3D27-8D05-88BC-CC30572BA162}"/>
+              </a:ext>
+            </a:extLst>
+          </p:cNvPr>
+          <p:cNvSpPr/>
+          <p:nvPr/>
+        </p:nvSpPr>
+        <p:spPr>
+          <a:xfrm>
+            <a:off x="3812306" y="2931315"/>
+            <a:ext cx="481630" cy="230345"/>
+          </a:xfrm>
+          <a:prstGeom prst="rightArrow">
+            <a:avLst/>
+          </a:prstGeom>
+          <a:solidFill>
+            <a:schemeClr val="tx1"/>
+          </a:solidFill>
+          <a:ln>
+            <a:noFill/>
+          </a:ln>
+        </p:spPr>
+        <p:style>
+          <a:lnRef idx="2">
+            <a:schemeClr val="accent1">
+              <a:shade val="50000"/>
+            </a:schemeClr>
+          </a:lnRef>
+          <a:fillRef idx="1">
+            <a:schemeClr val="accent1"/>
+          </a:fillRef>
+          <a:effectRef idx="0">
+            <a:schemeClr val="accent1"/>
+          </a:effectRef>
+          <a:fontRef idx="minor">
+            <a:schemeClr val="lt1"/>
+          </a:fontRef>
+        </p:style>
+        <p:txBody>
+          <a:bodyPr rtlCol="0" anchor="ctr"/>
+          <a:lstStyle/>
+          <a:p>
+            <a:pPr algn="ctr"/>
+            <a:endParaRPr lang="de-DE"/>
+          </a:p>
+        </p:txBody>
+      </p:sp>
+      <p:sp>
+        <p:nvSpPr>
+          <p:cNvPr id="10" name="Pfeil: nach rechts 9">
+            <a:extLst>
+              <a:ext uri="{FF2B5EF4-FFF2-40B4-BE49-F238E27FC236}">
+                <a16:creationId xmlns:a16="http://schemas.microsoft.com/office/drawing/2014/main" id="{69E708CB-6D62-7E13-359C-2C932118BB46}"/>
+              </a:ext>
+            </a:extLst>
+          </p:cNvPr>
+          <p:cNvSpPr/>
+          <p:nvPr/>
+        </p:nvSpPr>
+        <p:spPr>
+          <a:xfrm>
+            <a:off x="6723457" y="2931315"/>
+            <a:ext cx="481630" cy="230345"/>
+          </a:xfrm>
+          <a:prstGeom prst="rightArrow">
+            <a:avLst/>
+          </a:prstGeom>
+          <a:solidFill>
+            <a:schemeClr val="tx1"/>
+          </a:solidFill>
+          <a:ln>
+            <a:noFill/>
+          </a:ln>
+        </p:spPr>
+        <p:style>
+          <a:lnRef idx="2">
+            <a:schemeClr val="accent1">
+              <a:shade val="50000"/>
+            </a:schemeClr>
+          </a:lnRef>
+          <a:fillRef idx="1">
+            <a:schemeClr val="accent1"/>
+          </a:fillRef>
+          <a:effectRef idx="0">
+            <a:schemeClr val="accent1"/>
+          </a:effectRef>
+          <a:fontRef idx="minor">
+            <a:schemeClr val="lt1"/>
+          </a:fontRef>
+        </p:style>
+        <p:txBody>
+          <a:bodyPr rtlCol="0" anchor="ctr"/>
+          <a:lstStyle/>
+          <a:p>
+            <a:pPr algn="ctr"/>
+            <a:endParaRPr lang="de-DE"/>
+          </a:p>
+        </p:txBody>
+      </p:sp>
+      <p:sp>
+        <p:nvSpPr>
+          <p:cNvPr id="12" name="Textfeld 11">
+            <a:extLst>
+              <a:ext uri="{FF2B5EF4-FFF2-40B4-BE49-F238E27FC236}">
+                <a16:creationId xmlns:a16="http://schemas.microsoft.com/office/drawing/2014/main" id="{3E7D8EF1-DF45-28A4-88AF-71AED896A970}"/>
+              </a:ext>
+            </a:extLst>
+          </p:cNvPr>
+          <p:cNvSpPr txBox="1"/>
+          <p:nvPr/>
+        </p:nvSpPr>
+        <p:spPr>
+          <a:xfrm>
+            <a:off x="4644087" y="1516136"/>
+            <a:ext cx="1887055" cy="341632"/>
+          </a:xfrm>
+          <a:prstGeom prst="rect">
+            <a:avLst/>
+          </a:prstGeom>
+          <a:noFill/>
+        </p:spPr>
+        <p:txBody>
+          <a:bodyPr wrap="none" rtlCol="0">
+            <a:spAutoFit/>
+          </a:bodyPr>
+          <a:lstStyle/>
+          <a:p>
+            <a:r>
+              <a:rPr lang="de-DE" b="1" i="1" dirty="0"/>
+              <a:t>KNN-Algorithmus</a:t>
+            </a:r>
+          </a:p>
+        </p:txBody>
+      </p:sp>
+      <p:sp>
+        <p:nvSpPr>
+          <p:cNvPr id="13" name="Inhaltsplatzhalter 2">
+            <a:extLst>
+              <a:ext uri="{FF2B5EF4-FFF2-40B4-BE49-F238E27FC236}">
+                <a16:creationId xmlns:a16="http://schemas.microsoft.com/office/drawing/2014/main" id="{5B567584-41D2-E4FD-71A4-FA4576DAE25C}"/>
+              </a:ext>
+            </a:extLst>
+          </p:cNvPr>
+          <p:cNvSpPr txBox="1">
+            <a:spLocks/>
+          </p:cNvSpPr>
+          <p:nvPr/>
+        </p:nvSpPr>
+        <p:spPr>
+          <a:xfrm>
+            <a:off x="4625153" y="4103366"/>
+            <a:ext cx="324384" cy="263684"/>
+          </a:xfrm>
+          <a:prstGeom prst="rect">
+            <a:avLst/>
+          </a:prstGeom>
+          <a:ln>
+            <a:noFill/>
+          </a:ln>
+        </p:spPr>
+        <p:txBody>
+          <a:bodyPr vert="horz" lIns="0" tIns="0" rIns="0" bIns="0" rtlCol="0">
+            <a:noAutofit/>
+          </a:bodyPr>
+          <a:lstStyle>
+            <a:lvl1pPr marL="0" indent="0" algn="l" defTabSz="914269" rtl="0" eaLnBrk="1" latinLnBrk="0" hangingPunct="1">
+              <a:spcBef>
+                <a:spcPts val="1200"/>
+              </a:spcBef>
+              <a:buFont typeface="Arial" panose="020B0604020202020204" pitchFamily="34" charset="0"/>
+              <a:buNone/>
+              <a:defRPr sz="1600" kern="1200">
+                <a:solidFill>
+                  <a:schemeClr val="tx2"/>
+                </a:solidFill>
+                <a:latin typeface="Open Sans" panose="020B0606030504020204" pitchFamily="34" charset="0"/>
+                <a:ea typeface="+mn-ea"/>
+                <a:cs typeface="+mn-cs"/>
+              </a:defRPr>
+            </a:lvl1pPr>
+            <a:lvl2pPr marL="395942" indent="-323953" algn="l" defTabSz="914269" rtl="0" eaLnBrk="1" latinLnBrk="0" hangingPunct="1">
+              <a:spcBef>
+                <a:spcPts val="300"/>
+              </a:spcBef>
+              <a:buFont typeface="Open Sans" panose="020B0606030504020204" pitchFamily="34" charset="0"/>
+              <a:buChar char="—"/>
+              <a:defRPr sz="1600" kern="1200">
+                <a:solidFill>
+                  <a:schemeClr val="tx2"/>
+                </a:solidFill>
+                <a:latin typeface="Open Sans" panose="020B0606030504020204" pitchFamily="34" charset="0"/>
+                <a:ea typeface="+mn-ea"/>
+                <a:cs typeface="+mn-cs"/>
+              </a:defRPr>
+            </a:lvl2pPr>
+            <a:lvl3pPr marL="0" indent="0" algn="l" defTabSz="914269" rtl="0" eaLnBrk="1" latinLnBrk="0" hangingPunct="1">
+              <a:spcBef>
+                <a:spcPts val="1200"/>
+              </a:spcBef>
+              <a:buFont typeface="Arial" panose="020B0604020202020204" pitchFamily="34" charset="0"/>
+              <a:buNone/>
+              <a:defRPr sz="1400" kern="1200">
+                <a:solidFill>
+                  <a:schemeClr val="tx2"/>
+                </a:solidFill>
+                <a:latin typeface="Open Sans" panose="020B0606030504020204" pitchFamily="34" charset="0"/>
+                <a:ea typeface="+mn-ea"/>
+                <a:cs typeface="+mn-cs"/>
+              </a:defRPr>
+            </a:lvl3pPr>
+            <a:lvl4pPr marL="395942" indent="-215969" algn="l" defTabSz="914269" rtl="0" eaLnBrk="1" latinLnBrk="0" hangingPunct="1">
+              <a:spcBef>
+                <a:spcPts val="300"/>
+              </a:spcBef>
+              <a:buFont typeface="Symbol" panose="05050102010706020507" pitchFamily="18" charset="2"/>
+              <a:buChar char="-"/>
+              <a:defRPr sz="1400" kern="1200">
+                <a:solidFill>
+                  <a:schemeClr val="tx2"/>
+                </a:solidFill>
+                <a:latin typeface="Open Sans" panose="020B0606030504020204" pitchFamily="34" charset="0"/>
+                <a:ea typeface="+mn-ea"/>
+                <a:cs typeface="+mn-cs"/>
+              </a:defRPr>
+            </a:lvl4pPr>
+            <a:lvl5pPr marL="575916" indent="-179362" algn="l" defTabSz="914269" rtl="0" eaLnBrk="1" latinLnBrk="0" hangingPunct="1">
+              <a:spcBef>
+                <a:spcPts val="300"/>
+              </a:spcBef>
+              <a:buFont typeface="Symbol" panose="05050102010706020507" pitchFamily="18" charset="2"/>
+              <a:buChar char="-"/>
+              <a:defRPr sz="1400" kern="1200" baseline="0">
+                <a:solidFill>
+                  <a:schemeClr val="tx2"/>
+                </a:solidFill>
+                <a:latin typeface="Open Sans" panose="020B0606030504020204" pitchFamily="34" charset="0"/>
+                <a:ea typeface="+mn-ea"/>
+                <a:cs typeface="+mn-cs"/>
+              </a:defRPr>
+            </a:lvl5pPr>
+            <a:lvl6pPr marL="358723" indent="0" algn="l" defTabSz="914269" rtl="0" eaLnBrk="1" latinLnBrk="0" hangingPunct="1">
+              <a:spcBef>
+                <a:spcPts val="0"/>
+              </a:spcBef>
+              <a:buFont typeface="Arial" panose="020B0604020202020204" pitchFamily="34" charset="0"/>
+              <a:buNone/>
+              <a:defRPr sz="3200" b="1" kern="1200">
+                <a:solidFill>
+                  <a:schemeClr val="bg1"/>
+                </a:solidFill>
+                <a:latin typeface="+mn-lt"/>
+                <a:ea typeface="+mn-ea"/>
+                <a:cs typeface="+mn-cs"/>
+              </a:defRPr>
+            </a:lvl6pPr>
+            <a:lvl7pPr marL="358723" indent="0" algn="l" defTabSz="914269" rtl="0" eaLnBrk="1" latinLnBrk="0" hangingPunct="1">
+              <a:spcBef>
+                <a:spcPts val="0"/>
+              </a:spcBef>
+              <a:buFont typeface="Arial" panose="020B0604020202020204" pitchFamily="34" charset="0"/>
+              <a:buNone/>
+              <a:defRPr sz="3200" kern="1200">
+                <a:solidFill>
+                  <a:schemeClr val="bg1"/>
+                </a:solidFill>
+                <a:latin typeface="+mn-lt"/>
+                <a:ea typeface="+mn-ea"/>
+                <a:cs typeface="+mn-cs"/>
+              </a:defRPr>
+            </a:lvl7pPr>
+            <a:lvl8pPr marL="3428502" indent="-228566" algn="l" defTabSz="914269" rtl="0" eaLnBrk="1" latinLnBrk="0" hangingPunct="1">
+              <a:spcBef>
+                <a:spcPct val="20000"/>
+              </a:spcBef>
+              <a:buFont typeface="Arial" panose="020B0604020202020204" pitchFamily="34" charset="0"/>
+              <a:buChar char="•"/>
+              <a:defRPr sz="2000" kern="1200">
+                <a:solidFill>
+                  <a:schemeClr val="tx1"/>
+                </a:solidFill>
+                <a:latin typeface="+mn-lt"/>
+                <a:ea typeface="+mn-ea"/>
+                <a:cs typeface="+mn-cs"/>
+              </a:defRPr>
+            </a:lvl8pPr>
+            <a:lvl9pPr marL="3885635" indent="-228566" algn="l" defTabSz="914269" rtl="0" eaLnBrk="1" latinLnBrk="0" hangingPunct="1">
+              <a:spcBef>
+                <a:spcPct val="20000"/>
+              </a:spcBef>
+              <a:buFont typeface="Arial" panose="020B0604020202020204" pitchFamily="34" charset="0"/>
+              <a:buChar char="•"/>
+              <a:defRPr sz="2000" kern="1200">
+                <a:solidFill>
+                  <a:schemeClr val="tx1"/>
+                </a:solidFill>
+                <a:latin typeface="+mn-lt"/>
+                <a:ea typeface="+mn-ea"/>
+                <a:cs typeface="+mn-cs"/>
+              </a:defRPr>
+            </a:lvl9pPr>
+          </a:lstStyle>
+          <a:p>
+            <a:r>
+              <a:rPr lang="de-DE" sz="1050" dirty="0"/>
+              <a:t>[3]</a:t>
             </a:r>
           </a:p>
         </p:txBody>
@@ -9636,7 +10897,7 @@
     </p:spTree>
     <p:extLst>
       <p:ext uri="{BB962C8B-B14F-4D97-AF65-F5344CB8AC3E}">
-        <p14:creationId xmlns:p14="http://schemas.microsoft.com/office/powerpoint/2010/main" val="77817823"/>
+        <p14:creationId xmlns:p14="http://schemas.microsoft.com/office/powerpoint/2010/main" val="1506961229"/>
       </p:ext>
     </p:extLst>
   </p:cSld>
@@ -9663,10 +10924,1149 @@
           <a:chExt cx="0" cy="0"/>
         </a:xfrm>
       </p:grpSpPr>
+      <p:sp>
+        <p:nvSpPr>
+          <p:cNvPr id="2" name="Titel 1">
+            <a:extLst>
+              <a:ext uri="{FF2B5EF4-FFF2-40B4-BE49-F238E27FC236}">
+                <a16:creationId xmlns:a16="http://schemas.microsoft.com/office/drawing/2014/main" id="{E89DE46E-0B22-0C4D-B2C2-8BD4F3F851AD}"/>
+              </a:ext>
+            </a:extLst>
+          </p:cNvPr>
+          <p:cNvSpPr>
+            <a:spLocks noGrp="1"/>
+          </p:cNvSpPr>
+          <p:nvPr>
+            <p:ph type="title"/>
+          </p:nvPr>
+        </p:nvSpPr>
+        <p:spPr/>
+        <p:txBody>
+          <a:bodyPr/>
+          <a:lstStyle/>
+          <a:p>
+            <a:r>
+              <a:rPr lang="de-DE" dirty="0"/>
+              <a:t>Trainingsdaten</a:t>
+            </a:r>
+            <a:br>
+              <a:rPr lang="de-DE" dirty="0"/>
+            </a:br>
+            <a:r>
+              <a:rPr lang="de-DE" b="0" dirty="0"/>
+              <a:t>Zuordnung zwischen Charakteristiken und Funktion</a:t>
+            </a:r>
+          </a:p>
+        </p:txBody>
+      </p:sp>
+      <p:graphicFrame>
+        <p:nvGraphicFramePr>
+          <p:cNvPr id="3" name="Tabelle 5">
+            <a:extLst>
+              <a:ext uri="{FF2B5EF4-FFF2-40B4-BE49-F238E27FC236}">
+                <a16:creationId xmlns:a16="http://schemas.microsoft.com/office/drawing/2014/main" id="{1118FA34-5E82-2E2C-6635-2D4B878E4300}"/>
+              </a:ext>
+            </a:extLst>
+          </p:cNvPr>
+          <p:cNvGraphicFramePr>
+            <a:graphicFrameLocks noGrp="1"/>
+          </p:cNvGraphicFramePr>
+          <p:nvPr>
+            <p:extLst>
+              <p:ext uri="{D42A27DB-BD31-4B8C-83A1-F6EECF244321}">
+                <p14:modId xmlns:p14="http://schemas.microsoft.com/office/powerpoint/2010/main" val="2811130794"/>
+              </p:ext>
+            </p:extLst>
+          </p:nvPr>
+        </p:nvGraphicFramePr>
+        <p:xfrm>
+          <a:off x="7212242" y="1857768"/>
+          <a:ext cx="4243157" cy="3840480"/>
+        </p:xfrm>
+        <a:graphic>
+          <a:graphicData uri="http://schemas.openxmlformats.org/drawingml/2006/table">
+            <a:tbl>
+              <a:tblPr firstRow="1" bandRow="1">
+                <a:tableStyleId>{073A0DAA-6AF3-43AB-8588-CEC1D06C72B9}</a:tableStyleId>
+              </a:tblPr>
+              <a:tblGrid>
+                <a:gridCol w="2184012">
+                  <a:extLst>
+                    <a:ext uri="{9D8B030D-6E8A-4147-A177-3AD203B41FA5}">
+                      <a16:colId xmlns:a16="http://schemas.microsoft.com/office/drawing/2014/main" val="1200783749"/>
+                    </a:ext>
+                  </a:extLst>
+                </a:gridCol>
+                <a:gridCol w="2059145">
+                  <a:extLst>
+                    <a:ext uri="{9D8B030D-6E8A-4147-A177-3AD203B41FA5}">
+                      <a16:colId xmlns:a16="http://schemas.microsoft.com/office/drawing/2014/main" val="564832144"/>
+                    </a:ext>
+                  </a:extLst>
+                </a:gridCol>
+              </a:tblGrid>
+              <a:tr h="253229">
+                <a:tc>
+                  <a:txBody>
+                    <a:bodyPr/>
+                    <a:lstStyle/>
+                    <a:p>
+                      <a:r>
+                        <a:rPr lang="de-DE" sz="1200" dirty="0"/>
+                        <a:t>Feature</a:t>
+                      </a:r>
+                    </a:p>
+                  </a:txBody>
+                  <a:tcPr/>
+                </a:tc>
+                <a:tc>
+                  <a:txBody>
+                    <a:bodyPr/>
+                    <a:lstStyle/>
+                    <a:p>
+                      <a:r>
+                        <a:rPr lang="de-DE" sz="1200" dirty="0"/>
+                        <a:t>Konfiguration</a:t>
+                      </a:r>
+                    </a:p>
+                  </a:txBody>
+                  <a:tcPr/>
+                </a:tc>
+                <a:extLst>
+                  <a:ext uri="{0D108BD9-81ED-4DB2-BD59-A6C34878D82A}">
+                    <a16:rowId xmlns:a16="http://schemas.microsoft.com/office/drawing/2014/main" val="1323979079"/>
+                  </a:ext>
+                </a:extLst>
+              </a:tr>
+              <a:tr h="253229">
+                <a:tc>
+                  <a:txBody>
+                    <a:bodyPr/>
+                    <a:lstStyle/>
+                    <a:p>
+                      <a:r>
+                        <a:rPr lang="de-DE" sz="1200" dirty="0"/>
+                        <a:t>ID</a:t>
+                      </a:r>
+                    </a:p>
+                  </a:txBody>
+                  <a:tcPr/>
+                </a:tc>
+                <a:tc>
+                  <a:txBody>
+                    <a:bodyPr/>
+                    <a:lstStyle/>
+                    <a:p>
+                      <a:r>
+                        <a:rPr lang="de-DE" sz="1200" dirty="0"/>
+                        <a:t>ID</a:t>
+                      </a:r>
+                    </a:p>
+                  </a:txBody>
+                  <a:tcPr/>
+                </a:tc>
+                <a:extLst>
+                  <a:ext uri="{0D108BD9-81ED-4DB2-BD59-A6C34878D82A}">
+                    <a16:rowId xmlns:a16="http://schemas.microsoft.com/office/drawing/2014/main" val="3943069711"/>
+                  </a:ext>
+                </a:extLst>
+              </a:tr>
+              <a:tr h="253229">
+                <a:tc>
+                  <a:txBody>
+                    <a:bodyPr/>
+                    <a:lstStyle/>
+                    <a:p>
+                      <a:r>
+                        <a:rPr lang="de-DE" sz="1200" dirty="0"/>
+                        <a:t>Geschlecht</a:t>
+                      </a:r>
+                    </a:p>
+                  </a:txBody>
+                  <a:tcPr/>
+                </a:tc>
+                <a:tc>
+                  <a:txBody>
+                    <a:bodyPr/>
+                    <a:lstStyle/>
+                    <a:p>
+                      <a:r>
+                        <a:rPr lang="de-DE" sz="1200" dirty="0"/>
+                        <a:t>Männlich</a:t>
+                      </a:r>
+                    </a:p>
+                  </a:txBody>
+                  <a:tcPr/>
+                </a:tc>
+                <a:extLst>
+                  <a:ext uri="{0D108BD9-81ED-4DB2-BD59-A6C34878D82A}">
+                    <a16:rowId xmlns:a16="http://schemas.microsoft.com/office/drawing/2014/main" val="3424107606"/>
+                  </a:ext>
+                </a:extLst>
+              </a:tr>
+              <a:tr h="253229">
+                <a:tc>
+                  <a:txBody>
+                    <a:bodyPr/>
+                    <a:lstStyle/>
+                    <a:p>
+                      <a:r>
+                        <a:rPr lang="de-DE" sz="1200" dirty="0"/>
+                        <a:t>Tonlage</a:t>
+                      </a:r>
+                    </a:p>
+                  </a:txBody>
+                  <a:tcPr/>
+                </a:tc>
+                <a:tc>
+                  <a:txBody>
+                    <a:bodyPr/>
+                    <a:lstStyle/>
+                    <a:p>
+                      <a:r>
+                        <a:rPr lang="de-DE" sz="1200" dirty="0"/>
+                        <a:t>Normal</a:t>
+                      </a:r>
+                    </a:p>
+                  </a:txBody>
+                  <a:tcPr/>
+                </a:tc>
+                <a:extLst>
+                  <a:ext uri="{0D108BD9-81ED-4DB2-BD59-A6C34878D82A}">
+                    <a16:rowId xmlns:a16="http://schemas.microsoft.com/office/drawing/2014/main" val="4091870542"/>
+                  </a:ext>
+                </a:extLst>
+              </a:tr>
+              <a:tr h="253229">
+                <a:tc>
+                  <a:txBody>
+                    <a:bodyPr/>
+                    <a:lstStyle/>
+                    <a:p>
+                      <a:r>
+                        <a:rPr lang="de-DE" sz="1200" dirty="0"/>
+                        <a:t>Klang</a:t>
+                      </a:r>
+                    </a:p>
+                  </a:txBody>
+                  <a:tcPr/>
+                </a:tc>
+                <a:tc>
+                  <a:txBody>
+                    <a:bodyPr/>
+                    <a:lstStyle/>
+                    <a:p>
+                      <a:r>
+                        <a:rPr lang="de-DE" sz="1200" dirty="0"/>
+                        <a:t>Natürlich</a:t>
+                      </a:r>
+                    </a:p>
+                  </a:txBody>
+                  <a:tcPr/>
+                </a:tc>
+                <a:extLst>
+                  <a:ext uri="{0D108BD9-81ED-4DB2-BD59-A6C34878D82A}">
+                    <a16:rowId xmlns:a16="http://schemas.microsoft.com/office/drawing/2014/main" val="1051169168"/>
+                  </a:ext>
+                </a:extLst>
+              </a:tr>
+              <a:tr h="253229">
+                <a:tc>
+                  <a:txBody>
+                    <a:bodyPr/>
+                    <a:lstStyle/>
+                    <a:p>
+                      <a:r>
+                        <a:rPr lang="de-DE" sz="1200" dirty="0"/>
+                        <a:t>Lautstärke</a:t>
+                      </a:r>
+                    </a:p>
+                  </a:txBody>
+                  <a:tcPr/>
+                </a:tc>
+                <a:tc>
+                  <a:txBody>
+                    <a:bodyPr/>
+                    <a:lstStyle/>
+                    <a:p>
+                      <a:r>
+                        <a:rPr lang="de-DE" sz="1200" dirty="0"/>
+                        <a:t>3</a:t>
+                      </a:r>
+                    </a:p>
+                  </a:txBody>
+                  <a:tcPr/>
+                </a:tc>
+                <a:extLst>
+                  <a:ext uri="{0D108BD9-81ED-4DB2-BD59-A6C34878D82A}">
+                    <a16:rowId xmlns:a16="http://schemas.microsoft.com/office/drawing/2014/main" val="2112996931"/>
+                  </a:ext>
+                </a:extLst>
+              </a:tr>
+              <a:tr h="253229">
+                <a:tc>
+                  <a:txBody>
+                    <a:bodyPr/>
+                    <a:lstStyle/>
+                    <a:p>
+                      <a:r>
+                        <a:rPr lang="de-DE" sz="1200" dirty="0"/>
+                        <a:t>Pause zwischen den Sätzen</a:t>
+                      </a:r>
+                    </a:p>
+                  </a:txBody>
+                  <a:tcPr/>
+                </a:tc>
+                <a:tc>
+                  <a:txBody>
+                    <a:bodyPr/>
+                    <a:lstStyle/>
+                    <a:p>
+                      <a:r>
+                        <a:rPr lang="de-DE" sz="1200" dirty="0"/>
+                        <a:t>Kurz</a:t>
+                      </a:r>
+                    </a:p>
+                  </a:txBody>
+                  <a:tcPr/>
+                </a:tc>
+                <a:extLst>
+                  <a:ext uri="{0D108BD9-81ED-4DB2-BD59-A6C34878D82A}">
+                    <a16:rowId xmlns:a16="http://schemas.microsoft.com/office/drawing/2014/main" val="2637411601"/>
+                  </a:ext>
+                </a:extLst>
+              </a:tr>
+              <a:tr h="253229">
+                <a:tc>
+                  <a:txBody>
+                    <a:bodyPr/>
+                    <a:lstStyle/>
+                    <a:p>
+                      <a:r>
+                        <a:rPr lang="de-DE" sz="1200" dirty="0"/>
+                        <a:t>Sprechgeschwindigkeit</a:t>
+                      </a:r>
+                    </a:p>
+                  </a:txBody>
+                  <a:tcPr/>
+                </a:tc>
+                <a:tc>
+                  <a:txBody>
+                    <a:bodyPr/>
+                    <a:lstStyle/>
+                    <a:p>
+                      <a:r>
+                        <a:rPr lang="de-DE" sz="1200" dirty="0"/>
+                        <a:t>Durchschnittlich</a:t>
+                      </a:r>
+                    </a:p>
+                  </a:txBody>
+                  <a:tcPr/>
+                </a:tc>
+                <a:extLst>
+                  <a:ext uri="{0D108BD9-81ED-4DB2-BD59-A6C34878D82A}">
+                    <a16:rowId xmlns:a16="http://schemas.microsoft.com/office/drawing/2014/main" val="3982867020"/>
+                  </a:ext>
+                </a:extLst>
+              </a:tr>
+              <a:tr h="253229">
+                <a:tc>
+                  <a:txBody>
+                    <a:bodyPr/>
+                    <a:lstStyle/>
+                    <a:p>
+                      <a:r>
+                        <a:rPr lang="de-DE" sz="1200" dirty="0"/>
+                        <a:t>Satzlänge</a:t>
+                      </a:r>
+                    </a:p>
+                  </a:txBody>
+                  <a:tcPr/>
+                </a:tc>
+                <a:tc>
+                  <a:txBody>
+                    <a:bodyPr/>
+                    <a:lstStyle/>
+                    <a:p>
+                      <a:r>
+                        <a:rPr lang="de-DE" sz="1200" dirty="0"/>
+                        <a:t>Normal</a:t>
+                      </a:r>
+                    </a:p>
+                  </a:txBody>
+                  <a:tcPr/>
+                </a:tc>
+                <a:extLst>
+                  <a:ext uri="{0D108BD9-81ED-4DB2-BD59-A6C34878D82A}">
+                    <a16:rowId xmlns:a16="http://schemas.microsoft.com/office/drawing/2014/main" val="1920420549"/>
+                  </a:ext>
+                </a:extLst>
+              </a:tr>
+              <a:tr h="253229">
+                <a:tc>
+                  <a:txBody>
+                    <a:bodyPr/>
+                    <a:lstStyle/>
+                    <a:p>
+                      <a:r>
+                        <a:rPr lang="de-DE" sz="1200" dirty="0"/>
+                        <a:t>Vereinfachter Ausdruck</a:t>
+                      </a:r>
+                    </a:p>
+                  </a:txBody>
+                  <a:tcPr/>
+                </a:tc>
+                <a:tc>
+                  <a:txBody>
+                    <a:bodyPr/>
+                    <a:lstStyle/>
+                    <a:p>
+                      <a:r>
+                        <a:rPr lang="de-DE" sz="1200" dirty="0"/>
+                        <a:t>Nein</a:t>
+                      </a:r>
+                    </a:p>
+                  </a:txBody>
+                  <a:tcPr/>
+                </a:tc>
+                <a:extLst>
+                  <a:ext uri="{0D108BD9-81ED-4DB2-BD59-A6C34878D82A}">
+                    <a16:rowId xmlns:a16="http://schemas.microsoft.com/office/drawing/2014/main" val="1823208591"/>
+                  </a:ext>
+                </a:extLst>
+              </a:tr>
+              <a:tr h="253229">
+                <a:tc>
+                  <a:txBody>
+                    <a:bodyPr/>
+                    <a:lstStyle/>
+                    <a:p>
+                      <a:r>
+                        <a:rPr lang="de-DE" sz="1200" dirty="0"/>
+                        <a:t>Sprache</a:t>
+                      </a:r>
+                    </a:p>
+                  </a:txBody>
+                  <a:tcPr/>
+                </a:tc>
+                <a:tc>
+                  <a:txBody>
+                    <a:bodyPr/>
+                    <a:lstStyle/>
+                    <a:p>
+                      <a:r>
+                        <a:rPr lang="de-DE" sz="1200" dirty="0"/>
+                        <a:t>Deutsch</a:t>
+                      </a:r>
+                    </a:p>
+                  </a:txBody>
+                  <a:tcPr/>
+                </a:tc>
+                <a:extLst>
+                  <a:ext uri="{0D108BD9-81ED-4DB2-BD59-A6C34878D82A}">
+                    <a16:rowId xmlns:a16="http://schemas.microsoft.com/office/drawing/2014/main" val="1934673044"/>
+                  </a:ext>
+                </a:extLst>
+              </a:tr>
+              <a:tr h="253229">
+                <a:tc>
+                  <a:txBody>
+                    <a:bodyPr/>
+                    <a:lstStyle/>
+                    <a:p>
+                      <a:r>
+                        <a:rPr lang="de-DE" sz="1200" dirty="0"/>
+                        <a:t>Gesprächsorientierung</a:t>
+                      </a:r>
+                    </a:p>
+                  </a:txBody>
+                  <a:tcPr/>
+                </a:tc>
+                <a:tc>
+                  <a:txBody>
+                    <a:bodyPr/>
+                    <a:lstStyle/>
+                    <a:p>
+                      <a:r>
+                        <a:rPr lang="de-DE" sz="1200" dirty="0"/>
+                        <a:t>Aufgaben orientiert</a:t>
+                      </a:r>
+                    </a:p>
+                  </a:txBody>
+                  <a:tcPr/>
+                </a:tc>
+                <a:extLst>
+                  <a:ext uri="{0D108BD9-81ED-4DB2-BD59-A6C34878D82A}">
+                    <a16:rowId xmlns:a16="http://schemas.microsoft.com/office/drawing/2014/main" val="3134820202"/>
+                  </a:ext>
+                </a:extLst>
+              </a:tr>
+              <a:tr h="253229">
+                <a:tc>
+                  <a:txBody>
+                    <a:bodyPr/>
+                    <a:lstStyle/>
+                    <a:p>
+                      <a:r>
+                        <a:rPr lang="de-DE" sz="1200" dirty="0"/>
+                        <a:t>Anrede</a:t>
+                      </a:r>
+                    </a:p>
+                  </a:txBody>
+                  <a:tcPr/>
+                </a:tc>
+                <a:tc>
+                  <a:txBody>
+                    <a:bodyPr/>
+                    <a:lstStyle/>
+                    <a:p>
+                      <a:r>
+                        <a:rPr lang="de-DE" sz="1200" dirty="0"/>
+                        <a:t>Du</a:t>
+                      </a:r>
+                    </a:p>
+                  </a:txBody>
+                  <a:tcPr/>
+                </a:tc>
+                <a:extLst>
+                  <a:ext uri="{0D108BD9-81ED-4DB2-BD59-A6C34878D82A}">
+                    <a16:rowId xmlns:a16="http://schemas.microsoft.com/office/drawing/2014/main" val="1282899089"/>
+                  </a:ext>
+                </a:extLst>
+              </a:tr>
+              <a:tr h="253229">
+                <a:tc>
+                  <a:txBody>
+                    <a:bodyPr/>
+                    <a:lstStyle/>
+                    <a:p>
+                      <a:r>
+                        <a:rPr lang="de-DE" sz="1200" dirty="0"/>
+                        <a:t>Alternative Keywords</a:t>
+                      </a:r>
+                    </a:p>
+                  </a:txBody>
+                  <a:tcPr/>
+                </a:tc>
+                <a:tc>
+                  <a:txBody>
+                    <a:bodyPr/>
+                    <a:lstStyle/>
+                    <a:p>
+                      <a:r>
+                        <a:rPr lang="de-DE" sz="1200" dirty="0"/>
+                        <a:t>-</a:t>
+                      </a:r>
+                    </a:p>
+                  </a:txBody>
+                  <a:tcPr/>
+                </a:tc>
+                <a:extLst>
+                  <a:ext uri="{0D108BD9-81ED-4DB2-BD59-A6C34878D82A}">
+                    <a16:rowId xmlns:a16="http://schemas.microsoft.com/office/drawing/2014/main" val="2985344660"/>
+                  </a:ext>
+                </a:extLst>
+              </a:tr>
+            </a:tbl>
+          </a:graphicData>
+        </a:graphic>
+      </p:graphicFrame>
+      <p:sp>
+        <p:nvSpPr>
+          <p:cNvPr id="4" name="Textfeld 3">
+            <a:extLst>
+              <a:ext uri="{FF2B5EF4-FFF2-40B4-BE49-F238E27FC236}">
+                <a16:creationId xmlns:a16="http://schemas.microsoft.com/office/drawing/2014/main" id="{A38B8A8A-35D4-0C2D-514F-61094C3DDD16}"/>
+              </a:ext>
+            </a:extLst>
+          </p:cNvPr>
+          <p:cNvSpPr txBox="1"/>
+          <p:nvPr/>
+        </p:nvSpPr>
+        <p:spPr>
+          <a:xfrm>
+            <a:off x="7121500" y="1496639"/>
+            <a:ext cx="2319866" cy="341632"/>
+          </a:xfrm>
+          <a:prstGeom prst="rect">
+            <a:avLst/>
+          </a:prstGeom>
+          <a:noFill/>
+        </p:spPr>
+        <p:txBody>
+          <a:bodyPr wrap="none" rtlCol="0">
+            <a:spAutoFit/>
+          </a:bodyPr>
+          <a:lstStyle/>
+          <a:p>
+            <a:r>
+              <a:rPr lang="de-DE" b="1" i="1" dirty="0"/>
+              <a:t>Default Konfiguration</a:t>
+            </a:r>
+          </a:p>
+        </p:txBody>
+      </p:sp>
+      <p:sp>
+        <p:nvSpPr>
+          <p:cNvPr id="5" name="Rechteck: abgerundete Ecken 4">
+            <a:extLst>
+              <a:ext uri="{FF2B5EF4-FFF2-40B4-BE49-F238E27FC236}">
+                <a16:creationId xmlns:a16="http://schemas.microsoft.com/office/drawing/2014/main" id="{E1F46A39-D101-ED96-2E65-CEB1A8E6D33E}"/>
+              </a:ext>
+            </a:extLst>
+          </p:cNvPr>
+          <p:cNvSpPr/>
+          <p:nvPr/>
+        </p:nvSpPr>
+        <p:spPr>
+          <a:xfrm>
+            <a:off x="897007" y="2388213"/>
+            <a:ext cx="628214" cy="244305"/>
+          </a:xfrm>
+          <a:prstGeom prst="roundRect">
+            <a:avLst/>
+          </a:prstGeom>
+          <a:solidFill>
+            <a:srgbClr val="28618C"/>
+          </a:solidFill>
+          <a:ln>
+            <a:noFill/>
+          </a:ln>
+        </p:spPr>
+        <p:style>
+          <a:lnRef idx="2">
+            <a:schemeClr val="accent1">
+              <a:shade val="50000"/>
+            </a:schemeClr>
+          </a:lnRef>
+          <a:fillRef idx="1">
+            <a:schemeClr val="accent1"/>
+          </a:fillRef>
+          <a:effectRef idx="0">
+            <a:schemeClr val="accent1"/>
+          </a:effectRef>
+          <a:fontRef idx="minor">
+            <a:schemeClr val="lt1"/>
+          </a:fontRef>
+        </p:style>
+        <p:txBody>
+          <a:bodyPr rtlCol="0" anchor="ctr"/>
+          <a:lstStyle/>
+          <a:p>
+            <a:pPr algn="ctr"/>
+            <a:r>
+              <a:rPr lang="de-DE" sz="1200" dirty="0"/>
+              <a:t>Alter</a:t>
+            </a:r>
+          </a:p>
+        </p:txBody>
+      </p:sp>
+      <p:sp>
+        <p:nvSpPr>
+          <p:cNvPr id="6" name="Rechteck: abgerundete Ecken 5">
+            <a:extLst>
+              <a:ext uri="{FF2B5EF4-FFF2-40B4-BE49-F238E27FC236}">
+                <a16:creationId xmlns:a16="http://schemas.microsoft.com/office/drawing/2014/main" id="{28E651E8-1F77-B852-D5FD-6B7D107091CC}"/>
+              </a:ext>
+            </a:extLst>
+          </p:cNvPr>
+          <p:cNvSpPr/>
+          <p:nvPr/>
+        </p:nvSpPr>
+        <p:spPr>
+          <a:xfrm>
+            <a:off x="902843" y="4344146"/>
+            <a:ext cx="1244756" cy="244305"/>
+          </a:xfrm>
+          <a:prstGeom prst="roundRect">
+            <a:avLst/>
+          </a:prstGeom>
+          <a:solidFill>
+            <a:srgbClr val="28618C"/>
+          </a:solidFill>
+          <a:ln>
+            <a:noFill/>
+          </a:ln>
+        </p:spPr>
+        <p:style>
+          <a:lnRef idx="2">
+            <a:schemeClr val="accent1">
+              <a:shade val="50000"/>
+            </a:schemeClr>
+          </a:lnRef>
+          <a:fillRef idx="1">
+            <a:schemeClr val="accent1"/>
+          </a:fillRef>
+          <a:effectRef idx="0">
+            <a:schemeClr val="accent1"/>
+          </a:effectRef>
+          <a:fontRef idx="minor">
+            <a:schemeClr val="lt1"/>
+          </a:fontRef>
+        </p:style>
+        <p:txBody>
+          <a:bodyPr rtlCol="0" anchor="ctr"/>
+          <a:lstStyle/>
+          <a:p>
+            <a:pPr algn="ctr"/>
+            <a:r>
+              <a:rPr lang="de-DE" sz="1200" dirty="0"/>
+              <a:t>Hörvermögen</a:t>
+            </a:r>
+          </a:p>
+        </p:txBody>
+      </p:sp>
+      <p:sp>
+        <p:nvSpPr>
+          <p:cNvPr id="7" name="Textfeld 6">
+            <a:extLst>
+              <a:ext uri="{FF2B5EF4-FFF2-40B4-BE49-F238E27FC236}">
+                <a16:creationId xmlns:a16="http://schemas.microsoft.com/office/drawing/2014/main" id="{84237836-47B0-900D-E486-024C7033238A}"/>
+              </a:ext>
+            </a:extLst>
+          </p:cNvPr>
+          <p:cNvSpPr txBox="1"/>
+          <p:nvPr/>
+        </p:nvSpPr>
+        <p:spPr>
+          <a:xfrm>
+            <a:off x="874712" y="1496639"/>
+            <a:ext cx="1241045" cy="341632"/>
+          </a:xfrm>
+          <a:prstGeom prst="rect">
+            <a:avLst/>
+          </a:prstGeom>
+          <a:noFill/>
+        </p:spPr>
+        <p:txBody>
+          <a:bodyPr wrap="none" rtlCol="0">
+            <a:spAutoFit/>
+          </a:bodyPr>
+          <a:lstStyle/>
+          <a:p>
+            <a:r>
+              <a:rPr lang="de-DE" b="1" i="1" dirty="0"/>
+              <a:t>Zuordnung</a:t>
+            </a:r>
+          </a:p>
+        </p:txBody>
+      </p:sp>
+      <p:sp>
+        <p:nvSpPr>
+          <p:cNvPr id="8" name="Rechteck: abgerundete Ecken 7">
+            <a:extLst>
+              <a:ext uri="{FF2B5EF4-FFF2-40B4-BE49-F238E27FC236}">
+                <a16:creationId xmlns:a16="http://schemas.microsoft.com/office/drawing/2014/main" id="{D5A477FB-C419-0C5F-9A2A-A16677151302}"/>
+              </a:ext>
+            </a:extLst>
+          </p:cNvPr>
+          <p:cNvSpPr/>
+          <p:nvPr/>
+        </p:nvSpPr>
+        <p:spPr>
+          <a:xfrm>
+            <a:off x="3697559" y="2390704"/>
+            <a:ext cx="1932881" cy="244305"/>
+          </a:xfrm>
+          <a:prstGeom prst="roundRect">
+            <a:avLst/>
+          </a:prstGeom>
+          <a:solidFill>
+            <a:srgbClr val="28618C"/>
+          </a:solidFill>
+          <a:ln>
+            <a:noFill/>
+          </a:ln>
+        </p:spPr>
+        <p:style>
+          <a:lnRef idx="2">
+            <a:schemeClr val="accent1">
+              <a:shade val="50000"/>
+            </a:schemeClr>
+          </a:lnRef>
+          <a:fillRef idx="1">
+            <a:schemeClr val="accent1"/>
+          </a:fillRef>
+          <a:effectRef idx="0">
+            <a:schemeClr val="accent1"/>
+          </a:effectRef>
+          <a:fontRef idx="minor">
+            <a:schemeClr val="lt1"/>
+          </a:fontRef>
+        </p:style>
+        <p:txBody>
+          <a:bodyPr rtlCol="0" anchor="ctr"/>
+          <a:lstStyle/>
+          <a:p>
+            <a:pPr algn="ctr"/>
+            <a:r>
+              <a:rPr lang="de-DE" sz="1200" dirty="0"/>
+              <a:t>Vereinfachter Ausdruck</a:t>
+            </a:r>
+          </a:p>
+        </p:txBody>
+      </p:sp>
+      <p:sp>
+        <p:nvSpPr>
+          <p:cNvPr id="9" name="Rechteck: abgerundete Ecken 8">
+            <a:extLst>
+              <a:ext uri="{FF2B5EF4-FFF2-40B4-BE49-F238E27FC236}">
+                <a16:creationId xmlns:a16="http://schemas.microsoft.com/office/drawing/2014/main" id="{3F847AD3-4930-EE33-0404-9E6C9BD2C5D7}"/>
+              </a:ext>
+            </a:extLst>
+          </p:cNvPr>
+          <p:cNvSpPr/>
+          <p:nvPr/>
+        </p:nvSpPr>
+        <p:spPr>
+          <a:xfrm>
+            <a:off x="4385684" y="4344145"/>
+            <a:ext cx="1244756" cy="244305"/>
+          </a:xfrm>
+          <a:prstGeom prst="roundRect">
+            <a:avLst/>
+          </a:prstGeom>
+          <a:solidFill>
+            <a:srgbClr val="28618C"/>
+          </a:solidFill>
+          <a:ln>
+            <a:noFill/>
+          </a:ln>
+        </p:spPr>
+        <p:style>
+          <a:lnRef idx="2">
+            <a:schemeClr val="accent1">
+              <a:shade val="50000"/>
+            </a:schemeClr>
+          </a:lnRef>
+          <a:fillRef idx="1">
+            <a:schemeClr val="accent1"/>
+          </a:fillRef>
+          <a:effectRef idx="0">
+            <a:schemeClr val="accent1"/>
+          </a:effectRef>
+          <a:fontRef idx="minor">
+            <a:schemeClr val="lt1"/>
+          </a:fontRef>
+        </p:style>
+        <p:txBody>
+          <a:bodyPr rtlCol="0" anchor="ctr"/>
+          <a:lstStyle/>
+          <a:p>
+            <a:pPr algn="ctr"/>
+            <a:r>
+              <a:rPr lang="de-DE" sz="1200" dirty="0"/>
+              <a:t>Tonlage</a:t>
+            </a:r>
+          </a:p>
+        </p:txBody>
+      </p:sp>
+      <p:sp>
+        <p:nvSpPr>
+          <p:cNvPr id="10" name="Rechteck: abgerundete Ecken 9">
+            <a:extLst>
+              <a:ext uri="{FF2B5EF4-FFF2-40B4-BE49-F238E27FC236}">
+                <a16:creationId xmlns:a16="http://schemas.microsoft.com/office/drawing/2014/main" id="{543F3BF9-D649-0BC6-CFAC-527756BBD8BB}"/>
+              </a:ext>
+            </a:extLst>
+          </p:cNvPr>
+          <p:cNvSpPr/>
+          <p:nvPr/>
+        </p:nvSpPr>
+        <p:spPr>
+          <a:xfrm>
+            <a:off x="3779483" y="2998974"/>
+            <a:ext cx="1850957" cy="244305"/>
+          </a:xfrm>
+          <a:prstGeom prst="roundRect">
+            <a:avLst/>
+          </a:prstGeom>
+          <a:solidFill>
+            <a:srgbClr val="28618C"/>
+          </a:solidFill>
+          <a:ln>
+            <a:noFill/>
+          </a:ln>
+        </p:spPr>
+        <p:style>
+          <a:lnRef idx="2">
+            <a:schemeClr val="accent1">
+              <a:shade val="50000"/>
+            </a:schemeClr>
+          </a:lnRef>
+          <a:fillRef idx="1">
+            <a:schemeClr val="accent1"/>
+          </a:fillRef>
+          <a:effectRef idx="0">
+            <a:schemeClr val="accent1"/>
+          </a:effectRef>
+          <a:fontRef idx="minor">
+            <a:schemeClr val="lt1"/>
+          </a:fontRef>
+        </p:style>
+        <p:txBody>
+          <a:bodyPr rtlCol="0" anchor="ctr"/>
+          <a:lstStyle/>
+          <a:p>
+            <a:pPr algn="ctr"/>
+            <a:r>
+              <a:rPr lang="de-DE" sz="1200" dirty="0"/>
+              <a:t>Sprechgeschwindigkeit</a:t>
+            </a:r>
+          </a:p>
+        </p:txBody>
+      </p:sp>
+      <p:sp>
+        <p:nvSpPr>
+          <p:cNvPr id="11" name="Rechteck: abgerundete Ecken 10">
+            <a:extLst>
+              <a:ext uri="{FF2B5EF4-FFF2-40B4-BE49-F238E27FC236}">
+                <a16:creationId xmlns:a16="http://schemas.microsoft.com/office/drawing/2014/main" id="{3CF6AEDF-B6EE-D6FE-2126-B4F2760369E8}"/>
+              </a:ext>
+            </a:extLst>
+          </p:cNvPr>
+          <p:cNvSpPr/>
+          <p:nvPr/>
+        </p:nvSpPr>
+        <p:spPr>
+          <a:xfrm>
+            <a:off x="4357381" y="3735876"/>
+            <a:ext cx="1244756" cy="244305"/>
+          </a:xfrm>
+          <a:prstGeom prst="roundRect">
+            <a:avLst/>
+          </a:prstGeom>
+          <a:solidFill>
+            <a:srgbClr val="28618C"/>
+          </a:solidFill>
+          <a:ln>
+            <a:noFill/>
+          </a:ln>
+        </p:spPr>
+        <p:style>
+          <a:lnRef idx="2">
+            <a:schemeClr val="accent1">
+              <a:shade val="50000"/>
+            </a:schemeClr>
+          </a:lnRef>
+          <a:fillRef idx="1">
+            <a:schemeClr val="accent1"/>
+          </a:fillRef>
+          <a:effectRef idx="0">
+            <a:schemeClr val="accent1"/>
+          </a:effectRef>
+          <a:fontRef idx="minor">
+            <a:schemeClr val="lt1"/>
+          </a:fontRef>
+        </p:style>
+        <p:txBody>
+          <a:bodyPr rtlCol="0" anchor="ctr"/>
+          <a:lstStyle/>
+          <a:p>
+            <a:pPr algn="ctr"/>
+            <a:r>
+              <a:rPr lang="de-DE" sz="1200" dirty="0"/>
+              <a:t>Satzlänge</a:t>
+            </a:r>
+          </a:p>
+        </p:txBody>
+      </p:sp>
+      <p:cxnSp>
+        <p:nvCxnSpPr>
+          <p:cNvPr id="13" name="Verbinder: gekrümmt 12">
+            <a:extLst>
+              <a:ext uri="{FF2B5EF4-FFF2-40B4-BE49-F238E27FC236}">
+                <a16:creationId xmlns:a16="http://schemas.microsoft.com/office/drawing/2014/main" id="{62A7881C-B3D0-4713-F322-928935225CA3}"/>
+              </a:ext>
+            </a:extLst>
+          </p:cNvPr>
+          <p:cNvCxnSpPr>
+            <a:cxnSpLocks/>
+            <a:stCxn id="5" idx="3"/>
+            <a:endCxn id="8" idx="1"/>
+          </p:cNvCxnSpPr>
+          <p:nvPr/>
+        </p:nvCxnSpPr>
+        <p:spPr>
+          <a:xfrm>
+            <a:off x="1525221" y="2510366"/>
+            <a:ext cx="2172338" cy="2491"/>
+          </a:xfrm>
+          <a:prstGeom prst="curvedConnector3">
+            <a:avLst/>
+          </a:prstGeom>
+          <a:ln w="15875">
+            <a:solidFill>
+              <a:schemeClr val="tx1"/>
+            </a:solidFill>
+            <a:headEnd type="triangle"/>
+            <a:tailEnd type="triangle"/>
+          </a:ln>
+        </p:spPr>
+        <p:style>
+          <a:lnRef idx="1">
+            <a:schemeClr val="accent1"/>
+          </a:lnRef>
+          <a:fillRef idx="0">
+            <a:schemeClr val="accent1"/>
+          </a:fillRef>
+          <a:effectRef idx="0">
+            <a:schemeClr val="accent1"/>
+          </a:effectRef>
+          <a:fontRef idx="minor">
+            <a:schemeClr val="tx1"/>
+          </a:fontRef>
+        </p:style>
+      </p:cxnSp>
+      <p:cxnSp>
+        <p:nvCxnSpPr>
+          <p:cNvPr id="15" name="Verbinder: gekrümmt 14">
+            <a:extLst>
+              <a:ext uri="{FF2B5EF4-FFF2-40B4-BE49-F238E27FC236}">
+                <a16:creationId xmlns:a16="http://schemas.microsoft.com/office/drawing/2014/main" id="{33B5A689-6FB3-DECE-6D13-DA1286BFC099}"/>
+              </a:ext>
+            </a:extLst>
+          </p:cNvPr>
+          <p:cNvCxnSpPr>
+            <a:cxnSpLocks/>
+            <a:stCxn id="6" idx="3"/>
+            <a:endCxn id="10" idx="1"/>
+          </p:cNvCxnSpPr>
+          <p:nvPr/>
+        </p:nvCxnSpPr>
+        <p:spPr>
+          <a:xfrm flipV="1">
+            <a:off x="2147599" y="3121127"/>
+            <a:ext cx="1631884" cy="1345172"/>
+          </a:xfrm>
+          <a:prstGeom prst="curvedConnector3">
+            <a:avLst>
+              <a:gd name="adj1" fmla="val 50000"/>
+            </a:avLst>
+          </a:prstGeom>
+          <a:ln w="15875">
+            <a:solidFill>
+              <a:schemeClr val="tx1"/>
+            </a:solidFill>
+            <a:headEnd type="triangle"/>
+            <a:tailEnd type="triangle"/>
+          </a:ln>
+        </p:spPr>
+        <p:style>
+          <a:lnRef idx="1">
+            <a:schemeClr val="accent1"/>
+          </a:lnRef>
+          <a:fillRef idx="0">
+            <a:schemeClr val="accent1"/>
+          </a:fillRef>
+          <a:effectRef idx="0">
+            <a:schemeClr val="accent1"/>
+          </a:effectRef>
+          <a:fontRef idx="minor">
+            <a:schemeClr val="tx1"/>
+          </a:fontRef>
+        </p:style>
+      </p:cxnSp>
+      <p:cxnSp>
+        <p:nvCxnSpPr>
+          <p:cNvPr id="18" name="Verbinder: gekrümmt 17">
+            <a:extLst>
+              <a:ext uri="{FF2B5EF4-FFF2-40B4-BE49-F238E27FC236}">
+                <a16:creationId xmlns:a16="http://schemas.microsoft.com/office/drawing/2014/main" id="{F3EBF99B-8E05-4C7C-6C16-24013029C8BA}"/>
+              </a:ext>
+            </a:extLst>
+          </p:cNvPr>
+          <p:cNvCxnSpPr>
+            <a:cxnSpLocks/>
+            <a:stCxn id="6" idx="3"/>
+            <a:endCxn id="11" idx="1"/>
+          </p:cNvCxnSpPr>
+          <p:nvPr/>
+        </p:nvCxnSpPr>
+        <p:spPr>
+          <a:xfrm flipV="1">
+            <a:off x="2147599" y="3858029"/>
+            <a:ext cx="2209782" cy="608270"/>
+          </a:xfrm>
+          <a:prstGeom prst="curvedConnector3">
+            <a:avLst>
+              <a:gd name="adj1" fmla="val 50000"/>
+            </a:avLst>
+          </a:prstGeom>
+          <a:ln w="15875">
+            <a:solidFill>
+              <a:schemeClr val="tx1"/>
+            </a:solidFill>
+            <a:headEnd type="triangle"/>
+            <a:tailEnd type="triangle"/>
+          </a:ln>
+        </p:spPr>
+        <p:style>
+          <a:lnRef idx="1">
+            <a:schemeClr val="accent1"/>
+          </a:lnRef>
+          <a:fillRef idx="0">
+            <a:schemeClr val="accent1"/>
+          </a:fillRef>
+          <a:effectRef idx="0">
+            <a:schemeClr val="accent1"/>
+          </a:effectRef>
+          <a:fontRef idx="minor">
+            <a:schemeClr val="tx1"/>
+          </a:fontRef>
+        </p:style>
+      </p:cxnSp>
+      <p:cxnSp>
+        <p:nvCxnSpPr>
+          <p:cNvPr id="29" name="Gerade Verbindung mit Pfeil 28">
+            <a:extLst>
+              <a:ext uri="{FF2B5EF4-FFF2-40B4-BE49-F238E27FC236}">
+                <a16:creationId xmlns:a16="http://schemas.microsoft.com/office/drawing/2014/main" id="{51507926-C2B3-2DFD-C264-39337CD39166}"/>
+              </a:ext>
+            </a:extLst>
+          </p:cNvPr>
+          <p:cNvCxnSpPr>
+            <a:cxnSpLocks/>
+            <a:stCxn id="6" idx="3"/>
+            <a:endCxn id="9" idx="1"/>
+          </p:cNvCxnSpPr>
+          <p:nvPr/>
+        </p:nvCxnSpPr>
+        <p:spPr>
+          <a:xfrm flipV="1">
+            <a:off x="2147599" y="4466298"/>
+            <a:ext cx="2238085" cy="1"/>
+          </a:xfrm>
+          <a:prstGeom prst="straightConnector1">
+            <a:avLst/>
+          </a:prstGeom>
+          <a:ln w="15875">
+            <a:solidFill>
+              <a:schemeClr val="tx1"/>
+            </a:solidFill>
+            <a:headEnd type="triangle"/>
+            <a:tailEnd type="triangle"/>
+          </a:ln>
+        </p:spPr>
+        <p:style>
+          <a:lnRef idx="1">
+            <a:schemeClr val="accent1"/>
+          </a:lnRef>
+          <a:fillRef idx="0">
+            <a:schemeClr val="accent1"/>
+          </a:fillRef>
+          <a:effectRef idx="0">
+            <a:schemeClr val="accent1"/>
+          </a:effectRef>
+          <a:fontRef idx="minor">
+            <a:schemeClr val="tx1"/>
+          </a:fontRef>
+        </p:style>
+      </p:cxnSp>
     </p:spTree>
     <p:extLst>
       <p:ext uri="{BB962C8B-B14F-4D97-AF65-F5344CB8AC3E}">
-        <p14:creationId xmlns:p14="http://schemas.microsoft.com/office/powerpoint/2010/main" val="636124252"/>
+        <p14:creationId xmlns:p14="http://schemas.microsoft.com/office/powerpoint/2010/main" val="1311447933"/>
       </p:ext>
     </p:extLst>
   </p:cSld>
@@ -9716,7 +12116,7 @@
           <a:p>
             <a:r>
               <a:rPr lang="de-DE" dirty="0"/>
-              <a:t>Danke für Ihre Aufmerksamkeit!</a:t>
+              <a:t>Demonstration</a:t>
             </a:r>
           </a:p>
         </p:txBody>
@@ -9724,7 +12124,7 @@
     </p:spTree>
     <p:extLst>
       <p:ext uri="{BB962C8B-B14F-4D97-AF65-F5344CB8AC3E}">
-        <p14:creationId xmlns:p14="http://schemas.microsoft.com/office/powerpoint/2010/main" val="1838581811"/>
+        <p14:creationId xmlns:p14="http://schemas.microsoft.com/office/powerpoint/2010/main" val="77817823"/>
       </p:ext>
     </p:extLst>
   </p:cSld>
@@ -9753,6 +12153,129 @@
       </p:grpSpPr>
       <p:sp>
         <p:nvSpPr>
+          <p:cNvPr id="2" name="Titel 1">
+            <a:extLst>
+              <a:ext uri="{FF2B5EF4-FFF2-40B4-BE49-F238E27FC236}">
+                <a16:creationId xmlns:a16="http://schemas.microsoft.com/office/drawing/2014/main" id="{E89DE46E-0B22-0C4D-B2C2-8BD4F3F851AD}"/>
+              </a:ext>
+            </a:extLst>
+          </p:cNvPr>
+          <p:cNvSpPr>
+            <a:spLocks noGrp="1"/>
+          </p:cNvSpPr>
+          <p:nvPr>
+            <p:ph type="title"/>
+          </p:nvPr>
+        </p:nvSpPr>
+        <p:spPr/>
+        <p:txBody>
+          <a:bodyPr/>
+          <a:lstStyle/>
+          <a:p>
+            <a:r>
+              <a:rPr lang="de-DE" dirty="0"/>
+              <a:t>Sprachassistent</a:t>
+            </a:r>
+            <a:br>
+              <a:rPr lang="de-DE" dirty="0"/>
+            </a:br>
+            <a:r>
+              <a:rPr lang="de-DE" b="0" dirty="0"/>
+              <a:t>Individualisierte Wettervorhersage</a:t>
+            </a:r>
+          </a:p>
+        </p:txBody>
+      </p:sp>
+    </p:spTree>
+    <p:extLst>
+      <p:ext uri="{BB962C8B-B14F-4D97-AF65-F5344CB8AC3E}">
+        <p14:creationId xmlns:p14="http://schemas.microsoft.com/office/powerpoint/2010/main" val="3983590123"/>
+      </p:ext>
+    </p:extLst>
+  </p:cSld>
+  <p:clrMapOvr>
+    <a:masterClrMapping/>
+  </p:clrMapOvr>
+</p:sld>
+</file>
+
+<file path=ppt/slides/slide14.xml><?xml version="1.0" encoding="utf-8"?>
+<p:sld xmlns:a="http://schemas.openxmlformats.org/drawingml/2006/main" xmlns:r="http://schemas.openxmlformats.org/officeDocument/2006/relationships" xmlns:p="http://schemas.openxmlformats.org/presentationml/2006/main">
+  <p:cSld>
+    <p:spTree>
+      <p:nvGrpSpPr>
+        <p:cNvPr id="1" name=""/>
+        <p:cNvGrpSpPr/>
+        <p:nvPr/>
+      </p:nvGrpSpPr>
+      <p:grpSpPr>
+        <a:xfrm>
+          <a:off x="0" y="0"/>
+          <a:ext cx="0" cy="0"/>
+          <a:chOff x="0" y="0"/>
+          <a:chExt cx="0" cy="0"/>
+        </a:xfrm>
+      </p:grpSpPr>
+      <p:sp>
+        <p:nvSpPr>
+          <p:cNvPr id="4" name="Titel 3">
+            <a:extLst>
+              <a:ext uri="{FF2B5EF4-FFF2-40B4-BE49-F238E27FC236}">
+                <a16:creationId xmlns:a16="http://schemas.microsoft.com/office/drawing/2014/main" id="{46218C23-3ACC-9840-9A39-34B585361AC6}"/>
+              </a:ext>
+            </a:extLst>
+          </p:cNvPr>
+          <p:cNvSpPr>
+            <a:spLocks noGrp="1"/>
+          </p:cNvSpPr>
+          <p:nvPr>
+            <p:ph type="title"/>
+          </p:nvPr>
+        </p:nvSpPr>
+        <p:spPr/>
+        <p:txBody>
+          <a:bodyPr/>
+          <a:lstStyle/>
+          <a:p>
+            <a:r>
+              <a:rPr lang="de-DE" dirty="0"/>
+              <a:t>Danke für Ihre Aufmerksamkeit!</a:t>
+            </a:r>
+          </a:p>
+        </p:txBody>
+      </p:sp>
+    </p:spTree>
+    <p:extLst>
+      <p:ext uri="{BB962C8B-B14F-4D97-AF65-F5344CB8AC3E}">
+        <p14:creationId xmlns:p14="http://schemas.microsoft.com/office/powerpoint/2010/main" val="1838581811"/>
+      </p:ext>
+    </p:extLst>
+  </p:cSld>
+  <p:clrMapOvr>
+    <a:masterClrMapping/>
+  </p:clrMapOvr>
+</p:sld>
+</file>
+
+<file path=ppt/slides/slide15.xml><?xml version="1.0" encoding="utf-8"?>
+<p:sld xmlns:a="http://schemas.openxmlformats.org/drawingml/2006/main" xmlns:r="http://schemas.openxmlformats.org/officeDocument/2006/relationships" xmlns:p="http://schemas.openxmlformats.org/presentationml/2006/main">
+  <p:cSld>
+    <p:spTree>
+      <p:nvGrpSpPr>
+        <p:cNvPr id="1" name=""/>
+        <p:cNvGrpSpPr/>
+        <p:nvPr/>
+      </p:nvGrpSpPr>
+      <p:grpSpPr>
+        <a:xfrm>
+          <a:off x="0" y="0"/>
+          <a:ext cx="0" cy="0"/>
+          <a:chOff x="0" y="0"/>
+          <a:chExt cx="0" cy="0"/>
+        </a:xfrm>
+      </p:grpSpPr>
+      <p:sp>
+        <p:nvSpPr>
           <p:cNvPr id="3" name="Titel 2">
             <a:extLst>
               <a:ext uri="{FF2B5EF4-FFF2-40B4-BE49-F238E27FC236}">
@@ -9767,7 +12290,12 @@
             <p:ph type="title"/>
           </p:nvPr>
         </p:nvSpPr>
-        <p:spPr/>
+        <p:spPr>
+          <a:xfrm>
+            <a:off x="874715" y="472650"/>
+            <a:ext cx="10580687" cy="684213"/>
+          </a:xfrm>
+        </p:spPr>
         <p:txBody>
           <a:bodyPr/>
           <a:lstStyle/>
@@ -9786,10 +12314,615 @@
           </a:p>
         </p:txBody>
       </p:sp>
+      <p:grpSp>
+        <p:nvGrpSpPr>
+          <p:cNvPr id="4" name="Gruppieren 3">
+            <a:extLst>
+              <a:ext uri="{FF2B5EF4-FFF2-40B4-BE49-F238E27FC236}">
+                <a16:creationId xmlns:a16="http://schemas.microsoft.com/office/drawing/2014/main" id="{883FB804-49AE-5756-44E4-0D033C78FB97}"/>
+              </a:ext>
+            </a:extLst>
+          </p:cNvPr>
+          <p:cNvGrpSpPr/>
+          <p:nvPr/>
+        </p:nvGrpSpPr>
+        <p:grpSpPr>
+          <a:xfrm>
+            <a:off x="874715" y="1493371"/>
+            <a:ext cx="7702122" cy="799561"/>
+            <a:chOff x="5342474" y="773670"/>
+            <a:chExt cx="1693787" cy="1025544"/>
+          </a:xfrm>
+          <a:solidFill>
+            <a:schemeClr val="tx1"/>
+          </a:solidFill>
+        </p:grpSpPr>
+        <p:sp>
+          <p:nvSpPr>
+            <p:cNvPr id="5" name="Rechteck: abgerundete Ecken 4">
+              <a:extLst>
+                <a:ext uri="{FF2B5EF4-FFF2-40B4-BE49-F238E27FC236}">
+                  <a16:creationId xmlns:a16="http://schemas.microsoft.com/office/drawing/2014/main" id="{A32A726F-E6D2-7BF0-A9C4-1E983F352108}"/>
+                </a:ext>
+              </a:extLst>
+            </p:cNvPr>
+            <p:cNvSpPr/>
+            <p:nvPr/>
+          </p:nvSpPr>
+          <p:spPr>
+            <a:xfrm>
+              <a:off x="5342474" y="773670"/>
+              <a:ext cx="1693787" cy="1025544"/>
+            </a:xfrm>
+            <a:prstGeom prst="roundRect">
+              <a:avLst/>
+            </a:prstGeom>
+            <a:grpFill/>
+          </p:spPr>
+          <p:style>
+            <a:lnRef idx="2">
+              <a:schemeClr val="lt1">
+                <a:hueOff val="0"/>
+                <a:satOff val="0"/>
+                <a:lumOff val="0"/>
+                <a:alphaOff val="0"/>
+              </a:schemeClr>
+            </a:lnRef>
+            <a:fillRef idx="1">
+              <a:schemeClr val="accent1">
+                <a:hueOff val="0"/>
+                <a:satOff val="0"/>
+                <a:lumOff val="0"/>
+                <a:alphaOff val="0"/>
+              </a:schemeClr>
+            </a:fillRef>
+            <a:effectRef idx="0">
+              <a:schemeClr val="accent1">
+                <a:hueOff val="0"/>
+                <a:satOff val="0"/>
+                <a:lumOff val="0"/>
+                <a:alphaOff val="0"/>
+              </a:schemeClr>
+            </a:effectRef>
+            <a:fontRef idx="minor">
+              <a:schemeClr val="lt1"/>
+            </a:fontRef>
+          </p:style>
+        </p:sp>
+        <p:sp>
+          <p:nvSpPr>
+            <p:cNvPr id="6" name="Rechteck: abgerundete Ecken 4">
+              <a:extLst>
+                <a:ext uri="{FF2B5EF4-FFF2-40B4-BE49-F238E27FC236}">
+                  <a16:creationId xmlns:a16="http://schemas.microsoft.com/office/drawing/2014/main" id="{A97D9AB6-3399-9A39-45B5-5E6BD7E14823}"/>
+                </a:ext>
+              </a:extLst>
+            </p:cNvPr>
+            <p:cNvSpPr txBox="1"/>
+            <p:nvPr/>
+          </p:nvSpPr>
+          <p:spPr>
+            <a:xfrm>
+              <a:off x="5392536" y="964952"/>
+              <a:ext cx="1593661" cy="642978"/>
+            </a:xfrm>
+            <a:prstGeom prst="rect">
+              <a:avLst/>
+            </a:prstGeom>
+            <a:grpFill/>
+          </p:spPr>
+          <p:style>
+            <a:lnRef idx="0">
+              <a:scrgbClr r="0" g="0" b="0"/>
+            </a:lnRef>
+            <a:fillRef idx="0">
+              <a:scrgbClr r="0" g="0" b="0"/>
+            </a:fillRef>
+            <a:effectRef idx="0">
+              <a:scrgbClr r="0" g="0" b="0"/>
+            </a:effectRef>
+            <a:fontRef idx="minor">
+              <a:schemeClr val="lt1"/>
+            </a:fontRef>
+          </p:style>
+          <p:txBody>
+            <a:bodyPr spcFirstLastPara="0" vert="horz" wrap="square" lIns="57150" tIns="57150" rIns="57150" bIns="57150" numCol="1" spcCol="1270" anchor="ctr" anchorCtr="0">
+              <a:noAutofit/>
+            </a:bodyPr>
+            <a:lstStyle/>
+            <a:p>
+              <a:r>
+                <a:rPr lang="de-DE" sz="2000" dirty="0"/>
+                <a:t>Evaluation durch Nutzer</a:t>
+              </a:r>
+              <a:endParaRPr lang="de-DE" sz="2000" kern="1200" dirty="0"/>
+            </a:p>
+          </p:txBody>
+        </p:sp>
+      </p:grpSp>
+      <p:grpSp>
+        <p:nvGrpSpPr>
+          <p:cNvPr id="7" name="Gruppieren 6">
+            <a:extLst>
+              <a:ext uri="{FF2B5EF4-FFF2-40B4-BE49-F238E27FC236}">
+                <a16:creationId xmlns:a16="http://schemas.microsoft.com/office/drawing/2014/main" id="{F2BC4EC9-7035-4C07-EAD5-18959FBB8F25}"/>
+              </a:ext>
+            </a:extLst>
+          </p:cNvPr>
+          <p:cNvGrpSpPr/>
+          <p:nvPr/>
+        </p:nvGrpSpPr>
+        <p:grpSpPr>
+          <a:xfrm>
+            <a:off x="874710" y="2629439"/>
+            <a:ext cx="7702122" cy="799561"/>
+            <a:chOff x="5342474" y="773670"/>
+            <a:chExt cx="1693787" cy="1025544"/>
+          </a:xfrm>
+          <a:solidFill>
+            <a:schemeClr val="tx1"/>
+          </a:solidFill>
+        </p:grpSpPr>
+        <p:sp>
+          <p:nvSpPr>
+            <p:cNvPr id="8" name="Rechteck: abgerundete Ecken 7">
+              <a:extLst>
+                <a:ext uri="{FF2B5EF4-FFF2-40B4-BE49-F238E27FC236}">
+                  <a16:creationId xmlns:a16="http://schemas.microsoft.com/office/drawing/2014/main" id="{841BE058-98D7-4F02-2BB1-F965093FE175}"/>
+                </a:ext>
+              </a:extLst>
+            </p:cNvPr>
+            <p:cNvSpPr/>
+            <p:nvPr/>
+          </p:nvSpPr>
+          <p:spPr>
+            <a:xfrm>
+              <a:off x="5342474" y="773670"/>
+              <a:ext cx="1693787" cy="1025544"/>
+            </a:xfrm>
+            <a:prstGeom prst="roundRect">
+              <a:avLst/>
+            </a:prstGeom>
+            <a:grpFill/>
+          </p:spPr>
+          <p:style>
+            <a:lnRef idx="2">
+              <a:schemeClr val="lt1">
+                <a:hueOff val="0"/>
+                <a:satOff val="0"/>
+                <a:lumOff val="0"/>
+                <a:alphaOff val="0"/>
+              </a:schemeClr>
+            </a:lnRef>
+            <a:fillRef idx="1">
+              <a:schemeClr val="accent1">
+                <a:hueOff val="0"/>
+                <a:satOff val="0"/>
+                <a:lumOff val="0"/>
+                <a:alphaOff val="0"/>
+              </a:schemeClr>
+            </a:fillRef>
+            <a:effectRef idx="0">
+              <a:schemeClr val="accent1">
+                <a:hueOff val="0"/>
+                <a:satOff val="0"/>
+                <a:lumOff val="0"/>
+                <a:alphaOff val="0"/>
+              </a:schemeClr>
+            </a:effectRef>
+            <a:fontRef idx="minor">
+              <a:schemeClr val="lt1"/>
+            </a:fontRef>
+          </p:style>
+        </p:sp>
+        <p:sp>
+          <p:nvSpPr>
+            <p:cNvPr id="9" name="Rechteck: abgerundete Ecken 4">
+              <a:extLst>
+                <a:ext uri="{FF2B5EF4-FFF2-40B4-BE49-F238E27FC236}">
+                  <a16:creationId xmlns:a16="http://schemas.microsoft.com/office/drawing/2014/main" id="{2206C1C5-3A6E-6C9C-9216-F33F1C2513DC}"/>
+                </a:ext>
+              </a:extLst>
+            </p:cNvPr>
+            <p:cNvSpPr txBox="1"/>
+            <p:nvPr/>
+          </p:nvSpPr>
+          <p:spPr>
+            <a:xfrm>
+              <a:off x="5392536" y="964952"/>
+              <a:ext cx="1593661" cy="642978"/>
+            </a:xfrm>
+            <a:prstGeom prst="rect">
+              <a:avLst/>
+            </a:prstGeom>
+            <a:grpFill/>
+          </p:spPr>
+          <p:style>
+            <a:lnRef idx="0">
+              <a:scrgbClr r="0" g="0" b="0"/>
+            </a:lnRef>
+            <a:fillRef idx="0">
+              <a:scrgbClr r="0" g="0" b="0"/>
+            </a:fillRef>
+            <a:effectRef idx="0">
+              <a:scrgbClr r="0" g="0" b="0"/>
+            </a:effectRef>
+            <a:fontRef idx="minor">
+              <a:schemeClr val="lt1"/>
+            </a:fontRef>
+          </p:style>
+          <p:txBody>
+            <a:bodyPr spcFirstLastPara="0" vert="horz" wrap="square" lIns="57150" tIns="57150" rIns="57150" bIns="57150" numCol="1" spcCol="1270" anchor="ctr" anchorCtr="0">
+              <a:noAutofit/>
+            </a:bodyPr>
+            <a:lstStyle/>
+            <a:p>
+              <a:r>
+                <a:rPr lang="de-DE" sz="2000" kern="1200" dirty="0"/>
+                <a:t>Erweiterung der Zuordnung </a:t>
+              </a:r>
+              <a:r>
+                <a:rPr lang="de-DE" sz="2000" dirty="0"/>
+                <a:t>durch empirische Daten</a:t>
+              </a:r>
+              <a:endParaRPr lang="de-DE" sz="2000" kern="1200" dirty="0"/>
+            </a:p>
+          </p:txBody>
+        </p:sp>
+      </p:grpSp>
+      <p:grpSp>
+        <p:nvGrpSpPr>
+          <p:cNvPr id="10" name="Gruppieren 9">
+            <a:extLst>
+              <a:ext uri="{FF2B5EF4-FFF2-40B4-BE49-F238E27FC236}">
+                <a16:creationId xmlns:a16="http://schemas.microsoft.com/office/drawing/2014/main" id="{20855DEF-F74E-86D1-7A62-692509A8E238}"/>
+              </a:ext>
+            </a:extLst>
+          </p:cNvPr>
+          <p:cNvGrpSpPr/>
+          <p:nvPr/>
+        </p:nvGrpSpPr>
+        <p:grpSpPr>
+          <a:xfrm>
+            <a:off x="874705" y="3765508"/>
+            <a:ext cx="7702122" cy="799561"/>
+            <a:chOff x="5342474" y="773670"/>
+            <a:chExt cx="1693787" cy="1025544"/>
+          </a:xfrm>
+          <a:solidFill>
+            <a:schemeClr val="tx1"/>
+          </a:solidFill>
+        </p:grpSpPr>
+        <p:sp>
+          <p:nvSpPr>
+            <p:cNvPr id="11" name="Rechteck: abgerundete Ecken 10">
+              <a:extLst>
+                <a:ext uri="{FF2B5EF4-FFF2-40B4-BE49-F238E27FC236}">
+                  <a16:creationId xmlns:a16="http://schemas.microsoft.com/office/drawing/2014/main" id="{83ED994A-07B7-D73A-6186-5C30235C75AB}"/>
+                </a:ext>
+              </a:extLst>
+            </p:cNvPr>
+            <p:cNvSpPr/>
+            <p:nvPr/>
+          </p:nvSpPr>
+          <p:spPr>
+            <a:xfrm>
+              <a:off x="5342474" y="773670"/>
+              <a:ext cx="1693787" cy="1025544"/>
+            </a:xfrm>
+            <a:prstGeom prst="roundRect">
+              <a:avLst/>
+            </a:prstGeom>
+            <a:grpFill/>
+          </p:spPr>
+          <p:style>
+            <a:lnRef idx="2">
+              <a:schemeClr val="lt1">
+                <a:hueOff val="0"/>
+                <a:satOff val="0"/>
+                <a:lumOff val="0"/>
+                <a:alphaOff val="0"/>
+              </a:schemeClr>
+            </a:lnRef>
+            <a:fillRef idx="1">
+              <a:schemeClr val="accent1">
+                <a:hueOff val="0"/>
+                <a:satOff val="0"/>
+                <a:lumOff val="0"/>
+                <a:alphaOff val="0"/>
+              </a:schemeClr>
+            </a:fillRef>
+            <a:effectRef idx="0">
+              <a:schemeClr val="accent1">
+                <a:hueOff val="0"/>
+                <a:satOff val="0"/>
+                <a:lumOff val="0"/>
+                <a:alphaOff val="0"/>
+              </a:schemeClr>
+            </a:effectRef>
+            <a:fontRef idx="minor">
+              <a:schemeClr val="lt1"/>
+            </a:fontRef>
+          </p:style>
+        </p:sp>
+        <p:sp>
+          <p:nvSpPr>
+            <p:cNvPr id="12" name="Rechteck: abgerundete Ecken 4">
+              <a:extLst>
+                <a:ext uri="{FF2B5EF4-FFF2-40B4-BE49-F238E27FC236}">
+                  <a16:creationId xmlns:a16="http://schemas.microsoft.com/office/drawing/2014/main" id="{86CE39CC-2E2D-4F5B-86A7-7C7B2312E80D}"/>
+                </a:ext>
+              </a:extLst>
+            </p:cNvPr>
+            <p:cNvSpPr txBox="1"/>
+            <p:nvPr/>
+          </p:nvSpPr>
+          <p:spPr>
+            <a:xfrm>
+              <a:off x="5392536" y="964952"/>
+              <a:ext cx="1593661" cy="642978"/>
+            </a:xfrm>
+            <a:prstGeom prst="rect">
+              <a:avLst/>
+            </a:prstGeom>
+            <a:grpFill/>
+          </p:spPr>
+          <p:style>
+            <a:lnRef idx="0">
+              <a:scrgbClr r="0" g="0" b="0"/>
+            </a:lnRef>
+            <a:fillRef idx="0">
+              <a:scrgbClr r="0" g="0" b="0"/>
+            </a:fillRef>
+            <a:effectRef idx="0">
+              <a:scrgbClr r="0" g="0" b="0"/>
+            </a:effectRef>
+            <a:fontRef idx="minor">
+              <a:schemeClr val="lt1"/>
+            </a:fontRef>
+          </p:style>
+          <p:txBody>
+            <a:bodyPr spcFirstLastPara="0" vert="horz" wrap="square" lIns="57150" tIns="57150" rIns="57150" bIns="57150" numCol="1" spcCol="1270" anchor="ctr" anchorCtr="0">
+              <a:noAutofit/>
+            </a:bodyPr>
+            <a:lstStyle/>
+            <a:p>
+              <a:r>
+                <a:rPr lang="de-DE" sz="2000" dirty="0"/>
+                <a:t>Anwendung des Konzepts auf weitere technische Systeme</a:t>
+              </a:r>
+              <a:endParaRPr lang="de-DE" sz="2000" kern="1200" dirty="0"/>
+            </a:p>
+          </p:txBody>
+        </p:sp>
+      </p:grpSp>
     </p:spTree>
     <p:extLst>
       <p:ext uri="{BB962C8B-B14F-4D97-AF65-F5344CB8AC3E}">
         <p14:creationId xmlns:p14="http://schemas.microsoft.com/office/powerpoint/2010/main" val="2359002434"/>
+      </p:ext>
+    </p:extLst>
+  </p:cSld>
+  <p:clrMapOvr>
+    <a:masterClrMapping/>
+  </p:clrMapOvr>
+</p:sld>
+</file>
+
+<file path=ppt/slides/slide16.xml><?xml version="1.0" encoding="utf-8"?>
+<p:sld xmlns:a="http://schemas.openxmlformats.org/drawingml/2006/main" xmlns:r="http://schemas.openxmlformats.org/officeDocument/2006/relationships" xmlns:p="http://schemas.openxmlformats.org/presentationml/2006/main">
+  <p:cSld>
+    <p:spTree>
+      <p:nvGrpSpPr>
+        <p:cNvPr id="1" name=""/>
+        <p:cNvGrpSpPr/>
+        <p:nvPr/>
+      </p:nvGrpSpPr>
+      <p:grpSpPr>
+        <a:xfrm>
+          <a:off x="0" y="0"/>
+          <a:ext cx="0" cy="0"/>
+          <a:chOff x="0" y="0"/>
+          <a:chExt cx="0" cy="0"/>
+        </a:xfrm>
+      </p:grpSpPr>
+      <p:sp>
+        <p:nvSpPr>
+          <p:cNvPr id="3" name="Titel 2">
+            <a:extLst>
+              <a:ext uri="{FF2B5EF4-FFF2-40B4-BE49-F238E27FC236}">
+                <a16:creationId xmlns:a16="http://schemas.microsoft.com/office/drawing/2014/main" id="{FC5DE8F5-D736-1842-B784-985055F3AE3A}"/>
+              </a:ext>
+            </a:extLst>
+          </p:cNvPr>
+          <p:cNvSpPr>
+            <a:spLocks noGrp="1"/>
+          </p:cNvSpPr>
+          <p:nvPr>
+            <p:ph type="title"/>
+          </p:nvPr>
+        </p:nvSpPr>
+        <p:spPr>
+          <a:xfrm>
+            <a:off x="874712" y="346075"/>
+            <a:ext cx="10580687" cy="456643"/>
+          </a:xfrm>
+        </p:spPr>
+        <p:txBody>
+          <a:bodyPr/>
+          <a:lstStyle/>
+          <a:p>
+            <a:r>
+              <a:rPr lang="de-DE" dirty="0"/>
+              <a:t>Bildverzeichnis</a:t>
+            </a:r>
+            <a:endParaRPr lang="de-DE" b="0" dirty="0"/>
+          </a:p>
+        </p:txBody>
+      </p:sp>
+      <p:sp>
+        <p:nvSpPr>
+          <p:cNvPr id="2" name="Inhaltsplatzhalter 2">
+            <a:extLst>
+              <a:ext uri="{FF2B5EF4-FFF2-40B4-BE49-F238E27FC236}">
+                <a16:creationId xmlns:a16="http://schemas.microsoft.com/office/drawing/2014/main" id="{F5D6D7C0-286A-CFA5-7598-B2550C6720B9}"/>
+              </a:ext>
+            </a:extLst>
+          </p:cNvPr>
+          <p:cNvSpPr>
+            <a:spLocks noGrp="1"/>
+          </p:cNvSpPr>
+          <p:nvPr>
+            <p:ph sz="quarter" idx="10"/>
+          </p:nvPr>
+        </p:nvSpPr>
+        <p:spPr>
+          <a:xfrm>
+            <a:off x="874712" y="1169302"/>
+            <a:ext cx="10580687" cy="3880758"/>
+          </a:xfrm>
+        </p:spPr>
+        <p:txBody>
+          <a:bodyPr/>
+          <a:lstStyle/>
+          <a:p>
+            <a:r>
+              <a:rPr lang="de-DE" dirty="0">
+                <a:solidFill>
+                  <a:schemeClr val="tx1"/>
+                </a:solidFill>
+                <a:latin typeface="Open Sans (Textkörper)"/>
+              </a:rPr>
+              <a:t>[1]</a:t>
+            </a:r>
+            <a:r>
+              <a:rPr lang="de-DE" b="0" i="0" dirty="0">
+                <a:solidFill>
+                  <a:schemeClr val="tx1"/>
+                </a:solidFill>
+                <a:effectLst/>
+                <a:latin typeface="Open Sans (Textkörper)"/>
+              </a:rPr>
+              <a:t> </a:t>
+            </a:r>
+            <a:br>
+              <a:rPr lang="de-DE" b="0" i="0" dirty="0">
+                <a:solidFill>
+                  <a:schemeClr val="tx1"/>
+                </a:solidFill>
+                <a:effectLst/>
+                <a:latin typeface="Open Sans (Textkörper)"/>
+              </a:rPr>
+            </a:br>
+            <a:r>
+              <a:rPr lang="de-DE" b="0" i="0" dirty="0">
+                <a:solidFill>
+                  <a:schemeClr val="tx1"/>
+                </a:solidFill>
+                <a:effectLst/>
+                <a:latin typeface="Open Sans (Textkörper)"/>
+              </a:rPr>
+              <a:t>https://media04.wochenblatt-reporter.de/article/2023/01/09/1/860711_L.jpg?1673276418 (24.03.2023)</a:t>
+            </a:r>
+            <a:endParaRPr lang="de-DE" dirty="0">
+              <a:solidFill>
+                <a:schemeClr val="tx1"/>
+              </a:solidFill>
+              <a:latin typeface="Open Sans (Textkörper)"/>
+            </a:endParaRPr>
+          </a:p>
+          <a:p>
+            <a:r>
+              <a:rPr lang="de-DE" dirty="0">
+                <a:solidFill>
+                  <a:schemeClr val="tx1"/>
+                </a:solidFill>
+                <a:latin typeface="Open Sans (Textkörper)"/>
+              </a:rPr>
+              <a:t>[2] </a:t>
+            </a:r>
+            <a:br>
+              <a:rPr lang="de-DE" dirty="0">
+                <a:solidFill>
+                  <a:schemeClr val="tx1"/>
+                </a:solidFill>
+                <a:latin typeface="Open Sans (Textkörper)"/>
+              </a:rPr>
+            </a:br>
+            <a:r>
+              <a:rPr lang="de-DE" dirty="0">
+                <a:solidFill>
+                  <a:schemeClr val="tx1"/>
+                </a:solidFill>
+                <a:latin typeface="Open Sans (Textkörper)"/>
+              </a:rPr>
+              <a:t>https://www.lebenpflegedigital.de/wp-content/uploads/2021/05/Sprachassistent.png </a:t>
+            </a:r>
+            <a:r>
+              <a:rPr lang="de-DE" b="0" i="0" dirty="0">
+                <a:solidFill>
+                  <a:schemeClr val="tx1"/>
+                </a:solidFill>
+                <a:effectLst/>
+                <a:latin typeface="Open Sans (Textkörper)"/>
+              </a:rPr>
+              <a:t>(24.03.2023)</a:t>
+            </a:r>
+          </a:p>
+          <a:p>
+            <a:r>
+              <a:rPr lang="de-DE" dirty="0">
+                <a:solidFill>
+                  <a:schemeClr val="tx1"/>
+                </a:solidFill>
+                <a:latin typeface="Open Sans (Textkörper)"/>
+              </a:rPr>
+              <a:t>[3]</a:t>
+            </a:r>
+            <a:br>
+              <a:rPr lang="de-DE" dirty="0">
+                <a:solidFill>
+                  <a:schemeClr val="tx1"/>
+                </a:solidFill>
+                <a:latin typeface="Open Sans (Textkörper)"/>
+              </a:rPr>
+            </a:br>
+            <a:r>
+              <a:rPr lang="de-DE" b="0" i="0" dirty="0">
+                <a:solidFill>
+                  <a:schemeClr val="tx1"/>
+                </a:solidFill>
+                <a:effectLst/>
+                <a:latin typeface="Open Sans (Textkörper)"/>
+              </a:rPr>
+              <a:t>https://www.researchgate.net/publication/357285351/figure/fig1/AS:1104405864677385@1640322285139/The-illustration-of-KNN-algorithm.png (24.03.2023)</a:t>
+            </a:r>
+          </a:p>
+          <a:p>
+            <a:endParaRPr lang="de-DE" dirty="0">
+              <a:solidFill>
+                <a:schemeClr val="tx1"/>
+              </a:solidFill>
+              <a:latin typeface="Open Sans (Textkörper)"/>
+            </a:endParaRPr>
+          </a:p>
+          <a:p>
+            <a:r>
+              <a:rPr lang="de-DE" dirty="0">
+                <a:solidFill>
+                  <a:schemeClr val="tx1"/>
+                </a:solidFill>
+                <a:latin typeface="+mn-lt"/>
+              </a:rPr>
+              <a:t> </a:t>
+            </a:r>
+          </a:p>
+        </p:txBody>
+      </p:sp>
+    </p:spTree>
+    <p:extLst>
+      <p:ext uri="{BB962C8B-B14F-4D97-AF65-F5344CB8AC3E}">
+        <p14:creationId xmlns:p14="http://schemas.microsoft.com/office/powerpoint/2010/main" val="1172355560"/>
       </p:ext>
     </p:extLst>
   </p:cSld>
@@ -9818,39 +12951,188 @@
       </p:grpSpPr>
       <p:sp>
         <p:nvSpPr>
-          <p:cNvPr id="2" name="Titel 1">
+          <p:cNvPr id="7" name="Titel 1">
             <a:extLst>
               <a:ext uri="{FF2B5EF4-FFF2-40B4-BE49-F238E27FC236}">
-                <a16:creationId xmlns:a16="http://schemas.microsoft.com/office/drawing/2014/main" id="{487E467D-BE78-FA4C-918C-3FF09D6F46B8}"/>
+                <a16:creationId xmlns:a16="http://schemas.microsoft.com/office/drawing/2014/main" id="{58E4D760-4F7F-995B-731F-383523E0E5B5}"/>
               </a:ext>
             </a:extLst>
           </p:cNvPr>
-          <p:cNvSpPr>
-            <a:spLocks noGrp="1"/>
+          <p:cNvSpPr txBox="1">
+            <a:spLocks/>
           </p:cNvSpPr>
-          <p:nvPr>
-            <p:ph type="title"/>
-          </p:nvPr>
-        </p:nvSpPr>
-        <p:spPr/>
-        <p:txBody>
-          <a:bodyPr/>
-          <a:lstStyle/>
+          <p:nvPr/>
+        </p:nvSpPr>
+        <p:spPr>
+          <a:xfrm>
+            <a:off x="874712" y="365852"/>
+            <a:ext cx="10580687" cy="684213"/>
+          </a:xfrm>
+          <a:prstGeom prst="rect">
+            <a:avLst/>
+          </a:prstGeom>
+          <a:ln>
+            <a:noFill/>
+          </a:ln>
+        </p:spPr>
+        <p:txBody>
+          <a:bodyPr vert="horz" lIns="0" tIns="0" rIns="0" bIns="0" rtlCol="0" anchor="t" anchorCtr="0">
+            <a:noAutofit/>
+          </a:bodyPr>
+          <a:lstStyle>
+            <a:lvl1pPr algn="l" defTabSz="914269" rtl="0" eaLnBrk="1" latinLnBrk="0" hangingPunct="1">
+              <a:spcBef>
+                <a:spcPct val="0"/>
+              </a:spcBef>
+              <a:buNone/>
+              <a:defRPr sz="2400" b="1" kern="1200" baseline="0">
+                <a:solidFill>
+                  <a:schemeClr val="tx2"/>
+                </a:solidFill>
+                <a:latin typeface="Open Sans" panose="020B0606030504020204" pitchFamily="34" charset="0"/>
+                <a:ea typeface="+mj-ea"/>
+                <a:cs typeface="+mj-cs"/>
+              </a:defRPr>
+            </a:lvl1pPr>
+          </a:lstStyle>
           <a:p>
             <a:r>
               <a:rPr lang="de-DE" dirty="0"/>
-              <a:t>Inhalt</a:t>
-            </a:r>
-            <a:endParaRPr lang="de-DE" b="0" dirty="0"/>
-          </a:p>
-        </p:txBody>
-      </p:sp>
-      <p:sp>
-        <p:nvSpPr>
-          <p:cNvPr id="3" name="Inhaltsplatzhalter 2">
+              <a:t>Adaptive Konfiguration von Sprachinteraktionssystemen</a:t>
+            </a:r>
+            <a:br>
+              <a:rPr lang="de-DE" dirty="0"/>
+            </a:br>
+            <a:r>
+              <a:rPr lang="de-DE" b="0" dirty="0"/>
+              <a:t>für Senioren </a:t>
+            </a:r>
+          </a:p>
+        </p:txBody>
+      </p:sp>
+      <p:sp>
+        <p:nvSpPr>
+          <p:cNvPr id="8" name="Textfeld 7">
             <a:extLst>
               <a:ext uri="{FF2B5EF4-FFF2-40B4-BE49-F238E27FC236}">
-                <a16:creationId xmlns:a16="http://schemas.microsoft.com/office/drawing/2014/main" id="{AA11B2FF-65E1-5347-A9F3-8681249EAC21}"/>
+                <a16:creationId xmlns:a16="http://schemas.microsoft.com/office/drawing/2014/main" id="{52148F39-BBA0-CE29-B222-64B29E25D13A}"/>
+              </a:ext>
+            </a:extLst>
+          </p:cNvPr>
+          <p:cNvSpPr txBox="1"/>
+          <p:nvPr/>
+        </p:nvSpPr>
+        <p:spPr>
+          <a:xfrm>
+            <a:off x="6165055" y="1559014"/>
+            <a:ext cx="873957" cy="341632"/>
+          </a:xfrm>
+          <a:prstGeom prst="rect">
+            <a:avLst/>
+          </a:prstGeom>
+          <a:noFill/>
+        </p:spPr>
+        <p:txBody>
+          <a:bodyPr wrap="none" rtlCol="0">
+            <a:spAutoFit/>
+          </a:bodyPr>
+          <a:lstStyle/>
+          <a:p>
+            <a:r>
+              <a:rPr lang="de-DE" b="1" i="1" dirty="0"/>
+              <a:t>Lösung</a:t>
+            </a:r>
+          </a:p>
+        </p:txBody>
+      </p:sp>
+      <p:sp>
+        <p:nvSpPr>
+          <p:cNvPr id="9" name="Textfeld 8">
+            <a:extLst>
+              <a:ext uri="{FF2B5EF4-FFF2-40B4-BE49-F238E27FC236}">
+                <a16:creationId xmlns:a16="http://schemas.microsoft.com/office/drawing/2014/main" id="{DE74E418-1F2D-6A03-C3B1-581C267C40CC}"/>
+              </a:ext>
+            </a:extLst>
+          </p:cNvPr>
+          <p:cNvSpPr txBox="1"/>
+          <p:nvPr/>
+        </p:nvSpPr>
+        <p:spPr>
+          <a:xfrm>
+            <a:off x="885533" y="1568484"/>
+            <a:ext cx="1008609" cy="341632"/>
+          </a:xfrm>
+          <a:prstGeom prst="rect">
+            <a:avLst/>
+          </a:prstGeom>
+          <a:noFill/>
+        </p:spPr>
+        <p:txBody>
+          <a:bodyPr wrap="none" rtlCol="0">
+            <a:spAutoFit/>
+          </a:bodyPr>
+          <a:lstStyle/>
+          <a:p>
+            <a:r>
+              <a:rPr lang="de-DE" b="1" i="1" dirty="0"/>
+              <a:t>Problem</a:t>
+            </a:r>
+          </a:p>
+        </p:txBody>
+      </p:sp>
+      <p:pic>
+        <p:nvPicPr>
+          <p:cNvPr id="1028" name="Picture 4">
+            <a:extLst>
+              <a:ext uri="{FF2B5EF4-FFF2-40B4-BE49-F238E27FC236}">
+                <a16:creationId xmlns:a16="http://schemas.microsoft.com/office/drawing/2014/main" id="{092A8DF5-480F-FE04-E38E-D3A035921D64}"/>
+              </a:ext>
+            </a:extLst>
+          </p:cNvPr>
+          <p:cNvPicPr>
+            <a:picLocks noChangeAspect="1" noChangeArrowheads="1"/>
+          </p:cNvPicPr>
+          <p:nvPr/>
+        </p:nvPicPr>
+        <p:blipFill>
+          <a:blip r:embed="rId2">
+            <a:extLst>
+              <a:ext uri="{28A0092B-C50C-407E-A947-70E740481C1C}">
+                <a14:useLocalDpi xmlns:a14="http://schemas.microsoft.com/office/drawing/2010/main" val="0"/>
+              </a:ext>
+            </a:extLst>
+          </a:blip>
+          <a:srcRect/>
+          <a:stretch>
+            <a:fillRect/>
+          </a:stretch>
+        </p:blipFill>
+        <p:spPr bwMode="auto">
+          <a:xfrm>
+            <a:off x="874712" y="3412999"/>
+            <a:ext cx="3397159" cy="2266542"/>
+          </a:xfrm>
+          <a:prstGeom prst="rect">
+            <a:avLst/>
+          </a:prstGeom>
+          <a:noFill/>
+          <a:extLst>
+            <a:ext uri="{909E8E84-426E-40DD-AFC4-6F175D3DCCD1}">
+              <a14:hiddenFill xmlns:a14="http://schemas.microsoft.com/office/drawing/2010/main">
+                <a:solidFill>
+                  <a:srgbClr val="FFFFFF"/>
+                </a:solidFill>
+              </a14:hiddenFill>
+            </a:ext>
+          </a:extLst>
+        </p:spPr>
+      </p:pic>
+      <p:sp>
+        <p:nvSpPr>
+          <p:cNvPr id="10" name="Inhaltsplatzhalter 2">
+            <a:extLst>
+              <a:ext uri="{FF2B5EF4-FFF2-40B4-BE49-F238E27FC236}">
+                <a16:creationId xmlns:a16="http://schemas.microsoft.com/office/drawing/2014/main" id="{FB14C43F-095A-76CB-F80D-D4C6AFBABCE7}"/>
               </a:ext>
             </a:extLst>
           </p:cNvPr>
@@ -9863,8 +13145,8 @@
         </p:nvSpPr>
         <p:spPr>
           <a:xfrm>
-            <a:off x="874711" y="1720735"/>
-            <a:ext cx="10580688" cy="3880758"/>
+            <a:off x="885532" y="2045753"/>
+            <a:ext cx="4184969" cy="1550126"/>
           </a:xfrm>
         </p:spPr>
         <p:txBody>
@@ -9877,7 +13159,7 @@
             </a:pPr>
             <a:r>
               <a:rPr lang="de-DE" dirty="0"/>
-              <a:t>Motivation und Zielsetzung</a:t>
+              <a:t>Spezifische Anforderungen</a:t>
             </a:r>
           </a:p>
           <a:p>
@@ -9887,7 +13169,7 @@
             </a:pPr>
             <a:r>
               <a:rPr lang="de-DE" dirty="0"/>
-              <a:t>Spezifikation der Zielgruppe</a:t>
+              <a:t>Geringe Akzeptanz bezüglich Technik</a:t>
             </a:r>
           </a:p>
           <a:p>
@@ -9897,61 +13179,603 @@
             </a:pPr>
             <a:r>
               <a:rPr lang="de-DE" dirty="0"/>
-              <a:t>Feature-Modell</a:t>
-            </a:r>
-          </a:p>
-          <a:p>
-            <a:pPr marL="285750" indent="-285750">
+              <a:t>Viel Anpassung notwendig</a:t>
+            </a:r>
+          </a:p>
+        </p:txBody>
+      </p:sp>
+      <p:sp>
+        <p:nvSpPr>
+          <p:cNvPr id="11" name="Inhaltsplatzhalter 2">
+            <a:extLst>
+              <a:ext uri="{FF2B5EF4-FFF2-40B4-BE49-F238E27FC236}">
+                <a16:creationId xmlns:a16="http://schemas.microsoft.com/office/drawing/2014/main" id="{9C0FE33F-D0B3-3ACA-5C68-76FD62829AB5}"/>
+              </a:ext>
+            </a:extLst>
+          </p:cNvPr>
+          <p:cNvSpPr txBox="1">
+            <a:spLocks/>
+          </p:cNvSpPr>
+          <p:nvPr/>
+        </p:nvSpPr>
+        <p:spPr>
+          <a:xfrm>
+            <a:off x="6165055" y="2036283"/>
+            <a:ext cx="4184969" cy="1550126"/>
+          </a:xfrm>
+          <a:prstGeom prst="rect">
+            <a:avLst/>
+          </a:prstGeom>
+          <a:ln>
+            <a:noFill/>
+          </a:ln>
+        </p:spPr>
+        <p:txBody>
+          <a:bodyPr vert="horz" lIns="0" tIns="0" rIns="0" bIns="0" rtlCol="0">
+            <a:noAutofit/>
+          </a:bodyPr>
+          <a:lstStyle>
+            <a:lvl1pPr marL="0" indent="0" algn="l" defTabSz="914269" rtl="0" eaLnBrk="1" latinLnBrk="0" hangingPunct="1">
+              <a:spcBef>
+                <a:spcPts val="1200"/>
+              </a:spcBef>
+              <a:buFont typeface="Arial" panose="020B0604020202020204" pitchFamily="34" charset="0"/>
+              <a:buNone/>
+              <a:defRPr sz="1600" kern="1200">
+                <a:solidFill>
+                  <a:schemeClr val="tx2"/>
+                </a:solidFill>
+                <a:latin typeface="Open Sans" panose="020B0606030504020204" pitchFamily="34" charset="0"/>
+                <a:ea typeface="+mn-ea"/>
+                <a:cs typeface="+mn-cs"/>
+              </a:defRPr>
+            </a:lvl1pPr>
+            <a:lvl2pPr marL="395942" indent="-323953" algn="l" defTabSz="914269" rtl="0" eaLnBrk="1" latinLnBrk="0" hangingPunct="1">
+              <a:spcBef>
+                <a:spcPts val="300"/>
+              </a:spcBef>
+              <a:buFont typeface="Open Sans" panose="020B0606030504020204" pitchFamily="34" charset="0"/>
+              <a:buChar char="—"/>
+              <a:defRPr sz="1600" kern="1200">
+                <a:solidFill>
+                  <a:schemeClr val="tx2"/>
+                </a:solidFill>
+                <a:latin typeface="Open Sans" panose="020B0606030504020204" pitchFamily="34" charset="0"/>
+                <a:ea typeface="+mn-ea"/>
+                <a:cs typeface="+mn-cs"/>
+              </a:defRPr>
+            </a:lvl2pPr>
+            <a:lvl3pPr marL="0" indent="0" algn="l" defTabSz="914269" rtl="0" eaLnBrk="1" latinLnBrk="0" hangingPunct="1">
+              <a:spcBef>
+                <a:spcPts val="1200"/>
+              </a:spcBef>
+              <a:buFont typeface="Arial" panose="020B0604020202020204" pitchFamily="34" charset="0"/>
+              <a:buNone/>
+              <a:defRPr sz="1400" kern="1200">
+                <a:solidFill>
+                  <a:schemeClr val="tx2"/>
+                </a:solidFill>
+                <a:latin typeface="Open Sans" panose="020B0606030504020204" pitchFamily="34" charset="0"/>
+                <a:ea typeface="+mn-ea"/>
+                <a:cs typeface="+mn-cs"/>
+              </a:defRPr>
+            </a:lvl3pPr>
+            <a:lvl4pPr marL="395942" indent="-215969" algn="l" defTabSz="914269" rtl="0" eaLnBrk="1" latinLnBrk="0" hangingPunct="1">
+              <a:spcBef>
+                <a:spcPts val="300"/>
+              </a:spcBef>
+              <a:buFont typeface="Symbol" panose="05050102010706020507" pitchFamily="18" charset="2"/>
+              <a:buChar char="-"/>
+              <a:defRPr sz="1400" kern="1200">
+                <a:solidFill>
+                  <a:schemeClr val="tx2"/>
+                </a:solidFill>
+                <a:latin typeface="Open Sans" panose="020B0606030504020204" pitchFamily="34" charset="0"/>
+                <a:ea typeface="+mn-ea"/>
+                <a:cs typeface="+mn-cs"/>
+              </a:defRPr>
+            </a:lvl4pPr>
+            <a:lvl5pPr marL="575916" indent="-179362" algn="l" defTabSz="914269" rtl="0" eaLnBrk="1" latinLnBrk="0" hangingPunct="1">
+              <a:spcBef>
+                <a:spcPts val="300"/>
+              </a:spcBef>
+              <a:buFont typeface="Symbol" panose="05050102010706020507" pitchFamily="18" charset="2"/>
+              <a:buChar char="-"/>
+              <a:defRPr sz="1400" kern="1200" baseline="0">
+                <a:solidFill>
+                  <a:schemeClr val="tx2"/>
+                </a:solidFill>
+                <a:latin typeface="Open Sans" panose="020B0606030504020204" pitchFamily="34" charset="0"/>
+                <a:ea typeface="+mn-ea"/>
+                <a:cs typeface="+mn-cs"/>
+              </a:defRPr>
+            </a:lvl5pPr>
+            <a:lvl6pPr marL="358723" indent="0" algn="l" defTabSz="914269" rtl="0" eaLnBrk="1" latinLnBrk="0" hangingPunct="1">
+              <a:spcBef>
+                <a:spcPts val="0"/>
+              </a:spcBef>
+              <a:buFont typeface="Arial" panose="020B0604020202020204" pitchFamily="34" charset="0"/>
+              <a:buNone/>
+              <a:defRPr sz="3200" b="1" kern="1200">
+                <a:solidFill>
+                  <a:schemeClr val="bg1"/>
+                </a:solidFill>
+                <a:latin typeface="+mn-lt"/>
+                <a:ea typeface="+mn-ea"/>
+                <a:cs typeface="+mn-cs"/>
+              </a:defRPr>
+            </a:lvl6pPr>
+            <a:lvl7pPr marL="358723" indent="0" algn="l" defTabSz="914269" rtl="0" eaLnBrk="1" latinLnBrk="0" hangingPunct="1">
+              <a:spcBef>
+                <a:spcPts val="0"/>
+              </a:spcBef>
+              <a:buFont typeface="Arial" panose="020B0604020202020204" pitchFamily="34" charset="0"/>
+              <a:buNone/>
+              <a:defRPr sz="3200" kern="1200">
+                <a:solidFill>
+                  <a:schemeClr val="bg1"/>
+                </a:solidFill>
+                <a:latin typeface="+mn-lt"/>
+                <a:ea typeface="+mn-ea"/>
+                <a:cs typeface="+mn-cs"/>
+              </a:defRPr>
+            </a:lvl7pPr>
+            <a:lvl8pPr marL="3428502" indent="-228566" algn="l" defTabSz="914269" rtl="0" eaLnBrk="1" latinLnBrk="0" hangingPunct="1">
+              <a:spcBef>
+                <a:spcPct val="20000"/>
+              </a:spcBef>
               <a:buFont typeface="Arial" panose="020B0604020202020204" pitchFamily="34" charset="0"/>
               <a:buChar char="•"/>
-            </a:pPr>
-            <a:r>
-              <a:rPr lang="de-DE" dirty="0" err="1"/>
-              <a:t>Recommender</a:t>
-            </a:r>
-            <a:r>
-              <a:rPr lang="de-DE" dirty="0"/>
-              <a:t>-System</a:t>
-            </a:r>
-          </a:p>
-          <a:p>
-            <a:pPr marL="285750" indent="-285750">
+              <a:defRPr sz="2000" kern="1200">
+                <a:solidFill>
+                  <a:schemeClr val="tx1"/>
+                </a:solidFill>
+                <a:latin typeface="+mn-lt"/>
+                <a:ea typeface="+mn-ea"/>
+                <a:cs typeface="+mn-cs"/>
+              </a:defRPr>
+            </a:lvl8pPr>
+            <a:lvl9pPr marL="3885635" indent="-228566" algn="l" defTabSz="914269" rtl="0" eaLnBrk="1" latinLnBrk="0" hangingPunct="1">
+              <a:spcBef>
+                <a:spcPct val="20000"/>
+              </a:spcBef>
               <a:buFont typeface="Arial" panose="020B0604020202020204" pitchFamily="34" charset="0"/>
               <a:buChar char="•"/>
+              <a:defRPr sz="2000" kern="1200">
+                <a:solidFill>
+                  <a:schemeClr val="tx1"/>
+                </a:solidFill>
+                <a:latin typeface="+mn-lt"/>
+                <a:ea typeface="+mn-ea"/>
+                <a:cs typeface="+mn-cs"/>
+              </a:defRPr>
+            </a:lvl9pPr>
+          </a:lstStyle>
+          <a:p>
+            <a:pPr marL="342900" indent="-342900">
+              <a:buFont typeface="+mj-lt"/>
+              <a:buAutoNum type="arabicPeriod"/>
             </a:pPr>
             <a:r>
               <a:rPr lang="de-DE" dirty="0"/>
-              <a:t>Trainingsdaten</a:t>
-            </a:r>
-          </a:p>
-          <a:p>
-            <a:pPr marL="285750" indent="-285750">
+              <a:t>Profil ausfüllen</a:t>
+            </a:r>
+          </a:p>
+          <a:p>
+            <a:pPr marL="342900" indent="-342900">
+              <a:buFont typeface="+mj-lt"/>
+              <a:buAutoNum type="arabicPeriod"/>
+            </a:pPr>
+            <a:r>
+              <a:rPr lang="de-DE" dirty="0"/>
+              <a:t>Konfiguration wird vorgeschlagen</a:t>
+            </a:r>
+          </a:p>
+          <a:p>
+            <a:pPr marL="342900" indent="-342900">
+              <a:buFont typeface="+mj-lt"/>
+              <a:buAutoNum type="arabicPeriod"/>
+            </a:pPr>
+            <a:r>
+              <a:rPr lang="de-DE" dirty="0"/>
+              <a:t>System ist nutzbar </a:t>
+            </a:r>
+          </a:p>
+        </p:txBody>
+      </p:sp>
+      <p:pic>
+        <p:nvPicPr>
+          <p:cNvPr id="12" name="Picture 2">
+            <a:extLst>
+              <a:ext uri="{FF2B5EF4-FFF2-40B4-BE49-F238E27FC236}">
+                <a16:creationId xmlns:a16="http://schemas.microsoft.com/office/drawing/2014/main" id="{316854D2-BCDF-DB85-4732-D04B0F4DEFE3}"/>
+              </a:ext>
+            </a:extLst>
+          </p:cNvPr>
+          <p:cNvPicPr>
+            <a:picLocks noChangeAspect="1" noChangeArrowheads="1"/>
+          </p:cNvPicPr>
+          <p:nvPr/>
+        </p:nvPicPr>
+        <p:blipFill>
+          <a:blip r:embed="rId3" cstate="print">
+            <a:extLst>
+              <a:ext uri="{28A0092B-C50C-407E-A947-70E740481C1C}">
+                <a14:useLocalDpi xmlns:a14="http://schemas.microsoft.com/office/drawing/2010/main" val="0"/>
+              </a:ext>
+            </a:extLst>
+          </a:blip>
+          <a:srcRect/>
+          <a:stretch>
+            <a:fillRect/>
+          </a:stretch>
+        </p:blipFill>
+        <p:spPr bwMode="auto">
+          <a:xfrm>
+            <a:off x="6165055" y="3412999"/>
+            <a:ext cx="3022056" cy="2266542"/>
+          </a:xfrm>
+          <a:prstGeom prst="rect">
+            <a:avLst/>
+          </a:prstGeom>
+          <a:noFill/>
+          <a:extLst>
+            <a:ext uri="{909E8E84-426E-40DD-AFC4-6F175D3DCCD1}">
+              <a14:hiddenFill xmlns:a14="http://schemas.microsoft.com/office/drawing/2010/main">
+                <a:solidFill>
+                  <a:srgbClr val="FFFFFF"/>
+                </a:solidFill>
+              </a14:hiddenFill>
+            </a:ext>
+          </a:extLst>
+        </p:spPr>
+      </p:pic>
+      <p:sp>
+        <p:nvSpPr>
+          <p:cNvPr id="13" name="Inhaltsplatzhalter 2">
+            <a:extLst>
+              <a:ext uri="{FF2B5EF4-FFF2-40B4-BE49-F238E27FC236}">
+                <a16:creationId xmlns:a16="http://schemas.microsoft.com/office/drawing/2014/main" id="{00C197B3-A281-A083-DEF9-E8787D0A1F88}"/>
+              </a:ext>
+            </a:extLst>
+          </p:cNvPr>
+          <p:cNvSpPr txBox="1">
+            <a:spLocks/>
+          </p:cNvSpPr>
+          <p:nvPr/>
+        </p:nvSpPr>
+        <p:spPr>
+          <a:xfrm>
+            <a:off x="885533" y="5707716"/>
+            <a:ext cx="324384" cy="263684"/>
+          </a:xfrm>
+          <a:prstGeom prst="rect">
+            <a:avLst/>
+          </a:prstGeom>
+          <a:ln>
+            <a:noFill/>
+          </a:ln>
+        </p:spPr>
+        <p:txBody>
+          <a:bodyPr vert="horz" lIns="0" tIns="0" rIns="0" bIns="0" rtlCol="0">
+            <a:noAutofit/>
+          </a:bodyPr>
+          <a:lstStyle>
+            <a:lvl1pPr marL="0" indent="0" algn="l" defTabSz="914269" rtl="0" eaLnBrk="1" latinLnBrk="0" hangingPunct="1">
+              <a:spcBef>
+                <a:spcPts val="1200"/>
+              </a:spcBef>
+              <a:buFont typeface="Arial" panose="020B0604020202020204" pitchFamily="34" charset="0"/>
+              <a:buNone/>
+              <a:defRPr sz="1600" kern="1200">
+                <a:solidFill>
+                  <a:schemeClr val="tx2"/>
+                </a:solidFill>
+                <a:latin typeface="Open Sans" panose="020B0606030504020204" pitchFamily="34" charset="0"/>
+                <a:ea typeface="+mn-ea"/>
+                <a:cs typeface="+mn-cs"/>
+              </a:defRPr>
+            </a:lvl1pPr>
+            <a:lvl2pPr marL="395942" indent="-323953" algn="l" defTabSz="914269" rtl="0" eaLnBrk="1" latinLnBrk="0" hangingPunct="1">
+              <a:spcBef>
+                <a:spcPts val="300"/>
+              </a:spcBef>
+              <a:buFont typeface="Open Sans" panose="020B0606030504020204" pitchFamily="34" charset="0"/>
+              <a:buChar char="—"/>
+              <a:defRPr sz="1600" kern="1200">
+                <a:solidFill>
+                  <a:schemeClr val="tx2"/>
+                </a:solidFill>
+                <a:latin typeface="Open Sans" panose="020B0606030504020204" pitchFamily="34" charset="0"/>
+                <a:ea typeface="+mn-ea"/>
+                <a:cs typeface="+mn-cs"/>
+              </a:defRPr>
+            </a:lvl2pPr>
+            <a:lvl3pPr marL="0" indent="0" algn="l" defTabSz="914269" rtl="0" eaLnBrk="1" latinLnBrk="0" hangingPunct="1">
+              <a:spcBef>
+                <a:spcPts val="1200"/>
+              </a:spcBef>
+              <a:buFont typeface="Arial" panose="020B0604020202020204" pitchFamily="34" charset="0"/>
+              <a:buNone/>
+              <a:defRPr sz="1400" kern="1200">
+                <a:solidFill>
+                  <a:schemeClr val="tx2"/>
+                </a:solidFill>
+                <a:latin typeface="Open Sans" panose="020B0606030504020204" pitchFamily="34" charset="0"/>
+                <a:ea typeface="+mn-ea"/>
+                <a:cs typeface="+mn-cs"/>
+              </a:defRPr>
+            </a:lvl3pPr>
+            <a:lvl4pPr marL="395942" indent="-215969" algn="l" defTabSz="914269" rtl="0" eaLnBrk="1" latinLnBrk="0" hangingPunct="1">
+              <a:spcBef>
+                <a:spcPts val="300"/>
+              </a:spcBef>
+              <a:buFont typeface="Symbol" panose="05050102010706020507" pitchFamily="18" charset="2"/>
+              <a:buChar char="-"/>
+              <a:defRPr sz="1400" kern="1200">
+                <a:solidFill>
+                  <a:schemeClr val="tx2"/>
+                </a:solidFill>
+                <a:latin typeface="Open Sans" panose="020B0606030504020204" pitchFamily="34" charset="0"/>
+                <a:ea typeface="+mn-ea"/>
+                <a:cs typeface="+mn-cs"/>
+              </a:defRPr>
+            </a:lvl4pPr>
+            <a:lvl5pPr marL="575916" indent="-179362" algn="l" defTabSz="914269" rtl="0" eaLnBrk="1" latinLnBrk="0" hangingPunct="1">
+              <a:spcBef>
+                <a:spcPts val="300"/>
+              </a:spcBef>
+              <a:buFont typeface="Symbol" panose="05050102010706020507" pitchFamily="18" charset="2"/>
+              <a:buChar char="-"/>
+              <a:defRPr sz="1400" kern="1200" baseline="0">
+                <a:solidFill>
+                  <a:schemeClr val="tx2"/>
+                </a:solidFill>
+                <a:latin typeface="Open Sans" panose="020B0606030504020204" pitchFamily="34" charset="0"/>
+                <a:ea typeface="+mn-ea"/>
+                <a:cs typeface="+mn-cs"/>
+              </a:defRPr>
+            </a:lvl5pPr>
+            <a:lvl6pPr marL="358723" indent="0" algn="l" defTabSz="914269" rtl="0" eaLnBrk="1" latinLnBrk="0" hangingPunct="1">
+              <a:spcBef>
+                <a:spcPts val="0"/>
+              </a:spcBef>
+              <a:buFont typeface="Arial" panose="020B0604020202020204" pitchFamily="34" charset="0"/>
+              <a:buNone/>
+              <a:defRPr sz="3200" b="1" kern="1200">
+                <a:solidFill>
+                  <a:schemeClr val="bg1"/>
+                </a:solidFill>
+                <a:latin typeface="+mn-lt"/>
+                <a:ea typeface="+mn-ea"/>
+                <a:cs typeface="+mn-cs"/>
+              </a:defRPr>
+            </a:lvl6pPr>
+            <a:lvl7pPr marL="358723" indent="0" algn="l" defTabSz="914269" rtl="0" eaLnBrk="1" latinLnBrk="0" hangingPunct="1">
+              <a:spcBef>
+                <a:spcPts val="0"/>
+              </a:spcBef>
+              <a:buFont typeface="Arial" panose="020B0604020202020204" pitchFamily="34" charset="0"/>
+              <a:buNone/>
+              <a:defRPr sz="3200" kern="1200">
+                <a:solidFill>
+                  <a:schemeClr val="bg1"/>
+                </a:solidFill>
+                <a:latin typeface="+mn-lt"/>
+                <a:ea typeface="+mn-ea"/>
+                <a:cs typeface="+mn-cs"/>
+              </a:defRPr>
+            </a:lvl7pPr>
+            <a:lvl8pPr marL="3428502" indent="-228566" algn="l" defTabSz="914269" rtl="0" eaLnBrk="1" latinLnBrk="0" hangingPunct="1">
+              <a:spcBef>
+                <a:spcPct val="20000"/>
+              </a:spcBef>
               <a:buFont typeface="Arial" panose="020B0604020202020204" pitchFamily="34" charset="0"/>
               <a:buChar char="•"/>
-            </a:pPr>
-            <a:r>
-              <a:rPr lang="de-DE" dirty="0"/>
-              <a:t>Sprachassistent</a:t>
-            </a:r>
-          </a:p>
-          <a:p>
-            <a:pPr marL="285750" indent="-285750">
+              <a:defRPr sz="2000" kern="1200">
+                <a:solidFill>
+                  <a:schemeClr val="tx1"/>
+                </a:solidFill>
+                <a:latin typeface="+mn-lt"/>
+                <a:ea typeface="+mn-ea"/>
+                <a:cs typeface="+mn-cs"/>
+              </a:defRPr>
+            </a:lvl8pPr>
+            <a:lvl9pPr marL="3885635" indent="-228566" algn="l" defTabSz="914269" rtl="0" eaLnBrk="1" latinLnBrk="0" hangingPunct="1">
+              <a:spcBef>
+                <a:spcPct val="20000"/>
+              </a:spcBef>
               <a:buFont typeface="Arial" panose="020B0604020202020204" pitchFamily="34" charset="0"/>
               <a:buChar char="•"/>
-            </a:pPr>
-            <a:r>
-              <a:rPr lang="de-DE" dirty="0"/>
-              <a:t>Demo</a:t>
-            </a:r>
-          </a:p>
-          <a:p>
-            <a:pPr marL="285750" indent="-285750">
+              <a:defRPr sz="2000" kern="1200">
+                <a:solidFill>
+                  <a:schemeClr val="tx1"/>
+                </a:solidFill>
+                <a:latin typeface="+mn-lt"/>
+                <a:ea typeface="+mn-ea"/>
+                <a:cs typeface="+mn-cs"/>
+              </a:defRPr>
+            </a:lvl9pPr>
+          </a:lstStyle>
+          <a:p>
+            <a:r>
+              <a:rPr lang="de-DE" sz="1050" dirty="0"/>
+              <a:t>[1]</a:t>
+            </a:r>
+          </a:p>
+        </p:txBody>
+      </p:sp>
+      <p:sp>
+        <p:nvSpPr>
+          <p:cNvPr id="14" name="Inhaltsplatzhalter 2">
+            <a:extLst>
+              <a:ext uri="{FF2B5EF4-FFF2-40B4-BE49-F238E27FC236}">
+                <a16:creationId xmlns:a16="http://schemas.microsoft.com/office/drawing/2014/main" id="{5A9BDF30-B9F2-8F65-27F8-AD8B02895AFA}"/>
+              </a:ext>
+            </a:extLst>
+          </p:cNvPr>
+          <p:cNvSpPr txBox="1">
+            <a:spLocks/>
+          </p:cNvSpPr>
+          <p:nvPr/>
+        </p:nvSpPr>
+        <p:spPr>
+          <a:xfrm>
+            <a:off x="6151095" y="5707716"/>
+            <a:ext cx="324384" cy="263684"/>
+          </a:xfrm>
+          <a:prstGeom prst="rect">
+            <a:avLst/>
+          </a:prstGeom>
+          <a:ln>
+            <a:noFill/>
+          </a:ln>
+        </p:spPr>
+        <p:txBody>
+          <a:bodyPr vert="horz" lIns="0" tIns="0" rIns="0" bIns="0" rtlCol="0">
+            <a:noAutofit/>
+          </a:bodyPr>
+          <a:lstStyle>
+            <a:lvl1pPr marL="0" indent="0" algn="l" defTabSz="914269" rtl="0" eaLnBrk="1" latinLnBrk="0" hangingPunct="1">
+              <a:spcBef>
+                <a:spcPts val="1200"/>
+              </a:spcBef>
+              <a:buFont typeface="Arial" panose="020B0604020202020204" pitchFamily="34" charset="0"/>
+              <a:buNone/>
+              <a:defRPr sz="1600" kern="1200">
+                <a:solidFill>
+                  <a:schemeClr val="tx2"/>
+                </a:solidFill>
+                <a:latin typeface="Open Sans" panose="020B0606030504020204" pitchFamily="34" charset="0"/>
+                <a:ea typeface="+mn-ea"/>
+                <a:cs typeface="+mn-cs"/>
+              </a:defRPr>
+            </a:lvl1pPr>
+            <a:lvl2pPr marL="395942" indent="-323953" algn="l" defTabSz="914269" rtl="0" eaLnBrk="1" latinLnBrk="0" hangingPunct="1">
+              <a:spcBef>
+                <a:spcPts val="300"/>
+              </a:spcBef>
+              <a:buFont typeface="Open Sans" panose="020B0606030504020204" pitchFamily="34" charset="0"/>
+              <a:buChar char="—"/>
+              <a:defRPr sz="1600" kern="1200">
+                <a:solidFill>
+                  <a:schemeClr val="tx2"/>
+                </a:solidFill>
+                <a:latin typeface="Open Sans" panose="020B0606030504020204" pitchFamily="34" charset="0"/>
+                <a:ea typeface="+mn-ea"/>
+                <a:cs typeface="+mn-cs"/>
+              </a:defRPr>
+            </a:lvl2pPr>
+            <a:lvl3pPr marL="0" indent="0" algn="l" defTabSz="914269" rtl="0" eaLnBrk="1" latinLnBrk="0" hangingPunct="1">
+              <a:spcBef>
+                <a:spcPts val="1200"/>
+              </a:spcBef>
+              <a:buFont typeface="Arial" panose="020B0604020202020204" pitchFamily="34" charset="0"/>
+              <a:buNone/>
+              <a:defRPr sz="1400" kern="1200">
+                <a:solidFill>
+                  <a:schemeClr val="tx2"/>
+                </a:solidFill>
+                <a:latin typeface="Open Sans" panose="020B0606030504020204" pitchFamily="34" charset="0"/>
+                <a:ea typeface="+mn-ea"/>
+                <a:cs typeface="+mn-cs"/>
+              </a:defRPr>
+            </a:lvl3pPr>
+            <a:lvl4pPr marL="395942" indent="-215969" algn="l" defTabSz="914269" rtl="0" eaLnBrk="1" latinLnBrk="0" hangingPunct="1">
+              <a:spcBef>
+                <a:spcPts val="300"/>
+              </a:spcBef>
+              <a:buFont typeface="Symbol" panose="05050102010706020507" pitchFamily="18" charset="2"/>
+              <a:buChar char="-"/>
+              <a:defRPr sz="1400" kern="1200">
+                <a:solidFill>
+                  <a:schemeClr val="tx2"/>
+                </a:solidFill>
+                <a:latin typeface="Open Sans" panose="020B0606030504020204" pitchFamily="34" charset="0"/>
+                <a:ea typeface="+mn-ea"/>
+                <a:cs typeface="+mn-cs"/>
+              </a:defRPr>
+            </a:lvl4pPr>
+            <a:lvl5pPr marL="575916" indent="-179362" algn="l" defTabSz="914269" rtl="0" eaLnBrk="1" latinLnBrk="0" hangingPunct="1">
+              <a:spcBef>
+                <a:spcPts val="300"/>
+              </a:spcBef>
+              <a:buFont typeface="Symbol" panose="05050102010706020507" pitchFamily="18" charset="2"/>
+              <a:buChar char="-"/>
+              <a:defRPr sz="1400" kern="1200" baseline="0">
+                <a:solidFill>
+                  <a:schemeClr val="tx2"/>
+                </a:solidFill>
+                <a:latin typeface="Open Sans" panose="020B0606030504020204" pitchFamily="34" charset="0"/>
+                <a:ea typeface="+mn-ea"/>
+                <a:cs typeface="+mn-cs"/>
+              </a:defRPr>
+            </a:lvl5pPr>
+            <a:lvl6pPr marL="358723" indent="0" algn="l" defTabSz="914269" rtl="0" eaLnBrk="1" latinLnBrk="0" hangingPunct="1">
+              <a:spcBef>
+                <a:spcPts val="0"/>
+              </a:spcBef>
+              <a:buFont typeface="Arial" panose="020B0604020202020204" pitchFamily="34" charset="0"/>
+              <a:buNone/>
+              <a:defRPr sz="3200" b="1" kern="1200">
+                <a:solidFill>
+                  <a:schemeClr val="bg1"/>
+                </a:solidFill>
+                <a:latin typeface="+mn-lt"/>
+                <a:ea typeface="+mn-ea"/>
+                <a:cs typeface="+mn-cs"/>
+              </a:defRPr>
+            </a:lvl6pPr>
+            <a:lvl7pPr marL="358723" indent="0" algn="l" defTabSz="914269" rtl="0" eaLnBrk="1" latinLnBrk="0" hangingPunct="1">
+              <a:spcBef>
+                <a:spcPts val="0"/>
+              </a:spcBef>
+              <a:buFont typeface="Arial" panose="020B0604020202020204" pitchFamily="34" charset="0"/>
+              <a:buNone/>
+              <a:defRPr sz="3200" kern="1200">
+                <a:solidFill>
+                  <a:schemeClr val="bg1"/>
+                </a:solidFill>
+                <a:latin typeface="+mn-lt"/>
+                <a:ea typeface="+mn-ea"/>
+                <a:cs typeface="+mn-cs"/>
+              </a:defRPr>
+            </a:lvl7pPr>
+            <a:lvl8pPr marL="3428502" indent="-228566" algn="l" defTabSz="914269" rtl="0" eaLnBrk="1" latinLnBrk="0" hangingPunct="1">
+              <a:spcBef>
+                <a:spcPct val="20000"/>
+              </a:spcBef>
               <a:buFont typeface="Arial" panose="020B0604020202020204" pitchFamily="34" charset="0"/>
               <a:buChar char="•"/>
-            </a:pPr>
-            <a:r>
-              <a:rPr lang="de-DE" dirty="0"/>
-              <a:t>Diskussion</a:t>
+              <a:defRPr sz="2000" kern="1200">
+                <a:solidFill>
+                  <a:schemeClr val="tx1"/>
+                </a:solidFill>
+                <a:latin typeface="+mn-lt"/>
+                <a:ea typeface="+mn-ea"/>
+                <a:cs typeface="+mn-cs"/>
+              </a:defRPr>
+            </a:lvl8pPr>
+            <a:lvl9pPr marL="3885635" indent="-228566" algn="l" defTabSz="914269" rtl="0" eaLnBrk="1" latinLnBrk="0" hangingPunct="1">
+              <a:spcBef>
+                <a:spcPct val="20000"/>
+              </a:spcBef>
+              <a:buFont typeface="Arial" panose="020B0604020202020204" pitchFamily="34" charset="0"/>
+              <a:buChar char="•"/>
+              <a:defRPr sz="2000" kern="1200">
+                <a:solidFill>
+                  <a:schemeClr val="tx1"/>
+                </a:solidFill>
+                <a:latin typeface="+mn-lt"/>
+                <a:ea typeface="+mn-ea"/>
+                <a:cs typeface="+mn-cs"/>
+              </a:defRPr>
+            </a:lvl9pPr>
+          </a:lstStyle>
+          <a:p>
+            <a:r>
+              <a:rPr lang="de-DE" sz="1050" dirty="0"/>
+              <a:t>[2]</a:t>
             </a:r>
           </a:p>
         </p:txBody>
@@ -9959,7 +13783,7 @@
     </p:spTree>
     <p:extLst>
       <p:ext uri="{BB962C8B-B14F-4D97-AF65-F5344CB8AC3E}">
-        <p14:creationId xmlns:p14="http://schemas.microsoft.com/office/powerpoint/2010/main" val="60291761"/>
+        <p14:creationId xmlns:p14="http://schemas.microsoft.com/office/powerpoint/2010/main" val="2025988953"/>
       </p:ext>
     </p:extLst>
   </p:cSld>
@@ -9988,10 +13812,10 @@
       </p:grpSpPr>
       <p:sp>
         <p:nvSpPr>
-          <p:cNvPr id="6" name="Titel 5">
+          <p:cNvPr id="2" name="Titel 1">
             <a:extLst>
               <a:ext uri="{FF2B5EF4-FFF2-40B4-BE49-F238E27FC236}">
-                <a16:creationId xmlns:a16="http://schemas.microsoft.com/office/drawing/2014/main" id="{52A3422C-2418-BC4D-BD76-A174BBD11CED}"/>
+                <a16:creationId xmlns:a16="http://schemas.microsoft.com/office/drawing/2014/main" id="{487E467D-BE78-FA4C-918C-3FF09D6F46B8}"/>
               </a:ext>
             </a:extLst>
           </p:cNvPr>
@@ -10009,8 +13833,9 @@
           <a:p>
             <a:r>
               <a:rPr lang="de-DE" dirty="0"/>
-              <a:t>Motivation</a:t>
-            </a:r>
+              <a:t>Inhalt</a:t>
+            </a:r>
+            <a:endParaRPr lang="de-DE" b="0" dirty="0"/>
           </a:p>
         </p:txBody>
       </p:sp>
@@ -10019,7 +13844,7 @@
           <p:cNvPr id="3" name="Inhaltsplatzhalter 2">
             <a:extLst>
               <a:ext uri="{FF2B5EF4-FFF2-40B4-BE49-F238E27FC236}">
-                <a16:creationId xmlns:a16="http://schemas.microsoft.com/office/drawing/2014/main" id="{096866E8-19A1-1EAC-1C52-DB49D4E50F42}"/>
+                <a16:creationId xmlns:a16="http://schemas.microsoft.com/office/drawing/2014/main" id="{AA11B2FF-65E1-5347-A9F3-8681249EAC21}"/>
               </a:ext>
             </a:extLst>
           </p:cNvPr>
@@ -10030,19 +13855,101 @@
             <p:ph sz="quarter" idx="10"/>
           </p:nvPr>
         </p:nvSpPr>
-        <p:spPr/>
+        <p:spPr>
+          <a:xfrm>
+            <a:off x="874712" y="1294945"/>
+            <a:ext cx="3793083" cy="3880758"/>
+          </a:xfrm>
+        </p:spPr>
         <p:txBody>
           <a:bodyPr/>
           <a:lstStyle/>
           <a:p>
-            <a:endParaRPr lang="de-DE" dirty="0"/>
+            <a:pPr marL="285750" indent="-285750">
+              <a:buFont typeface="Arial" panose="020B0604020202020204" pitchFamily="34" charset="0"/>
+              <a:buChar char="•"/>
+            </a:pPr>
+            <a:r>
+              <a:rPr lang="de-DE" dirty="0"/>
+              <a:t>Projektaufbau</a:t>
+            </a:r>
+          </a:p>
+          <a:p>
+            <a:pPr marL="285750" indent="-285750">
+              <a:buFont typeface="Arial" panose="020B0604020202020204" pitchFamily="34" charset="0"/>
+              <a:buChar char="•"/>
+            </a:pPr>
+            <a:r>
+              <a:rPr lang="de-DE" dirty="0"/>
+              <a:t>Spezifikation der Zielgruppe</a:t>
+            </a:r>
+          </a:p>
+          <a:p>
+            <a:pPr marL="285750" indent="-285750">
+              <a:buFont typeface="Arial" panose="020B0604020202020204" pitchFamily="34" charset="0"/>
+              <a:buChar char="•"/>
+            </a:pPr>
+            <a:r>
+              <a:rPr lang="de-DE" dirty="0"/>
+              <a:t>Feature-Modell</a:t>
+            </a:r>
+          </a:p>
+          <a:p>
+            <a:pPr marL="285750" indent="-285750">
+              <a:buFont typeface="Arial" panose="020B0604020202020204" pitchFamily="34" charset="0"/>
+              <a:buChar char="•"/>
+            </a:pPr>
+            <a:r>
+              <a:rPr lang="de-DE" dirty="0"/>
+              <a:t>Recommender-System</a:t>
+            </a:r>
+          </a:p>
+          <a:p>
+            <a:pPr marL="285750" indent="-285750">
+              <a:buFont typeface="Arial" panose="020B0604020202020204" pitchFamily="34" charset="0"/>
+              <a:buChar char="•"/>
+            </a:pPr>
+            <a:r>
+              <a:rPr lang="de-DE" dirty="0"/>
+              <a:t>Trainingsdaten</a:t>
+            </a:r>
+          </a:p>
+          <a:p>
+            <a:pPr marL="285750" indent="-285750">
+              <a:buFont typeface="Arial" panose="020B0604020202020204" pitchFamily="34" charset="0"/>
+              <a:buChar char="•"/>
+            </a:pPr>
+            <a:r>
+              <a:rPr lang="de-DE" dirty="0"/>
+              <a:t>Sprachassistent</a:t>
+            </a:r>
+          </a:p>
+          <a:p>
+            <a:pPr marL="285750" indent="-285750">
+              <a:buFont typeface="Arial" panose="020B0604020202020204" pitchFamily="34" charset="0"/>
+              <a:buChar char="•"/>
+            </a:pPr>
+            <a:r>
+              <a:rPr lang="de-DE" dirty="0"/>
+              <a:t>Demo</a:t>
+            </a:r>
+          </a:p>
+          <a:p>
+            <a:pPr marL="285750" indent="-285750">
+              <a:buFont typeface="Arial" panose="020B0604020202020204" pitchFamily="34" charset="0"/>
+              <a:buChar char="•"/>
+            </a:pPr>
+            <a:r>
+              <a:rPr lang="de-DE" dirty="0"/>
+              <a:t>Diskussion</a:t>
+            </a:r>
           </a:p>
         </p:txBody>
       </p:sp>
     </p:spTree>
     <p:extLst>
       <p:ext uri="{BB962C8B-B14F-4D97-AF65-F5344CB8AC3E}">
-        <p14:creationId xmlns:p14="http://schemas.microsoft.com/office/powerpoint/2010/main" val="2025988953"/>
+        <p14:creationId xmlns:p14="http://schemas.microsoft.com/office/powerpoint/2010/main" val="60291761"/>
       </p:ext>
     </p:extLst>
   </p:cSld>
@@ -10092,7 +13999,698 @@
           <a:p>
             <a:r>
               <a:rPr lang="de-DE" dirty="0"/>
-              <a:t>Zielsetzung</a:t>
+              <a:t>Projektaufbau</a:t>
+            </a:r>
+          </a:p>
+        </p:txBody>
+      </p:sp>
+      <p:sp>
+        <p:nvSpPr>
+          <p:cNvPr id="4" name="Rechteck: abgerundete Ecken 3">
+            <a:extLst>
+              <a:ext uri="{FF2B5EF4-FFF2-40B4-BE49-F238E27FC236}">
+                <a16:creationId xmlns:a16="http://schemas.microsoft.com/office/drawing/2014/main" id="{A0C53AD9-0C19-E027-E62A-18036EA87D32}"/>
+              </a:ext>
+            </a:extLst>
+          </p:cNvPr>
+          <p:cNvSpPr/>
+          <p:nvPr/>
+        </p:nvSpPr>
+        <p:spPr>
+          <a:xfrm>
+            <a:off x="874712" y="3570136"/>
+            <a:ext cx="1840658" cy="880608"/>
+          </a:xfrm>
+          <a:prstGeom prst="roundRect">
+            <a:avLst/>
+          </a:prstGeom>
+          <a:solidFill>
+            <a:schemeClr val="tx1"/>
+          </a:solidFill>
+          <a:ln>
+            <a:noFill/>
+          </a:ln>
+        </p:spPr>
+        <p:style>
+          <a:lnRef idx="2">
+            <a:schemeClr val="accent1">
+              <a:shade val="50000"/>
+            </a:schemeClr>
+          </a:lnRef>
+          <a:fillRef idx="1">
+            <a:schemeClr val="accent1"/>
+          </a:fillRef>
+          <a:effectRef idx="0">
+            <a:schemeClr val="accent1"/>
+          </a:effectRef>
+          <a:fontRef idx="minor">
+            <a:schemeClr val="lt1"/>
+          </a:fontRef>
+        </p:style>
+        <p:txBody>
+          <a:bodyPr rtlCol="0" anchor="ctr"/>
+          <a:lstStyle/>
+          <a:p>
+            <a:pPr algn="ctr"/>
+            <a:r>
+              <a:rPr lang="de-DE" dirty="0"/>
+              <a:t>Nutzermodell</a:t>
+            </a:r>
+          </a:p>
+        </p:txBody>
+      </p:sp>
+      <p:sp>
+        <p:nvSpPr>
+          <p:cNvPr id="5" name="Rechteck: abgerundete Ecken 4">
+            <a:extLst>
+              <a:ext uri="{FF2B5EF4-FFF2-40B4-BE49-F238E27FC236}">
+                <a16:creationId xmlns:a16="http://schemas.microsoft.com/office/drawing/2014/main" id="{94B827FF-FDA3-01AA-02C4-E01BC1B7969A}"/>
+              </a:ext>
+            </a:extLst>
+          </p:cNvPr>
+          <p:cNvSpPr/>
+          <p:nvPr/>
+        </p:nvSpPr>
+        <p:spPr>
+          <a:xfrm>
+            <a:off x="9476631" y="3570135"/>
+            <a:ext cx="1840658" cy="880608"/>
+          </a:xfrm>
+          <a:prstGeom prst="roundRect">
+            <a:avLst/>
+          </a:prstGeom>
+          <a:solidFill>
+            <a:srgbClr val="539DC5"/>
+          </a:solidFill>
+          <a:ln>
+            <a:noFill/>
+          </a:ln>
+        </p:spPr>
+        <p:style>
+          <a:lnRef idx="2">
+            <a:schemeClr val="accent1">
+              <a:shade val="50000"/>
+            </a:schemeClr>
+          </a:lnRef>
+          <a:fillRef idx="1">
+            <a:schemeClr val="accent1"/>
+          </a:fillRef>
+          <a:effectRef idx="0">
+            <a:schemeClr val="accent1"/>
+          </a:effectRef>
+          <a:fontRef idx="minor">
+            <a:schemeClr val="lt1"/>
+          </a:fontRef>
+        </p:style>
+        <p:txBody>
+          <a:bodyPr rtlCol="0" anchor="ctr"/>
+          <a:lstStyle/>
+          <a:p>
+            <a:pPr algn="ctr"/>
+            <a:r>
+              <a:rPr lang="de-DE" dirty="0"/>
+              <a:t>Sprachskill</a:t>
+            </a:r>
+          </a:p>
+        </p:txBody>
+      </p:sp>
+      <p:sp>
+        <p:nvSpPr>
+          <p:cNvPr id="6" name="Rechteck: abgerundete Ecken 5">
+            <a:extLst>
+              <a:ext uri="{FF2B5EF4-FFF2-40B4-BE49-F238E27FC236}">
+                <a16:creationId xmlns:a16="http://schemas.microsoft.com/office/drawing/2014/main" id="{CB78E3D0-E874-9301-0BC1-4CEA5D753D0A}"/>
+              </a:ext>
+            </a:extLst>
+          </p:cNvPr>
+          <p:cNvSpPr/>
+          <p:nvPr/>
+        </p:nvSpPr>
+        <p:spPr>
+          <a:xfrm>
+            <a:off x="6590376" y="3570136"/>
+            <a:ext cx="1840658" cy="880608"/>
+          </a:xfrm>
+          <a:prstGeom prst="roundRect">
+            <a:avLst/>
+          </a:prstGeom>
+          <a:solidFill>
+            <a:srgbClr val="539DC5"/>
+          </a:solidFill>
+          <a:ln>
+            <a:noFill/>
+          </a:ln>
+        </p:spPr>
+        <p:style>
+          <a:lnRef idx="2">
+            <a:schemeClr val="accent1">
+              <a:shade val="50000"/>
+            </a:schemeClr>
+          </a:lnRef>
+          <a:fillRef idx="1">
+            <a:schemeClr val="accent1"/>
+          </a:fillRef>
+          <a:effectRef idx="0">
+            <a:schemeClr val="accent1"/>
+          </a:effectRef>
+          <a:fontRef idx="minor">
+            <a:schemeClr val="lt1"/>
+          </a:fontRef>
+        </p:style>
+        <p:txBody>
+          <a:bodyPr rtlCol="0" anchor="ctr"/>
+          <a:lstStyle/>
+          <a:p>
+            <a:pPr algn="ctr"/>
+            <a:r>
+              <a:rPr lang="de-DE" dirty="0"/>
+              <a:t>Testdaten</a:t>
+            </a:r>
+          </a:p>
+        </p:txBody>
+      </p:sp>
+      <p:sp>
+        <p:nvSpPr>
+          <p:cNvPr id="7" name="Rechteck: abgerundete Ecken 6">
+            <a:extLst>
+              <a:ext uri="{FF2B5EF4-FFF2-40B4-BE49-F238E27FC236}">
+                <a16:creationId xmlns:a16="http://schemas.microsoft.com/office/drawing/2014/main" id="{933E4798-5254-44F0-9E93-4A89624C8378}"/>
+              </a:ext>
+            </a:extLst>
+          </p:cNvPr>
+          <p:cNvSpPr/>
+          <p:nvPr/>
+        </p:nvSpPr>
+        <p:spPr>
+          <a:xfrm>
+            <a:off x="3760966" y="4749908"/>
+            <a:ext cx="1840658" cy="880608"/>
+          </a:xfrm>
+          <a:prstGeom prst="roundRect">
+            <a:avLst/>
+          </a:prstGeom>
+          <a:solidFill>
+            <a:srgbClr val="28618C"/>
+          </a:solidFill>
+          <a:ln>
+            <a:noFill/>
+          </a:ln>
+        </p:spPr>
+        <p:style>
+          <a:lnRef idx="2">
+            <a:schemeClr val="accent1">
+              <a:shade val="50000"/>
+            </a:schemeClr>
+          </a:lnRef>
+          <a:fillRef idx="1">
+            <a:schemeClr val="accent1"/>
+          </a:fillRef>
+          <a:effectRef idx="0">
+            <a:schemeClr val="accent1"/>
+          </a:effectRef>
+          <a:fontRef idx="minor">
+            <a:schemeClr val="lt1"/>
+          </a:fontRef>
+        </p:style>
+        <p:txBody>
+          <a:bodyPr rtlCol="0" anchor="ctr"/>
+          <a:lstStyle/>
+          <a:p>
+            <a:pPr algn="ctr"/>
+            <a:r>
+              <a:rPr lang="de-DE" dirty="0"/>
+              <a:t>Recommender-System</a:t>
+            </a:r>
+          </a:p>
+        </p:txBody>
+      </p:sp>
+      <p:sp>
+        <p:nvSpPr>
+          <p:cNvPr id="8" name="Rechteck: abgerundete Ecken 7">
+            <a:extLst>
+              <a:ext uri="{FF2B5EF4-FFF2-40B4-BE49-F238E27FC236}">
+                <a16:creationId xmlns:a16="http://schemas.microsoft.com/office/drawing/2014/main" id="{1D6296F4-42DD-B653-54F1-6F6FF50C0097}"/>
+              </a:ext>
+            </a:extLst>
+          </p:cNvPr>
+          <p:cNvSpPr/>
+          <p:nvPr/>
+        </p:nvSpPr>
+        <p:spPr>
+          <a:xfrm>
+            <a:off x="3760966" y="2390364"/>
+            <a:ext cx="1840658" cy="880608"/>
+          </a:xfrm>
+          <a:prstGeom prst="roundRect">
+            <a:avLst/>
+          </a:prstGeom>
+          <a:solidFill>
+            <a:srgbClr val="28618C"/>
+          </a:solidFill>
+          <a:ln>
+            <a:noFill/>
+          </a:ln>
+        </p:spPr>
+        <p:style>
+          <a:lnRef idx="2">
+            <a:schemeClr val="accent1">
+              <a:shade val="50000"/>
+            </a:schemeClr>
+          </a:lnRef>
+          <a:fillRef idx="1">
+            <a:schemeClr val="accent1"/>
+          </a:fillRef>
+          <a:effectRef idx="0">
+            <a:schemeClr val="accent1"/>
+          </a:effectRef>
+          <a:fontRef idx="minor">
+            <a:schemeClr val="lt1"/>
+          </a:fontRef>
+        </p:style>
+        <p:txBody>
+          <a:bodyPr rtlCol="0" anchor="ctr"/>
+          <a:lstStyle/>
+          <a:p>
+            <a:pPr algn="ctr"/>
+            <a:r>
+              <a:rPr lang="de-DE" dirty="0"/>
+              <a:t>Feature-Modell</a:t>
+            </a:r>
+          </a:p>
+        </p:txBody>
+      </p:sp>
+      <p:cxnSp>
+        <p:nvCxnSpPr>
+          <p:cNvPr id="10" name="Verbinder: gewinkelt 9">
+            <a:extLst>
+              <a:ext uri="{FF2B5EF4-FFF2-40B4-BE49-F238E27FC236}">
+                <a16:creationId xmlns:a16="http://schemas.microsoft.com/office/drawing/2014/main" id="{5D18C0DF-C5D8-117C-57BF-C6B6BDA822B7}"/>
+              </a:ext>
+            </a:extLst>
+          </p:cNvPr>
+          <p:cNvCxnSpPr>
+            <a:cxnSpLocks/>
+            <a:stCxn id="4" idx="0"/>
+            <a:endCxn id="8" idx="1"/>
+          </p:cNvCxnSpPr>
+          <p:nvPr/>
+        </p:nvCxnSpPr>
+        <p:spPr>
+          <a:xfrm rot="5400000" flipH="1" flipV="1">
+            <a:off x="2408269" y="2217440"/>
+            <a:ext cx="739468" cy="1965925"/>
+          </a:xfrm>
+          <a:prstGeom prst="bentConnector2">
+            <a:avLst/>
+          </a:prstGeom>
+          <a:ln>
+            <a:tailEnd type="triangle"/>
+          </a:ln>
+        </p:spPr>
+        <p:style>
+          <a:lnRef idx="3">
+            <a:schemeClr val="dk1"/>
+          </a:lnRef>
+          <a:fillRef idx="0">
+            <a:schemeClr val="dk1"/>
+          </a:fillRef>
+          <a:effectRef idx="2">
+            <a:schemeClr val="dk1"/>
+          </a:effectRef>
+          <a:fontRef idx="minor">
+            <a:schemeClr val="tx1"/>
+          </a:fontRef>
+        </p:style>
+      </p:cxnSp>
+      <p:cxnSp>
+        <p:nvCxnSpPr>
+          <p:cNvPr id="13" name="Verbinder: gewinkelt 12">
+            <a:extLst>
+              <a:ext uri="{FF2B5EF4-FFF2-40B4-BE49-F238E27FC236}">
+                <a16:creationId xmlns:a16="http://schemas.microsoft.com/office/drawing/2014/main" id="{536E85EF-45DA-1512-1809-15F5AEE9F546}"/>
+              </a:ext>
+            </a:extLst>
+          </p:cNvPr>
+          <p:cNvCxnSpPr>
+            <a:cxnSpLocks/>
+            <a:stCxn id="4" idx="2"/>
+            <a:endCxn id="7" idx="1"/>
+          </p:cNvCxnSpPr>
+          <p:nvPr/>
+        </p:nvCxnSpPr>
+        <p:spPr>
+          <a:xfrm rot="16200000" flipH="1">
+            <a:off x="2408269" y="3837515"/>
+            <a:ext cx="739468" cy="1965925"/>
+          </a:xfrm>
+          <a:prstGeom prst="bentConnector2">
+            <a:avLst/>
+          </a:prstGeom>
+          <a:ln>
+            <a:tailEnd type="triangle"/>
+          </a:ln>
+        </p:spPr>
+        <p:style>
+          <a:lnRef idx="3">
+            <a:schemeClr val="dk1"/>
+          </a:lnRef>
+          <a:fillRef idx="0">
+            <a:schemeClr val="dk1"/>
+          </a:fillRef>
+          <a:effectRef idx="2">
+            <a:schemeClr val="dk1"/>
+          </a:effectRef>
+          <a:fontRef idx="minor">
+            <a:schemeClr val="tx1"/>
+          </a:fontRef>
+        </p:style>
+      </p:cxnSp>
+      <p:cxnSp>
+        <p:nvCxnSpPr>
+          <p:cNvPr id="16" name="Verbinder: gewinkelt 15">
+            <a:extLst>
+              <a:ext uri="{FF2B5EF4-FFF2-40B4-BE49-F238E27FC236}">
+                <a16:creationId xmlns:a16="http://schemas.microsoft.com/office/drawing/2014/main" id="{F87B0ADF-27C7-0FA7-3387-24D8C4A64F49}"/>
+              </a:ext>
+            </a:extLst>
+          </p:cNvPr>
+          <p:cNvCxnSpPr>
+            <a:cxnSpLocks/>
+            <a:stCxn id="8" idx="3"/>
+            <a:endCxn id="6" idx="0"/>
+          </p:cNvCxnSpPr>
+          <p:nvPr/>
+        </p:nvCxnSpPr>
+        <p:spPr>
+          <a:xfrm>
+            <a:off x="5601624" y="2830668"/>
+            <a:ext cx="1909081" cy="739468"/>
+          </a:xfrm>
+          <a:prstGeom prst="bentConnector2">
+            <a:avLst/>
+          </a:prstGeom>
+          <a:ln>
+            <a:tailEnd type="triangle"/>
+          </a:ln>
+        </p:spPr>
+        <p:style>
+          <a:lnRef idx="3">
+            <a:schemeClr val="dk1"/>
+          </a:lnRef>
+          <a:fillRef idx="0">
+            <a:schemeClr val="dk1"/>
+          </a:fillRef>
+          <a:effectRef idx="2">
+            <a:schemeClr val="dk1"/>
+          </a:effectRef>
+          <a:fontRef idx="minor">
+            <a:schemeClr val="tx1"/>
+          </a:fontRef>
+        </p:style>
+      </p:cxnSp>
+      <p:cxnSp>
+        <p:nvCxnSpPr>
+          <p:cNvPr id="19" name="Verbinder: gewinkelt 18">
+            <a:extLst>
+              <a:ext uri="{FF2B5EF4-FFF2-40B4-BE49-F238E27FC236}">
+                <a16:creationId xmlns:a16="http://schemas.microsoft.com/office/drawing/2014/main" id="{55D62817-C400-6E3C-85A1-887CF588A9A8}"/>
+              </a:ext>
+            </a:extLst>
+          </p:cNvPr>
+          <p:cNvCxnSpPr>
+            <a:cxnSpLocks/>
+            <a:stCxn id="7" idx="3"/>
+            <a:endCxn id="6" idx="2"/>
+          </p:cNvCxnSpPr>
+          <p:nvPr/>
+        </p:nvCxnSpPr>
+        <p:spPr>
+          <a:xfrm flipV="1">
+            <a:off x="5601624" y="4450744"/>
+            <a:ext cx="1909081" cy="739468"/>
+          </a:xfrm>
+          <a:prstGeom prst="bentConnector2">
+            <a:avLst/>
+          </a:prstGeom>
+          <a:ln>
+            <a:tailEnd type="triangle"/>
+          </a:ln>
+        </p:spPr>
+        <p:style>
+          <a:lnRef idx="3">
+            <a:schemeClr val="dk1"/>
+          </a:lnRef>
+          <a:fillRef idx="0">
+            <a:schemeClr val="dk1"/>
+          </a:fillRef>
+          <a:effectRef idx="2">
+            <a:schemeClr val="dk1"/>
+          </a:effectRef>
+          <a:fontRef idx="minor">
+            <a:schemeClr val="tx1"/>
+          </a:fontRef>
+        </p:style>
+      </p:cxnSp>
+      <p:cxnSp>
+        <p:nvCxnSpPr>
+          <p:cNvPr id="28" name="Verbinder: gewinkelt 27">
+            <a:extLst>
+              <a:ext uri="{FF2B5EF4-FFF2-40B4-BE49-F238E27FC236}">
+                <a16:creationId xmlns:a16="http://schemas.microsoft.com/office/drawing/2014/main" id="{3B7CE68E-A8EF-BF6E-09FD-DC147A2AC2EB}"/>
+              </a:ext>
+            </a:extLst>
+          </p:cNvPr>
+          <p:cNvCxnSpPr>
+            <a:cxnSpLocks/>
+            <a:stCxn id="6" idx="3"/>
+            <a:endCxn id="5" idx="1"/>
+          </p:cNvCxnSpPr>
+          <p:nvPr/>
+        </p:nvCxnSpPr>
+        <p:spPr>
+          <a:xfrm flipV="1">
+            <a:off x="8431034" y="4010439"/>
+            <a:ext cx="1045597" cy="1"/>
+          </a:xfrm>
+          <a:prstGeom prst="bentConnector3">
+            <a:avLst>
+              <a:gd name="adj1" fmla="val 50000"/>
+            </a:avLst>
+          </a:prstGeom>
+          <a:ln>
+            <a:tailEnd type="triangle"/>
+          </a:ln>
+        </p:spPr>
+        <p:style>
+          <a:lnRef idx="3">
+            <a:schemeClr val="dk1"/>
+          </a:lnRef>
+          <a:fillRef idx="0">
+            <a:schemeClr val="dk1"/>
+          </a:fillRef>
+          <a:effectRef idx="2">
+            <a:schemeClr val="dk1"/>
+          </a:effectRef>
+          <a:fontRef idx="minor">
+            <a:schemeClr val="tx1"/>
+          </a:fontRef>
+        </p:style>
+      </p:cxnSp>
+      <p:cxnSp>
+        <p:nvCxnSpPr>
+          <p:cNvPr id="34" name="Gerader Verbinder 33">
+            <a:extLst>
+              <a:ext uri="{FF2B5EF4-FFF2-40B4-BE49-F238E27FC236}">
+                <a16:creationId xmlns:a16="http://schemas.microsoft.com/office/drawing/2014/main" id="{FCB06FAB-30EE-D562-22AB-0B3EF7EF1CF3}"/>
+              </a:ext>
+            </a:extLst>
+          </p:cNvPr>
+          <p:cNvCxnSpPr>
+            <a:cxnSpLocks/>
+          </p:cNvCxnSpPr>
+          <p:nvPr/>
+        </p:nvCxnSpPr>
+        <p:spPr>
+          <a:xfrm>
+            <a:off x="3151680" y="1236428"/>
+            <a:ext cx="24866" cy="4715123"/>
+          </a:xfrm>
+          <a:prstGeom prst="line">
+            <a:avLst/>
+          </a:prstGeom>
+          <a:ln w="12700" cap="flat" cmpd="sng" algn="ctr">
+            <a:solidFill>
+              <a:schemeClr val="dk1"/>
+            </a:solidFill>
+            <a:prstDash val="dash"/>
+            <a:round/>
+            <a:headEnd type="none" w="med" len="med"/>
+            <a:tailEnd type="none" w="med" len="med"/>
+          </a:ln>
+        </p:spPr>
+        <p:style>
+          <a:lnRef idx="0">
+            <a:scrgbClr r="0" g="0" b="0"/>
+          </a:lnRef>
+          <a:fillRef idx="0">
+            <a:scrgbClr r="0" g="0" b="0"/>
+          </a:fillRef>
+          <a:effectRef idx="0">
+            <a:scrgbClr r="0" g="0" b="0"/>
+          </a:effectRef>
+          <a:fontRef idx="minor">
+            <a:schemeClr val="tx1"/>
+          </a:fontRef>
+        </p:style>
+      </p:cxnSp>
+      <p:cxnSp>
+        <p:nvCxnSpPr>
+          <p:cNvPr id="37" name="Gerader Verbinder 36">
+            <a:extLst>
+              <a:ext uri="{FF2B5EF4-FFF2-40B4-BE49-F238E27FC236}">
+                <a16:creationId xmlns:a16="http://schemas.microsoft.com/office/drawing/2014/main" id="{FFA9D8C0-7E4D-DABC-8543-D0265C933B97}"/>
+              </a:ext>
+            </a:extLst>
+          </p:cNvPr>
+          <p:cNvCxnSpPr>
+            <a:cxnSpLocks/>
+          </p:cNvCxnSpPr>
+          <p:nvPr/>
+        </p:nvCxnSpPr>
+        <p:spPr>
+          <a:xfrm>
+            <a:off x="6129200" y="1236428"/>
+            <a:ext cx="24866" cy="4715123"/>
+          </a:xfrm>
+          <a:prstGeom prst="line">
+            <a:avLst/>
+          </a:prstGeom>
+          <a:ln w="12700" cap="flat" cmpd="sng" algn="ctr">
+            <a:solidFill>
+              <a:schemeClr val="dk1"/>
+            </a:solidFill>
+            <a:prstDash val="dash"/>
+            <a:round/>
+            <a:headEnd type="none" w="med" len="med"/>
+            <a:tailEnd type="none" w="med" len="med"/>
+          </a:ln>
+        </p:spPr>
+        <p:style>
+          <a:lnRef idx="0">
+            <a:scrgbClr r="0" g="0" b="0"/>
+          </a:lnRef>
+          <a:fillRef idx="0">
+            <a:scrgbClr r="0" g="0" b="0"/>
+          </a:fillRef>
+          <a:effectRef idx="0">
+            <a:scrgbClr r="0" g="0" b="0"/>
+          </a:effectRef>
+          <a:fontRef idx="minor">
+            <a:schemeClr val="tx1"/>
+          </a:fontRef>
+        </p:style>
+      </p:cxnSp>
+      <p:sp>
+        <p:nvSpPr>
+          <p:cNvPr id="38" name="Textfeld 37">
+            <a:extLst>
+              <a:ext uri="{FF2B5EF4-FFF2-40B4-BE49-F238E27FC236}">
+                <a16:creationId xmlns:a16="http://schemas.microsoft.com/office/drawing/2014/main" id="{64D97277-35FA-70C1-0E34-59B3F548ED3E}"/>
+              </a:ext>
+            </a:extLst>
+          </p:cNvPr>
+          <p:cNvSpPr txBox="1"/>
+          <p:nvPr/>
+        </p:nvSpPr>
+        <p:spPr>
+          <a:xfrm>
+            <a:off x="869044" y="1223502"/>
+            <a:ext cx="1846326" cy="338554"/>
+          </a:xfrm>
+          <a:prstGeom prst="rect">
+            <a:avLst/>
+          </a:prstGeom>
+          <a:noFill/>
+        </p:spPr>
+        <p:txBody>
+          <a:bodyPr wrap="square" rtlCol="0">
+            <a:spAutoFit/>
+          </a:bodyPr>
+          <a:lstStyle/>
+          <a:p>
+            <a:r>
+              <a:rPr lang="de-DE" sz="1600" i="1" dirty="0"/>
+              <a:t>Analyse</a:t>
+            </a:r>
+          </a:p>
+        </p:txBody>
+      </p:sp>
+      <p:sp>
+        <p:nvSpPr>
+          <p:cNvPr id="39" name="Textfeld 38">
+            <a:extLst>
+              <a:ext uri="{FF2B5EF4-FFF2-40B4-BE49-F238E27FC236}">
+                <a16:creationId xmlns:a16="http://schemas.microsoft.com/office/drawing/2014/main" id="{A8AE284D-F0CC-5303-E2F8-74912B61CA80}"/>
+              </a:ext>
+            </a:extLst>
+          </p:cNvPr>
+          <p:cNvSpPr txBox="1"/>
+          <p:nvPr/>
+        </p:nvSpPr>
+        <p:spPr>
+          <a:xfrm>
+            <a:off x="3760966" y="1223502"/>
+            <a:ext cx="1846326" cy="338554"/>
+          </a:xfrm>
+          <a:prstGeom prst="rect">
+            <a:avLst/>
+          </a:prstGeom>
+          <a:noFill/>
+        </p:spPr>
+        <p:txBody>
+          <a:bodyPr wrap="square" rtlCol="0">
+            <a:spAutoFit/>
+          </a:bodyPr>
+          <a:lstStyle/>
+          <a:p>
+            <a:r>
+              <a:rPr lang="de-DE" sz="1600" i="1" dirty="0"/>
+              <a:t>Design</a:t>
+            </a:r>
+          </a:p>
+        </p:txBody>
+      </p:sp>
+      <p:sp>
+        <p:nvSpPr>
+          <p:cNvPr id="40" name="Textfeld 39">
+            <a:extLst>
+              <a:ext uri="{FF2B5EF4-FFF2-40B4-BE49-F238E27FC236}">
+                <a16:creationId xmlns:a16="http://schemas.microsoft.com/office/drawing/2014/main" id="{3B68747E-2822-7B54-3075-A38F1D8FE597}"/>
+              </a:ext>
+            </a:extLst>
+          </p:cNvPr>
+          <p:cNvSpPr txBox="1"/>
+          <p:nvPr/>
+        </p:nvSpPr>
+        <p:spPr>
+          <a:xfrm>
+            <a:off x="6590376" y="1223502"/>
+            <a:ext cx="1846326" cy="338554"/>
+          </a:xfrm>
+          <a:prstGeom prst="rect">
+            <a:avLst/>
+          </a:prstGeom>
+          <a:noFill/>
+        </p:spPr>
+        <p:txBody>
+          <a:bodyPr wrap="square" rtlCol="0">
+            <a:spAutoFit/>
+          </a:bodyPr>
+          <a:lstStyle/>
+          <a:p>
+            <a:r>
+              <a:rPr lang="de-DE" sz="1600" i="1" dirty="0"/>
+              <a:t>Prototyping</a:t>
             </a:r>
           </a:p>
         </p:txBody>
@@ -10162,6 +14760,1673 @@
           </a:p>
         </p:txBody>
       </p:sp>
+      <p:sp>
+        <p:nvSpPr>
+          <p:cNvPr id="5" name="Ellipse 4">
+            <a:extLst>
+              <a:ext uri="{FF2B5EF4-FFF2-40B4-BE49-F238E27FC236}">
+                <a16:creationId xmlns:a16="http://schemas.microsoft.com/office/drawing/2014/main" id="{188E927F-919F-3BF6-A738-DC9259C42C49}"/>
+              </a:ext>
+            </a:extLst>
+          </p:cNvPr>
+          <p:cNvSpPr/>
+          <p:nvPr/>
+        </p:nvSpPr>
+        <p:spPr>
+          <a:xfrm>
+            <a:off x="5085662" y="3141736"/>
+            <a:ext cx="2071943" cy="825183"/>
+          </a:xfrm>
+          <a:prstGeom prst="ellipse">
+            <a:avLst/>
+          </a:prstGeom>
+          <a:solidFill>
+            <a:schemeClr val="tx1"/>
+          </a:solidFill>
+          <a:ln>
+            <a:noFill/>
+          </a:ln>
+        </p:spPr>
+        <p:style>
+          <a:lnRef idx="2">
+            <a:schemeClr val="accent1">
+              <a:shade val="50000"/>
+            </a:schemeClr>
+          </a:lnRef>
+          <a:fillRef idx="1">
+            <a:schemeClr val="accent1"/>
+          </a:fillRef>
+          <a:effectRef idx="0">
+            <a:schemeClr val="accent1"/>
+          </a:effectRef>
+          <a:fontRef idx="minor">
+            <a:schemeClr val="lt1"/>
+          </a:fontRef>
+        </p:style>
+        <p:txBody>
+          <a:bodyPr rtlCol="0" anchor="ctr"/>
+          <a:lstStyle/>
+          <a:p>
+            <a:pPr algn="ctr"/>
+            <a:r>
+              <a:rPr lang="de-DE" sz="2000" dirty="0"/>
+              <a:t>Senioren</a:t>
+            </a:r>
+            <a:endParaRPr lang="de-DE" dirty="0"/>
+          </a:p>
+        </p:txBody>
+      </p:sp>
+      <p:sp>
+        <p:nvSpPr>
+          <p:cNvPr id="6" name="Ellipse 5">
+            <a:extLst>
+              <a:ext uri="{FF2B5EF4-FFF2-40B4-BE49-F238E27FC236}">
+                <a16:creationId xmlns:a16="http://schemas.microsoft.com/office/drawing/2014/main" id="{4ED1EF2F-61A7-355F-C351-9CA384D30A9C}"/>
+              </a:ext>
+            </a:extLst>
+          </p:cNvPr>
+          <p:cNvSpPr/>
+          <p:nvPr/>
+        </p:nvSpPr>
+        <p:spPr>
+          <a:xfrm>
+            <a:off x="7409639" y="2273326"/>
+            <a:ext cx="2243707" cy="684213"/>
+          </a:xfrm>
+          <a:prstGeom prst="ellipse">
+            <a:avLst/>
+          </a:prstGeom>
+          <a:solidFill>
+            <a:srgbClr val="539DC5"/>
+          </a:solidFill>
+          <a:ln>
+            <a:noFill/>
+          </a:ln>
+        </p:spPr>
+        <p:style>
+          <a:lnRef idx="2">
+            <a:schemeClr val="accent1">
+              <a:shade val="50000"/>
+            </a:schemeClr>
+          </a:lnRef>
+          <a:fillRef idx="1">
+            <a:schemeClr val="accent1"/>
+          </a:fillRef>
+          <a:effectRef idx="0">
+            <a:schemeClr val="accent1"/>
+          </a:effectRef>
+          <a:fontRef idx="minor">
+            <a:schemeClr val="lt1"/>
+          </a:fontRef>
+        </p:style>
+        <p:txBody>
+          <a:bodyPr rtlCol="0" anchor="ctr"/>
+          <a:lstStyle/>
+          <a:p>
+            <a:pPr algn="ctr"/>
+            <a:r>
+              <a:rPr lang="de-DE" sz="1400" dirty="0"/>
+              <a:t>Physische Charakteristiken</a:t>
+            </a:r>
+          </a:p>
+        </p:txBody>
+      </p:sp>
+      <p:sp>
+        <p:nvSpPr>
+          <p:cNvPr id="7" name="Ellipse 6">
+            <a:extLst>
+              <a:ext uri="{FF2B5EF4-FFF2-40B4-BE49-F238E27FC236}">
+                <a16:creationId xmlns:a16="http://schemas.microsoft.com/office/drawing/2014/main" id="{BF653CD0-53C9-82A6-ECD7-EE166DACA2A6}"/>
+              </a:ext>
+            </a:extLst>
+          </p:cNvPr>
+          <p:cNvSpPr/>
+          <p:nvPr/>
+        </p:nvSpPr>
+        <p:spPr>
+          <a:xfrm>
+            <a:off x="4999781" y="4436143"/>
+            <a:ext cx="2243706" cy="684213"/>
+          </a:xfrm>
+          <a:prstGeom prst="ellipse">
+            <a:avLst/>
+          </a:prstGeom>
+          <a:solidFill>
+            <a:schemeClr val="accent2"/>
+          </a:solidFill>
+          <a:ln>
+            <a:noFill/>
+          </a:ln>
+        </p:spPr>
+        <p:style>
+          <a:lnRef idx="2">
+            <a:schemeClr val="accent1">
+              <a:shade val="50000"/>
+            </a:schemeClr>
+          </a:lnRef>
+          <a:fillRef idx="1">
+            <a:schemeClr val="accent1"/>
+          </a:fillRef>
+          <a:effectRef idx="0">
+            <a:schemeClr val="accent1"/>
+          </a:effectRef>
+          <a:fontRef idx="minor">
+            <a:schemeClr val="lt1"/>
+          </a:fontRef>
+        </p:style>
+        <p:txBody>
+          <a:bodyPr rtlCol="0" anchor="ctr"/>
+          <a:lstStyle/>
+          <a:p>
+            <a:pPr algn="ctr"/>
+            <a:r>
+              <a:rPr lang="de-DE" sz="1400" dirty="0"/>
+              <a:t>Psychosoziale Charakteristiken</a:t>
+            </a:r>
+          </a:p>
+        </p:txBody>
+      </p:sp>
+      <p:sp>
+        <p:nvSpPr>
+          <p:cNvPr id="9" name="Ellipse 8">
+            <a:extLst>
+              <a:ext uri="{FF2B5EF4-FFF2-40B4-BE49-F238E27FC236}">
+                <a16:creationId xmlns:a16="http://schemas.microsoft.com/office/drawing/2014/main" id="{4C529FD4-A824-5F61-8E08-4E98CAC256F4}"/>
+              </a:ext>
+            </a:extLst>
+          </p:cNvPr>
+          <p:cNvSpPr/>
+          <p:nvPr/>
+        </p:nvSpPr>
+        <p:spPr>
+          <a:xfrm>
+            <a:off x="2529013" y="2273326"/>
+            <a:ext cx="2243707" cy="707371"/>
+          </a:xfrm>
+          <a:prstGeom prst="ellipse">
+            <a:avLst/>
+          </a:prstGeom>
+          <a:solidFill>
+            <a:srgbClr val="28618C"/>
+          </a:solidFill>
+          <a:ln>
+            <a:noFill/>
+          </a:ln>
+        </p:spPr>
+        <p:style>
+          <a:lnRef idx="2">
+            <a:schemeClr val="accent1">
+              <a:shade val="50000"/>
+            </a:schemeClr>
+          </a:lnRef>
+          <a:fillRef idx="1">
+            <a:schemeClr val="accent1"/>
+          </a:fillRef>
+          <a:effectRef idx="0">
+            <a:schemeClr val="accent1"/>
+          </a:effectRef>
+          <a:fontRef idx="minor">
+            <a:schemeClr val="lt1"/>
+          </a:fontRef>
+        </p:style>
+        <p:txBody>
+          <a:bodyPr rtlCol="0" anchor="ctr"/>
+          <a:lstStyle/>
+          <a:p>
+            <a:pPr algn="ctr"/>
+            <a:r>
+              <a:rPr lang="de-DE" sz="1400" dirty="0"/>
+              <a:t>Demografische Daten</a:t>
+            </a:r>
+          </a:p>
+        </p:txBody>
+      </p:sp>
+      <p:sp>
+        <p:nvSpPr>
+          <p:cNvPr id="11" name="Rechteck: abgerundete Ecken 10">
+            <a:extLst>
+              <a:ext uri="{FF2B5EF4-FFF2-40B4-BE49-F238E27FC236}">
+                <a16:creationId xmlns:a16="http://schemas.microsoft.com/office/drawing/2014/main" id="{5735E812-7A19-F765-6604-FFCBFE35752B}"/>
+              </a:ext>
+            </a:extLst>
+          </p:cNvPr>
+          <p:cNvSpPr/>
+          <p:nvPr/>
+        </p:nvSpPr>
+        <p:spPr>
+          <a:xfrm>
+            <a:off x="1519385" y="1707935"/>
+            <a:ext cx="628214" cy="244305"/>
+          </a:xfrm>
+          <a:prstGeom prst="roundRect">
+            <a:avLst/>
+          </a:prstGeom>
+          <a:solidFill>
+            <a:srgbClr val="28618C"/>
+          </a:solidFill>
+          <a:ln>
+            <a:noFill/>
+          </a:ln>
+        </p:spPr>
+        <p:style>
+          <a:lnRef idx="2">
+            <a:schemeClr val="accent1">
+              <a:shade val="50000"/>
+            </a:schemeClr>
+          </a:lnRef>
+          <a:fillRef idx="1">
+            <a:schemeClr val="accent1"/>
+          </a:fillRef>
+          <a:effectRef idx="0">
+            <a:schemeClr val="accent1"/>
+          </a:effectRef>
+          <a:fontRef idx="minor">
+            <a:schemeClr val="lt1"/>
+          </a:fontRef>
+        </p:style>
+        <p:txBody>
+          <a:bodyPr rtlCol="0" anchor="ctr"/>
+          <a:lstStyle/>
+          <a:p>
+            <a:pPr algn="ctr"/>
+            <a:r>
+              <a:rPr lang="de-DE" sz="1200" dirty="0"/>
+              <a:t>Alter</a:t>
+            </a:r>
+          </a:p>
+        </p:txBody>
+      </p:sp>
+      <p:sp>
+        <p:nvSpPr>
+          <p:cNvPr id="12" name="Rechteck: abgerundete Ecken 11">
+            <a:extLst>
+              <a:ext uri="{FF2B5EF4-FFF2-40B4-BE49-F238E27FC236}">
+                <a16:creationId xmlns:a16="http://schemas.microsoft.com/office/drawing/2014/main" id="{7DC8CBA9-5793-4CCA-4A09-78E46DEE21A2}"/>
+              </a:ext>
+            </a:extLst>
+          </p:cNvPr>
+          <p:cNvSpPr/>
+          <p:nvPr/>
+        </p:nvSpPr>
+        <p:spPr>
+          <a:xfrm>
+            <a:off x="933132" y="2361286"/>
+            <a:ext cx="1090068" cy="244305"/>
+          </a:xfrm>
+          <a:prstGeom prst="roundRect">
+            <a:avLst/>
+          </a:prstGeom>
+          <a:solidFill>
+            <a:srgbClr val="28618C"/>
+          </a:solidFill>
+          <a:ln>
+            <a:noFill/>
+          </a:ln>
+        </p:spPr>
+        <p:style>
+          <a:lnRef idx="2">
+            <a:schemeClr val="accent1">
+              <a:shade val="50000"/>
+            </a:schemeClr>
+          </a:lnRef>
+          <a:fillRef idx="1">
+            <a:schemeClr val="accent1"/>
+          </a:fillRef>
+          <a:effectRef idx="0">
+            <a:schemeClr val="accent1"/>
+          </a:effectRef>
+          <a:fontRef idx="minor">
+            <a:schemeClr val="lt1"/>
+          </a:fontRef>
+        </p:style>
+        <p:txBody>
+          <a:bodyPr rtlCol="0" anchor="ctr"/>
+          <a:lstStyle/>
+          <a:p>
+            <a:pPr algn="ctr"/>
+            <a:r>
+              <a:rPr lang="de-DE" sz="1200" dirty="0"/>
+              <a:t>Einkommen</a:t>
+            </a:r>
+          </a:p>
+        </p:txBody>
+      </p:sp>
+      <p:sp>
+        <p:nvSpPr>
+          <p:cNvPr id="13" name="Rechteck: abgerundete Ecken 12">
+            <a:extLst>
+              <a:ext uri="{FF2B5EF4-FFF2-40B4-BE49-F238E27FC236}">
+                <a16:creationId xmlns:a16="http://schemas.microsoft.com/office/drawing/2014/main" id="{685DF0A0-6F1A-91AD-7DC7-962CEB0C75B6}"/>
+              </a:ext>
+            </a:extLst>
+          </p:cNvPr>
+          <p:cNvSpPr/>
+          <p:nvPr/>
+        </p:nvSpPr>
+        <p:spPr>
+          <a:xfrm>
+            <a:off x="873139" y="3019777"/>
+            <a:ext cx="1292492" cy="244305"/>
+          </a:xfrm>
+          <a:prstGeom prst="roundRect">
+            <a:avLst/>
+          </a:prstGeom>
+          <a:solidFill>
+            <a:srgbClr val="28618C"/>
+          </a:solidFill>
+          <a:ln>
+            <a:noFill/>
+          </a:ln>
+        </p:spPr>
+        <p:style>
+          <a:lnRef idx="2">
+            <a:schemeClr val="accent1">
+              <a:shade val="50000"/>
+            </a:schemeClr>
+          </a:lnRef>
+          <a:fillRef idx="1">
+            <a:schemeClr val="accent1"/>
+          </a:fillRef>
+          <a:effectRef idx="0">
+            <a:schemeClr val="accent1"/>
+          </a:effectRef>
+          <a:fontRef idx="minor">
+            <a:schemeClr val="lt1"/>
+          </a:fontRef>
+        </p:style>
+        <p:txBody>
+          <a:bodyPr rtlCol="0" anchor="ctr"/>
+          <a:lstStyle/>
+          <a:p>
+            <a:pPr algn="ctr"/>
+            <a:r>
+              <a:rPr lang="de-DE" sz="1200" dirty="0"/>
+              <a:t>Wohnsituation</a:t>
+            </a:r>
+          </a:p>
+        </p:txBody>
+      </p:sp>
+      <p:sp>
+        <p:nvSpPr>
+          <p:cNvPr id="14" name="Rechteck: abgerundete Ecken 13">
+            <a:extLst>
+              <a:ext uri="{FF2B5EF4-FFF2-40B4-BE49-F238E27FC236}">
+                <a16:creationId xmlns:a16="http://schemas.microsoft.com/office/drawing/2014/main" id="{D7ED5E9D-8DF5-AB02-897F-87AB8DD16E09}"/>
+              </a:ext>
+            </a:extLst>
+          </p:cNvPr>
+          <p:cNvSpPr/>
+          <p:nvPr/>
+        </p:nvSpPr>
+        <p:spPr>
+          <a:xfrm>
+            <a:off x="2666626" y="1707935"/>
+            <a:ext cx="1229671" cy="244305"/>
+          </a:xfrm>
+          <a:prstGeom prst="roundRect">
+            <a:avLst/>
+          </a:prstGeom>
+          <a:solidFill>
+            <a:srgbClr val="28618C"/>
+          </a:solidFill>
+          <a:ln>
+            <a:noFill/>
+          </a:ln>
+        </p:spPr>
+        <p:style>
+          <a:lnRef idx="2">
+            <a:schemeClr val="accent1">
+              <a:shade val="50000"/>
+            </a:schemeClr>
+          </a:lnRef>
+          <a:fillRef idx="1">
+            <a:schemeClr val="accent1"/>
+          </a:fillRef>
+          <a:effectRef idx="0">
+            <a:schemeClr val="accent1"/>
+          </a:effectRef>
+          <a:fontRef idx="minor">
+            <a:schemeClr val="lt1"/>
+          </a:fontRef>
+        </p:style>
+        <p:txBody>
+          <a:bodyPr rtlCol="0" anchor="ctr"/>
+          <a:lstStyle/>
+          <a:p>
+            <a:pPr algn="ctr"/>
+            <a:r>
+              <a:rPr lang="de-DE" sz="1200" dirty="0"/>
+              <a:t>Bildungsstand</a:t>
+            </a:r>
+          </a:p>
+        </p:txBody>
+      </p:sp>
+      <p:sp>
+        <p:nvSpPr>
+          <p:cNvPr id="15" name="Rechteck: abgerundete Ecken 14">
+            <a:extLst>
+              <a:ext uri="{FF2B5EF4-FFF2-40B4-BE49-F238E27FC236}">
+                <a16:creationId xmlns:a16="http://schemas.microsoft.com/office/drawing/2014/main" id="{86636B0A-7CAD-FC18-36BD-1727A480535E}"/>
+              </a:ext>
+            </a:extLst>
+          </p:cNvPr>
+          <p:cNvSpPr/>
+          <p:nvPr/>
+        </p:nvSpPr>
+        <p:spPr>
+          <a:xfrm>
+            <a:off x="1170957" y="3678268"/>
+            <a:ext cx="1683381" cy="244305"/>
+          </a:xfrm>
+          <a:prstGeom prst="roundRect">
+            <a:avLst/>
+          </a:prstGeom>
+          <a:solidFill>
+            <a:srgbClr val="28618C"/>
+          </a:solidFill>
+          <a:ln>
+            <a:noFill/>
+          </a:ln>
+        </p:spPr>
+        <p:style>
+          <a:lnRef idx="2">
+            <a:schemeClr val="accent1">
+              <a:shade val="50000"/>
+            </a:schemeClr>
+          </a:lnRef>
+          <a:fillRef idx="1">
+            <a:schemeClr val="accent1"/>
+          </a:fillRef>
+          <a:effectRef idx="0">
+            <a:schemeClr val="accent1"/>
+          </a:effectRef>
+          <a:fontRef idx="minor">
+            <a:schemeClr val="lt1"/>
+          </a:fontRef>
+        </p:style>
+        <p:txBody>
+          <a:bodyPr rtlCol="0" anchor="ctr"/>
+          <a:lstStyle/>
+          <a:p>
+            <a:pPr algn="ctr"/>
+            <a:r>
+              <a:rPr lang="de-DE" sz="1200" dirty="0"/>
+              <a:t>Gesundheitszustand</a:t>
+            </a:r>
+          </a:p>
+        </p:txBody>
+      </p:sp>
+      <p:sp>
+        <p:nvSpPr>
+          <p:cNvPr id="16" name="Rechteck: abgerundete Ecken 15">
+            <a:extLst>
+              <a:ext uri="{FF2B5EF4-FFF2-40B4-BE49-F238E27FC236}">
+                <a16:creationId xmlns:a16="http://schemas.microsoft.com/office/drawing/2014/main" id="{052A1EE0-C5AE-EFB8-8522-EA0D338A8407}"/>
+              </a:ext>
+            </a:extLst>
+          </p:cNvPr>
+          <p:cNvSpPr/>
+          <p:nvPr/>
+        </p:nvSpPr>
+        <p:spPr>
+          <a:xfrm>
+            <a:off x="7733058" y="1707935"/>
+            <a:ext cx="1984688" cy="209919"/>
+          </a:xfrm>
+          <a:prstGeom prst="roundRect">
+            <a:avLst/>
+          </a:prstGeom>
+          <a:solidFill>
+            <a:srgbClr val="539DC5"/>
+          </a:solidFill>
+          <a:ln>
+            <a:noFill/>
+          </a:ln>
+        </p:spPr>
+        <p:style>
+          <a:lnRef idx="2">
+            <a:schemeClr val="accent1">
+              <a:shade val="50000"/>
+            </a:schemeClr>
+          </a:lnRef>
+          <a:fillRef idx="1">
+            <a:schemeClr val="accent1"/>
+          </a:fillRef>
+          <a:effectRef idx="0">
+            <a:schemeClr val="accent1"/>
+          </a:effectRef>
+          <a:fontRef idx="minor">
+            <a:schemeClr val="lt1"/>
+          </a:fontRef>
+        </p:style>
+        <p:txBody>
+          <a:bodyPr rtlCol="0" anchor="ctr"/>
+          <a:lstStyle/>
+          <a:p>
+            <a:pPr algn="ctr"/>
+            <a:r>
+              <a:rPr lang="de-DE" sz="1200" dirty="0"/>
+              <a:t>Visuelle Wahrnehmung</a:t>
+            </a:r>
+          </a:p>
+        </p:txBody>
+      </p:sp>
+      <p:sp>
+        <p:nvSpPr>
+          <p:cNvPr id="19" name="Rechteck: abgerundete Ecken 18">
+            <a:extLst>
+              <a:ext uri="{FF2B5EF4-FFF2-40B4-BE49-F238E27FC236}">
+                <a16:creationId xmlns:a16="http://schemas.microsoft.com/office/drawing/2014/main" id="{1C3C7489-CE56-0B71-ED0E-54AE7AAFC2B5}"/>
+              </a:ext>
+            </a:extLst>
+          </p:cNvPr>
+          <p:cNvSpPr/>
+          <p:nvPr/>
+        </p:nvSpPr>
+        <p:spPr>
+          <a:xfrm>
+            <a:off x="9013748" y="3648994"/>
+            <a:ext cx="1984688" cy="209919"/>
+          </a:xfrm>
+          <a:prstGeom prst="roundRect">
+            <a:avLst/>
+          </a:prstGeom>
+          <a:solidFill>
+            <a:schemeClr val="accent5">
+              <a:lumMod val="75000"/>
+            </a:schemeClr>
+          </a:solidFill>
+          <a:ln>
+            <a:noFill/>
+          </a:ln>
+        </p:spPr>
+        <p:style>
+          <a:lnRef idx="2">
+            <a:schemeClr val="accent1">
+              <a:shade val="50000"/>
+            </a:schemeClr>
+          </a:lnRef>
+          <a:fillRef idx="1">
+            <a:schemeClr val="accent1"/>
+          </a:fillRef>
+          <a:effectRef idx="0">
+            <a:schemeClr val="accent1"/>
+          </a:effectRef>
+          <a:fontRef idx="minor">
+            <a:schemeClr val="lt1"/>
+          </a:fontRef>
+        </p:style>
+        <p:txBody>
+          <a:bodyPr rtlCol="0" anchor="ctr"/>
+          <a:lstStyle/>
+          <a:p>
+            <a:pPr algn="ctr"/>
+            <a:r>
+              <a:rPr lang="de-DE" sz="1200" dirty="0"/>
+              <a:t>Auditive Wahrnehmung</a:t>
+            </a:r>
+          </a:p>
+        </p:txBody>
+      </p:sp>
+      <p:sp>
+        <p:nvSpPr>
+          <p:cNvPr id="20" name="Rechteck: abgerundete Ecken 19">
+            <a:extLst>
+              <a:ext uri="{FF2B5EF4-FFF2-40B4-BE49-F238E27FC236}">
+                <a16:creationId xmlns:a16="http://schemas.microsoft.com/office/drawing/2014/main" id="{05B38227-B538-4307-AEED-CCBDBB6DA043}"/>
+              </a:ext>
+            </a:extLst>
+          </p:cNvPr>
+          <p:cNvSpPr/>
+          <p:nvPr/>
+        </p:nvSpPr>
+        <p:spPr>
+          <a:xfrm>
+            <a:off x="9907789" y="3025695"/>
+            <a:ext cx="1377415" cy="209919"/>
+          </a:xfrm>
+          <a:prstGeom prst="roundRect">
+            <a:avLst/>
+          </a:prstGeom>
+          <a:solidFill>
+            <a:srgbClr val="539DC5"/>
+          </a:solidFill>
+          <a:ln>
+            <a:noFill/>
+          </a:ln>
+        </p:spPr>
+        <p:style>
+          <a:lnRef idx="2">
+            <a:schemeClr val="accent1">
+              <a:shade val="50000"/>
+            </a:schemeClr>
+          </a:lnRef>
+          <a:fillRef idx="1">
+            <a:schemeClr val="accent1"/>
+          </a:fillRef>
+          <a:effectRef idx="0">
+            <a:schemeClr val="accent1"/>
+          </a:effectRef>
+          <a:fontRef idx="minor">
+            <a:schemeClr val="lt1"/>
+          </a:fontRef>
+        </p:style>
+        <p:txBody>
+          <a:bodyPr rtlCol="0" anchor="ctr"/>
+          <a:lstStyle/>
+          <a:p>
+            <a:pPr algn="ctr"/>
+            <a:r>
+              <a:rPr lang="de-DE" sz="1200" dirty="0" err="1"/>
+              <a:t>Somatosensorik</a:t>
+            </a:r>
+            <a:endParaRPr lang="de-DE" sz="1200" dirty="0"/>
+          </a:p>
+        </p:txBody>
+      </p:sp>
+      <p:sp>
+        <p:nvSpPr>
+          <p:cNvPr id="21" name="Rechteck: abgerundete Ecken 20">
+            <a:extLst>
+              <a:ext uri="{FF2B5EF4-FFF2-40B4-BE49-F238E27FC236}">
+                <a16:creationId xmlns:a16="http://schemas.microsoft.com/office/drawing/2014/main" id="{8DA47DEA-E2D4-99CC-3F9D-4856BF75C996}"/>
+              </a:ext>
+            </a:extLst>
+          </p:cNvPr>
+          <p:cNvSpPr/>
+          <p:nvPr/>
+        </p:nvSpPr>
+        <p:spPr>
+          <a:xfrm>
+            <a:off x="10178854" y="1707935"/>
+            <a:ext cx="813186" cy="215837"/>
+          </a:xfrm>
+          <a:prstGeom prst="roundRect">
+            <a:avLst/>
+          </a:prstGeom>
+          <a:solidFill>
+            <a:srgbClr val="539DC5"/>
+          </a:solidFill>
+          <a:ln>
+            <a:noFill/>
+          </a:ln>
+        </p:spPr>
+        <p:style>
+          <a:lnRef idx="2">
+            <a:schemeClr val="accent1">
+              <a:shade val="50000"/>
+            </a:schemeClr>
+          </a:lnRef>
+          <a:fillRef idx="1">
+            <a:schemeClr val="accent1"/>
+          </a:fillRef>
+          <a:effectRef idx="0">
+            <a:schemeClr val="accent1"/>
+          </a:effectRef>
+          <a:fontRef idx="minor">
+            <a:schemeClr val="lt1"/>
+          </a:fontRef>
+        </p:style>
+        <p:txBody>
+          <a:bodyPr rtlCol="0" anchor="ctr"/>
+          <a:lstStyle/>
+          <a:p>
+            <a:pPr algn="ctr"/>
+            <a:r>
+              <a:rPr lang="de-DE" sz="1200" dirty="0"/>
+              <a:t>Motorik</a:t>
+            </a:r>
+          </a:p>
+        </p:txBody>
+      </p:sp>
+      <p:sp>
+        <p:nvSpPr>
+          <p:cNvPr id="22" name="Rechteck: abgerundete Ecken 21">
+            <a:extLst>
+              <a:ext uri="{FF2B5EF4-FFF2-40B4-BE49-F238E27FC236}">
+                <a16:creationId xmlns:a16="http://schemas.microsoft.com/office/drawing/2014/main" id="{D35E28BF-E568-618C-CA08-51443FEC1D0C}"/>
+              </a:ext>
+            </a:extLst>
+          </p:cNvPr>
+          <p:cNvSpPr/>
+          <p:nvPr/>
+        </p:nvSpPr>
+        <p:spPr>
+          <a:xfrm>
+            <a:off x="10232534" y="2367204"/>
+            <a:ext cx="924868" cy="209919"/>
+          </a:xfrm>
+          <a:prstGeom prst="roundRect">
+            <a:avLst/>
+          </a:prstGeom>
+          <a:solidFill>
+            <a:schemeClr val="accent5">
+              <a:lumMod val="75000"/>
+            </a:schemeClr>
+          </a:solidFill>
+          <a:ln>
+            <a:noFill/>
+          </a:ln>
+        </p:spPr>
+        <p:style>
+          <a:lnRef idx="2">
+            <a:schemeClr val="accent1">
+              <a:shade val="50000"/>
+            </a:schemeClr>
+          </a:lnRef>
+          <a:fillRef idx="1">
+            <a:schemeClr val="accent1"/>
+          </a:fillRef>
+          <a:effectRef idx="0">
+            <a:schemeClr val="accent1"/>
+          </a:effectRef>
+          <a:fontRef idx="minor">
+            <a:schemeClr val="lt1"/>
+          </a:fontRef>
+        </p:style>
+        <p:txBody>
+          <a:bodyPr rtlCol="0" anchor="ctr"/>
+          <a:lstStyle/>
+          <a:p>
+            <a:pPr algn="ctr"/>
+            <a:r>
+              <a:rPr lang="de-DE" sz="1200" dirty="0"/>
+              <a:t>Kognition</a:t>
+            </a:r>
+          </a:p>
+        </p:txBody>
+      </p:sp>
+      <p:sp>
+        <p:nvSpPr>
+          <p:cNvPr id="23" name="Rechteck: abgerundete Ecken 22">
+            <a:extLst>
+              <a:ext uri="{FF2B5EF4-FFF2-40B4-BE49-F238E27FC236}">
+                <a16:creationId xmlns:a16="http://schemas.microsoft.com/office/drawing/2014/main" id="{3FA4784A-E26E-E3E3-93BC-BF8A884040AC}"/>
+              </a:ext>
+            </a:extLst>
+          </p:cNvPr>
+          <p:cNvSpPr/>
+          <p:nvPr/>
+        </p:nvSpPr>
+        <p:spPr>
+          <a:xfrm>
+            <a:off x="2955929" y="5288259"/>
+            <a:ext cx="1755507" cy="209919"/>
+          </a:xfrm>
+          <a:prstGeom prst="roundRect">
+            <a:avLst/>
+          </a:prstGeom>
+          <a:solidFill>
+            <a:schemeClr val="accent2"/>
+          </a:solidFill>
+          <a:ln>
+            <a:noFill/>
+          </a:ln>
+        </p:spPr>
+        <p:style>
+          <a:lnRef idx="2">
+            <a:schemeClr val="accent1">
+              <a:shade val="50000"/>
+            </a:schemeClr>
+          </a:lnRef>
+          <a:fillRef idx="1">
+            <a:schemeClr val="accent1"/>
+          </a:fillRef>
+          <a:effectRef idx="0">
+            <a:schemeClr val="accent1"/>
+          </a:effectRef>
+          <a:fontRef idx="minor">
+            <a:schemeClr val="lt1"/>
+          </a:fontRef>
+        </p:style>
+        <p:txBody>
+          <a:bodyPr rtlCol="0" anchor="ctr"/>
+          <a:lstStyle/>
+          <a:p>
+            <a:pPr algn="ctr"/>
+            <a:r>
+              <a:rPr lang="de-DE" sz="1200" dirty="0"/>
+              <a:t>Priorisierung im Alter</a:t>
+            </a:r>
+          </a:p>
+        </p:txBody>
+      </p:sp>
+      <p:sp>
+        <p:nvSpPr>
+          <p:cNvPr id="24" name="Rechteck: abgerundete Ecken 23">
+            <a:extLst>
+              <a:ext uri="{FF2B5EF4-FFF2-40B4-BE49-F238E27FC236}">
+                <a16:creationId xmlns:a16="http://schemas.microsoft.com/office/drawing/2014/main" id="{6C0B9895-FA09-DAA1-255E-5036EA7B5B9A}"/>
+              </a:ext>
+            </a:extLst>
+          </p:cNvPr>
+          <p:cNvSpPr/>
+          <p:nvPr/>
+        </p:nvSpPr>
+        <p:spPr>
+          <a:xfrm>
+            <a:off x="5129289" y="5506022"/>
+            <a:ext cx="1984688" cy="209919"/>
+          </a:xfrm>
+          <a:prstGeom prst="roundRect">
+            <a:avLst/>
+          </a:prstGeom>
+          <a:solidFill>
+            <a:schemeClr val="accent2"/>
+          </a:solidFill>
+          <a:ln>
+            <a:noFill/>
+          </a:ln>
+        </p:spPr>
+        <p:style>
+          <a:lnRef idx="2">
+            <a:schemeClr val="accent1">
+              <a:shade val="50000"/>
+            </a:schemeClr>
+          </a:lnRef>
+          <a:fillRef idx="1">
+            <a:schemeClr val="accent1"/>
+          </a:fillRef>
+          <a:effectRef idx="0">
+            <a:schemeClr val="accent1"/>
+          </a:effectRef>
+          <a:fontRef idx="minor">
+            <a:schemeClr val="lt1"/>
+          </a:fontRef>
+        </p:style>
+        <p:txBody>
+          <a:bodyPr rtlCol="0" anchor="ctr"/>
+          <a:lstStyle/>
+          <a:p>
+            <a:pPr algn="ctr"/>
+            <a:r>
+              <a:rPr lang="de-DE" sz="1200" dirty="0"/>
+              <a:t>Geistiges Wohlbefinden</a:t>
+            </a:r>
+          </a:p>
+        </p:txBody>
+      </p:sp>
+      <p:sp>
+        <p:nvSpPr>
+          <p:cNvPr id="25" name="Rechteck: abgerundete Ecken 24">
+            <a:extLst>
+              <a:ext uri="{FF2B5EF4-FFF2-40B4-BE49-F238E27FC236}">
+                <a16:creationId xmlns:a16="http://schemas.microsoft.com/office/drawing/2014/main" id="{F6ED380F-11DE-46A1-5193-6AAFD3972ED1}"/>
+              </a:ext>
+            </a:extLst>
+          </p:cNvPr>
+          <p:cNvSpPr/>
+          <p:nvPr/>
+        </p:nvSpPr>
+        <p:spPr>
+          <a:xfrm>
+            <a:off x="7594242" y="5289493"/>
+            <a:ext cx="1984688" cy="209919"/>
+          </a:xfrm>
+          <a:prstGeom prst="roundRect">
+            <a:avLst/>
+          </a:prstGeom>
+          <a:solidFill>
+            <a:schemeClr val="accent2"/>
+          </a:solidFill>
+          <a:ln>
+            <a:noFill/>
+          </a:ln>
+        </p:spPr>
+        <p:style>
+          <a:lnRef idx="2">
+            <a:schemeClr val="accent1">
+              <a:shade val="50000"/>
+            </a:schemeClr>
+          </a:lnRef>
+          <a:fillRef idx="1">
+            <a:schemeClr val="accent1"/>
+          </a:fillRef>
+          <a:effectRef idx="0">
+            <a:schemeClr val="accent1"/>
+          </a:effectRef>
+          <a:fontRef idx="minor">
+            <a:schemeClr val="lt1"/>
+          </a:fontRef>
+        </p:style>
+        <p:txBody>
+          <a:bodyPr rtlCol="0" anchor="ctr"/>
+          <a:lstStyle/>
+          <a:p>
+            <a:pPr algn="ctr"/>
+            <a:r>
+              <a:rPr lang="de-DE" sz="1200" dirty="0"/>
+              <a:t>Soziale Beziehungen</a:t>
+            </a:r>
+          </a:p>
+        </p:txBody>
+      </p:sp>
+      <p:cxnSp>
+        <p:nvCxnSpPr>
+          <p:cNvPr id="65" name="Verbinder: gewinkelt 64">
+            <a:extLst>
+              <a:ext uri="{FF2B5EF4-FFF2-40B4-BE49-F238E27FC236}">
+                <a16:creationId xmlns:a16="http://schemas.microsoft.com/office/drawing/2014/main" id="{684180C8-A9E8-2690-73E4-1D9CB0B59E2E}"/>
+              </a:ext>
+            </a:extLst>
+          </p:cNvPr>
+          <p:cNvCxnSpPr>
+            <a:cxnSpLocks/>
+            <a:stCxn id="9" idx="0"/>
+            <a:endCxn id="14" idx="2"/>
+          </p:cNvCxnSpPr>
+          <p:nvPr/>
+        </p:nvCxnSpPr>
+        <p:spPr>
+          <a:xfrm rot="16200000" flipV="1">
+            <a:off x="3305622" y="1928080"/>
+            <a:ext cx="321086" cy="369405"/>
+          </a:xfrm>
+          <a:prstGeom prst="bentConnector3">
+            <a:avLst/>
+          </a:prstGeom>
+          <a:ln w="12700">
+            <a:solidFill>
+              <a:schemeClr val="tx1"/>
+            </a:solidFill>
+          </a:ln>
+        </p:spPr>
+        <p:style>
+          <a:lnRef idx="1">
+            <a:schemeClr val="accent1"/>
+          </a:lnRef>
+          <a:fillRef idx="0">
+            <a:schemeClr val="accent1"/>
+          </a:fillRef>
+          <a:effectRef idx="0">
+            <a:schemeClr val="accent1"/>
+          </a:effectRef>
+          <a:fontRef idx="minor">
+            <a:schemeClr val="tx1"/>
+          </a:fontRef>
+        </p:style>
+      </p:cxnSp>
+      <p:cxnSp>
+        <p:nvCxnSpPr>
+          <p:cNvPr id="67" name="Verbinder: gewinkelt 66">
+            <a:extLst>
+              <a:ext uri="{FF2B5EF4-FFF2-40B4-BE49-F238E27FC236}">
+                <a16:creationId xmlns:a16="http://schemas.microsoft.com/office/drawing/2014/main" id="{26313872-FE38-CBBF-CF41-4CA40D551BEC}"/>
+              </a:ext>
+            </a:extLst>
+          </p:cNvPr>
+          <p:cNvCxnSpPr>
+            <a:cxnSpLocks/>
+            <a:stCxn id="9" idx="1"/>
+            <a:endCxn id="11" idx="2"/>
+          </p:cNvCxnSpPr>
+          <p:nvPr/>
+        </p:nvCxnSpPr>
+        <p:spPr>
+          <a:xfrm rot="16200000" flipV="1">
+            <a:off x="2133205" y="1652527"/>
+            <a:ext cx="424678" cy="1024104"/>
+          </a:xfrm>
+          <a:prstGeom prst="bentConnector3">
+            <a:avLst>
+              <a:gd name="adj1" fmla="val 50000"/>
+            </a:avLst>
+          </a:prstGeom>
+          <a:ln w="12700">
+            <a:solidFill>
+              <a:schemeClr val="tx1"/>
+            </a:solidFill>
+          </a:ln>
+        </p:spPr>
+        <p:style>
+          <a:lnRef idx="1">
+            <a:schemeClr val="accent1"/>
+          </a:lnRef>
+          <a:fillRef idx="0">
+            <a:schemeClr val="accent1"/>
+          </a:fillRef>
+          <a:effectRef idx="0">
+            <a:schemeClr val="accent1"/>
+          </a:effectRef>
+          <a:fontRef idx="minor">
+            <a:schemeClr val="tx1"/>
+          </a:fontRef>
+        </p:style>
+      </p:cxnSp>
+      <p:cxnSp>
+        <p:nvCxnSpPr>
+          <p:cNvPr id="70" name="Verbinder: gewinkelt 69">
+            <a:extLst>
+              <a:ext uri="{FF2B5EF4-FFF2-40B4-BE49-F238E27FC236}">
+                <a16:creationId xmlns:a16="http://schemas.microsoft.com/office/drawing/2014/main" id="{6DD7146F-71B5-2876-3D5D-6FB321EB26EC}"/>
+              </a:ext>
+            </a:extLst>
+          </p:cNvPr>
+          <p:cNvCxnSpPr>
+            <a:cxnSpLocks/>
+            <a:stCxn id="9" idx="2"/>
+            <a:endCxn id="12" idx="3"/>
+          </p:cNvCxnSpPr>
+          <p:nvPr/>
+        </p:nvCxnSpPr>
+        <p:spPr>
+          <a:xfrm rot="10800000">
+            <a:off x="2023201" y="2483440"/>
+            <a:ext cx="505813" cy="143573"/>
+          </a:xfrm>
+          <a:prstGeom prst="bentConnector3">
+            <a:avLst>
+              <a:gd name="adj1" fmla="val 50000"/>
+            </a:avLst>
+          </a:prstGeom>
+          <a:ln w="12700">
+            <a:solidFill>
+              <a:schemeClr val="tx1"/>
+            </a:solidFill>
+          </a:ln>
+        </p:spPr>
+        <p:style>
+          <a:lnRef idx="1">
+            <a:schemeClr val="accent1"/>
+          </a:lnRef>
+          <a:fillRef idx="0">
+            <a:schemeClr val="accent1"/>
+          </a:fillRef>
+          <a:effectRef idx="0">
+            <a:schemeClr val="accent1"/>
+          </a:effectRef>
+          <a:fontRef idx="minor">
+            <a:schemeClr val="tx1"/>
+          </a:fontRef>
+        </p:style>
+      </p:cxnSp>
+      <p:cxnSp>
+        <p:nvCxnSpPr>
+          <p:cNvPr id="74" name="Verbinder: gewinkelt 73">
+            <a:extLst>
+              <a:ext uri="{FF2B5EF4-FFF2-40B4-BE49-F238E27FC236}">
+                <a16:creationId xmlns:a16="http://schemas.microsoft.com/office/drawing/2014/main" id="{97308101-09BC-E2C2-A9C8-A9ABE4911C76}"/>
+              </a:ext>
+            </a:extLst>
+          </p:cNvPr>
+          <p:cNvCxnSpPr>
+            <a:cxnSpLocks/>
+            <a:stCxn id="9" idx="3"/>
+            <a:endCxn id="13" idx="3"/>
+          </p:cNvCxnSpPr>
+          <p:nvPr/>
+        </p:nvCxnSpPr>
+        <p:spPr>
+          <a:xfrm rot="5400000">
+            <a:off x="2379202" y="2663535"/>
+            <a:ext cx="264825" cy="691965"/>
+          </a:xfrm>
+          <a:prstGeom prst="bentConnector2">
+            <a:avLst/>
+          </a:prstGeom>
+          <a:ln w="12700">
+            <a:solidFill>
+              <a:schemeClr val="tx1"/>
+            </a:solidFill>
+          </a:ln>
+        </p:spPr>
+        <p:style>
+          <a:lnRef idx="1">
+            <a:schemeClr val="accent1"/>
+          </a:lnRef>
+          <a:fillRef idx="0">
+            <a:schemeClr val="accent1"/>
+          </a:fillRef>
+          <a:effectRef idx="0">
+            <a:schemeClr val="accent1"/>
+          </a:effectRef>
+          <a:fontRef idx="minor">
+            <a:schemeClr val="tx1"/>
+          </a:fontRef>
+        </p:style>
+      </p:cxnSp>
+      <p:cxnSp>
+        <p:nvCxnSpPr>
+          <p:cNvPr id="77" name="Verbinder: gewinkelt 76">
+            <a:extLst>
+              <a:ext uri="{FF2B5EF4-FFF2-40B4-BE49-F238E27FC236}">
+                <a16:creationId xmlns:a16="http://schemas.microsoft.com/office/drawing/2014/main" id="{2090A086-8BA2-B21A-E445-6C4D43999311}"/>
+              </a:ext>
+            </a:extLst>
+          </p:cNvPr>
+          <p:cNvCxnSpPr>
+            <a:cxnSpLocks/>
+            <a:stCxn id="9" idx="4"/>
+            <a:endCxn id="15" idx="3"/>
+          </p:cNvCxnSpPr>
+          <p:nvPr/>
+        </p:nvCxnSpPr>
+        <p:spPr>
+          <a:xfrm rot="5400000">
+            <a:off x="2842741" y="2992295"/>
+            <a:ext cx="819724" cy="796529"/>
+          </a:xfrm>
+          <a:prstGeom prst="bentConnector2">
+            <a:avLst/>
+          </a:prstGeom>
+          <a:ln w="12700">
+            <a:solidFill>
+              <a:schemeClr val="tx1"/>
+            </a:solidFill>
+          </a:ln>
+        </p:spPr>
+        <p:style>
+          <a:lnRef idx="1">
+            <a:schemeClr val="accent1"/>
+          </a:lnRef>
+          <a:fillRef idx="0">
+            <a:schemeClr val="accent1"/>
+          </a:fillRef>
+          <a:effectRef idx="0">
+            <a:schemeClr val="accent1"/>
+          </a:effectRef>
+          <a:fontRef idx="minor">
+            <a:schemeClr val="tx1"/>
+          </a:fontRef>
+        </p:style>
+      </p:cxnSp>
+      <p:cxnSp>
+        <p:nvCxnSpPr>
+          <p:cNvPr id="81" name="Verbinder: gewinkelt 80">
+            <a:extLst>
+              <a:ext uri="{FF2B5EF4-FFF2-40B4-BE49-F238E27FC236}">
+                <a16:creationId xmlns:a16="http://schemas.microsoft.com/office/drawing/2014/main" id="{4B5E2724-F85F-AFC3-96A2-BD9163738663}"/>
+              </a:ext>
+            </a:extLst>
+          </p:cNvPr>
+          <p:cNvCxnSpPr>
+            <a:cxnSpLocks/>
+            <a:stCxn id="6" idx="0"/>
+            <a:endCxn id="16" idx="2"/>
+          </p:cNvCxnSpPr>
+          <p:nvPr/>
+        </p:nvCxnSpPr>
+        <p:spPr>
+          <a:xfrm rot="5400000" flipH="1" flipV="1">
+            <a:off x="8450711" y="1998636"/>
+            <a:ext cx="355472" cy="193909"/>
+          </a:xfrm>
+          <a:prstGeom prst="bentConnector3">
+            <a:avLst/>
+          </a:prstGeom>
+          <a:ln w="12700">
+            <a:solidFill>
+              <a:schemeClr val="tx1"/>
+            </a:solidFill>
+          </a:ln>
+        </p:spPr>
+        <p:style>
+          <a:lnRef idx="1">
+            <a:schemeClr val="accent1"/>
+          </a:lnRef>
+          <a:fillRef idx="0">
+            <a:schemeClr val="accent1"/>
+          </a:fillRef>
+          <a:effectRef idx="0">
+            <a:schemeClr val="accent1"/>
+          </a:effectRef>
+          <a:fontRef idx="minor">
+            <a:schemeClr val="tx1"/>
+          </a:fontRef>
+        </p:style>
+      </p:cxnSp>
+      <p:cxnSp>
+        <p:nvCxnSpPr>
+          <p:cNvPr id="83" name="Verbinder: gewinkelt 82">
+            <a:extLst>
+              <a:ext uri="{FF2B5EF4-FFF2-40B4-BE49-F238E27FC236}">
+                <a16:creationId xmlns:a16="http://schemas.microsoft.com/office/drawing/2014/main" id="{35B0E1A3-7B3E-7735-BCD2-3F195A8EF64C}"/>
+              </a:ext>
+            </a:extLst>
+          </p:cNvPr>
+          <p:cNvCxnSpPr>
+            <a:cxnSpLocks/>
+            <a:stCxn id="6" idx="7"/>
+            <a:endCxn id="21" idx="2"/>
+          </p:cNvCxnSpPr>
+          <p:nvPr/>
+        </p:nvCxnSpPr>
+        <p:spPr>
+          <a:xfrm rot="5400000" flipH="1" flipV="1">
+            <a:off x="9730228" y="1518308"/>
+            <a:ext cx="449755" cy="1260684"/>
+          </a:xfrm>
+          <a:prstGeom prst="bentConnector3">
+            <a:avLst>
+              <a:gd name="adj1" fmla="val 50000"/>
+            </a:avLst>
+          </a:prstGeom>
+          <a:ln w="12700">
+            <a:solidFill>
+              <a:schemeClr val="tx1"/>
+            </a:solidFill>
+          </a:ln>
+        </p:spPr>
+        <p:style>
+          <a:lnRef idx="1">
+            <a:schemeClr val="accent1"/>
+          </a:lnRef>
+          <a:fillRef idx="0">
+            <a:schemeClr val="accent1"/>
+          </a:fillRef>
+          <a:effectRef idx="0">
+            <a:schemeClr val="accent1"/>
+          </a:effectRef>
+          <a:fontRef idx="minor">
+            <a:schemeClr val="tx1"/>
+          </a:fontRef>
+        </p:style>
+      </p:cxnSp>
+      <p:cxnSp>
+        <p:nvCxnSpPr>
+          <p:cNvPr id="86" name="Verbinder: gewinkelt 85">
+            <a:extLst>
+              <a:ext uri="{FF2B5EF4-FFF2-40B4-BE49-F238E27FC236}">
+                <a16:creationId xmlns:a16="http://schemas.microsoft.com/office/drawing/2014/main" id="{158B9E8D-3CE8-6249-E3A2-BF4A4FE3E947}"/>
+              </a:ext>
+            </a:extLst>
+          </p:cNvPr>
+          <p:cNvCxnSpPr>
+            <a:cxnSpLocks/>
+            <a:stCxn id="6" idx="6"/>
+            <a:endCxn id="22" idx="1"/>
+          </p:cNvCxnSpPr>
+          <p:nvPr/>
+        </p:nvCxnSpPr>
+        <p:spPr>
+          <a:xfrm flipV="1">
+            <a:off x="9653346" y="2472164"/>
+            <a:ext cx="579188" cy="143269"/>
+          </a:xfrm>
+          <a:prstGeom prst="bentConnector3">
+            <a:avLst/>
+          </a:prstGeom>
+          <a:ln w="12700">
+            <a:solidFill>
+              <a:schemeClr val="tx1"/>
+            </a:solidFill>
+          </a:ln>
+        </p:spPr>
+        <p:style>
+          <a:lnRef idx="1">
+            <a:schemeClr val="accent1"/>
+          </a:lnRef>
+          <a:fillRef idx="0">
+            <a:schemeClr val="accent1"/>
+          </a:fillRef>
+          <a:effectRef idx="0">
+            <a:schemeClr val="accent1"/>
+          </a:effectRef>
+          <a:fontRef idx="minor">
+            <a:schemeClr val="tx1"/>
+          </a:fontRef>
+        </p:style>
+      </p:cxnSp>
+      <p:cxnSp>
+        <p:nvCxnSpPr>
+          <p:cNvPr id="89" name="Verbinder: gewinkelt 88">
+            <a:extLst>
+              <a:ext uri="{FF2B5EF4-FFF2-40B4-BE49-F238E27FC236}">
+                <a16:creationId xmlns:a16="http://schemas.microsoft.com/office/drawing/2014/main" id="{C800CEC4-582A-4725-8E5A-FEF387840D62}"/>
+              </a:ext>
+            </a:extLst>
+          </p:cNvPr>
+          <p:cNvCxnSpPr>
+            <a:cxnSpLocks/>
+            <a:stCxn id="6" idx="5"/>
+            <a:endCxn id="20" idx="1"/>
+          </p:cNvCxnSpPr>
+          <p:nvPr/>
+        </p:nvCxnSpPr>
+        <p:spPr>
+          <a:xfrm rot="16200000" flipH="1">
+            <a:off x="9479618" y="2702483"/>
+            <a:ext cx="273317" cy="583026"/>
+          </a:xfrm>
+          <a:prstGeom prst="bentConnector2">
+            <a:avLst/>
+          </a:prstGeom>
+          <a:ln w="12700">
+            <a:solidFill>
+              <a:schemeClr val="tx1"/>
+            </a:solidFill>
+          </a:ln>
+        </p:spPr>
+        <p:style>
+          <a:lnRef idx="1">
+            <a:schemeClr val="accent1"/>
+          </a:lnRef>
+          <a:fillRef idx="0">
+            <a:schemeClr val="accent1"/>
+          </a:fillRef>
+          <a:effectRef idx="0">
+            <a:schemeClr val="accent1"/>
+          </a:effectRef>
+          <a:fontRef idx="minor">
+            <a:schemeClr val="tx1"/>
+          </a:fontRef>
+        </p:style>
+      </p:cxnSp>
+      <p:cxnSp>
+        <p:nvCxnSpPr>
+          <p:cNvPr id="92" name="Verbinder: gewinkelt 91">
+            <a:extLst>
+              <a:ext uri="{FF2B5EF4-FFF2-40B4-BE49-F238E27FC236}">
+                <a16:creationId xmlns:a16="http://schemas.microsoft.com/office/drawing/2014/main" id="{0B97ED74-5A1D-5229-30C3-089DBA21EBC5}"/>
+              </a:ext>
+            </a:extLst>
+          </p:cNvPr>
+          <p:cNvCxnSpPr>
+            <a:cxnSpLocks/>
+            <a:stCxn id="6" idx="4"/>
+            <a:endCxn id="19" idx="1"/>
+          </p:cNvCxnSpPr>
+          <p:nvPr/>
+        </p:nvCxnSpPr>
+        <p:spPr>
+          <a:xfrm rot="16200000" flipH="1">
+            <a:off x="8374413" y="3114618"/>
+            <a:ext cx="796415" cy="482255"/>
+          </a:xfrm>
+          <a:prstGeom prst="bentConnector2">
+            <a:avLst/>
+          </a:prstGeom>
+          <a:ln w="12700">
+            <a:solidFill>
+              <a:schemeClr val="tx1"/>
+            </a:solidFill>
+          </a:ln>
+        </p:spPr>
+        <p:style>
+          <a:lnRef idx="1">
+            <a:schemeClr val="accent1"/>
+          </a:lnRef>
+          <a:fillRef idx="0">
+            <a:schemeClr val="accent1"/>
+          </a:fillRef>
+          <a:effectRef idx="0">
+            <a:schemeClr val="accent1"/>
+          </a:effectRef>
+          <a:fontRef idx="minor">
+            <a:schemeClr val="tx1"/>
+          </a:fontRef>
+        </p:style>
+      </p:cxnSp>
+      <p:cxnSp>
+        <p:nvCxnSpPr>
+          <p:cNvPr id="95" name="Verbinder: gewinkelt 94">
+            <a:extLst>
+              <a:ext uri="{FF2B5EF4-FFF2-40B4-BE49-F238E27FC236}">
+                <a16:creationId xmlns:a16="http://schemas.microsoft.com/office/drawing/2014/main" id="{7597A87A-B1DE-5864-88E3-0A09A9E28E8F}"/>
+              </a:ext>
+            </a:extLst>
+          </p:cNvPr>
+          <p:cNvCxnSpPr>
+            <a:cxnSpLocks/>
+            <a:stCxn id="7" idx="6"/>
+            <a:endCxn id="25" idx="0"/>
+          </p:cNvCxnSpPr>
+          <p:nvPr/>
+        </p:nvCxnSpPr>
+        <p:spPr>
+          <a:xfrm>
+            <a:off x="7243487" y="4778250"/>
+            <a:ext cx="1343099" cy="511243"/>
+          </a:xfrm>
+          <a:prstGeom prst="bentConnector2">
+            <a:avLst/>
+          </a:prstGeom>
+          <a:ln w="12700">
+            <a:solidFill>
+              <a:schemeClr val="tx1"/>
+            </a:solidFill>
+          </a:ln>
+        </p:spPr>
+        <p:style>
+          <a:lnRef idx="1">
+            <a:schemeClr val="accent1"/>
+          </a:lnRef>
+          <a:fillRef idx="0">
+            <a:schemeClr val="accent1"/>
+          </a:fillRef>
+          <a:effectRef idx="0">
+            <a:schemeClr val="accent1"/>
+          </a:effectRef>
+          <a:fontRef idx="minor">
+            <a:schemeClr val="tx1"/>
+          </a:fontRef>
+        </p:style>
+      </p:cxnSp>
+      <p:cxnSp>
+        <p:nvCxnSpPr>
+          <p:cNvPr id="98" name="Verbinder: gewinkelt 97">
+            <a:extLst>
+              <a:ext uri="{FF2B5EF4-FFF2-40B4-BE49-F238E27FC236}">
+                <a16:creationId xmlns:a16="http://schemas.microsoft.com/office/drawing/2014/main" id="{A5DAA783-F2AF-58C2-AB9A-FDAFFD0EE5FD}"/>
+              </a:ext>
+            </a:extLst>
+          </p:cNvPr>
+          <p:cNvCxnSpPr>
+            <a:cxnSpLocks/>
+            <a:stCxn id="7" idx="4"/>
+            <a:endCxn id="24" idx="0"/>
+          </p:cNvCxnSpPr>
+          <p:nvPr/>
+        </p:nvCxnSpPr>
+        <p:spPr>
+          <a:xfrm rot="5400000">
+            <a:off x="5928801" y="5313189"/>
+            <a:ext cx="385666" cy="1"/>
+          </a:xfrm>
+          <a:prstGeom prst="bentConnector3">
+            <a:avLst/>
+          </a:prstGeom>
+          <a:ln w="12700">
+            <a:solidFill>
+              <a:schemeClr val="tx1"/>
+            </a:solidFill>
+          </a:ln>
+        </p:spPr>
+        <p:style>
+          <a:lnRef idx="1">
+            <a:schemeClr val="accent1"/>
+          </a:lnRef>
+          <a:fillRef idx="0">
+            <a:schemeClr val="accent1"/>
+          </a:fillRef>
+          <a:effectRef idx="0">
+            <a:schemeClr val="accent1"/>
+          </a:effectRef>
+          <a:fontRef idx="minor">
+            <a:schemeClr val="tx1"/>
+          </a:fontRef>
+        </p:style>
+      </p:cxnSp>
+      <p:cxnSp>
+        <p:nvCxnSpPr>
+          <p:cNvPr id="101" name="Verbinder: gewinkelt 100">
+            <a:extLst>
+              <a:ext uri="{FF2B5EF4-FFF2-40B4-BE49-F238E27FC236}">
+                <a16:creationId xmlns:a16="http://schemas.microsoft.com/office/drawing/2014/main" id="{EF387823-8271-06E8-6785-6CB51D1201DB}"/>
+              </a:ext>
+            </a:extLst>
+          </p:cNvPr>
+          <p:cNvCxnSpPr>
+            <a:cxnSpLocks/>
+            <a:stCxn id="23" idx="0"/>
+            <a:endCxn id="7" idx="2"/>
+          </p:cNvCxnSpPr>
+          <p:nvPr/>
+        </p:nvCxnSpPr>
+        <p:spPr>
+          <a:xfrm rot="5400000" flipH="1" flipV="1">
+            <a:off x="4161728" y="4450206"/>
+            <a:ext cx="510009" cy="1166098"/>
+          </a:xfrm>
+          <a:prstGeom prst="bentConnector2">
+            <a:avLst/>
+          </a:prstGeom>
+          <a:ln w="12700">
+            <a:solidFill>
+              <a:schemeClr val="tx1"/>
+            </a:solidFill>
+          </a:ln>
+        </p:spPr>
+        <p:style>
+          <a:lnRef idx="1">
+            <a:schemeClr val="accent1"/>
+          </a:lnRef>
+          <a:fillRef idx="0">
+            <a:schemeClr val="accent1"/>
+          </a:fillRef>
+          <a:effectRef idx="0">
+            <a:schemeClr val="accent1"/>
+          </a:effectRef>
+          <a:fontRef idx="minor">
+            <a:schemeClr val="tx1"/>
+          </a:fontRef>
+        </p:style>
+      </p:cxnSp>
+      <p:cxnSp>
+        <p:nvCxnSpPr>
+          <p:cNvPr id="104" name="Verbinder: gewinkelt 103">
+            <a:extLst>
+              <a:ext uri="{FF2B5EF4-FFF2-40B4-BE49-F238E27FC236}">
+                <a16:creationId xmlns:a16="http://schemas.microsoft.com/office/drawing/2014/main" id="{CA2211C5-DF65-C3FB-77D9-5DC431DEC9CF}"/>
+              </a:ext>
+            </a:extLst>
+          </p:cNvPr>
+          <p:cNvCxnSpPr>
+            <a:cxnSpLocks/>
+            <a:stCxn id="9" idx="6"/>
+            <a:endCxn id="5" idx="1"/>
+          </p:cNvCxnSpPr>
+          <p:nvPr/>
+        </p:nvCxnSpPr>
+        <p:spPr>
+          <a:xfrm>
+            <a:off x="4772720" y="2627012"/>
+            <a:ext cx="616371" cy="635569"/>
+          </a:xfrm>
+          <a:prstGeom prst="bentConnector2">
+            <a:avLst/>
+          </a:prstGeom>
+          <a:ln w="12700">
+            <a:solidFill>
+              <a:schemeClr val="tx1"/>
+            </a:solidFill>
+          </a:ln>
+        </p:spPr>
+        <p:style>
+          <a:lnRef idx="1">
+            <a:schemeClr val="accent1"/>
+          </a:lnRef>
+          <a:fillRef idx="0">
+            <a:schemeClr val="accent1"/>
+          </a:fillRef>
+          <a:effectRef idx="0">
+            <a:schemeClr val="accent1"/>
+          </a:effectRef>
+          <a:fontRef idx="minor">
+            <a:schemeClr val="tx1"/>
+          </a:fontRef>
+        </p:style>
+      </p:cxnSp>
+      <p:cxnSp>
+        <p:nvCxnSpPr>
+          <p:cNvPr id="107" name="Verbinder: gewinkelt 106">
+            <a:extLst>
+              <a:ext uri="{FF2B5EF4-FFF2-40B4-BE49-F238E27FC236}">
+                <a16:creationId xmlns:a16="http://schemas.microsoft.com/office/drawing/2014/main" id="{997B43E3-6963-EF50-E55C-CD5BD0A74A24}"/>
+              </a:ext>
+            </a:extLst>
+          </p:cNvPr>
+          <p:cNvCxnSpPr>
+            <a:cxnSpLocks/>
+            <a:stCxn id="6" idx="2"/>
+            <a:endCxn id="5" idx="7"/>
+          </p:cNvCxnSpPr>
+          <p:nvPr/>
+        </p:nvCxnSpPr>
+        <p:spPr>
+          <a:xfrm rot="10800000" flipV="1">
+            <a:off x="6854177" y="2615433"/>
+            <a:ext cx="555463" cy="647148"/>
+          </a:xfrm>
+          <a:prstGeom prst="bentConnector2">
+            <a:avLst/>
+          </a:prstGeom>
+          <a:ln w="12700">
+            <a:solidFill>
+              <a:schemeClr val="tx1"/>
+            </a:solidFill>
+          </a:ln>
+        </p:spPr>
+        <p:style>
+          <a:lnRef idx="1">
+            <a:schemeClr val="accent1"/>
+          </a:lnRef>
+          <a:fillRef idx="0">
+            <a:schemeClr val="accent1"/>
+          </a:fillRef>
+          <a:effectRef idx="0">
+            <a:schemeClr val="accent1"/>
+          </a:effectRef>
+          <a:fontRef idx="minor">
+            <a:schemeClr val="tx1"/>
+          </a:fontRef>
+        </p:style>
+      </p:cxnSp>
+      <p:cxnSp>
+        <p:nvCxnSpPr>
+          <p:cNvPr id="119" name="Gerader Verbinder 118">
+            <a:extLst>
+              <a:ext uri="{FF2B5EF4-FFF2-40B4-BE49-F238E27FC236}">
+                <a16:creationId xmlns:a16="http://schemas.microsoft.com/office/drawing/2014/main" id="{596CF479-E7B7-9FA8-6616-FF395284ECC2}"/>
+              </a:ext>
+            </a:extLst>
+          </p:cNvPr>
+          <p:cNvCxnSpPr>
+            <a:cxnSpLocks/>
+            <a:stCxn id="5" idx="4"/>
+            <a:endCxn id="7" idx="0"/>
+          </p:cNvCxnSpPr>
+          <p:nvPr/>
+        </p:nvCxnSpPr>
+        <p:spPr>
+          <a:xfrm>
+            <a:off x="6121634" y="3966919"/>
+            <a:ext cx="0" cy="469224"/>
+          </a:xfrm>
+          <a:prstGeom prst="line">
+            <a:avLst/>
+          </a:prstGeom>
+          <a:ln w="12700">
+            <a:solidFill>
+              <a:schemeClr val="tx1"/>
+            </a:solidFill>
+          </a:ln>
+        </p:spPr>
+        <p:style>
+          <a:lnRef idx="1">
+            <a:schemeClr val="accent1"/>
+          </a:lnRef>
+          <a:fillRef idx="0">
+            <a:schemeClr val="accent1"/>
+          </a:fillRef>
+          <a:effectRef idx="0">
+            <a:schemeClr val="accent1"/>
+          </a:effectRef>
+          <a:fontRef idx="minor">
+            <a:schemeClr val="tx1"/>
+          </a:fontRef>
+        </p:style>
+      </p:cxnSp>
     </p:spTree>
     <p:extLst>
       <p:ext uri="{BB962C8B-B14F-4D97-AF65-F5344CB8AC3E}">
@@ -10222,11 +16487,47 @@
             </a:br>
             <a:r>
               <a:rPr lang="de-DE" b="0" dirty="0"/>
-              <a:t>Adaption leicht gemacht</a:t>
-            </a:r>
-          </a:p>
-        </p:txBody>
-      </p:sp>
+              <a:t>Anforderungskonform für Senioren</a:t>
+            </a:r>
+          </a:p>
+        </p:txBody>
+      </p:sp>
+      <p:pic>
+        <p:nvPicPr>
+          <p:cNvPr id="4" name="Grafik 3">
+            <a:extLst>
+              <a:ext uri="{FF2B5EF4-FFF2-40B4-BE49-F238E27FC236}">
+                <a16:creationId xmlns:a16="http://schemas.microsoft.com/office/drawing/2014/main" id="{9F6DAC9B-13C3-4730-802C-972441D283CA}"/>
+              </a:ext>
+            </a:extLst>
+          </p:cNvPr>
+          <p:cNvPicPr>
+            <a:picLocks noChangeAspect="1"/>
+          </p:cNvPicPr>
+          <p:nvPr/>
+        </p:nvPicPr>
+        <p:blipFill>
+          <a:blip r:embed="rId2">
+            <a:extLst>
+              <a:ext uri="{28A0092B-C50C-407E-A947-70E740481C1C}">
+                <a14:useLocalDpi xmlns:a14="http://schemas.microsoft.com/office/drawing/2010/main" val="0"/>
+              </a:ext>
+            </a:extLst>
+          </a:blip>
+          <a:stretch>
+            <a:fillRect/>
+          </a:stretch>
+        </p:blipFill>
+        <p:spPr>
+          <a:xfrm>
+            <a:off x="339429" y="1558829"/>
+            <a:ext cx="11513142" cy="3740342"/>
+          </a:xfrm>
+          <a:prstGeom prst="rect">
+            <a:avLst/>
+          </a:prstGeom>
+        </p:spPr>
+      </p:pic>
     </p:spTree>
     <p:extLst>
       <p:ext uri="{BB962C8B-B14F-4D97-AF65-F5344CB8AC3E}">
@@ -10279,27 +16580,241 @@
           <a:lstStyle/>
           <a:p>
             <a:r>
-              <a:rPr lang="de-DE" dirty="0" err="1"/>
-              <a:t>Recommender</a:t>
-            </a:r>
-            <a:r>
               <a:rPr lang="de-DE" dirty="0"/>
-              <a:t>-System</a:t>
+              <a:t>Feature-Modell</a:t>
             </a:r>
             <a:br>
               <a:rPr lang="de-DE" dirty="0"/>
             </a:br>
             <a:r>
               <a:rPr lang="de-DE" b="0" dirty="0"/>
-              <a:t>Zuordnung mittels Deep-Learning</a:t>
-            </a:r>
-          </a:p>
-        </p:txBody>
-      </p:sp>
+              <a:t>Stimme</a:t>
+            </a:r>
+          </a:p>
+        </p:txBody>
+      </p:sp>
+      <p:pic>
+        <p:nvPicPr>
+          <p:cNvPr id="4" name="Grafik 3" descr="Ein Bild, das Diagramm enthält.&#10;&#10;Automatisch generierte Beschreibung">
+            <a:extLst>
+              <a:ext uri="{FF2B5EF4-FFF2-40B4-BE49-F238E27FC236}">
+                <a16:creationId xmlns:a16="http://schemas.microsoft.com/office/drawing/2014/main" id="{DD692E07-7A35-3654-5CDC-43F4708A68E7}"/>
+              </a:ext>
+            </a:extLst>
+          </p:cNvPr>
+          <p:cNvPicPr>
+            <a:picLocks noChangeAspect="1"/>
+          </p:cNvPicPr>
+          <p:nvPr/>
+        </p:nvPicPr>
+        <p:blipFill>
+          <a:blip r:embed="rId2">
+            <a:extLst>
+              <a:ext uri="{28A0092B-C50C-407E-A947-70E740481C1C}">
+                <a14:useLocalDpi xmlns:a14="http://schemas.microsoft.com/office/drawing/2010/main" val="0"/>
+              </a:ext>
+            </a:extLst>
+          </a:blip>
+          <a:stretch>
+            <a:fillRect/>
+          </a:stretch>
+        </p:blipFill>
+        <p:spPr>
+          <a:xfrm>
+            <a:off x="2263343" y="1633993"/>
+            <a:ext cx="7665314" cy="2217831"/>
+          </a:xfrm>
+          <a:prstGeom prst="rect">
+            <a:avLst/>
+          </a:prstGeom>
+        </p:spPr>
+      </p:pic>
+      <p:graphicFrame>
+        <p:nvGraphicFramePr>
+          <p:cNvPr id="6" name="Tabelle 6">
+            <a:extLst>
+              <a:ext uri="{FF2B5EF4-FFF2-40B4-BE49-F238E27FC236}">
+                <a16:creationId xmlns:a16="http://schemas.microsoft.com/office/drawing/2014/main" id="{9225EA83-C26B-3021-EAB1-F0389D984348}"/>
+              </a:ext>
+            </a:extLst>
+          </p:cNvPr>
+          <p:cNvGraphicFramePr>
+            <a:graphicFrameLocks noGrp="1"/>
+          </p:cNvGraphicFramePr>
+          <p:nvPr>
+            <p:extLst>
+              <p:ext uri="{D42A27DB-BD31-4B8C-83A1-F6EECF244321}">
+                <p14:modId xmlns:p14="http://schemas.microsoft.com/office/powerpoint/2010/main" val="3651483767"/>
+              </p:ext>
+            </p:extLst>
+          </p:nvPr>
+        </p:nvGraphicFramePr>
+        <p:xfrm>
+          <a:off x="805656" y="4450866"/>
+          <a:ext cx="10580688" cy="1033598"/>
+        </p:xfrm>
+        <a:graphic>
+          <a:graphicData uri="http://schemas.openxmlformats.org/drawingml/2006/table">
+            <a:tbl>
+              <a:tblPr firstRow="1" bandRow="1">
+                <a:tableStyleId>{073A0DAA-6AF3-43AB-8588-CEC1D06C72B9}</a:tableStyleId>
+              </a:tblPr>
+              <a:tblGrid>
+                <a:gridCol w="2645172">
+                  <a:extLst>
+                    <a:ext uri="{9D8B030D-6E8A-4147-A177-3AD203B41FA5}">
+                      <a16:colId xmlns:a16="http://schemas.microsoft.com/office/drawing/2014/main" val="734483336"/>
+                    </a:ext>
+                  </a:extLst>
+                </a:gridCol>
+                <a:gridCol w="2645172">
+                  <a:extLst>
+                    <a:ext uri="{9D8B030D-6E8A-4147-A177-3AD203B41FA5}">
+                      <a16:colId xmlns:a16="http://schemas.microsoft.com/office/drawing/2014/main" val="851188937"/>
+                    </a:ext>
+                  </a:extLst>
+                </a:gridCol>
+                <a:gridCol w="2645172">
+                  <a:extLst>
+                    <a:ext uri="{9D8B030D-6E8A-4147-A177-3AD203B41FA5}">
+                      <a16:colId xmlns:a16="http://schemas.microsoft.com/office/drawing/2014/main" val="2226494735"/>
+                    </a:ext>
+                  </a:extLst>
+                </a:gridCol>
+                <a:gridCol w="2645172">
+                  <a:extLst>
+                    <a:ext uri="{9D8B030D-6E8A-4147-A177-3AD203B41FA5}">
+                      <a16:colId xmlns:a16="http://schemas.microsoft.com/office/drawing/2014/main" val="3714685690"/>
+                    </a:ext>
+                  </a:extLst>
+                </a:gridCol>
+              </a:tblGrid>
+              <a:tr h="393518">
+                <a:tc>
+                  <a:txBody>
+                    <a:bodyPr/>
+                    <a:lstStyle/>
+                    <a:p>
+                      <a:r>
+                        <a:rPr lang="de-DE" b="0" dirty="0"/>
+                        <a:t>Geschlecht</a:t>
+                      </a:r>
+                    </a:p>
+                  </a:txBody>
+                  <a:tcPr/>
+                </a:tc>
+                <a:tc>
+                  <a:txBody>
+                    <a:bodyPr/>
+                    <a:lstStyle/>
+                    <a:p>
+                      <a:r>
+                        <a:rPr lang="de-DE" b="0" dirty="0"/>
+                        <a:t>Tonlage (Pitch)</a:t>
+                      </a:r>
+                    </a:p>
+                  </a:txBody>
+                  <a:tcPr/>
+                </a:tc>
+                <a:tc>
+                  <a:txBody>
+                    <a:bodyPr/>
+                    <a:lstStyle/>
+                    <a:p>
+                      <a:r>
+                        <a:rPr lang="de-DE" b="0" dirty="0"/>
+                        <a:t>Klang</a:t>
+                      </a:r>
+                    </a:p>
+                  </a:txBody>
+                  <a:tcPr/>
+                </a:tc>
+                <a:tc>
+                  <a:txBody>
+                    <a:bodyPr/>
+                    <a:lstStyle/>
+                    <a:p>
+                      <a:r>
+                        <a:rPr lang="de-DE" b="0" dirty="0"/>
+                        <a:t>Lautstärke</a:t>
+                      </a:r>
+                    </a:p>
+                  </a:txBody>
+                  <a:tcPr/>
+                </a:tc>
+                <a:extLst>
+                  <a:ext uri="{0D108BD9-81ED-4DB2-BD59-A6C34878D82A}">
+                    <a16:rowId xmlns:a16="http://schemas.microsoft.com/office/drawing/2014/main" val="3056114125"/>
+                  </a:ext>
+                </a:extLst>
+              </a:tr>
+              <a:tr h="630105">
+                <a:tc>
+                  <a:txBody>
+                    <a:bodyPr/>
+                    <a:lstStyle/>
+                    <a:p>
+                      <a:r>
+                        <a:rPr lang="de-DE" dirty="0"/>
+                        <a:t>Geschlecht der Ausgabestimme</a:t>
+                      </a:r>
+                    </a:p>
+                  </a:txBody>
+                  <a:tcPr/>
+                </a:tc>
+                <a:tc>
+                  <a:txBody>
+                    <a:bodyPr/>
+                    <a:lstStyle/>
+                    <a:p>
+                      <a:r>
+                        <a:rPr lang="de-DE" dirty="0"/>
+                        <a:t>Tonlage der Ausgabestimme</a:t>
+                      </a:r>
+                    </a:p>
+                  </a:txBody>
+                  <a:tcPr/>
+                </a:tc>
+                <a:tc>
+                  <a:txBody>
+                    <a:bodyPr/>
+                    <a:lstStyle/>
+                    <a:p>
+                      <a:r>
+                        <a:rPr lang="de-DE" dirty="0"/>
+                        <a:t>Klangart der Ausgabestimme</a:t>
+                      </a:r>
+                    </a:p>
+                  </a:txBody>
+                  <a:tcPr/>
+                </a:tc>
+                <a:tc>
+                  <a:txBody>
+                    <a:bodyPr/>
+                    <a:lstStyle/>
+                    <a:p>
+                      <a:r>
+                        <a:rPr lang="de-DE" dirty="0"/>
+                        <a:t>Ausgabelautstärke</a:t>
+                      </a:r>
+                    </a:p>
+                  </a:txBody>
+                  <a:tcPr/>
+                </a:tc>
+                <a:extLst>
+                  <a:ext uri="{0D108BD9-81ED-4DB2-BD59-A6C34878D82A}">
+                    <a16:rowId xmlns:a16="http://schemas.microsoft.com/office/drawing/2014/main" val="406066836"/>
+                  </a:ext>
+                </a:extLst>
+              </a:tr>
+            </a:tbl>
+          </a:graphicData>
+        </a:graphic>
+      </p:graphicFrame>
     </p:spTree>
     <p:extLst>
       <p:ext uri="{BB962C8B-B14F-4D97-AF65-F5344CB8AC3E}">
-        <p14:creationId xmlns:p14="http://schemas.microsoft.com/office/powerpoint/2010/main" val="1506961229"/>
+        <p14:creationId xmlns:p14="http://schemas.microsoft.com/office/powerpoint/2010/main" val="1640016938"/>
       </p:ext>
     </p:extLst>
   </p:cSld>
@@ -10331,7 +16846,7 @@
           <p:cNvPr id="2" name="Titel 1">
             <a:extLst>
               <a:ext uri="{FF2B5EF4-FFF2-40B4-BE49-F238E27FC236}">
-                <a16:creationId xmlns:a16="http://schemas.microsoft.com/office/drawing/2014/main" id="{E89DE46E-0B22-0C4D-B2C2-8BD4F3F851AD}"/>
+                <a16:creationId xmlns:a16="http://schemas.microsoft.com/office/drawing/2014/main" id="{487E467D-BE78-FA4C-918C-3FF09D6F46B8}"/>
               </a:ext>
             </a:extLst>
           </p:cNvPr>
@@ -10349,22 +16864,240 @@
           <a:p>
             <a:r>
               <a:rPr lang="de-DE" dirty="0"/>
-              <a:t>Trainingsdaten</a:t>
+              <a:t>Feature-Modell</a:t>
             </a:r>
             <a:br>
               <a:rPr lang="de-DE" dirty="0"/>
             </a:br>
             <a:r>
               <a:rPr lang="de-DE" b="0" dirty="0"/>
-              <a:t>Zuordnung zwischen Charakteristiken und Funktion</a:t>
-            </a:r>
-          </a:p>
-        </p:txBody>
-      </p:sp>
+              <a:t>Spracheigenschaft</a:t>
+            </a:r>
+          </a:p>
+        </p:txBody>
+      </p:sp>
+      <p:pic>
+        <p:nvPicPr>
+          <p:cNvPr id="4" name="Grafik 3" descr="Ein Bild, das Text, Schild, Screenshot enthält.&#10;&#10;Automatisch generierte Beschreibung">
+            <a:extLst>
+              <a:ext uri="{FF2B5EF4-FFF2-40B4-BE49-F238E27FC236}">
+                <a16:creationId xmlns:a16="http://schemas.microsoft.com/office/drawing/2014/main" id="{75328B34-3D7C-4DF5-3C46-2863BFC8248B}"/>
+              </a:ext>
+            </a:extLst>
+          </p:cNvPr>
+          <p:cNvPicPr>
+            <a:picLocks noChangeAspect="1"/>
+          </p:cNvPicPr>
+          <p:nvPr/>
+        </p:nvPicPr>
+        <p:blipFill>
+          <a:blip r:embed="rId2">
+            <a:extLst>
+              <a:ext uri="{28A0092B-C50C-407E-A947-70E740481C1C}">
+                <a14:useLocalDpi xmlns:a14="http://schemas.microsoft.com/office/drawing/2010/main" val="0"/>
+              </a:ext>
+            </a:extLst>
+          </a:blip>
+          <a:stretch>
+            <a:fillRect/>
+          </a:stretch>
+        </p:blipFill>
+        <p:spPr>
+          <a:xfrm>
+            <a:off x="1668256" y="1839828"/>
+            <a:ext cx="8992151" cy="1769316"/>
+          </a:xfrm>
+          <a:prstGeom prst="rect">
+            <a:avLst/>
+          </a:prstGeom>
+        </p:spPr>
+      </p:pic>
+      <p:graphicFrame>
+        <p:nvGraphicFramePr>
+          <p:cNvPr id="5" name="Tabelle 6">
+            <a:extLst>
+              <a:ext uri="{FF2B5EF4-FFF2-40B4-BE49-F238E27FC236}">
+                <a16:creationId xmlns:a16="http://schemas.microsoft.com/office/drawing/2014/main" id="{7C2FD313-38C5-DC09-3765-2B4EBD6D7110}"/>
+              </a:ext>
+            </a:extLst>
+          </p:cNvPr>
+          <p:cNvGraphicFramePr>
+            <a:graphicFrameLocks noGrp="1"/>
+          </p:cNvGraphicFramePr>
+          <p:nvPr>
+            <p:extLst>
+              <p:ext uri="{D42A27DB-BD31-4B8C-83A1-F6EECF244321}">
+                <p14:modId xmlns:p14="http://schemas.microsoft.com/office/powerpoint/2010/main" val="151116635"/>
+              </p:ext>
+            </p:extLst>
+          </p:nvPr>
+        </p:nvGraphicFramePr>
+        <p:xfrm>
+          <a:off x="874712" y="4190409"/>
+          <a:ext cx="10580688" cy="1280160"/>
+        </p:xfrm>
+        <a:graphic>
+          <a:graphicData uri="http://schemas.openxmlformats.org/drawingml/2006/table">
+            <a:tbl>
+              <a:tblPr firstRow="1" bandRow="1">
+                <a:tableStyleId>{073A0DAA-6AF3-43AB-8588-CEC1D06C72B9}</a:tableStyleId>
+              </a:tblPr>
+              <a:tblGrid>
+                <a:gridCol w="2645172">
+                  <a:extLst>
+                    <a:ext uri="{9D8B030D-6E8A-4147-A177-3AD203B41FA5}">
+                      <a16:colId xmlns:a16="http://schemas.microsoft.com/office/drawing/2014/main" val="734483336"/>
+                    </a:ext>
+                  </a:extLst>
+                </a:gridCol>
+                <a:gridCol w="2645172">
+                  <a:extLst>
+                    <a:ext uri="{9D8B030D-6E8A-4147-A177-3AD203B41FA5}">
+                      <a16:colId xmlns:a16="http://schemas.microsoft.com/office/drawing/2014/main" val="851188937"/>
+                    </a:ext>
+                  </a:extLst>
+                </a:gridCol>
+                <a:gridCol w="2645172">
+                  <a:extLst>
+                    <a:ext uri="{9D8B030D-6E8A-4147-A177-3AD203B41FA5}">
+                      <a16:colId xmlns:a16="http://schemas.microsoft.com/office/drawing/2014/main" val="2226494735"/>
+                    </a:ext>
+                  </a:extLst>
+                </a:gridCol>
+                <a:gridCol w="2645172">
+                  <a:extLst>
+                    <a:ext uri="{9D8B030D-6E8A-4147-A177-3AD203B41FA5}">
+                      <a16:colId xmlns:a16="http://schemas.microsoft.com/office/drawing/2014/main" val="3714685690"/>
+                    </a:ext>
+                  </a:extLst>
+                </a:gridCol>
+              </a:tblGrid>
+              <a:tr h="393518">
+                <a:tc>
+                  <a:txBody>
+                    <a:bodyPr/>
+                    <a:lstStyle/>
+                    <a:p>
+                      <a:r>
+                        <a:rPr lang="de-DE" b="0" dirty="0"/>
+                        <a:t>Pause zwischen den Sätzen</a:t>
+                      </a:r>
+                    </a:p>
+                  </a:txBody>
+                  <a:tcPr/>
+                </a:tc>
+                <a:tc>
+                  <a:txBody>
+                    <a:bodyPr/>
+                    <a:lstStyle/>
+                    <a:p>
+                      <a:r>
+                        <a:rPr lang="de-DE" b="0" dirty="0"/>
+                        <a:t>Sprechgeschwindigkeit</a:t>
+                      </a:r>
+                    </a:p>
+                  </a:txBody>
+                  <a:tcPr/>
+                </a:tc>
+                <a:tc>
+                  <a:txBody>
+                    <a:bodyPr/>
+                    <a:lstStyle/>
+                    <a:p>
+                      <a:r>
+                        <a:rPr lang="de-DE" b="0" dirty="0"/>
+                        <a:t>Satzlänge</a:t>
+                      </a:r>
+                    </a:p>
+                  </a:txBody>
+                  <a:tcPr/>
+                </a:tc>
+                <a:tc>
+                  <a:txBody>
+                    <a:bodyPr/>
+                    <a:lstStyle/>
+                    <a:p>
+                      <a:r>
+                        <a:rPr lang="de-DE" b="0" dirty="0"/>
+                        <a:t>Vereinfachter Ausdruck</a:t>
+                      </a:r>
+                    </a:p>
+                  </a:txBody>
+                  <a:tcPr/>
+                </a:tc>
+                <a:extLst>
+                  <a:ext uri="{0D108BD9-81ED-4DB2-BD59-A6C34878D82A}">
+                    <a16:rowId xmlns:a16="http://schemas.microsoft.com/office/drawing/2014/main" val="3056114125"/>
+                  </a:ext>
+                </a:extLst>
+              </a:tr>
+              <a:tr h="630105">
+                <a:tc>
+                  <a:txBody>
+                    <a:bodyPr/>
+                    <a:lstStyle/>
+                    <a:p>
+                      <a:r>
+                        <a:rPr lang="de-DE" dirty="0"/>
+                        <a:t>Zeit zwischen zwei Sätzen im Sprachfluss</a:t>
+                      </a:r>
+                    </a:p>
+                  </a:txBody>
+                  <a:tcPr/>
+                </a:tc>
+                <a:tc>
+                  <a:txBody>
+                    <a:bodyPr/>
+                    <a:lstStyle/>
+                    <a:p>
+                      <a:r>
+                        <a:rPr lang="de-DE" dirty="0"/>
+                        <a:t>Anzahl ausgegebener Wörter pro Minute</a:t>
+                      </a:r>
+                    </a:p>
+                  </a:txBody>
+                  <a:tcPr/>
+                </a:tc>
+                <a:tc>
+                  <a:txBody>
+                    <a:bodyPr/>
+                    <a:lstStyle/>
+                    <a:p>
+                      <a:r>
+                        <a:rPr lang="de-DE" dirty="0"/>
+                        <a:t>Verwendung konkatenierter Sätze</a:t>
+                      </a:r>
+                    </a:p>
+                  </a:txBody>
+                  <a:tcPr/>
+                </a:tc>
+                <a:tc>
+                  <a:txBody>
+                    <a:bodyPr/>
+                    <a:lstStyle/>
+                    <a:p>
+                      <a:r>
+                        <a:rPr lang="de-DE" dirty="0"/>
+                        <a:t>Umfang des Ausdrucks</a:t>
+                      </a:r>
+                    </a:p>
+                  </a:txBody>
+                  <a:tcPr/>
+                </a:tc>
+                <a:extLst>
+                  <a:ext uri="{0D108BD9-81ED-4DB2-BD59-A6C34878D82A}">
+                    <a16:rowId xmlns:a16="http://schemas.microsoft.com/office/drawing/2014/main" val="406066836"/>
+                  </a:ext>
+                </a:extLst>
+              </a:tr>
+            </a:tbl>
+          </a:graphicData>
+        </a:graphic>
+      </p:graphicFrame>
     </p:spTree>
     <p:extLst>
       <p:ext uri="{BB962C8B-B14F-4D97-AF65-F5344CB8AC3E}">
-        <p14:creationId xmlns:p14="http://schemas.microsoft.com/office/powerpoint/2010/main" val="1311447933"/>
+        <p14:creationId xmlns:p14="http://schemas.microsoft.com/office/powerpoint/2010/main" val="1903145027"/>
       </p:ext>
     </p:extLst>
   </p:cSld>
@@ -10396,7 +17129,7 @@
           <p:cNvPr id="2" name="Titel 1">
             <a:extLst>
               <a:ext uri="{FF2B5EF4-FFF2-40B4-BE49-F238E27FC236}">
-                <a16:creationId xmlns:a16="http://schemas.microsoft.com/office/drawing/2014/main" id="{E89DE46E-0B22-0C4D-B2C2-8BD4F3F851AD}"/>
+                <a16:creationId xmlns:a16="http://schemas.microsoft.com/office/drawing/2014/main" id="{487E467D-BE78-FA4C-918C-3FF09D6F46B8}"/>
               </a:ext>
             </a:extLst>
           </p:cNvPr>
@@ -10414,22 +17147,249 @@
           <a:p>
             <a:r>
               <a:rPr lang="de-DE" dirty="0"/>
-              <a:t>Sprachassistent</a:t>
+              <a:t>Feature-Modell</a:t>
             </a:r>
             <a:br>
               <a:rPr lang="de-DE" dirty="0"/>
             </a:br>
             <a:r>
               <a:rPr lang="de-DE" b="0" dirty="0"/>
-              <a:t>Individualisierte Wettervorhersage</a:t>
-            </a:r>
-          </a:p>
-        </p:txBody>
-      </p:sp>
+              <a:t>Kommunikationsstil</a:t>
+            </a:r>
+          </a:p>
+        </p:txBody>
+      </p:sp>
+      <p:pic>
+        <p:nvPicPr>
+          <p:cNvPr id="4" name="Grafik 3" descr="Ein Bild, das Diagramm enthält.&#10;&#10;Automatisch generierte Beschreibung">
+            <a:extLst>
+              <a:ext uri="{FF2B5EF4-FFF2-40B4-BE49-F238E27FC236}">
+                <a16:creationId xmlns:a16="http://schemas.microsoft.com/office/drawing/2014/main" id="{7937FC25-5909-A4F3-6235-1C68024E6870}"/>
+              </a:ext>
+            </a:extLst>
+          </p:cNvPr>
+          <p:cNvPicPr>
+            <a:picLocks noChangeAspect="1"/>
+          </p:cNvPicPr>
+          <p:nvPr/>
+        </p:nvPicPr>
+        <p:blipFill>
+          <a:blip r:embed="rId2">
+            <a:extLst>
+              <a:ext uri="{28A0092B-C50C-407E-A947-70E740481C1C}">
+                <a14:useLocalDpi xmlns:a14="http://schemas.microsoft.com/office/drawing/2010/main" val="0"/>
+              </a:ext>
+            </a:extLst>
+          </a:blip>
+          <a:stretch>
+            <a:fillRect/>
+          </a:stretch>
+        </p:blipFill>
+        <p:spPr>
+          <a:xfrm>
+            <a:off x="1920593" y="1561762"/>
+            <a:ext cx="8350814" cy="2415081"/>
+          </a:xfrm>
+          <a:prstGeom prst="rect">
+            <a:avLst/>
+          </a:prstGeom>
+        </p:spPr>
+      </p:pic>
+      <p:graphicFrame>
+        <p:nvGraphicFramePr>
+          <p:cNvPr id="5" name="Tabelle 6">
+            <a:extLst>
+              <a:ext uri="{FF2B5EF4-FFF2-40B4-BE49-F238E27FC236}">
+                <a16:creationId xmlns:a16="http://schemas.microsoft.com/office/drawing/2014/main" id="{B2E691F3-3FC2-2899-9EE2-07FFB29BACF5}"/>
+              </a:ext>
+            </a:extLst>
+          </p:cNvPr>
+          <p:cNvGraphicFramePr>
+            <a:graphicFrameLocks noGrp="1"/>
+          </p:cNvGraphicFramePr>
+          <p:nvPr>
+            <p:extLst>
+              <p:ext uri="{D42A27DB-BD31-4B8C-83A1-F6EECF244321}">
+                <p14:modId xmlns:p14="http://schemas.microsoft.com/office/powerpoint/2010/main" val="1327630444"/>
+              </p:ext>
+            </p:extLst>
+          </p:nvPr>
+        </p:nvGraphicFramePr>
+        <p:xfrm>
+          <a:off x="805656" y="4399814"/>
+          <a:ext cx="10580688" cy="1365792"/>
+        </p:xfrm>
+        <a:graphic>
+          <a:graphicData uri="http://schemas.openxmlformats.org/drawingml/2006/table">
+            <a:tbl>
+              <a:tblPr firstRow="1" bandRow="1">
+                <a:tableStyleId>{073A0DAA-6AF3-43AB-8588-CEC1D06C72B9}</a:tableStyleId>
+              </a:tblPr>
+              <a:tblGrid>
+                <a:gridCol w="2645172">
+                  <a:extLst>
+                    <a:ext uri="{9D8B030D-6E8A-4147-A177-3AD203B41FA5}">
+                      <a16:colId xmlns:a16="http://schemas.microsoft.com/office/drawing/2014/main" val="734483336"/>
+                    </a:ext>
+                  </a:extLst>
+                </a:gridCol>
+                <a:gridCol w="2645172">
+                  <a:extLst>
+                    <a:ext uri="{9D8B030D-6E8A-4147-A177-3AD203B41FA5}">
+                      <a16:colId xmlns:a16="http://schemas.microsoft.com/office/drawing/2014/main" val="851188937"/>
+                    </a:ext>
+                  </a:extLst>
+                </a:gridCol>
+                <a:gridCol w="2645172">
+                  <a:extLst>
+                    <a:ext uri="{9D8B030D-6E8A-4147-A177-3AD203B41FA5}">
+                      <a16:colId xmlns:a16="http://schemas.microsoft.com/office/drawing/2014/main" val="2226494735"/>
+                    </a:ext>
+                  </a:extLst>
+                </a:gridCol>
+                <a:gridCol w="2645172">
+                  <a:extLst>
+                    <a:ext uri="{9D8B030D-6E8A-4147-A177-3AD203B41FA5}">
+                      <a16:colId xmlns:a16="http://schemas.microsoft.com/office/drawing/2014/main" val="3714685690"/>
+                    </a:ext>
+                  </a:extLst>
+                </a:gridCol>
+              </a:tblGrid>
+              <a:tr h="451392">
+                <a:tc>
+                  <a:txBody>
+                    <a:bodyPr/>
+                    <a:lstStyle/>
+                    <a:p>
+                      <a:r>
+                        <a:rPr lang="de-DE" b="0" dirty="0"/>
+                        <a:t>Sprache</a:t>
+                      </a:r>
+                    </a:p>
+                  </a:txBody>
+                  <a:tcPr/>
+                </a:tc>
+                <a:tc>
+                  <a:txBody>
+                    <a:bodyPr/>
+                    <a:lstStyle/>
+                    <a:p>
+                      <a:r>
+                        <a:rPr lang="de-DE" b="0" dirty="0"/>
+                        <a:t>Gesprächsorientierung</a:t>
+                      </a:r>
+                    </a:p>
+                  </a:txBody>
+                  <a:tcPr/>
+                </a:tc>
+                <a:tc>
+                  <a:txBody>
+                    <a:bodyPr/>
+                    <a:lstStyle/>
+                    <a:p>
+                      <a:r>
+                        <a:rPr lang="de-DE" b="0" dirty="0"/>
+                        <a:t>Anrede</a:t>
+                      </a:r>
+                    </a:p>
+                  </a:txBody>
+                  <a:tcPr/>
+                </a:tc>
+                <a:tc>
+                  <a:txBody>
+                    <a:bodyPr/>
+                    <a:lstStyle/>
+                    <a:p>
+                      <a:r>
+                        <a:rPr lang="de-DE" b="0" dirty="0"/>
+                        <a:t>Alternative Keywords</a:t>
+                      </a:r>
+                    </a:p>
+                  </a:txBody>
+                  <a:tcPr/>
+                </a:tc>
+                <a:extLst>
+                  <a:ext uri="{0D108BD9-81ED-4DB2-BD59-A6C34878D82A}">
+                    <a16:rowId xmlns:a16="http://schemas.microsoft.com/office/drawing/2014/main" val="3056114125"/>
+                  </a:ext>
+                </a:extLst>
+              </a:tr>
+              <a:tr h="630105">
+                <a:tc>
+                  <a:txBody>
+                    <a:bodyPr/>
+                    <a:lstStyle/>
+                    <a:p>
+                      <a:r>
+                        <a:rPr lang="de-DE" dirty="0"/>
+                        <a:t>Systemsprache</a:t>
+                      </a:r>
+                    </a:p>
+                  </a:txBody>
+                  <a:tcPr/>
+                </a:tc>
+                <a:tc>
+                  <a:txBody>
+                    <a:bodyPr/>
+                    <a:lstStyle/>
+                    <a:p>
+                      <a:r>
+                        <a:rPr lang="de-DE" sz="1800" kern="1200" dirty="0">
+                          <a:solidFill>
+                            <a:schemeClr val="dk1"/>
+                          </a:solidFill>
+                          <a:effectLst/>
+                          <a:latin typeface="+mn-lt"/>
+                          <a:ea typeface="+mn-ea"/>
+                          <a:cs typeface="+mn-cs"/>
+                        </a:rPr>
+                        <a:t>Kommunikationsweise zwischen Nutzer und System </a:t>
+                      </a:r>
+                      <a:endParaRPr lang="de-DE" dirty="0"/>
+                    </a:p>
+                  </a:txBody>
+                  <a:tcPr/>
+                </a:tc>
+                <a:tc>
+                  <a:txBody>
+                    <a:bodyPr/>
+                    <a:lstStyle/>
+                    <a:p>
+                      <a:r>
+                        <a:rPr lang="de-DE" dirty="0"/>
+                        <a:t>Anredeform des Systems gegenüber dem Nutzer</a:t>
+                      </a:r>
+                    </a:p>
+                  </a:txBody>
+                  <a:tcPr/>
+                </a:tc>
+                <a:tc>
+                  <a:txBody>
+                    <a:bodyPr/>
+                    <a:lstStyle/>
+                    <a:p>
+                      <a:r>
+                        <a:rPr lang="de-DE" dirty="0"/>
+                        <a:t>Änderung der Schlüsselbegriffe zur Systemsteuerung</a:t>
+                      </a:r>
+                    </a:p>
+                  </a:txBody>
+                  <a:tcPr/>
+                </a:tc>
+                <a:extLst>
+                  <a:ext uri="{0D108BD9-81ED-4DB2-BD59-A6C34878D82A}">
+                    <a16:rowId xmlns:a16="http://schemas.microsoft.com/office/drawing/2014/main" val="406066836"/>
+                  </a:ext>
+                </a:extLst>
+              </a:tr>
+            </a:tbl>
+          </a:graphicData>
+        </a:graphic>
+      </p:graphicFrame>
     </p:spTree>
     <p:extLst>
       <p:ext uri="{BB962C8B-B14F-4D97-AF65-F5344CB8AC3E}">
-        <p14:creationId xmlns:p14="http://schemas.microsoft.com/office/powerpoint/2010/main" val="3983590123"/>
+        <p14:creationId xmlns:p14="http://schemas.microsoft.com/office/powerpoint/2010/main" val="2596438525"/>
       </p:ext>
     </p:extLst>
   </p:cSld>

--- a/Dokumentation/Abschlusspräsentation.pptx
+++ b/Dokumentation/Abschlusspräsentation.pptx
@@ -5,10 +5,10 @@
     <p:sldMasterId id="2147483891" r:id="rId1"/>
   </p:sldMasterIdLst>
   <p:notesMasterIdLst>
-    <p:notesMasterId r:id="rId18"/>
+    <p:notesMasterId r:id="rId21"/>
   </p:notesMasterIdLst>
   <p:handoutMasterIdLst>
-    <p:handoutMasterId r:id="rId19"/>
+    <p:handoutMasterId r:id="rId22"/>
   </p:handoutMasterIdLst>
   <p:sldIdLst>
     <p:sldId id="290" r:id="rId2"/>
@@ -16,17 +16,20 @@
     <p:sldId id="300" r:id="rId4"/>
     <p:sldId id="292" r:id="rId5"/>
     <p:sldId id="293" r:id="rId6"/>
-    <p:sldId id="301" r:id="rId7"/>
-    <p:sldId id="305" r:id="rId8"/>
-    <p:sldId id="306" r:id="rId9"/>
-    <p:sldId id="307" r:id="rId10"/>
-    <p:sldId id="299" r:id="rId11"/>
-    <p:sldId id="294" r:id="rId12"/>
-    <p:sldId id="296" r:id="rId13"/>
-    <p:sldId id="303" r:id="rId14"/>
-    <p:sldId id="304" r:id="rId15"/>
-    <p:sldId id="297" r:id="rId16"/>
-    <p:sldId id="308" r:id="rId17"/>
+    <p:sldId id="309" r:id="rId7"/>
+    <p:sldId id="301" r:id="rId8"/>
+    <p:sldId id="305" r:id="rId9"/>
+    <p:sldId id="306" r:id="rId10"/>
+    <p:sldId id="307" r:id="rId11"/>
+    <p:sldId id="299" r:id="rId12"/>
+    <p:sldId id="294" r:id="rId13"/>
+    <p:sldId id="310" r:id="rId14"/>
+    <p:sldId id="303" r:id="rId15"/>
+    <p:sldId id="296" r:id="rId16"/>
+    <p:sldId id="311" r:id="rId17"/>
+    <p:sldId id="304" r:id="rId18"/>
+    <p:sldId id="297" r:id="rId19"/>
+    <p:sldId id="308" r:id="rId20"/>
   </p:sldIdLst>
   <p:sldSz cx="12192000" cy="6858000"/>
   <p:notesSz cx="6858000" cy="9144000"/>
@@ -221,7 +224,7 @@
           <a:p>
             <a:fld id="{C6AC6211-610F-44E5-BF19-D3CDF6EDD281}" type="datetimeFigureOut">
               <a:rPr lang="de-DE" smtClean="0"/>
-              <a:t>24.03.2023</a:t>
+              <a:t>26.03.2023</a:t>
             </a:fld>
             <a:endParaRPr lang="de-DE"/>
           </a:p>
@@ -387,7 +390,7 @@
           <a:p>
             <a:fld id="{347435D3-23A6-45D3-8DFA-7317DC1E7A64}" type="datetimeFigureOut">
               <a:rPr lang="de-DE" smtClean="0"/>
-              <a:t>24.03.2023</a:t>
+              <a:t>26.03.2023</a:t>
             </a:fld>
             <a:endParaRPr lang="de-DE"/>
           </a:p>
@@ -2931,7 +2934,7 @@
           <a:p>
             <a:fld id="{4771D386-8A79-4311-8C22-2E64011E473F}" type="datetime1">
               <a:rPr lang="de-LU" smtClean="0"/>
-              <a:t>24.03.2023</a:t>
+              <a:t>26.03.2023</a:t>
             </a:fld>
             <a:endParaRPr lang="de-LU" dirty="0"/>
           </a:p>
@@ -9631,6 +9634,298 @@
           <a:p>
             <a:r>
               <a:rPr lang="de-DE" dirty="0"/>
+              <a:t>Feature-Modell</a:t>
+            </a:r>
+            <a:br>
+              <a:rPr lang="de-DE" dirty="0"/>
+            </a:br>
+            <a:r>
+              <a:rPr lang="de-DE" b="0" dirty="0"/>
+              <a:t>Kommunikationsstil</a:t>
+            </a:r>
+          </a:p>
+        </p:txBody>
+      </p:sp>
+      <p:pic>
+        <p:nvPicPr>
+          <p:cNvPr id="4" name="Grafik 3" descr="Ein Bild, das Diagramm enthält.&#10;&#10;Automatisch generierte Beschreibung">
+            <a:extLst>
+              <a:ext uri="{FF2B5EF4-FFF2-40B4-BE49-F238E27FC236}">
+                <a16:creationId xmlns:a16="http://schemas.microsoft.com/office/drawing/2014/main" id="{7937FC25-5909-A4F3-6235-1C68024E6870}"/>
+              </a:ext>
+            </a:extLst>
+          </p:cNvPr>
+          <p:cNvPicPr>
+            <a:picLocks noChangeAspect="1"/>
+          </p:cNvPicPr>
+          <p:nvPr/>
+        </p:nvPicPr>
+        <p:blipFill>
+          <a:blip r:embed="rId2">
+            <a:extLst>
+              <a:ext uri="{28A0092B-C50C-407E-A947-70E740481C1C}">
+                <a14:useLocalDpi xmlns:a14="http://schemas.microsoft.com/office/drawing/2010/main" val="0"/>
+              </a:ext>
+            </a:extLst>
+          </a:blip>
+          <a:stretch>
+            <a:fillRect/>
+          </a:stretch>
+        </p:blipFill>
+        <p:spPr>
+          <a:xfrm>
+            <a:off x="1920593" y="1561762"/>
+            <a:ext cx="8350814" cy="2415081"/>
+          </a:xfrm>
+          <a:prstGeom prst="rect">
+            <a:avLst/>
+          </a:prstGeom>
+        </p:spPr>
+      </p:pic>
+      <p:graphicFrame>
+        <p:nvGraphicFramePr>
+          <p:cNvPr id="5" name="Tabelle 6">
+            <a:extLst>
+              <a:ext uri="{FF2B5EF4-FFF2-40B4-BE49-F238E27FC236}">
+                <a16:creationId xmlns:a16="http://schemas.microsoft.com/office/drawing/2014/main" id="{B2E691F3-3FC2-2899-9EE2-07FFB29BACF5}"/>
+              </a:ext>
+            </a:extLst>
+          </p:cNvPr>
+          <p:cNvGraphicFramePr>
+            <a:graphicFrameLocks noGrp="1"/>
+          </p:cNvGraphicFramePr>
+          <p:nvPr>
+            <p:extLst>
+              <p:ext uri="{D42A27DB-BD31-4B8C-83A1-F6EECF244321}">
+                <p14:modId xmlns:p14="http://schemas.microsoft.com/office/powerpoint/2010/main" val="1327630444"/>
+              </p:ext>
+            </p:extLst>
+          </p:nvPr>
+        </p:nvGraphicFramePr>
+        <p:xfrm>
+          <a:off x="805656" y="4399814"/>
+          <a:ext cx="10580688" cy="1365792"/>
+        </p:xfrm>
+        <a:graphic>
+          <a:graphicData uri="http://schemas.openxmlformats.org/drawingml/2006/table">
+            <a:tbl>
+              <a:tblPr firstRow="1" bandRow="1">
+                <a:tableStyleId>{073A0DAA-6AF3-43AB-8588-CEC1D06C72B9}</a:tableStyleId>
+              </a:tblPr>
+              <a:tblGrid>
+                <a:gridCol w="2645172">
+                  <a:extLst>
+                    <a:ext uri="{9D8B030D-6E8A-4147-A177-3AD203B41FA5}">
+                      <a16:colId xmlns:a16="http://schemas.microsoft.com/office/drawing/2014/main" val="734483336"/>
+                    </a:ext>
+                  </a:extLst>
+                </a:gridCol>
+                <a:gridCol w="2645172">
+                  <a:extLst>
+                    <a:ext uri="{9D8B030D-6E8A-4147-A177-3AD203B41FA5}">
+                      <a16:colId xmlns:a16="http://schemas.microsoft.com/office/drawing/2014/main" val="851188937"/>
+                    </a:ext>
+                  </a:extLst>
+                </a:gridCol>
+                <a:gridCol w="2645172">
+                  <a:extLst>
+                    <a:ext uri="{9D8B030D-6E8A-4147-A177-3AD203B41FA5}">
+                      <a16:colId xmlns:a16="http://schemas.microsoft.com/office/drawing/2014/main" val="2226494735"/>
+                    </a:ext>
+                  </a:extLst>
+                </a:gridCol>
+                <a:gridCol w="2645172">
+                  <a:extLst>
+                    <a:ext uri="{9D8B030D-6E8A-4147-A177-3AD203B41FA5}">
+                      <a16:colId xmlns:a16="http://schemas.microsoft.com/office/drawing/2014/main" val="3714685690"/>
+                    </a:ext>
+                  </a:extLst>
+                </a:gridCol>
+              </a:tblGrid>
+              <a:tr h="451392">
+                <a:tc>
+                  <a:txBody>
+                    <a:bodyPr/>
+                    <a:lstStyle/>
+                    <a:p>
+                      <a:r>
+                        <a:rPr lang="de-DE" b="0" dirty="0"/>
+                        <a:t>Sprache</a:t>
+                      </a:r>
+                    </a:p>
+                  </a:txBody>
+                  <a:tcPr/>
+                </a:tc>
+                <a:tc>
+                  <a:txBody>
+                    <a:bodyPr/>
+                    <a:lstStyle/>
+                    <a:p>
+                      <a:r>
+                        <a:rPr lang="de-DE" b="0" dirty="0"/>
+                        <a:t>Gesprächsorientierung</a:t>
+                      </a:r>
+                    </a:p>
+                  </a:txBody>
+                  <a:tcPr/>
+                </a:tc>
+                <a:tc>
+                  <a:txBody>
+                    <a:bodyPr/>
+                    <a:lstStyle/>
+                    <a:p>
+                      <a:r>
+                        <a:rPr lang="de-DE" b="0" dirty="0"/>
+                        <a:t>Anrede</a:t>
+                      </a:r>
+                    </a:p>
+                  </a:txBody>
+                  <a:tcPr/>
+                </a:tc>
+                <a:tc>
+                  <a:txBody>
+                    <a:bodyPr/>
+                    <a:lstStyle/>
+                    <a:p>
+                      <a:r>
+                        <a:rPr lang="de-DE" b="0" dirty="0"/>
+                        <a:t>Alternative Keywords</a:t>
+                      </a:r>
+                    </a:p>
+                  </a:txBody>
+                  <a:tcPr/>
+                </a:tc>
+                <a:extLst>
+                  <a:ext uri="{0D108BD9-81ED-4DB2-BD59-A6C34878D82A}">
+                    <a16:rowId xmlns:a16="http://schemas.microsoft.com/office/drawing/2014/main" val="3056114125"/>
+                  </a:ext>
+                </a:extLst>
+              </a:tr>
+              <a:tr h="630105">
+                <a:tc>
+                  <a:txBody>
+                    <a:bodyPr/>
+                    <a:lstStyle/>
+                    <a:p>
+                      <a:r>
+                        <a:rPr lang="de-DE" dirty="0"/>
+                        <a:t>Systemsprache</a:t>
+                      </a:r>
+                    </a:p>
+                  </a:txBody>
+                  <a:tcPr/>
+                </a:tc>
+                <a:tc>
+                  <a:txBody>
+                    <a:bodyPr/>
+                    <a:lstStyle/>
+                    <a:p>
+                      <a:r>
+                        <a:rPr lang="de-DE" sz="1800" kern="1200" dirty="0">
+                          <a:solidFill>
+                            <a:schemeClr val="dk1"/>
+                          </a:solidFill>
+                          <a:effectLst/>
+                          <a:latin typeface="+mn-lt"/>
+                          <a:ea typeface="+mn-ea"/>
+                          <a:cs typeface="+mn-cs"/>
+                        </a:rPr>
+                        <a:t>Kommunikationsweise zwischen Nutzer und System </a:t>
+                      </a:r>
+                      <a:endParaRPr lang="de-DE" dirty="0"/>
+                    </a:p>
+                  </a:txBody>
+                  <a:tcPr/>
+                </a:tc>
+                <a:tc>
+                  <a:txBody>
+                    <a:bodyPr/>
+                    <a:lstStyle/>
+                    <a:p>
+                      <a:r>
+                        <a:rPr lang="de-DE" dirty="0"/>
+                        <a:t>Anredeform des Systems gegenüber dem Nutzer</a:t>
+                      </a:r>
+                    </a:p>
+                  </a:txBody>
+                  <a:tcPr/>
+                </a:tc>
+                <a:tc>
+                  <a:txBody>
+                    <a:bodyPr/>
+                    <a:lstStyle/>
+                    <a:p>
+                      <a:r>
+                        <a:rPr lang="de-DE" dirty="0"/>
+                        <a:t>Änderung der Schlüsselbegriffe zur Systemsteuerung</a:t>
+                      </a:r>
+                    </a:p>
+                  </a:txBody>
+                  <a:tcPr/>
+                </a:tc>
+                <a:extLst>
+                  <a:ext uri="{0D108BD9-81ED-4DB2-BD59-A6C34878D82A}">
+                    <a16:rowId xmlns:a16="http://schemas.microsoft.com/office/drawing/2014/main" val="406066836"/>
+                  </a:ext>
+                </a:extLst>
+              </a:tr>
+            </a:tbl>
+          </a:graphicData>
+        </a:graphic>
+      </p:graphicFrame>
+    </p:spTree>
+    <p:extLst>
+      <p:ext uri="{BB962C8B-B14F-4D97-AF65-F5344CB8AC3E}">
+        <p14:creationId xmlns:p14="http://schemas.microsoft.com/office/powerpoint/2010/main" val="2596438525"/>
+      </p:ext>
+    </p:extLst>
+  </p:cSld>
+  <p:clrMapOvr>
+    <a:masterClrMapping/>
+  </p:clrMapOvr>
+</p:sld>
+</file>
+
+<file path=ppt/slides/slide11.xml><?xml version="1.0" encoding="utf-8"?>
+<p:sld xmlns:a="http://schemas.openxmlformats.org/drawingml/2006/main" xmlns:r="http://schemas.openxmlformats.org/officeDocument/2006/relationships" xmlns:p="http://schemas.openxmlformats.org/presentationml/2006/main">
+  <p:cSld>
+    <p:spTree>
+      <p:nvGrpSpPr>
+        <p:cNvPr id="1" name=""/>
+        <p:cNvGrpSpPr/>
+        <p:nvPr/>
+      </p:nvGrpSpPr>
+      <p:grpSpPr>
+        <a:xfrm>
+          <a:off x="0" y="0"/>
+          <a:ext cx="0" cy="0"/>
+          <a:chOff x="0" y="0"/>
+          <a:chExt cx="0" cy="0"/>
+        </a:xfrm>
+      </p:grpSpPr>
+      <p:sp>
+        <p:nvSpPr>
+          <p:cNvPr id="2" name="Titel 1">
+            <a:extLst>
+              <a:ext uri="{FF2B5EF4-FFF2-40B4-BE49-F238E27FC236}">
+                <a16:creationId xmlns:a16="http://schemas.microsoft.com/office/drawing/2014/main" id="{487E467D-BE78-FA4C-918C-3FF09D6F46B8}"/>
+              </a:ext>
+            </a:extLst>
+          </p:cNvPr>
+          <p:cNvSpPr>
+            <a:spLocks noGrp="1"/>
+          </p:cNvSpPr>
+          <p:nvPr>
+            <p:ph type="title"/>
+          </p:nvPr>
+        </p:nvSpPr>
+        <p:spPr/>
+        <p:txBody>
+          <a:bodyPr/>
+          <a:lstStyle/>
+          <a:p>
+            <a:r>
+              <a:rPr lang="de-DE" dirty="0"/>
               <a:t>Recommender-System</a:t>
             </a:r>
             <a:br>
@@ -10907,7 +11202,7 @@
 </p:sld>
 </file>
 
-<file path=ppt/slides/slide11.xml><?xml version="1.0" encoding="utf-8"?>
+<file path=ppt/slides/slide12.xml><?xml version="1.0" encoding="utf-8"?>
 <p:sld xmlns:a="http://schemas.openxmlformats.org/drawingml/2006/main" xmlns:r="http://schemas.openxmlformats.org/officeDocument/2006/relationships" xmlns:p="http://schemas.openxmlformats.org/presentationml/2006/main">
   <p:cSld>
     <p:spTree>
@@ -12076,64 +12371,6 @@
 </p:sld>
 </file>
 
-<file path=ppt/slides/slide12.xml><?xml version="1.0" encoding="utf-8"?>
-<p:sld xmlns:a="http://schemas.openxmlformats.org/drawingml/2006/main" xmlns:r="http://schemas.openxmlformats.org/officeDocument/2006/relationships" xmlns:p="http://schemas.openxmlformats.org/presentationml/2006/main">
-  <p:cSld>
-    <p:spTree>
-      <p:nvGrpSpPr>
-        <p:cNvPr id="1" name=""/>
-        <p:cNvGrpSpPr/>
-        <p:nvPr/>
-      </p:nvGrpSpPr>
-      <p:grpSpPr>
-        <a:xfrm>
-          <a:off x="0" y="0"/>
-          <a:ext cx="0" cy="0"/>
-          <a:chOff x="0" y="0"/>
-          <a:chExt cx="0" cy="0"/>
-        </a:xfrm>
-      </p:grpSpPr>
-      <p:sp>
-        <p:nvSpPr>
-          <p:cNvPr id="4" name="Titel 3">
-            <a:extLst>
-              <a:ext uri="{FF2B5EF4-FFF2-40B4-BE49-F238E27FC236}">
-                <a16:creationId xmlns:a16="http://schemas.microsoft.com/office/drawing/2014/main" id="{46218C23-3ACC-9840-9A39-34B585361AC6}"/>
-              </a:ext>
-            </a:extLst>
-          </p:cNvPr>
-          <p:cNvSpPr>
-            <a:spLocks noGrp="1"/>
-          </p:cNvSpPr>
-          <p:nvPr>
-            <p:ph type="title"/>
-          </p:nvPr>
-        </p:nvSpPr>
-        <p:spPr/>
-        <p:txBody>
-          <a:bodyPr/>
-          <a:lstStyle/>
-          <a:p>
-            <a:r>
-              <a:rPr lang="de-DE" dirty="0"/>
-              <a:t>Demonstration</a:t>
-            </a:r>
-          </a:p>
-        </p:txBody>
-      </p:sp>
-    </p:spTree>
-    <p:extLst>
-      <p:ext uri="{BB962C8B-B14F-4D97-AF65-F5344CB8AC3E}">
-        <p14:creationId xmlns:p14="http://schemas.microsoft.com/office/powerpoint/2010/main" val="77817823"/>
-      </p:ext>
-    </p:extLst>
-  </p:cSld>
-  <p:clrMapOvr>
-    <a:masterClrMapping/>
-  </p:clrMapOvr>
-</p:sld>
-</file>
-
 <file path=ppt/slides/slide13.xml><?xml version="1.0" encoding="utf-8"?>
 <p:sld xmlns:a="http://schemas.openxmlformats.org/drawingml/2006/main" xmlns:r="http://schemas.openxmlformats.org/officeDocument/2006/relationships" xmlns:p="http://schemas.openxmlformats.org/presentationml/2006/main">
   <p:cSld>
@@ -12174,22 +12411,1035 @@
           <a:p>
             <a:r>
               <a:rPr lang="de-DE" dirty="0"/>
-              <a:t>Sprachassistent</a:t>
+              <a:t>Trainingsdaten</a:t>
             </a:r>
             <a:br>
               <a:rPr lang="de-DE" dirty="0"/>
             </a:br>
             <a:r>
               <a:rPr lang="de-DE" b="0" dirty="0"/>
-              <a:t>Individualisierte Wettervorhersage</a:t>
-            </a:r>
-          </a:p>
-        </p:txBody>
-      </p:sp>
+              <a:t>Erstellen der Testdaten</a:t>
+            </a:r>
+          </a:p>
+        </p:txBody>
+      </p:sp>
+      <p:sp>
+        <p:nvSpPr>
+          <p:cNvPr id="24" name="Textfeld 23">
+            <a:extLst>
+              <a:ext uri="{FF2B5EF4-FFF2-40B4-BE49-F238E27FC236}">
+                <a16:creationId xmlns:a16="http://schemas.microsoft.com/office/drawing/2014/main" id="{5694548F-2F8F-503D-3EF5-C96527ADB0F4}"/>
+              </a:ext>
+            </a:extLst>
+          </p:cNvPr>
+          <p:cNvSpPr txBox="1"/>
+          <p:nvPr/>
+        </p:nvSpPr>
+        <p:spPr>
+          <a:xfrm>
+            <a:off x="786324" y="1517579"/>
+            <a:ext cx="982961" cy="341632"/>
+          </a:xfrm>
+          <a:prstGeom prst="rect">
+            <a:avLst/>
+          </a:prstGeom>
+          <a:noFill/>
+        </p:spPr>
+        <p:txBody>
+          <a:bodyPr wrap="none" rtlCol="0">
+            <a:spAutoFit/>
+          </a:bodyPr>
+          <a:lstStyle/>
+          <a:p>
+            <a:r>
+              <a:rPr lang="de-DE" b="1" i="1" dirty="0"/>
+              <a:t>Persona</a:t>
+            </a:r>
+          </a:p>
+        </p:txBody>
+      </p:sp>
+      <p:graphicFrame>
+        <p:nvGraphicFramePr>
+          <p:cNvPr id="25" name="Tabelle 5">
+            <a:extLst>
+              <a:ext uri="{FF2B5EF4-FFF2-40B4-BE49-F238E27FC236}">
+                <a16:creationId xmlns:a16="http://schemas.microsoft.com/office/drawing/2014/main" id="{DD04E7D8-8A05-44B8-31D3-0C08DC623F6B}"/>
+              </a:ext>
+            </a:extLst>
+          </p:cNvPr>
+          <p:cNvGraphicFramePr>
+            <a:graphicFrameLocks noGrp="1"/>
+          </p:cNvGraphicFramePr>
+          <p:nvPr>
+            <p:extLst>
+              <p:ext uri="{D42A27DB-BD31-4B8C-83A1-F6EECF244321}">
+                <p14:modId xmlns:p14="http://schemas.microsoft.com/office/powerpoint/2010/main" val="4099403314"/>
+              </p:ext>
+            </p:extLst>
+          </p:nvPr>
+        </p:nvGraphicFramePr>
+        <p:xfrm>
+          <a:off x="7555238" y="1859211"/>
+          <a:ext cx="3900161" cy="3840480"/>
+        </p:xfrm>
+        <a:graphic>
+          <a:graphicData uri="http://schemas.openxmlformats.org/drawingml/2006/table">
+            <a:tbl>
+              <a:tblPr firstRow="1" bandRow="1">
+                <a:tableStyleId>{073A0DAA-6AF3-43AB-8588-CEC1D06C72B9}</a:tableStyleId>
+              </a:tblPr>
+              <a:tblGrid>
+                <a:gridCol w="2184012">
+                  <a:extLst>
+                    <a:ext uri="{9D8B030D-6E8A-4147-A177-3AD203B41FA5}">
+                      <a16:colId xmlns:a16="http://schemas.microsoft.com/office/drawing/2014/main" val="1200783749"/>
+                    </a:ext>
+                  </a:extLst>
+                </a:gridCol>
+                <a:gridCol w="1716149">
+                  <a:extLst>
+                    <a:ext uri="{9D8B030D-6E8A-4147-A177-3AD203B41FA5}">
+                      <a16:colId xmlns:a16="http://schemas.microsoft.com/office/drawing/2014/main" val="564832144"/>
+                    </a:ext>
+                  </a:extLst>
+                </a:gridCol>
+              </a:tblGrid>
+              <a:tr h="253229">
+                <a:tc>
+                  <a:txBody>
+                    <a:bodyPr/>
+                    <a:lstStyle/>
+                    <a:p>
+                      <a:r>
+                        <a:rPr lang="de-DE" sz="1200" dirty="0"/>
+                        <a:t>Konfiguration</a:t>
+                      </a:r>
+                    </a:p>
+                  </a:txBody>
+                  <a:tcPr/>
+                </a:tc>
+                <a:tc>
+                  <a:txBody>
+                    <a:bodyPr/>
+                    <a:lstStyle/>
+                    <a:p>
+                      <a:endParaRPr lang="de-DE" sz="1200" dirty="0"/>
+                    </a:p>
+                  </a:txBody>
+                  <a:tcPr/>
+                </a:tc>
+                <a:extLst>
+                  <a:ext uri="{0D108BD9-81ED-4DB2-BD59-A6C34878D82A}">
+                    <a16:rowId xmlns:a16="http://schemas.microsoft.com/office/drawing/2014/main" val="1323979079"/>
+                  </a:ext>
+                </a:extLst>
+              </a:tr>
+              <a:tr h="253229">
+                <a:tc>
+                  <a:txBody>
+                    <a:bodyPr/>
+                    <a:lstStyle/>
+                    <a:p>
+                      <a:r>
+                        <a:rPr lang="de-DE" sz="1200" dirty="0"/>
+                        <a:t>ID</a:t>
+                      </a:r>
+                    </a:p>
+                  </a:txBody>
+                  <a:tcPr/>
+                </a:tc>
+                <a:tc>
+                  <a:txBody>
+                    <a:bodyPr/>
+                    <a:lstStyle/>
+                    <a:p>
+                      <a:r>
+                        <a:rPr lang="de-DE" sz="1200" dirty="0"/>
+                        <a:t>2</a:t>
+                      </a:r>
+                    </a:p>
+                  </a:txBody>
+                  <a:tcPr/>
+                </a:tc>
+                <a:extLst>
+                  <a:ext uri="{0D108BD9-81ED-4DB2-BD59-A6C34878D82A}">
+                    <a16:rowId xmlns:a16="http://schemas.microsoft.com/office/drawing/2014/main" val="3943069711"/>
+                  </a:ext>
+                </a:extLst>
+              </a:tr>
+              <a:tr h="253229">
+                <a:tc>
+                  <a:txBody>
+                    <a:bodyPr/>
+                    <a:lstStyle/>
+                    <a:p>
+                      <a:r>
+                        <a:rPr lang="de-DE" sz="1200" dirty="0"/>
+                        <a:t>Geschlecht</a:t>
+                      </a:r>
+                    </a:p>
+                  </a:txBody>
+                  <a:tcPr/>
+                </a:tc>
+                <a:tc>
+                  <a:txBody>
+                    <a:bodyPr/>
+                    <a:lstStyle/>
+                    <a:p>
+                      <a:r>
+                        <a:rPr lang="de-DE" sz="1200" dirty="0"/>
+                        <a:t>Männlich</a:t>
+                      </a:r>
+                    </a:p>
+                  </a:txBody>
+                  <a:tcPr/>
+                </a:tc>
+                <a:extLst>
+                  <a:ext uri="{0D108BD9-81ED-4DB2-BD59-A6C34878D82A}">
+                    <a16:rowId xmlns:a16="http://schemas.microsoft.com/office/drawing/2014/main" val="3424107606"/>
+                  </a:ext>
+                </a:extLst>
+              </a:tr>
+              <a:tr h="253229">
+                <a:tc>
+                  <a:txBody>
+                    <a:bodyPr/>
+                    <a:lstStyle/>
+                    <a:p>
+                      <a:r>
+                        <a:rPr lang="de-DE" sz="1200" dirty="0"/>
+                        <a:t>Tonlage</a:t>
+                      </a:r>
+                    </a:p>
+                  </a:txBody>
+                  <a:tcPr/>
+                </a:tc>
+                <a:tc>
+                  <a:txBody>
+                    <a:bodyPr/>
+                    <a:lstStyle/>
+                    <a:p>
+                      <a:r>
+                        <a:rPr lang="de-DE" sz="1200" dirty="0"/>
+                        <a:t>Tief</a:t>
+                      </a:r>
+                    </a:p>
+                  </a:txBody>
+                  <a:tcPr/>
+                </a:tc>
+                <a:extLst>
+                  <a:ext uri="{0D108BD9-81ED-4DB2-BD59-A6C34878D82A}">
+                    <a16:rowId xmlns:a16="http://schemas.microsoft.com/office/drawing/2014/main" val="4091870542"/>
+                  </a:ext>
+                </a:extLst>
+              </a:tr>
+              <a:tr h="253229">
+                <a:tc>
+                  <a:txBody>
+                    <a:bodyPr/>
+                    <a:lstStyle/>
+                    <a:p>
+                      <a:r>
+                        <a:rPr lang="de-DE" sz="1200" dirty="0"/>
+                        <a:t>Klang</a:t>
+                      </a:r>
+                    </a:p>
+                  </a:txBody>
+                  <a:tcPr/>
+                </a:tc>
+                <a:tc>
+                  <a:txBody>
+                    <a:bodyPr/>
+                    <a:lstStyle/>
+                    <a:p>
+                      <a:r>
+                        <a:rPr lang="de-DE" sz="1200" dirty="0"/>
+                        <a:t>Natürlich</a:t>
+                      </a:r>
+                    </a:p>
+                  </a:txBody>
+                  <a:tcPr/>
+                </a:tc>
+                <a:extLst>
+                  <a:ext uri="{0D108BD9-81ED-4DB2-BD59-A6C34878D82A}">
+                    <a16:rowId xmlns:a16="http://schemas.microsoft.com/office/drawing/2014/main" val="1051169168"/>
+                  </a:ext>
+                </a:extLst>
+              </a:tr>
+              <a:tr h="253229">
+                <a:tc>
+                  <a:txBody>
+                    <a:bodyPr/>
+                    <a:lstStyle/>
+                    <a:p>
+                      <a:r>
+                        <a:rPr lang="de-DE" sz="1200" dirty="0"/>
+                        <a:t>Lautstärke</a:t>
+                      </a:r>
+                    </a:p>
+                  </a:txBody>
+                  <a:tcPr/>
+                </a:tc>
+                <a:tc>
+                  <a:txBody>
+                    <a:bodyPr/>
+                    <a:lstStyle/>
+                    <a:p>
+                      <a:r>
+                        <a:rPr lang="de-DE" sz="1200" dirty="0"/>
+                        <a:t>3</a:t>
+                      </a:r>
+                    </a:p>
+                  </a:txBody>
+                  <a:tcPr/>
+                </a:tc>
+                <a:extLst>
+                  <a:ext uri="{0D108BD9-81ED-4DB2-BD59-A6C34878D82A}">
+                    <a16:rowId xmlns:a16="http://schemas.microsoft.com/office/drawing/2014/main" val="2112996931"/>
+                  </a:ext>
+                </a:extLst>
+              </a:tr>
+              <a:tr h="253229">
+                <a:tc>
+                  <a:txBody>
+                    <a:bodyPr/>
+                    <a:lstStyle/>
+                    <a:p>
+                      <a:r>
+                        <a:rPr lang="de-DE" sz="1200" dirty="0"/>
+                        <a:t>Pause zwischen den Sätzen</a:t>
+                      </a:r>
+                    </a:p>
+                  </a:txBody>
+                  <a:tcPr/>
+                </a:tc>
+                <a:tc>
+                  <a:txBody>
+                    <a:bodyPr/>
+                    <a:lstStyle/>
+                    <a:p>
+                      <a:r>
+                        <a:rPr lang="de-DE" sz="1200" dirty="0"/>
+                        <a:t>Kurz</a:t>
+                      </a:r>
+                    </a:p>
+                  </a:txBody>
+                  <a:tcPr/>
+                </a:tc>
+                <a:extLst>
+                  <a:ext uri="{0D108BD9-81ED-4DB2-BD59-A6C34878D82A}">
+                    <a16:rowId xmlns:a16="http://schemas.microsoft.com/office/drawing/2014/main" val="2637411601"/>
+                  </a:ext>
+                </a:extLst>
+              </a:tr>
+              <a:tr h="253229">
+                <a:tc>
+                  <a:txBody>
+                    <a:bodyPr/>
+                    <a:lstStyle/>
+                    <a:p>
+                      <a:r>
+                        <a:rPr lang="de-DE" sz="1200" dirty="0"/>
+                        <a:t>Sprechgeschwindigkeit</a:t>
+                      </a:r>
+                    </a:p>
+                  </a:txBody>
+                  <a:tcPr/>
+                </a:tc>
+                <a:tc>
+                  <a:txBody>
+                    <a:bodyPr/>
+                    <a:lstStyle/>
+                    <a:p>
+                      <a:r>
+                        <a:rPr lang="de-DE" sz="1200" dirty="0"/>
+                        <a:t>Langsam</a:t>
+                      </a:r>
+                    </a:p>
+                  </a:txBody>
+                  <a:tcPr/>
+                </a:tc>
+                <a:extLst>
+                  <a:ext uri="{0D108BD9-81ED-4DB2-BD59-A6C34878D82A}">
+                    <a16:rowId xmlns:a16="http://schemas.microsoft.com/office/drawing/2014/main" val="3982867020"/>
+                  </a:ext>
+                </a:extLst>
+              </a:tr>
+              <a:tr h="253229">
+                <a:tc>
+                  <a:txBody>
+                    <a:bodyPr/>
+                    <a:lstStyle/>
+                    <a:p>
+                      <a:r>
+                        <a:rPr lang="de-DE" sz="1200" dirty="0"/>
+                        <a:t>Satzlänge</a:t>
+                      </a:r>
+                    </a:p>
+                  </a:txBody>
+                  <a:tcPr/>
+                </a:tc>
+                <a:tc>
+                  <a:txBody>
+                    <a:bodyPr/>
+                    <a:lstStyle/>
+                    <a:p>
+                      <a:r>
+                        <a:rPr lang="de-DE" sz="1200" dirty="0"/>
+                        <a:t>Vereinfacht</a:t>
+                      </a:r>
+                    </a:p>
+                  </a:txBody>
+                  <a:tcPr/>
+                </a:tc>
+                <a:extLst>
+                  <a:ext uri="{0D108BD9-81ED-4DB2-BD59-A6C34878D82A}">
+                    <a16:rowId xmlns:a16="http://schemas.microsoft.com/office/drawing/2014/main" val="1920420549"/>
+                  </a:ext>
+                </a:extLst>
+              </a:tr>
+              <a:tr h="253229">
+                <a:tc>
+                  <a:txBody>
+                    <a:bodyPr/>
+                    <a:lstStyle/>
+                    <a:p>
+                      <a:r>
+                        <a:rPr lang="de-DE" sz="1200" dirty="0"/>
+                        <a:t>Vereinfachter Ausdruck</a:t>
+                      </a:r>
+                    </a:p>
+                  </a:txBody>
+                  <a:tcPr/>
+                </a:tc>
+                <a:tc>
+                  <a:txBody>
+                    <a:bodyPr/>
+                    <a:lstStyle/>
+                    <a:p>
+                      <a:r>
+                        <a:rPr lang="de-DE" sz="1200" dirty="0"/>
+                        <a:t>Ja</a:t>
+                      </a:r>
+                    </a:p>
+                  </a:txBody>
+                  <a:tcPr/>
+                </a:tc>
+                <a:extLst>
+                  <a:ext uri="{0D108BD9-81ED-4DB2-BD59-A6C34878D82A}">
+                    <a16:rowId xmlns:a16="http://schemas.microsoft.com/office/drawing/2014/main" val="1823208591"/>
+                  </a:ext>
+                </a:extLst>
+              </a:tr>
+              <a:tr h="253229">
+                <a:tc>
+                  <a:txBody>
+                    <a:bodyPr/>
+                    <a:lstStyle/>
+                    <a:p>
+                      <a:r>
+                        <a:rPr lang="de-DE" sz="1200" dirty="0"/>
+                        <a:t>Sprache</a:t>
+                      </a:r>
+                    </a:p>
+                  </a:txBody>
+                  <a:tcPr/>
+                </a:tc>
+                <a:tc>
+                  <a:txBody>
+                    <a:bodyPr/>
+                    <a:lstStyle/>
+                    <a:p>
+                      <a:r>
+                        <a:rPr lang="de-DE" sz="1200" dirty="0"/>
+                        <a:t>Deutsch</a:t>
+                      </a:r>
+                    </a:p>
+                  </a:txBody>
+                  <a:tcPr/>
+                </a:tc>
+                <a:extLst>
+                  <a:ext uri="{0D108BD9-81ED-4DB2-BD59-A6C34878D82A}">
+                    <a16:rowId xmlns:a16="http://schemas.microsoft.com/office/drawing/2014/main" val="1934673044"/>
+                  </a:ext>
+                </a:extLst>
+              </a:tr>
+              <a:tr h="253229">
+                <a:tc>
+                  <a:txBody>
+                    <a:bodyPr/>
+                    <a:lstStyle/>
+                    <a:p>
+                      <a:r>
+                        <a:rPr lang="de-DE" sz="1200" dirty="0"/>
+                        <a:t>Gesprächsorientierung</a:t>
+                      </a:r>
+                    </a:p>
+                  </a:txBody>
+                  <a:tcPr/>
+                </a:tc>
+                <a:tc>
+                  <a:txBody>
+                    <a:bodyPr/>
+                    <a:lstStyle/>
+                    <a:p>
+                      <a:r>
+                        <a:rPr lang="de-DE" sz="1200" dirty="0"/>
+                        <a:t>Aufgaben orientiert</a:t>
+                      </a:r>
+                    </a:p>
+                  </a:txBody>
+                  <a:tcPr/>
+                </a:tc>
+                <a:extLst>
+                  <a:ext uri="{0D108BD9-81ED-4DB2-BD59-A6C34878D82A}">
+                    <a16:rowId xmlns:a16="http://schemas.microsoft.com/office/drawing/2014/main" val="3134820202"/>
+                  </a:ext>
+                </a:extLst>
+              </a:tr>
+              <a:tr h="253229">
+                <a:tc>
+                  <a:txBody>
+                    <a:bodyPr/>
+                    <a:lstStyle/>
+                    <a:p>
+                      <a:r>
+                        <a:rPr lang="de-DE" sz="1200" dirty="0"/>
+                        <a:t>Anrede</a:t>
+                      </a:r>
+                    </a:p>
+                  </a:txBody>
+                  <a:tcPr/>
+                </a:tc>
+                <a:tc>
+                  <a:txBody>
+                    <a:bodyPr/>
+                    <a:lstStyle/>
+                    <a:p>
+                      <a:r>
+                        <a:rPr lang="de-DE" sz="1200" dirty="0"/>
+                        <a:t>Du</a:t>
+                      </a:r>
+                    </a:p>
+                  </a:txBody>
+                  <a:tcPr/>
+                </a:tc>
+                <a:extLst>
+                  <a:ext uri="{0D108BD9-81ED-4DB2-BD59-A6C34878D82A}">
+                    <a16:rowId xmlns:a16="http://schemas.microsoft.com/office/drawing/2014/main" val="1282899089"/>
+                  </a:ext>
+                </a:extLst>
+              </a:tr>
+              <a:tr h="253229">
+                <a:tc>
+                  <a:txBody>
+                    <a:bodyPr/>
+                    <a:lstStyle/>
+                    <a:p>
+                      <a:r>
+                        <a:rPr lang="de-DE" sz="1200" dirty="0"/>
+                        <a:t>Alternative Keywords</a:t>
+                      </a:r>
+                    </a:p>
+                  </a:txBody>
+                  <a:tcPr/>
+                </a:tc>
+                <a:tc>
+                  <a:txBody>
+                    <a:bodyPr/>
+                    <a:lstStyle/>
+                    <a:p>
+                      <a:r>
+                        <a:rPr lang="de-DE" sz="1200" dirty="0"/>
+                        <a:t>-</a:t>
+                      </a:r>
+                    </a:p>
+                  </a:txBody>
+                  <a:tcPr/>
+                </a:tc>
+                <a:extLst>
+                  <a:ext uri="{0D108BD9-81ED-4DB2-BD59-A6C34878D82A}">
+                    <a16:rowId xmlns:a16="http://schemas.microsoft.com/office/drawing/2014/main" val="2985344660"/>
+                  </a:ext>
+                </a:extLst>
+              </a:tr>
+            </a:tbl>
+          </a:graphicData>
+        </a:graphic>
+      </p:graphicFrame>
+      <p:sp>
+        <p:nvSpPr>
+          <p:cNvPr id="26" name="Textfeld 25">
+            <a:extLst>
+              <a:ext uri="{FF2B5EF4-FFF2-40B4-BE49-F238E27FC236}">
+                <a16:creationId xmlns:a16="http://schemas.microsoft.com/office/drawing/2014/main" id="{7A9CA0D4-25EC-E553-3484-78159C4919DE}"/>
+              </a:ext>
+            </a:extLst>
+          </p:cNvPr>
+          <p:cNvSpPr txBox="1"/>
+          <p:nvPr/>
+        </p:nvSpPr>
+        <p:spPr>
+          <a:xfrm>
+            <a:off x="7497011" y="1516136"/>
+            <a:ext cx="1537600" cy="341632"/>
+          </a:xfrm>
+          <a:prstGeom prst="rect">
+            <a:avLst/>
+          </a:prstGeom>
+          <a:noFill/>
+        </p:spPr>
+        <p:txBody>
+          <a:bodyPr wrap="none" rtlCol="0">
+            <a:spAutoFit/>
+          </a:bodyPr>
+          <a:lstStyle/>
+          <a:p>
+            <a:r>
+              <a:rPr lang="de-DE" b="1" i="1" dirty="0"/>
+              <a:t>Konfiguration</a:t>
+            </a:r>
+          </a:p>
+        </p:txBody>
+      </p:sp>
+      <p:graphicFrame>
+        <p:nvGraphicFramePr>
+          <p:cNvPr id="27" name="Tabelle 5">
+            <a:extLst>
+              <a:ext uri="{FF2B5EF4-FFF2-40B4-BE49-F238E27FC236}">
+                <a16:creationId xmlns:a16="http://schemas.microsoft.com/office/drawing/2014/main" id="{E3D147FC-E8A1-2C25-1B00-CDF11564FE0B}"/>
+              </a:ext>
+            </a:extLst>
+          </p:cNvPr>
+          <p:cNvGraphicFramePr>
+            <a:graphicFrameLocks noGrp="1"/>
+          </p:cNvGraphicFramePr>
+          <p:nvPr>
+            <p:extLst>
+              <p:ext uri="{D42A27DB-BD31-4B8C-83A1-F6EECF244321}">
+                <p14:modId xmlns:p14="http://schemas.microsoft.com/office/powerpoint/2010/main" val="658621248"/>
+              </p:ext>
+            </p:extLst>
+          </p:nvPr>
+        </p:nvGraphicFramePr>
+        <p:xfrm>
+          <a:off x="4802278" y="1857767"/>
+          <a:ext cx="2587444" cy="2560320"/>
+        </p:xfrm>
+        <a:graphic>
+          <a:graphicData uri="http://schemas.openxmlformats.org/drawingml/2006/table">
+            <a:tbl>
+              <a:tblPr firstRow="1" bandRow="1">
+                <a:tableStyleId>{073A0DAA-6AF3-43AB-8588-CEC1D06C72B9}</a:tableStyleId>
+              </a:tblPr>
+              <a:tblGrid>
+                <a:gridCol w="1331016">
+                  <a:extLst>
+                    <a:ext uri="{9D8B030D-6E8A-4147-A177-3AD203B41FA5}">
+                      <a16:colId xmlns:a16="http://schemas.microsoft.com/office/drawing/2014/main" val="1200783749"/>
+                    </a:ext>
+                  </a:extLst>
+                </a:gridCol>
+                <a:gridCol w="1256428">
+                  <a:extLst>
+                    <a:ext uri="{9D8B030D-6E8A-4147-A177-3AD203B41FA5}">
+                      <a16:colId xmlns:a16="http://schemas.microsoft.com/office/drawing/2014/main" val="564832144"/>
+                    </a:ext>
+                  </a:extLst>
+                </a:gridCol>
+              </a:tblGrid>
+              <a:tr h="254367">
+                <a:tc>
+                  <a:txBody>
+                    <a:bodyPr/>
+                    <a:lstStyle/>
+                    <a:p>
+                      <a:r>
+                        <a:rPr lang="de-DE" sz="1200" dirty="0"/>
+                        <a:t>Profil</a:t>
+                      </a:r>
+                    </a:p>
+                  </a:txBody>
+                  <a:tcPr/>
+                </a:tc>
+                <a:tc>
+                  <a:txBody>
+                    <a:bodyPr/>
+                    <a:lstStyle/>
+                    <a:p>
+                      <a:endParaRPr lang="de-DE" sz="1200" dirty="0"/>
+                    </a:p>
+                  </a:txBody>
+                  <a:tcPr/>
+                </a:tc>
+                <a:extLst>
+                  <a:ext uri="{0D108BD9-81ED-4DB2-BD59-A6C34878D82A}">
+                    <a16:rowId xmlns:a16="http://schemas.microsoft.com/office/drawing/2014/main" val="1323979079"/>
+                  </a:ext>
+                </a:extLst>
+              </a:tr>
+              <a:tr h="253229">
+                <a:tc>
+                  <a:txBody>
+                    <a:bodyPr/>
+                    <a:lstStyle/>
+                    <a:p>
+                      <a:r>
+                        <a:rPr lang="de-DE" sz="1200" dirty="0"/>
+                        <a:t>ID</a:t>
+                      </a:r>
+                    </a:p>
+                  </a:txBody>
+                  <a:tcPr/>
+                </a:tc>
+                <a:tc>
+                  <a:txBody>
+                    <a:bodyPr/>
+                    <a:lstStyle/>
+                    <a:p>
+                      <a:r>
+                        <a:rPr lang="de-DE" sz="1200" dirty="0"/>
+                        <a:t>2</a:t>
+                      </a:r>
+                    </a:p>
+                  </a:txBody>
+                  <a:tcPr/>
+                </a:tc>
+                <a:extLst>
+                  <a:ext uri="{0D108BD9-81ED-4DB2-BD59-A6C34878D82A}">
+                    <a16:rowId xmlns:a16="http://schemas.microsoft.com/office/drawing/2014/main" val="3943069711"/>
+                  </a:ext>
+                </a:extLst>
+              </a:tr>
+              <a:tr h="253229">
+                <a:tc>
+                  <a:txBody>
+                    <a:bodyPr/>
+                    <a:lstStyle/>
+                    <a:p>
+                      <a:r>
+                        <a:rPr lang="de-DE" sz="1200" dirty="0"/>
+                        <a:t>Name</a:t>
+                      </a:r>
+                    </a:p>
+                  </a:txBody>
+                  <a:tcPr/>
+                </a:tc>
+                <a:tc>
+                  <a:txBody>
+                    <a:bodyPr/>
+                    <a:lstStyle/>
+                    <a:p>
+                      <a:r>
+                        <a:rPr lang="de-DE" sz="1200" dirty="0"/>
+                        <a:t>Herbert Schmidt</a:t>
+                      </a:r>
+                    </a:p>
+                  </a:txBody>
+                  <a:tcPr/>
+                </a:tc>
+                <a:extLst>
+                  <a:ext uri="{0D108BD9-81ED-4DB2-BD59-A6C34878D82A}">
+                    <a16:rowId xmlns:a16="http://schemas.microsoft.com/office/drawing/2014/main" val="3424107606"/>
+                  </a:ext>
+                </a:extLst>
+              </a:tr>
+              <a:tr h="253229">
+                <a:tc>
+                  <a:txBody>
+                    <a:bodyPr/>
+                    <a:lstStyle/>
+                    <a:p>
+                      <a:r>
+                        <a:rPr lang="de-DE" sz="1200" dirty="0"/>
+                        <a:t>Geschlecht</a:t>
+                      </a:r>
+                    </a:p>
+                  </a:txBody>
+                  <a:tcPr/>
+                </a:tc>
+                <a:tc>
+                  <a:txBody>
+                    <a:bodyPr/>
+                    <a:lstStyle/>
+                    <a:p>
+                      <a:r>
+                        <a:rPr lang="de-DE" sz="1200" dirty="0"/>
+                        <a:t>Männlich</a:t>
+                      </a:r>
+                    </a:p>
+                  </a:txBody>
+                  <a:tcPr/>
+                </a:tc>
+                <a:extLst>
+                  <a:ext uri="{0D108BD9-81ED-4DB2-BD59-A6C34878D82A}">
+                    <a16:rowId xmlns:a16="http://schemas.microsoft.com/office/drawing/2014/main" val="4091870542"/>
+                  </a:ext>
+                </a:extLst>
+              </a:tr>
+              <a:tr h="253229">
+                <a:tc>
+                  <a:txBody>
+                    <a:bodyPr/>
+                    <a:lstStyle/>
+                    <a:p>
+                      <a:r>
+                        <a:rPr lang="de-DE" sz="1200" dirty="0"/>
+                        <a:t>Alter</a:t>
+                      </a:r>
+                    </a:p>
+                  </a:txBody>
+                  <a:tcPr/>
+                </a:tc>
+                <a:tc>
+                  <a:txBody>
+                    <a:bodyPr/>
+                    <a:lstStyle/>
+                    <a:p>
+                      <a:r>
+                        <a:rPr lang="de-DE" sz="1200" dirty="0"/>
+                        <a:t>85</a:t>
+                      </a:r>
+                    </a:p>
+                  </a:txBody>
+                  <a:tcPr/>
+                </a:tc>
+                <a:extLst>
+                  <a:ext uri="{0D108BD9-81ED-4DB2-BD59-A6C34878D82A}">
+                    <a16:rowId xmlns:a16="http://schemas.microsoft.com/office/drawing/2014/main" val="1051169168"/>
+                  </a:ext>
+                </a:extLst>
+              </a:tr>
+              <a:tr h="253229">
+                <a:tc>
+                  <a:txBody>
+                    <a:bodyPr/>
+                    <a:lstStyle/>
+                    <a:p>
+                      <a:r>
+                        <a:rPr lang="de-DE" sz="1200" dirty="0"/>
+                        <a:t>Sprache</a:t>
+                      </a:r>
+                    </a:p>
+                  </a:txBody>
+                  <a:tcPr/>
+                </a:tc>
+                <a:tc>
+                  <a:txBody>
+                    <a:bodyPr/>
+                    <a:lstStyle/>
+                    <a:p>
+                      <a:r>
+                        <a:rPr lang="de-DE" sz="1200" dirty="0"/>
+                        <a:t>Deutsch</a:t>
+                      </a:r>
+                    </a:p>
+                  </a:txBody>
+                  <a:tcPr/>
+                </a:tc>
+                <a:extLst>
+                  <a:ext uri="{0D108BD9-81ED-4DB2-BD59-A6C34878D82A}">
+                    <a16:rowId xmlns:a16="http://schemas.microsoft.com/office/drawing/2014/main" val="2112996931"/>
+                  </a:ext>
+                </a:extLst>
+              </a:tr>
+              <a:tr h="253229">
+                <a:tc>
+                  <a:txBody>
+                    <a:bodyPr/>
+                    <a:lstStyle/>
+                    <a:p>
+                      <a:r>
+                        <a:rPr lang="de-DE" sz="1200" dirty="0"/>
+                        <a:t>Hörgerät</a:t>
+                      </a:r>
+                    </a:p>
+                  </a:txBody>
+                  <a:tcPr/>
+                </a:tc>
+                <a:tc>
+                  <a:txBody>
+                    <a:bodyPr/>
+                    <a:lstStyle/>
+                    <a:p>
+                      <a:r>
+                        <a:rPr lang="de-DE" sz="1200" dirty="0"/>
+                        <a:t>Ja</a:t>
+                      </a:r>
+                    </a:p>
+                  </a:txBody>
+                  <a:tcPr/>
+                </a:tc>
+                <a:extLst>
+                  <a:ext uri="{0D108BD9-81ED-4DB2-BD59-A6C34878D82A}">
+                    <a16:rowId xmlns:a16="http://schemas.microsoft.com/office/drawing/2014/main" val="2637411601"/>
+                  </a:ext>
+                </a:extLst>
+              </a:tr>
+              <a:tr h="253229">
+                <a:tc>
+                  <a:txBody>
+                    <a:bodyPr/>
+                    <a:lstStyle/>
+                    <a:p>
+                      <a:r>
+                        <a:rPr lang="de-DE" sz="1200" dirty="0"/>
+                        <a:t>Technische Vorkenntnisse</a:t>
+                      </a:r>
+                    </a:p>
+                  </a:txBody>
+                  <a:tcPr/>
+                </a:tc>
+                <a:tc>
+                  <a:txBody>
+                    <a:bodyPr/>
+                    <a:lstStyle/>
+                    <a:p>
+                      <a:r>
+                        <a:rPr lang="de-DE" sz="1200" dirty="0"/>
+                        <a:t>Nein</a:t>
+                      </a:r>
+                    </a:p>
+                  </a:txBody>
+                  <a:tcPr/>
+                </a:tc>
+                <a:extLst>
+                  <a:ext uri="{0D108BD9-81ED-4DB2-BD59-A6C34878D82A}">
+                    <a16:rowId xmlns:a16="http://schemas.microsoft.com/office/drawing/2014/main" val="3982867020"/>
+                  </a:ext>
+                </a:extLst>
+              </a:tr>
+            </a:tbl>
+          </a:graphicData>
+        </a:graphic>
+      </p:graphicFrame>
+      <p:sp>
+        <p:nvSpPr>
+          <p:cNvPr id="30" name="Pfeil: nach rechts 29">
+            <a:extLst>
+              <a:ext uri="{FF2B5EF4-FFF2-40B4-BE49-F238E27FC236}">
+                <a16:creationId xmlns:a16="http://schemas.microsoft.com/office/drawing/2014/main" id="{575959A9-0A89-A569-08F7-6775EA98BAB9}"/>
+              </a:ext>
+            </a:extLst>
+          </p:cNvPr>
+          <p:cNvSpPr/>
+          <p:nvPr/>
+        </p:nvSpPr>
+        <p:spPr>
+          <a:xfrm>
+            <a:off x="4053121" y="2931314"/>
+            <a:ext cx="481630" cy="230345"/>
+          </a:xfrm>
+          <a:prstGeom prst="rightArrow">
+            <a:avLst/>
+          </a:prstGeom>
+          <a:solidFill>
+            <a:schemeClr val="tx1"/>
+          </a:solidFill>
+          <a:ln>
+            <a:noFill/>
+          </a:ln>
+        </p:spPr>
+        <p:style>
+          <a:lnRef idx="2">
+            <a:schemeClr val="accent1">
+              <a:shade val="50000"/>
+            </a:schemeClr>
+          </a:lnRef>
+          <a:fillRef idx="1">
+            <a:schemeClr val="accent1"/>
+          </a:fillRef>
+          <a:effectRef idx="0">
+            <a:schemeClr val="accent1"/>
+          </a:effectRef>
+          <a:fontRef idx="minor">
+            <a:schemeClr val="lt1"/>
+          </a:fontRef>
+        </p:style>
+        <p:txBody>
+          <a:bodyPr rtlCol="0" anchor="ctr"/>
+          <a:lstStyle/>
+          <a:p>
+            <a:pPr algn="ctr"/>
+            <a:endParaRPr lang="de-DE"/>
+          </a:p>
+        </p:txBody>
+      </p:sp>
+      <p:sp>
+        <p:nvSpPr>
+          <p:cNvPr id="32" name="Textfeld 31">
+            <a:extLst>
+              <a:ext uri="{FF2B5EF4-FFF2-40B4-BE49-F238E27FC236}">
+                <a16:creationId xmlns:a16="http://schemas.microsoft.com/office/drawing/2014/main" id="{60D6C397-CBBC-1E1F-C4FB-20F55C2B3116}"/>
+              </a:ext>
+            </a:extLst>
+          </p:cNvPr>
+          <p:cNvSpPr txBox="1"/>
+          <p:nvPr/>
+        </p:nvSpPr>
+        <p:spPr>
+          <a:xfrm>
+            <a:off x="4802278" y="1516135"/>
+            <a:ext cx="1382110" cy="341632"/>
+          </a:xfrm>
+          <a:prstGeom prst="rect">
+            <a:avLst/>
+          </a:prstGeom>
+          <a:noFill/>
+        </p:spPr>
+        <p:txBody>
+          <a:bodyPr wrap="none" rtlCol="0">
+            <a:spAutoFit/>
+          </a:bodyPr>
+          <a:lstStyle/>
+          <a:p>
+            <a:r>
+              <a:rPr lang="de-DE" b="1" i="1" dirty="0"/>
+              <a:t>Nutzerprofil</a:t>
+            </a:r>
+          </a:p>
+        </p:txBody>
+      </p:sp>
+      <p:pic>
+        <p:nvPicPr>
+          <p:cNvPr id="35" name="Grafik 34" descr="Ein Bild, das Website enthält.&#10;&#10;Automatisch generierte Beschreibung">
+            <a:extLst>
+              <a:ext uri="{FF2B5EF4-FFF2-40B4-BE49-F238E27FC236}">
+                <a16:creationId xmlns:a16="http://schemas.microsoft.com/office/drawing/2014/main" id="{0EF2DEE1-0ABC-8910-F3FC-2DDFE265ECCD}"/>
+              </a:ext>
+            </a:extLst>
+          </p:cNvPr>
+          <p:cNvPicPr>
+            <a:picLocks noChangeAspect="1"/>
+          </p:cNvPicPr>
+          <p:nvPr/>
+        </p:nvPicPr>
+        <p:blipFill>
+          <a:blip r:embed="rId2" cstate="print">
+            <a:extLst>
+              <a:ext uri="{28A0092B-C50C-407E-A947-70E740481C1C}">
+                <a14:useLocalDpi xmlns:a14="http://schemas.microsoft.com/office/drawing/2010/main" val="0"/>
+              </a:ext>
+            </a:extLst>
+          </a:blip>
+          <a:stretch>
+            <a:fillRect/>
+          </a:stretch>
+        </p:blipFill>
+        <p:spPr>
+          <a:xfrm>
+            <a:off x="874712" y="1857767"/>
+            <a:ext cx="2902158" cy="2388564"/>
+          </a:xfrm>
+          <a:prstGeom prst="rect">
+            <a:avLst/>
+          </a:prstGeom>
+        </p:spPr>
+      </p:pic>
     </p:spTree>
     <p:extLst>
       <p:ext uri="{BB962C8B-B14F-4D97-AF65-F5344CB8AC3E}">
-        <p14:creationId xmlns:p14="http://schemas.microsoft.com/office/powerpoint/2010/main" val="3983590123"/>
+        <p14:creationId xmlns:p14="http://schemas.microsoft.com/office/powerpoint/2010/main" val="1305486191"/>
       </p:ext>
     </p:extLst>
   </p:cSld>
@@ -12218,6 +13468,877 @@
       </p:grpSpPr>
       <p:sp>
         <p:nvSpPr>
+          <p:cNvPr id="2" name="Titel 1">
+            <a:extLst>
+              <a:ext uri="{FF2B5EF4-FFF2-40B4-BE49-F238E27FC236}">
+                <a16:creationId xmlns:a16="http://schemas.microsoft.com/office/drawing/2014/main" id="{E89DE46E-0B22-0C4D-B2C2-8BD4F3F851AD}"/>
+              </a:ext>
+            </a:extLst>
+          </p:cNvPr>
+          <p:cNvSpPr>
+            <a:spLocks noGrp="1"/>
+          </p:cNvSpPr>
+          <p:nvPr>
+            <p:ph type="title"/>
+          </p:nvPr>
+        </p:nvSpPr>
+        <p:spPr/>
+        <p:txBody>
+          <a:bodyPr/>
+          <a:lstStyle/>
+          <a:p>
+            <a:r>
+              <a:rPr lang="de-DE" dirty="0"/>
+              <a:t>Sprachassistent</a:t>
+            </a:r>
+            <a:br>
+              <a:rPr lang="de-DE" dirty="0"/>
+            </a:br>
+            <a:r>
+              <a:rPr lang="de-DE" b="0" dirty="0"/>
+              <a:t>Individualisierte Wettervorhersage</a:t>
+            </a:r>
+          </a:p>
+        </p:txBody>
+      </p:sp>
+      <p:sp>
+        <p:nvSpPr>
+          <p:cNvPr id="3" name="Rechteck: abgerundete Ecken 2">
+            <a:extLst>
+              <a:ext uri="{FF2B5EF4-FFF2-40B4-BE49-F238E27FC236}">
+                <a16:creationId xmlns:a16="http://schemas.microsoft.com/office/drawing/2014/main" id="{FB31E5BB-C99E-AAF3-A781-2732FC63B665}"/>
+              </a:ext>
+            </a:extLst>
+          </p:cNvPr>
+          <p:cNvSpPr/>
+          <p:nvPr/>
+        </p:nvSpPr>
+        <p:spPr>
+          <a:xfrm>
+            <a:off x="3198378" y="1594174"/>
+            <a:ext cx="1840658" cy="880608"/>
+          </a:xfrm>
+          <a:prstGeom prst="roundRect">
+            <a:avLst/>
+          </a:prstGeom>
+          <a:solidFill>
+            <a:schemeClr val="tx1"/>
+          </a:solidFill>
+          <a:ln>
+            <a:noFill/>
+          </a:ln>
+        </p:spPr>
+        <p:style>
+          <a:lnRef idx="2">
+            <a:schemeClr val="accent1">
+              <a:shade val="50000"/>
+            </a:schemeClr>
+          </a:lnRef>
+          <a:fillRef idx="1">
+            <a:schemeClr val="accent1"/>
+          </a:fillRef>
+          <a:effectRef idx="0">
+            <a:schemeClr val="accent1"/>
+          </a:effectRef>
+          <a:fontRef idx="minor">
+            <a:schemeClr val="lt1"/>
+          </a:fontRef>
+        </p:style>
+        <p:txBody>
+          <a:bodyPr rtlCol="0" anchor="ctr"/>
+          <a:lstStyle/>
+          <a:p>
+            <a:pPr algn="ctr"/>
+            <a:r>
+              <a:rPr lang="de-DE" dirty="0" err="1"/>
+              <a:t>Recommender</a:t>
+            </a:r>
+            <a:r>
+              <a:rPr lang="de-DE" dirty="0"/>
+              <a:t>-System</a:t>
+            </a:r>
+          </a:p>
+        </p:txBody>
+      </p:sp>
+      <p:sp>
+        <p:nvSpPr>
+          <p:cNvPr id="4" name="Rechteck: abgerundete Ecken 3">
+            <a:extLst>
+              <a:ext uri="{FF2B5EF4-FFF2-40B4-BE49-F238E27FC236}">
+                <a16:creationId xmlns:a16="http://schemas.microsoft.com/office/drawing/2014/main" id="{D713A200-F6DD-8DB8-065A-4059B62DC806}"/>
+              </a:ext>
+            </a:extLst>
+          </p:cNvPr>
+          <p:cNvSpPr/>
+          <p:nvPr/>
+        </p:nvSpPr>
+        <p:spPr>
+          <a:xfrm>
+            <a:off x="869044" y="4280413"/>
+            <a:ext cx="1840658" cy="880608"/>
+          </a:xfrm>
+          <a:prstGeom prst="roundRect">
+            <a:avLst/>
+          </a:prstGeom>
+          <a:solidFill>
+            <a:schemeClr val="accent5"/>
+          </a:solidFill>
+          <a:ln>
+            <a:noFill/>
+          </a:ln>
+        </p:spPr>
+        <p:style>
+          <a:lnRef idx="2">
+            <a:schemeClr val="accent1">
+              <a:shade val="50000"/>
+            </a:schemeClr>
+          </a:lnRef>
+          <a:fillRef idx="1">
+            <a:schemeClr val="accent1"/>
+          </a:fillRef>
+          <a:effectRef idx="0">
+            <a:schemeClr val="accent1"/>
+          </a:effectRef>
+          <a:fontRef idx="minor">
+            <a:schemeClr val="lt1"/>
+          </a:fontRef>
+        </p:style>
+        <p:txBody>
+          <a:bodyPr rtlCol="0" anchor="ctr"/>
+          <a:lstStyle/>
+          <a:p>
+            <a:pPr algn="ctr"/>
+            <a:r>
+              <a:rPr lang="de-DE" dirty="0"/>
+              <a:t>Wetter API</a:t>
+            </a:r>
+          </a:p>
+        </p:txBody>
+      </p:sp>
+      <p:sp>
+        <p:nvSpPr>
+          <p:cNvPr id="5" name="Rechteck: abgerundete Ecken 4">
+            <a:extLst>
+              <a:ext uri="{FF2B5EF4-FFF2-40B4-BE49-F238E27FC236}">
+                <a16:creationId xmlns:a16="http://schemas.microsoft.com/office/drawing/2014/main" id="{7937952A-956F-E9AC-F873-5DE3FCD5B412}"/>
+              </a:ext>
+            </a:extLst>
+          </p:cNvPr>
+          <p:cNvSpPr/>
+          <p:nvPr/>
+        </p:nvSpPr>
+        <p:spPr>
+          <a:xfrm>
+            <a:off x="3198378" y="4280413"/>
+            <a:ext cx="1840658" cy="880608"/>
+          </a:xfrm>
+          <a:prstGeom prst="roundRect">
+            <a:avLst/>
+          </a:prstGeom>
+          <a:solidFill>
+            <a:srgbClr val="539DC5"/>
+          </a:solidFill>
+          <a:ln>
+            <a:noFill/>
+          </a:ln>
+        </p:spPr>
+        <p:style>
+          <a:lnRef idx="2">
+            <a:schemeClr val="accent1">
+              <a:shade val="50000"/>
+            </a:schemeClr>
+          </a:lnRef>
+          <a:fillRef idx="1">
+            <a:schemeClr val="accent1"/>
+          </a:fillRef>
+          <a:effectRef idx="0">
+            <a:schemeClr val="accent1"/>
+          </a:effectRef>
+          <a:fontRef idx="minor">
+            <a:schemeClr val="lt1"/>
+          </a:fontRef>
+        </p:style>
+        <p:txBody>
+          <a:bodyPr rtlCol="0" anchor="ctr"/>
+          <a:lstStyle/>
+          <a:p>
+            <a:pPr algn="ctr"/>
+            <a:r>
+              <a:rPr lang="de-DE" dirty="0"/>
+              <a:t>Alexa </a:t>
+            </a:r>
+            <a:r>
+              <a:rPr lang="de-DE" dirty="0" err="1"/>
+              <a:t>Skill</a:t>
+            </a:r>
+            <a:endParaRPr lang="de-DE" dirty="0"/>
+          </a:p>
+        </p:txBody>
+      </p:sp>
+      <p:sp>
+        <p:nvSpPr>
+          <p:cNvPr id="6" name="Rechteck: abgerundete Ecken 5">
+            <a:extLst>
+              <a:ext uri="{FF2B5EF4-FFF2-40B4-BE49-F238E27FC236}">
+                <a16:creationId xmlns:a16="http://schemas.microsoft.com/office/drawing/2014/main" id="{388AA731-05BA-D56E-6D79-47509A1E4AB2}"/>
+              </a:ext>
+            </a:extLst>
+          </p:cNvPr>
+          <p:cNvSpPr/>
+          <p:nvPr/>
+        </p:nvSpPr>
+        <p:spPr>
+          <a:xfrm>
+            <a:off x="869044" y="2474782"/>
+            <a:ext cx="1840658" cy="880608"/>
+          </a:xfrm>
+          <a:prstGeom prst="roundRect">
+            <a:avLst/>
+          </a:prstGeom>
+          <a:solidFill>
+            <a:srgbClr val="28618C"/>
+          </a:solidFill>
+          <a:ln>
+            <a:noFill/>
+          </a:ln>
+        </p:spPr>
+        <p:style>
+          <a:lnRef idx="2">
+            <a:schemeClr val="accent1">
+              <a:shade val="50000"/>
+            </a:schemeClr>
+          </a:lnRef>
+          <a:fillRef idx="1">
+            <a:schemeClr val="accent1"/>
+          </a:fillRef>
+          <a:effectRef idx="0">
+            <a:schemeClr val="accent1"/>
+          </a:effectRef>
+          <a:fontRef idx="minor">
+            <a:schemeClr val="lt1"/>
+          </a:fontRef>
+        </p:style>
+        <p:txBody>
+          <a:bodyPr rtlCol="0" anchor="ctr"/>
+          <a:lstStyle/>
+          <a:p>
+            <a:pPr algn="ctr"/>
+            <a:r>
+              <a:rPr lang="de-DE" dirty="0"/>
+              <a:t>Lokal</a:t>
+            </a:r>
+          </a:p>
+        </p:txBody>
+      </p:sp>
+      <p:sp>
+        <p:nvSpPr>
+          <p:cNvPr id="7" name="Rechteck: abgerundete Ecken 6">
+            <a:extLst>
+              <a:ext uri="{FF2B5EF4-FFF2-40B4-BE49-F238E27FC236}">
+                <a16:creationId xmlns:a16="http://schemas.microsoft.com/office/drawing/2014/main" id="{BD6492BD-E2E2-4802-167C-8141A7A8FE42}"/>
+              </a:ext>
+            </a:extLst>
+          </p:cNvPr>
+          <p:cNvSpPr/>
+          <p:nvPr/>
+        </p:nvSpPr>
+        <p:spPr>
+          <a:xfrm>
+            <a:off x="5691559" y="2474782"/>
+            <a:ext cx="1840658" cy="880608"/>
+          </a:xfrm>
+          <a:prstGeom prst="roundRect">
+            <a:avLst/>
+          </a:prstGeom>
+          <a:solidFill>
+            <a:srgbClr val="28618C"/>
+          </a:solidFill>
+          <a:ln>
+            <a:noFill/>
+          </a:ln>
+        </p:spPr>
+        <p:style>
+          <a:lnRef idx="2">
+            <a:schemeClr val="accent1">
+              <a:shade val="50000"/>
+            </a:schemeClr>
+          </a:lnRef>
+          <a:fillRef idx="1">
+            <a:schemeClr val="accent1"/>
+          </a:fillRef>
+          <a:effectRef idx="0">
+            <a:schemeClr val="accent1"/>
+          </a:effectRef>
+          <a:fontRef idx="minor">
+            <a:schemeClr val="lt1"/>
+          </a:fontRef>
+        </p:style>
+        <p:txBody>
+          <a:bodyPr rtlCol="0" anchor="ctr"/>
+          <a:lstStyle/>
+          <a:p>
+            <a:pPr algn="ctr"/>
+            <a:r>
+              <a:rPr lang="de-DE" dirty="0" err="1"/>
+              <a:t>Bucket</a:t>
+            </a:r>
+            <a:endParaRPr lang="de-DE" dirty="0"/>
+          </a:p>
+        </p:txBody>
+      </p:sp>
+      <p:cxnSp>
+        <p:nvCxnSpPr>
+          <p:cNvPr id="8" name="Verbinder: gewinkelt 7">
+            <a:extLst>
+              <a:ext uri="{FF2B5EF4-FFF2-40B4-BE49-F238E27FC236}">
+                <a16:creationId xmlns:a16="http://schemas.microsoft.com/office/drawing/2014/main" id="{8C5B515D-9525-8C90-F053-F72133E21A51}"/>
+              </a:ext>
+            </a:extLst>
+          </p:cNvPr>
+          <p:cNvCxnSpPr>
+            <a:cxnSpLocks/>
+            <a:stCxn id="3" idx="3"/>
+            <a:endCxn id="7" idx="0"/>
+          </p:cNvCxnSpPr>
+          <p:nvPr/>
+        </p:nvCxnSpPr>
+        <p:spPr>
+          <a:xfrm>
+            <a:off x="5039036" y="2034478"/>
+            <a:ext cx="1572852" cy="440304"/>
+          </a:xfrm>
+          <a:prstGeom prst="bentConnector2">
+            <a:avLst/>
+          </a:prstGeom>
+          <a:ln w="19050" cap="flat" cmpd="sng" algn="ctr">
+            <a:solidFill>
+              <a:schemeClr val="dk1"/>
+            </a:solidFill>
+            <a:prstDash val="solid"/>
+            <a:round/>
+            <a:headEnd type="none" w="med" len="med"/>
+            <a:tailEnd type="arrow" w="med" len="med"/>
+          </a:ln>
+        </p:spPr>
+        <p:style>
+          <a:lnRef idx="0">
+            <a:scrgbClr r="0" g="0" b="0"/>
+          </a:lnRef>
+          <a:fillRef idx="0">
+            <a:scrgbClr r="0" g="0" b="0"/>
+          </a:fillRef>
+          <a:effectRef idx="0">
+            <a:scrgbClr r="0" g="0" b="0"/>
+          </a:effectRef>
+          <a:fontRef idx="minor">
+            <a:schemeClr val="tx1"/>
+          </a:fontRef>
+        </p:style>
+      </p:cxnSp>
+      <p:cxnSp>
+        <p:nvCxnSpPr>
+          <p:cNvPr id="9" name="Verbinder: gewinkelt 8">
+            <a:extLst>
+              <a:ext uri="{FF2B5EF4-FFF2-40B4-BE49-F238E27FC236}">
+                <a16:creationId xmlns:a16="http://schemas.microsoft.com/office/drawing/2014/main" id="{E1BB1611-50A1-B89D-85CF-5548AE867B89}"/>
+              </a:ext>
+            </a:extLst>
+          </p:cNvPr>
+          <p:cNvCxnSpPr>
+            <a:cxnSpLocks/>
+            <a:stCxn id="3" idx="1"/>
+            <a:endCxn id="6" idx="0"/>
+          </p:cNvCxnSpPr>
+          <p:nvPr/>
+        </p:nvCxnSpPr>
+        <p:spPr>
+          <a:xfrm rot="10800000" flipV="1">
+            <a:off x="1789374" y="2034478"/>
+            <a:ext cx="1409005" cy="440304"/>
+          </a:xfrm>
+          <a:prstGeom prst="bentConnector2">
+            <a:avLst/>
+          </a:prstGeom>
+          <a:ln w="19050" cap="flat" cmpd="sng" algn="ctr">
+            <a:solidFill>
+              <a:schemeClr val="dk1"/>
+            </a:solidFill>
+            <a:prstDash val="solid"/>
+            <a:round/>
+            <a:headEnd type="none" w="med" len="med"/>
+            <a:tailEnd type="arrow" w="med" len="med"/>
+          </a:ln>
+        </p:spPr>
+        <p:style>
+          <a:lnRef idx="0">
+            <a:scrgbClr r="0" g="0" b="0"/>
+          </a:lnRef>
+          <a:fillRef idx="0">
+            <a:scrgbClr r="0" g="0" b="0"/>
+          </a:fillRef>
+          <a:effectRef idx="0">
+            <a:scrgbClr r="0" g="0" b="0"/>
+          </a:effectRef>
+          <a:fontRef idx="minor">
+            <a:schemeClr val="tx1"/>
+          </a:fontRef>
+        </p:style>
+      </p:cxnSp>
+      <p:sp>
+        <p:nvSpPr>
+          <p:cNvPr id="13" name="Textfeld 12">
+            <a:extLst>
+              <a:ext uri="{FF2B5EF4-FFF2-40B4-BE49-F238E27FC236}">
+                <a16:creationId xmlns:a16="http://schemas.microsoft.com/office/drawing/2014/main" id="{9134BCFD-D855-977C-2CAD-51859B5B3F95}"/>
+              </a:ext>
+            </a:extLst>
+          </p:cNvPr>
+          <p:cNvSpPr txBox="1"/>
+          <p:nvPr/>
+        </p:nvSpPr>
+        <p:spPr>
+          <a:xfrm>
+            <a:off x="1722138" y="1840262"/>
+            <a:ext cx="1846326" cy="246221"/>
+          </a:xfrm>
+          <a:prstGeom prst="rect">
+            <a:avLst/>
+          </a:prstGeom>
+          <a:noFill/>
+        </p:spPr>
+        <p:txBody>
+          <a:bodyPr wrap="square" rtlCol="0">
+            <a:spAutoFit/>
+          </a:bodyPr>
+          <a:lstStyle/>
+          <a:p>
+            <a:r>
+              <a:rPr lang="de-DE" sz="1000" i="1" dirty="0"/>
+              <a:t>CSV-Datei</a:t>
+            </a:r>
+          </a:p>
+        </p:txBody>
+      </p:sp>
+      <p:sp>
+        <p:nvSpPr>
+          <p:cNvPr id="54" name="Textfeld 53">
+            <a:extLst>
+              <a:ext uri="{FF2B5EF4-FFF2-40B4-BE49-F238E27FC236}">
+                <a16:creationId xmlns:a16="http://schemas.microsoft.com/office/drawing/2014/main" id="{0161D0AF-5147-9B54-BB3E-7910F8132620}"/>
+              </a:ext>
+            </a:extLst>
+          </p:cNvPr>
+          <p:cNvSpPr txBox="1"/>
+          <p:nvPr/>
+        </p:nvSpPr>
+        <p:spPr>
+          <a:xfrm>
+            <a:off x="5956530" y="1828022"/>
+            <a:ext cx="1846326" cy="246221"/>
+          </a:xfrm>
+          <a:prstGeom prst="rect">
+            <a:avLst/>
+          </a:prstGeom>
+          <a:noFill/>
+        </p:spPr>
+        <p:txBody>
+          <a:bodyPr wrap="square" rtlCol="0">
+            <a:spAutoFit/>
+          </a:bodyPr>
+          <a:lstStyle/>
+          <a:p>
+            <a:r>
+              <a:rPr lang="de-DE" sz="1000" i="1" dirty="0"/>
+              <a:t>CSV-Datei</a:t>
+            </a:r>
+          </a:p>
+        </p:txBody>
+      </p:sp>
+      <p:cxnSp>
+        <p:nvCxnSpPr>
+          <p:cNvPr id="59" name="Verbinder: gewinkelt 58">
+            <a:extLst>
+              <a:ext uri="{FF2B5EF4-FFF2-40B4-BE49-F238E27FC236}">
+                <a16:creationId xmlns:a16="http://schemas.microsoft.com/office/drawing/2014/main" id="{9865C68F-9D44-B361-A49A-39C079E01460}"/>
+              </a:ext>
+            </a:extLst>
+          </p:cNvPr>
+          <p:cNvCxnSpPr>
+            <a:cxnSpLocks/>
+            <a:stCxn id="7" idx="2"/>
+            <a:endCxn id="5" idx="0"/>
+          </p:cNvCxnSpPr>
+          <p:nvPr/>
+        </p:nvCxnSpPr>
+        <p:spPr>
+          <a:xfrm rot="5400000">
+            <a:off x="4902787" y="2571311"/>
+            <a:ext cx="925023" cy="2493181"/>
+          </a:xfrm>
+          <a:prstGeom prst="bentConnector3">
+            <a:avLst>
+              <a:gd name="adj1" fmla="val 50000"/>
+            </a:avLst>
+          </a:prstGeom>
+          <a:ln w="19050" cap="flat" cmpd="sng" algn="ctr">
+            <a:solidFill>
+              <a:schemeClr val="dk1"/>
+            </a:solidFill>
+            <a:prstDash val="solid"/>
+            <a:round/>
+            <a:headEnd type="none" w="med" len="med"/>
+            <a:tailEnd type="arrow" w="med" len="med"/>
+          </a:ln>
+        </p:spPr>
+        <p:style>
+          <a:lnRef idx="0">
+            <a:scrgbClr r="0" g="0" b="0"/>
+          </a:lnRef>
+          <a:fillRef idx="0">
+            <a:scrgbClr r="0" g="0" b="0"/>
+          </a:fillRef>
+          <a:effectRef idx="0">
+            <a:scrgbClr r="0" g="0" b="0"/>
+          </a:effectRef>
+          <a:fontRef idx="minor">
+            <a:schemeClr val="tx1"/>
+          </a:fontRef>
+        </p:style>
+      </p:cxnSp>
+      <p:cxnSp>
+        <p:nvCxnSpPr>
+          <p:cNvPr id="62" name="Verbinder: gewinkelt 61">
+            <a:extLst>
+              <a:ext uri="{FF2B5EF4-FFF2-40B4-BE49-F238E27FC236}">
+                <a16:creationId xmlns:a16="http://schemas.microsoft.com/office/drawing/2014/main" id="{48A0799E-2FA8-D04C-7B90-3965F1EFBF31}"/>
+              </a:ext>
+            </a:extLst>
+          </p:cNvPr>
+          <p:cNvCxnSpPr>
+            <a:cxnSpLocks/>
+            <a:stCxn id="6" idx="2"/>
+            <a:endCxn id="5" idx="0"/>
+          </p:cNvCxnSpPr>
+          <p:nvPr/>
+        </p:nvCxnSpPr>
+        <p:spPr>
+          <a:xfrm rot="16200000" flipH="1">
+            <a:off x="2491529" y="2653234"/>
+            <a:ext cx="925023" cy="2329334"/>
+          </a:xfrm>
+          <a:prstGeom prst="bentConnector3">
+            <a:avLst>
+              <a:gd name="adj1" fmla="val 50000"/>
+            </a:avLst>
+          </a:prstGeom>
+          <a:ln w="19050" cap="flat" cmpd="sng" algn="ctr">
+            <a:solidFill>
+              <a:schemeClr val="dk1"/>
+            </a:solidFill>
+            <a:prstDash val="solid"/>
+            <a:round/>
+            <a:headEnd type="none" w="med" len="med"/>
+            <a:tailEnd type="arrow" w="med" len="med"/>
+          </a:ln>
+        </p:spPr>
+        <p:style>
+          <a:lnRef idx="0">
+            <a:scrgbClr r="0" g="0" b="0"/>
+          </a:lnRef>
+          <a:fillRef idx="0">
+            <a:scrgbClr r="0" g="0" b="0"/>
+          </a:fillRef>
+          <a:effectRef idx="0">
+            <a:scrgbClr r="0" g="0" b="0"/>
+          </a:effectRef>
+          <a:fontRef idx="minor">
+            <a:schemeClr val="tx1"/>
+          </a:fontRef>
+        </p:style>
+      </p:cxnSp>
+      <p:cxnSp>
+        <p:nvCxnSpPr>
+          <p:cNvPr id="73" name="Verbinder: gewinkelt 69">
+            <a:extLst>
+              <a:ext uri="{FF2B5EF4-FFF2-40B4-BE49-F238E27FC236}">
+                <a16:creationId xmlns:a16="http://schemas.microsoft.com/office/drawing/2014/main" id="{91EB2C35-E8E6-616E-9B0D-A9BB77C5B81B}"/>
+              </a:ext>
+            </a:extLst>
+          </p:cNvPr>
+          <p:cNvCxnSpPr>
+            <a:cxnSpLocks/>
+            <a:stCxn id="4" idx="3"/>
+            <a:endCxn id="5" idx="1"/>
+          </p:cNvCxnSpPr>
+          <p:nvPr/>
+        </p:nvCxnSpPr>
+        <p:spPr>
+          <a:xfrm>
+            <a:off x="2709702" y="4720717"/>
+            <a:ext cx="488676" cy="0"/>
+          </a:xfrm>
+          <a:prstGeom prst="straightConnector1">
+            <a:avLst/>
+          </a:prstGeom>
+          <a:ln w="19050" cap="flat" cmpd="sng" algn="ctr">
+            <a:solidFill>
+              <a:schemeClr val="dk1"/>
+            </a:solidFill>
+            <a:prstDash val="solid"/>
+            <a:round/>
+            <a:headEnd type="arrow" w="med" len="med"/>
+            <a:tailEnd type="arrow" w="med" len="med"/>
+          </a:ln>
+        </p:spPr>
+        <p:style>
+          <a:lnRef idx="0">
+            <a:scrgbClr r="0" g="0" b="0"/>
+          </a:lnRef>
+          <a:fillRef idx="0">
+            <a:scrgbClr r="0" g="0" b="0"/>
+          </a:fillRef>
+          <a:effectRef idx="0">
+            <a:scrgbClr r="0" g="0" b="0"/>
+          </a:effectRef>
+          <a:fontRef idx="minor">
+            <a:schemeClr val="tx1"/>
+          </a:fontRef>
+        </p:style>
+      </p:cxnSp>
+      <p:sp>
+        <p:nvSpPr>
+          <p:cNvPr id="96" name="Rechteck: abgerundete Ecken 95">
+            <a:extLst>
+              <a:ext uri="{FF2B5EF4-FFF2-40B4-BE49-F238E27FC236}">
+                <a16:creationId xmlns:a16="http://schemas.microsoft.com/office/drawing/2014/main" id="{CA76A540-AAF7-1E38-2214-A567C4B574CB}"/>
+              </a:ext>
+            </a:extLst>
+          </p:cNvPr>
+          <p:cNvSpPr/>
+          <p:nvPr/>
+        </p:nvSpPr>
+        <p:spPr>
+          <a:xfrm>
+            <a:off x="5685891" y="4280413"/>
+            <a:ext cx="1840658" cy="880608"/>
+          </a:xfrm>
+          <a:prstGeom prst="roundRect">
+            <a:avLst/>
+          </a:prstGeom>
+          <a:solidFill>
+            <a:schemeClr val="tx1">
+              <a:lumMod val="25000"/>
+              <a:lumOff val="75000"/>
+            </a:schemeClr>
+          </a:solidFill>
+          <a:ln>
+            <a:noFill/>
+          </a:ln>
+        </p:spPr>
+        <p:style>
+          <a:lnRef idx="2">
+            <a:schemeClr val="accent1">
+              <a:shade val="50000"/>
+            </a:schemeClr>
+          </a:lnRef>
+          <a:fillRef idx="1">
+            <a:schemeClr val="accent1"/>
+          </a:fillRef>
+          <a:effectRef idx="0">
+            <a:schemeClr val="accent1"/>
+          </a:effectRef>
+          <a:fontRef idx="minor">
+            <a:schemeClr val="lt1"/>
+          </a:fontRef>
+        </p:style>
+        <p:txBody>
+          <a:bodyPr rtlCol="0" anchor="ctr"/>
+          <a:lstStyle/>
+          <a:p>
+            <a:pPr algn="ctr"/>
+            <a:r>
+              <a:rPr lang="de-DE" dirty="0"/>
+              <a:t>SSML</a:t>
+            </a:r>
+          </a:p>
+        </p:txBody>
+      </p:sp>
+      <p:cxnSp>
+        <p:nvCxnSpPr>
+          <p:cNvPr id="100" name="Verbinder: gewinkelt 99">
+            <a:extLst>
+              <a:ext uri="{FF2B5EF4-FFF2-40B4-BE49-F238E27FC236}">
+                <a16:creationId xmlns:a16="http://schemas.microsoft.com/office/drawing/2014/main" id="{4D1521E8-9AB6-02B2-0632-89328A3D43D2}"/>
+              </a:ext>
+            </a:extLst>
+          </p:cNvPr>
+          <p:cNvCxnSpPr>
+            <a:cxnSpLocks/>
+            <a:stCxn id="5" idx="3"/>
+            <a:endCxn id="96" idx="1"/>
+          </p:cNvCxnSpPr>
+          <p:nvPr/>
+        </p:nvCxnSpPr>
+        <p:spPr>
+          <a:xfrm>
+            <a:off x="5039036" y="4720717"/>
+            <a:ext cx="646855" cy="0"/>
+          </a:xfrm>
+          <a:prstGeom prst="straightConnector1">
+            <a:avLst/>
+          </a:prstGeom>
+          <a:ln w="19050" cap="flat" cmpd="sng" algn="ctr">
+            <a:solidFill>
+              <a:schemeClr val="dk1"/>
+            </a:solidFill>
+            <a:prstDash val="solid"/>
+            <a:round/>
+            <a:headEnd type="none" w="med" len="med"/>
+            <a:tailEnd type="arrow" w="med" len="med"/>
+          </a:ln>
+        </p:spPr>
+        <p:style>
+          <a:lnRef idx="0">
+            <a:scrgbClr r="0" g="0" b="0"/>
+          </a:lnRef>
+          <a:fillRef idx="0">
+            <a:scrgbClr r="0" g="0" b="0"/>
+          </a:fillRef>
+          <a:effectRef idx="0">
+            <a:scrgbClr r="0" g="0" b="0"/>
+          </a:effectRef>
+          <a:fontRef idx="minor">
+            <a:schemeClr val="tx1"/>
+          </a:fontRef>
+        </p:style>
+      </p:cxnSp>
+      <p:cxnSp>
+        <p:nvCxnSpPr>
+          <p:cNvPr id="104" name="Verbinder: gewinkelt 99">
+            <a:extLst>
+              <a:ext uri="{FF2B5EF4-FFF2-40B4-BE49-F238E27FC236}">
+                <a16:creationId xmlns:a16="http://schemas.microsoft.com/office/drawing/2014/main" id="{B0FAD0F4-574A-5389-730B-C09E233165F3}"/>
+              </a:ext>
+            </a:extLst>
+          </p:cNvPr>
+          <p:cNvCxnSpPr>
+            <a:cxnSpLocks/>
+            <a:stCxn id="96" idx="3"/>
+          </p:cNvCxnSpPr>
+          <p:nvPr/>
+        </p:nvCxnSpPr>
+        <p:spPr>
+          <a:xfrm>
+            <a:off x="7526549" y="4720717"/>
+            <a:ext cx="774004" cy="0"/>
+          </a:xfrm>
+          <a:prstGeom prst="straightConnector1">
+            <a:avLst/>
+          </a:prstGeom>
+          <a:ln w="19050" cap="flat" cmpd="sng" algn="ctr">
+            <a:solidFill>
+              <a:schemeClr val="dk1"/>
+            </a:solidFill>
+            <a:prstDash val="solid"/>
+            <a:round/>
+            <a:headEnd type="none" w="med" len="med"/>
+            <a:tailEnd type="arrow" w="med" len="med"/>
+          </a:ln>
+        </p:spPr>
+        <p:style>
+          <a:lnRef idx="0">
+            <a:scrgbClr r="0" g="0" b="0"/>
+          </a:lnRef>
+          <a:fillRef idx="0">
+            <a:scrgbClr r="0" g="0" b="0"/>
+          </a:fillRef>
+          <a:effectRef idx="0">
+            <a:scrgbClr r="0" g="0" b="0"/>
+          </a:effectRef>
+          <a:fontRef idx="minor">
+            <a:schemeClr val="tx1"/>
+          </a:fontRef>
+        </p:style>
+      </p:cxnSp>
+      <p:pic>
+        <p:nvPicPr>
+          <p:cNvPr id="1026" name="Picture 2">
+            <a:extLst>
+              <a:ext uri="{FF2B5EF4-FFF2-40B4-BE49-F238E27FC236}">
+                <a16:creationId xmlns:a16="http://schemas.microsoft.com/office/drawing/2014/main" id="{D5E9B13E-E46A-28F9-02FC-BAB6D42DB566}"/>
+              </a:ext>
+            </a:extLst>
+          </p:cNvPr>
+          <p:cNvPicPr>
+            <a:picLocks noChangeAspect="1" noChangeArrowheads="1"/>
+          </p:cNvPicPr>
+          <p:nvPr/>
+        </p:nvPicPr>
+        <p:blipFill>
+          <a:blip r:embed="rId2">
+            <a:extLst>
+              <a:ext uri="{28A0092B-C50C-407E-A947-70E740481C1C}">
+                <a14:useLocalDpi xmlns:a14="http://schemas.microsoft.com/office/drawing/2010/main" val="0"/>
+              </a:ext>
+            </a:extLst>
+          </a:blip>
+          <a:srcRect/>
+          <a:stretch>
+            <a:fillRect/>
+          </a:stretch>
+        </p:blipFill>
+        <p:spPr bwMode="auto">
+          <a:xfrm>
+            <a:off x="8391996" y="4171489"/>
+            <a:ext cx="1098456" cy="1098456"/>
+          </a:xfrm>
+          <a:prstGeom prst="rect">
+            <a:avLst/>
+          </a:prstGeom>
+          <a:noFill/>
+          <a:extLst>
+            <a:ext uri="{909E8E84-426E-40DD-AFC4-6F175D3DCCD1}">
+              <a14:hiddenFill xmlns:a14="http://schemas.microsoft.com/office/drawing/2010/main">
+                <a:solidFill>
+                  <a:srgbClr val="FFFFFF"/>
+                </a:solidFill>
+              </a14:hiddenFill>
+            </a:ext>
+          </a:extLst>
+        </p:spPr>
+      </p:pic>
+    </p:spTree>
+    <p:extLst>
+      <p:ext uri="{BB962C8B-B14F-4D97-AF65-F5344CB8AC3E}">
+        <p14:creationId xmlns:p14="http://schemas.microsoft.com/office/powerpoint/2010/main" val="3983590123"/>
+      </p:ext>
+    </p:extLst>
+  </p:cSld>
+  <p:clrMapOvr>
+    <a:masterClrMapping/>
+  </p:clrMapOvr>
+</p:sld>
+</file>
+
+<file path=ppt/slides/slide15.xml><?xml version="1.0" encoding="utf-8"?>
+<p:sld xmlns:a="http://schemas.openxmlformats.org/drawingml/2006/main" xmlns:r="http://schemas.openxmlformats.org/officeDocument/2006/relationships" xmlns:p="http://schemas.openxmlformats.org/presentationml/2006/main">
+  <p:cSld>
+    <p:spTree>
+      <p:nvGrpSpPr>
+        <p:cNvPr id="1" name=""/>
+        <p:cNvGrpSpPr/>
+        <p:nvPr/>
+      </p:nvGrpSpPr>
+      <p:grpSpPr>
+        <a:xfrm>
+          <a:off x="0" y="0"/>
+          <a:ext cx="0" cy="0"/>
+          <a:chOff x="0" y="0"/>
+          <a:chExt cx="0" cy="0"/>
+        </a:xfrm>
+      </p:grpSpPr>
+      <p:sp>
+        <p:nvSpPr>
           <p:cNvPr id="4" name="Titel 3">
             <a:extLst>
               <a:ext uri="{FF2B5EF4-FFF2-40B4-BE49-F238E27FC236}">
@@ -12239,6 +14360,94 @@
           <a:p>
             <a:r>
               <a:rPr lang="de-DE" dirty="0"/>
+              <a:t>Demonstration</a:t>
+            </a:r>
+          </a:p>
+        </p:txBody>
+      </p:sp>
+    </p:spTree>
+    <p:extLst>
+      <p:ext uri="{BB962C8B-B14F-4D97-AF65-F5344CB8AC3E}">
+        <p14:creationId xmlns:p14="http://schemas.microsoft.com/office/powerpoint/2010/main" val="77817823"/>
+      </p:ext>
+    </p:extLst>
+  </p:cSld>
+  <p:clrMapOvr>
+    <a:masterClrMapping/>
+  </p:clrMapOvr>
+</p:sld>
+</file>
+
+<file path=ppt/slides/slide16.xml><?xml version="1.0" encoding="utf-8"?>
+<p:sld xmlns:a="http://schemas.openxmlformats.org/drawingml/2006/main" xmlns:r="http://schemas.openxmlformats.org/officeDocument/2006/relationships" xmlns:p="http://schemas.openxmlformats.org/presentationml/2006/main">
+  <p:cSld>
+    <p:spTree>
+      <p:nvGrpSpPr>
+        <p:cNvPr id="1" name=""/>
+        <p:cNvGrpSpPr/>
+        <p:nvPr/>
+      </p:nvGrpSpPr>
+      <p:grpSpPr>
+        <a:xfrm>
+          <a:off x="0" y="0"/>
+          <a:ext cx="0" cy="0"/>
+          <a:chOff x="0" y="0"/>
+          <a:chExt cx="0" cy="0"/>
+        </a:xfrm>
+      </p:grpSpPr>
+    </p:spTree>
+    <p:extLst>
+      <p:ext uri="{BB962C8B-B14F-4D97-AF65-F5344CB8AC3E}">
+        <p14:creationId xmlns:p14="http://schemas.microsoft.com/office/powerpoint/2010/main" val="700011215"/>
+      </p:ext>
+    </p:extLst>
+  </p:cSld>
+  <p:clrMapOvr>
+    <a:masterClrMapping/>
+  </p:clrMapOvr>
+</p:sld>
+</file>
+
+<file path=ppt/slides/slide17.xml><?xml version="1.0" encoding="utf-8"?>
+<p:sld xmlns:a="http://schemas.openxmlformats.org/drawingml/2006/main" xmlns:r="http://schemas.openxmlformats.org/officeDocument/2006/relationships" xmlns:p="http://schemas.openxmlformats.org/presentationml/2006/main">
+  <p:cSld>
+    <p:spTree>
+      <p:nvGrpSpPr>
+        <p:cNvPr id="1" name=""/>
+        <p:cNvGrpSpPr/>
+        <p:nvPr/>
+      </p:nvGrpSpPr>
+      <p:grpSpPr>
+        <a:xfrm>
+          <a:off x="0" y="0"/>
+          <a:ext cx="0" cy="0"/>
+          <a:chOff x="0" y="0"/>
+          <a:chExt cx="0" cy="0"/>
+        </a:xfrm>
+      </p:grpSpPr>
+      <p:sp>
+        <p:nvSpPr>
+          <p:cNvPr id="4" name="Titel 3">
+            <a:extLst>
+              <a:ext uri="{FF2B5EF4-FFF2-40B4-BE49-F238E27FC236}">
+                <a16:creationId xmlns:a16="http://schemas.microsoft.com/office/drawing/2014/main" id="{46218C23-3ACC-9840-9A39-34B585361AC6}"/>
+              </a:ext>
+            </a:extLst>
+          </p:cNvPr>
+          <p:cNvSpPr>
+            <a:spLocks noGrp="1"/>
+          </p:cNvSpPr>
+          <p:nvPr>
+            <p:ph type="title"/>
+          </p:nvPr>
+        </p:nvSpPr>
+        <p:spPr/>
+        <p:txBody>
+          <a:bodyPr/>
+          <a:lstStyle/>
+          <a:p>
+            <a:r>
+              <a:rPr lang="de-DE" dirty="0"/>
               <a:t>Danke für Ihre Aufmerksamkeit!</a:t>
             </a:r>
           </a:p>
@@ -12257,7 +14466,7 @@
 </p:sld>
 </file>
 
-<file path=ppt/slides/slide15.xml><?xml version="1.0" encoding="utf-8"?>
+<file path=ppt/slides/slide18.xml><?xml version="1.0" encoding="utf-8"?>
 <p:sld xmlns:a="http://schemas.openxmlformats.org/drawingml/2006/main" xmlns:r="http://schemas.openxmlformats.org/officeDocument/2006/relationships" xmlns:p="http://schemas.openxmlformats.org/presentationml/2006/main">
   <p:cSld>
     <p:spTree>
@@ -12709,7 +14918,7 @@
 </p:sld>
 </file>
 
-<file path=ppt/slides/slide16.xml><?xml version="1.0" encoding="utf-8"?>
+<file path=ppt/slides/slide19.xml><?xml version="1.0" encoding="utf-8"?>
 <p:sld xmlns:a="http://schemas.openxmlformats.org/drawingml/2006/main" xmlns:r="http://schemas.openxmlformats.org/officeDocument/2006/relationships" xmlns:p="http://schemas.openxmlformats.org/presentationml/2006/main">
   <p:cSld>
     <p:spTree>
@@ -13934,16 +16143,6 @@
               <a:t>Demo</a:t>
             </a:r>
           </a:p>
-          <a:p>
-            <a:pPr marL="285750" indent="-285750">
-              <a:buFont typeface="Arial" panose="020B0604020202020204" pitchFamily="34" charset="0"/>
-              <a:buChar char="•"/>
-            </a:pPr>
-            <a:r>
-              <a:rPr lang="de-DE" dirty="0"/>
-              <a:t>Diskussion</a:t>
-            </a:r>
-          </a:p>
         </p:txBody>
       </p:sp>
     </p:spTree>
@@ -16473,6 +18672,155 @@
             <p:ph type="title"/>
           </p:nvPr>
         </p:nvSpPr>
+        <p:spPr>
+          <a:xfrm>
+            <a:off x="874712" y="346075"/>
+            <a:ext cx="10580687" cy="684213"/>
+          </a:xfrm>
+        </p:spPr>
+        <p:txBody>
+          <a:bodyPr anchor="t">
+            <a:normAutofit/>
+          </a:bodyPr>
+          <a:lstStyle/>
+          <a:p>
+            <a:pPr>
+              <a:lnSpc>
+                <a:spcPct val="90000"/>
+              </a:lnSpc>
+            </a:pPr>
+            <a:r>
+              <a:rPr lang="de-DE" dirty="0"/>
+              <a:t>Analyse der Zielgruppe</a:t>
+            </a:r>
+            <a:br>
+              <a:rPr lang="de-DE" dirty="0"/>
+            </a:br>
+            <a:r>
+              <a:rPr lang="de-DE" b="0" dirty="0"/>
+              <a:t>Persona</a:t>
+            </a:r>
+          </a:p>
+        </p:txBody>
+      </p:sp>
+      <p:pic>
+        <p:nvPicPr>
+          <p:cNvPr id="17" name="Grafik 16" descr="Ein Bild, das Website enthält.&#10;&#10;Automatisch generierte Beschreibung">
+            <a:extLst>
+              <a:ext uri="{FF2B5EF4-FFF2-40B4-BE49-F238E27FC236}">
+                <a16:creationId xmlns:a16="http://schemas.microsoft.com/office/drawing/2014/main" id="{0928EAF0-DA16-9FB8-5362-01FB458D9099}"/>
+              </a:ext>
+            </a:extLst>
+          </p:cNvPr>
+          <p:cNvPicPr>
+            <a:picLocks noChangeAspect="1"/>
+          </p:cNvPicPr>
+          <p:nvPr/>
+        </p:nvPicPr>
+        <p:blipFill>
+          <a:blip r:embed="rId2">
+            <a:extLst>
+              <a:ext uri="{28A0092B-C50C-407E-A947-70E740481C1C}">
+                <a14:useLocalDpi xmlns:a14="http://schemas.microsoft.com/office/drawing/2010/main" val="0"/>
+              </a:ext>
+            </a:extLst>
+          </a:blip>
+          <a:stretch>
+            <a:fillRect/>
+          </a:stretch>
+        </p:blipFill>
+        <p:spPr>
+          <a:xfrm>
+            <a:off x="874712" y="1030287"/>
+            <a:ext cx="4711276" cy="4853869"/>
+          </a:xfrm>
+          <a:prstGeom prst="rect">
+            <a:avLst/>
+          </a:prstGeom>
+        </p:spPr>
+      </p:pic>
+      <p:pic>
+        <p:nvPicPr>
+          <p:cNvPr id="26" name="Grafik 25" descr="Ein Bild, das Website enthält.&#10;&#10;Automatisch generierte Beschreibung">
+            <a:extLst>
+              <a:ext uri="{FF2B5EF4-FFF2-40B4-BE49-F238E27FC236}">
+                <a16:creationId xmlns:a16="http://schemas.microsoft.com/office/drawing/2014/main" id="{77F18EC0-4496-5117-9376-970848CADEE7}"/>
+              </a:ext>
+            </a:extLst>
+          </p:cNvPr>
+          <p:cNvPicPr>
+            <a:picLocks noChangeAspect="1"/>
+          </p:cNvPicPr>
+          <p:nvPr/>
+        </p:nvPicPr>
+        <p:blipFill>
+          <a:blip r:embed="rId3">
+            <a:extLst>
+              <a:ext uri="{28A0092B-C50C-407E-A947-70E740481C1C}">
+                <a14:useLocalDpi xmlns:a14="http://schemas.microsoft.com/office/drawing/2010/main" val="0"/>
+              </a:ext>
+            </a:extLst>
+          </a:blip>
+          <a:stretch>
+            <a:fillRect/>
+          </a:stretch>
+        </p:blipFill>
+        <p:spPr>
+          <a:xfrm>
+            <a:off x="6744123" y="1030288"/>
+            <a:ext cx="4711276" cy="4854388"/>
+          </a:xfrm>
+          <a:prstGeom prst="rect">
+            <a:avLst/>
+          </a:prstGeom>
+        </p:spPr>
+      </p:pic>
+    </p:spTree>
+    <p:extLst>
+      <p:ext uri="{BB962C8B-B14F-4D97-AF65-F5344CB8AC3E}">
+        <p14:creationId xmlns:p14="http://schemas.microsoft.com/office/powerpoint/2010/main" val="3344300526"/>
+      </p:ext>
+    </p:extLst>
+  </p:cSld>
+  <p:clrMapOvr>
+    <a:masterClrMapping/>
+  </p:clrMapOvr>
+</p:sld>
+</file>
+
+<file path=ppt/slides/slide7.xml><?xml version="1.0" encoding="utf-8"?>
+<p:sld xmlns:a="http://schemas.openxmlformats.org/drawingml/2006/main" xmlns:r="http://schemas.openxmlformats.org/officeDocument/2006/relationships" xmlns:p="http://schemas.openxmlformats.org/presentationml/2006/main">
+  <p:cSld>
+    <p:spTree>
+      <p:nvGrpSpPr>
+        <p:cNvPr id="1" name=""/>
+        <p:cNvGrpSpPr/>
+        <p:nvPr/>
+      </p:nvGrpSpPr>
+      <p:grpSpPr>
+        <a:xfrm>
+          <a:off x="0" y="0"/>
+          <a:ext cx="0" cy="0"/>
+          <a:chOff x="0" y="0"/>
+          <a:chExt cx="0" cy="0"/>
+        </a:xfrm>
+      </p:grpSpPr>
+      <p:sp>
+        <p:nvSpPr>
+          <p:cNvPr id="2" name="Titel 1">
+            <a:extLst>
+              <a:ext uri="{FF2B5EF4-FFF2-40B4-BE49-F238E27FC236}">
+                <a16:creationId xmlns:a16="http://schemas.microsoft.com/office/drawing/2014/main" id="{487E467D-BE78-FA4C-918C-3FF09D6F46B8}"/>
+              </a:ext>
+            </a:extLst>
+          </p:cNvPr>
+          <p:cNvSpPr>
+            <a:spLocks noGrp="1"/>
+          </p:cNvSpPr>
+          <p:nvPr>
+            <p:ph type="title"/>
+          </p:nvPr>
+        </p:nvSpPr>
         <p:spPr/>
         <p:txBody>
           <a:bodyPr/>
@@ -16541,7 +18889,7 @@
 </p:sld>
 </file>
 
-<file path=ppt/slides/slide7.xml><?xml version="1.0" encoding="utf-8"?>
+<file path=ppt/slides/slide8.xml><?xml version="1.0" encoding="utf-8"?>
 <p:sld xmlns:a="http://schemas.openxmlformats.org/drawingml/2006/main" xmlns:r="http://schemas.openxmlformats.org/officeDocument/2006/relationships" xmlns:p="http://schemas.openxmlformats.org/presentationml/2006/main">
   <p:cSld>
     <p:spTree>
@@ -16824,7 +19172,7 @@
 </p:sld>
 </file>
 
-<file path=ppt/slides/slide8.xml><?xml version="1.0" encoding="utf-8"?>
+<file path=ppt/slides/slide9.xml><?xml version="1.0" encoding="utf-8"?>
 <p:sld xmlns:a="http://schemas.openxmlformats.org/drawingml/2006/main" xmlns:r="http://schemas.openxmlformats.org/officeDocument/2006/relationships" xmlns:p="http://schemas.openxmlformats.org/presentationml/2006/main">
   <p:cSld>
     <p:spTree>
@@ -17098,298 +19446,6 @@
     <p:extLst>
       <p:ext uri="{BB962C8B-B14F-4D97-AF65-F5344CB8AC3E}">
         <p14:creationId xmlns:p14="http://schemas.microsoft.com/office/powerpoint/2010/main" val="1903145027"/>
-      </p:ext>
-    </p:extLst>
-  </p:cSld>
-  <p:clrMapOvr>
-    <a:masterClrMapping/>
-  </p:clrMapOvr>
-</p:sld>
-</file>
-
-<file path=ppt/slides/slide9.xml><?xml version="1.0" encoding="utf-8"?>
-<p:sld xmlns:a="http://schemas.openxmlformats.org/drawingml/2006/main" xmlns:r="http://schemas.openxmlformats.org/officeDocument/2006/relationships" xmlns:p="http://schemas.openxmlformats.org/presentationml/2006/main">
-  <p:cSld>
-    <p:spTree>
-      <p:nvGrpSpPr>
-        <p:cNvPr id="1" name=""/>
-        <p:cNvGrpSpPr/>
-        <p:nvPr/>
-      </p:nvGrpSpPr>
-      <p:grpSpPr>
-        <a:xfrm>
-          <a:off x="0" y="0"/>
-          <a:ext cx="0" cy="0"/>
-          <a:chOff x="0" y="0"/>
-          <a:chExt cx="0" cy="0"/>
-        </a:xfrm>
-      </p:grpSpPr>
-      <p:sp>
-        <p:nvSpPr>
-          <p:cNvPr id="2" name="Titel 1">
-            <a:extLst>
-              <a:ext uri="{FF2B5EF4-FFF2-40B4-BE49-F238E27FC236}">
-                <a16:creationId xmlns:a16="http://schemas.microsoft.com/office/drawing/2014/main" id="{487E467D-BE78-FA4C-918C-3FF09D6F46B8}"/>
-              </a:ext>
-            </a:extLst>
-          </p:cNvPr>
-          <p:cNvSpPr>
-            <a:spLocks noGrp="1"/>
-          </p:cNvSpPr>
-          <p:nvPr>
-            <p:ph type="title"/>
-          </p:nvPr>
-        </p:nvSpPr>
-        <p:spPr/>
-        <p:txBody>
-          <a:bodyPr/>
-          <a:lstStyle/>
-          <a:p>
-            <a:r>
-              <a:rPr lang="de-DE" dirty="0"/>
-              <a:t>Feature-Modell</a:t>
-            </a:r>
-            <a:br>
-              <a:rPr lang="de-DE" dirty="0"/>
-            </a:br>
-            <a:r>
-              <a:rPr lang="de-DE" b="0" dirty="0"/>
-              <a:t>Kommunikationsstil</a:t>
-            </a:r>
-          </a:p>
-        </p:txBody>
-      </p:sp>
-      <p:pic>
-        <p:nvPicPr>
-          <p:cNvPr id="4" name="Grafik 3" descr="Ein Bild, das Diagramm enthält.&#10;&#10;Automatisch generierte Beschreibung">
-            <a:extLst>
-              <a:ext uri="{FF2B5EF4-FFF2-40B4-BE49-F238E27FC236}">
-                <a16:creationId xmlns:a16="http://schemas.microsoft.com/office/drawing/2014/main" id="{7937FC25-5909-A4F3-6235-1C68024E6870}"/>
-              </a:ext>
-            </a:extLst>
-          </p:cNvPr>
-          <p:cNvPicPr>
-            <a:picLocks noChangeAspect="1"/>
-          </p:cNvPicPr>
-          <p:nvPr/>
-        </p:nvPicPr>
-        <p:blipFill>
-          <a:blip r:embed="rId2">
-            <a:extLst>
-              <a:ext uri="{28A0092B-C50C-407E-A947-70E740481C1C}">
-                <a14:useLocalDpi xmlns:a14="http://schemas.microsoft.com/office/drawing/2010/main" val="0"/>
-              </a:ext>
-            </a:extLst>
-          </a:blip>
-          <a:stretch>
-            <a:fillRect/>
-          </a:stretch>
-        </p:blipFill>
-        <p:spPr>
-          <a:xfrm>
-            <a:off x="1920593" y="1561762"/>
-            <a:ext cx="8350814" cy="2415081"/>
-          </a:xfrm>
-          <a:prstGeom prst="rect">
-            <a:avLst/>
-          </a:prstGeom>
-        </p:spPr>
-      </p:pic>
-      <p:graphicFrame>
-        <p:nvGraphicFramePr>
-          <p:cNvPr id="5" name="Tabelle 6">
-            <a:extLst>
-              <a:ext uri="{FF2B5EF4-FFF2-40B4-BE49-F238E27FC236}">
-                <a16:creationId xmlns:a16="http://schemas.microsoft.com/office/drawing/2014/main" id="{B2E691F3-3FC2-2899-9EE2-07FFB29BACF5}"/>
-              </a:ext>
-            </a:extLst>
-          </p:cNvPr>
-          <p:cNvGraphicFramePr>
-            <a:graphicFrameLocks noGrp="1"/>
-          </p:cNvGraphicFramePr>
-          <p:nvPr>
-            <p:extLst>
-              <p:ext uri="{D42A27DB-BD31-4B8C-83A1-F6EECF244321}">
-                <p14:modId xmlns:p14="http://schemas.microsoft.com/office/powerpoint/2010/main" val="1327630444"/>
-              </p:ext>
-            </p:extLst>
-          </p:nvPr>
-        </p:nvGraphicFramePr>
-        <p:xfrm>
-          <a:off x="805656" y="4399814"/>
-          <a:ext cx="10580688" cy="1365792"/>
-        </p:xfrm>
-        <a:graphic>
-          <a:graphicData uri="http://schemas.openxmlformats.org/drawingml/2006/table">
-            <a:tbl>
-              <a:tblPr firstRow="1" bandRow="1">
-                <a:tableStyleId>{073A0DAA-6AF3-43AB-8588-CEC1D06C72B9}</a:tableStyleId>
-              </a:tblPr>
-              <a:tblGrid>
-                <a:gridCol w="2645172">
-                  <a:extLst>
-                    <a:ext uri="{9D8B030D-6E8A-4147-A177-3AD203B41FA5}">
-                      <a16:colId xmlns:a16="http://schemas.microsoft.com/office/drawing/2014/main" val="734483336"/>
-                    </a:ext>
-                  </a:extLst>
-                </a:gridCol>
-                <a:gridCol w="2645172">
-                  <a:extLst>
-                    <a:ext uri="{9D8B030D-6E8A-4147-A177-3AD203B41FA5}">
-                      <a16:colId xmlns:a16="http://schemas.microsoft.com/office/drawing/2014/main" val="851188937"/>
-                    </a:ext>
-                  </a:extLst>
-                </a:gridCol>
-                <a:gridCol w="2645172">
-                  <a:extLst>
-                    <a:ext uri="{9D8B030D-6E8A-4147-A177-3AD203B41FA5}">
-                      <a16:colId xmlns:a16="http://schemas.microsoft.com/office/drawing/2014/main" val="2226494735"/>
-                    </a:ext>
-                  </a:extLst>
-                </a:gridCol>
-                <a:gridCol w="2645172">
-                  <a:extLst>
-                    <a:ext uri="{9D8B030D-6E8A-4147-A177-3AD203B41FA5}">
-                      <a16:colId xmlns:a16="http://schemas.microsoft.com/office/drawing/2014/main" val="3714685690"/>
-                    </a:ext>
-                  </a:extLst>
-                </a:gridCol>
-              </a:tblGrid>
-              <a:tr h="451392">
-                <a:tc>
-                  <a:txBody>
-                    <a:bodyPr/>
-                    <a:lstStyle/>
-                    <a:p>
-                      <a:r>
-                        <a:rPr lang="de-DE" b="0" dirty="0"/>
-                        <a:t>Sprache</a:t>
-                      </a:r>
-                    </a:p>
-                  </a:txBody>
-                  <a:tcPr/>
-                </a:tc>
-                <a:tc>
-                  <a:txBody>
-                    <a:bodyPr/>
-                    <a:lstStyle/>
-                    <a:p>
-                      <a:r>
-                        <a:rPr lang="de-DE" b="0" dirty="0"/>
-                        <a:t>Gesprächsorientierung</a:t>
-                      </a:r>
-                    </a:p>
-                  </a:txBody>
-                  <a:tcPr/>
-                </a:tc>
-                <a:tc>
-                  <a:txBody>
-                    <a:bodyPr/>
-                    <a:lstStyle/>
-                    <a:p>
-                      <a:r>
-                        <a:rPr lang="de-DE" b="0" dirty="0"/>
-                        <a:t>Anrede</a:t>
-                      </a:r>
-                    </a:p>
-                  </a:txBody>
-                  <a:tcPr/>
-                </a:tc>
-                <a:tc>
-                  <a:txBody>
-                    <a:bodyPr/>
-                    <a:lstStyle/>
-                    <a:p>
-                      <a:r>
-                        <a:rPr lang="de-DE" b="0" dirty="0"/>
-                        <a:t>Alternative Keywords</a:t>
-                      </a:r>
-                    </a:p>
-                  </a:txBody>
-                  <a:tcPr/>
-                </a:tc>
-                <a:extLst>
-                  <a:ext uri="{0D108BD9-81ED-4DB2-BD59-A6C34878D82A}">
-                    <a16:rowId xmlns:a16="http://schemas.microsoft.com/office/drawing/2014/main" val="3056114125"/>
-                  </a:ext>
-                </a:extLst>
-              </a:tr>
-              <a:tr h="630105">
-                <a:tc>
-                  <a:txBody>
-                    <a:bodyPr/>
-                    <a:lstStyle/>
-                    <a:p>
-                      <a:r>
-                        <a:rPr lang="de-DE" dirty="0"/>
-                        <a:t>Systemsprache</a:t>
-                      </a:r>
-                    </a:p>
-                  </a:txBody>
-                  <a:tcPr/>
-                </a:tc>
-                <a:tc>
-                  <a:txBody>
-                    <a:bodyPr/>
-                    <a:lstStyle/>
-                    <a:p>
-                      <a:r>
-                        <a:rPr lang="de-DE" sz="1800" kern="1200" dirty="0">
-                          <a:solidFill>
-                            <a:schemeClr val="dk1"/>
-                          </a:solidFill>
-                          <a:effectLst/>
-                          <a:latin typeface="+mn-lt"/>
-                          <a:ea typeface="+mn-ea"/>
-                          <a:cs typeface="+mn-cs"/>
-                        </a:rPr>
-                        <a:t>Kommunikationsweise zwischen Nutzer und System </a:t>
-                      </a:r>
-                      <a:endParaRPr lang="de-DE" dirty="0"/>
-                    </a:p>
-                  </a:txBody>
-                  <a:tcPr/>
-                </a:tc>
-                <a:tc>
-                  <a:txBody>
-                    <a:bodyPr/>
-                    <a:lstStyle/>
-                    <a:p>
-                      <a:r>
-                        <a:rPr lang="de-DE" dirty="0"/>
-                        <a:t>Anredeform des Systems gegenüber dem Nutzer</a:t>
-                      </a:r>
-                    </a:p>
-                  </a:txBody>
-                  <a:tcPr/>
-                </a:tc>
-                <a:tc>
-                  <a:txBody>
-                    <a:bodyPr/>
-                    <a:lstStyle/>
-                    <a:p>
-                      <a:r>
-                        <a:rPr lang="de-DE" dirty="0"/>
-                        <a:t>Änderung der Schlüsselbegriffe zur Systemsteuerung</a:t>
-                      </a:r>
-                    </a:p>
-                  </a:txBody>
-                  <a:tcPr/>
-                </a:tc>
-                <a:extLst>
-                  <a:ext uri="{0D108BD9-81ED-4DB2-BD59-A6C34878D82A}">
-                    <a16:rowId xmlns:a16="http://schemas.microsoft.com/office/drawing/2014/main" val="406066836"/>
-                  </a:ext>
-                </a:extLst>
-              </a:tr>
-            </a:tbl>
-          </a:graphicData>
-        </a:graphic>
-      </p:graphicFrame>
-    </p:spTree>
-    <p:extLst>
-      <p:ext uri="{BB962C8B-B14F-4D97-AF65-F5344CB8AC3E}">
-        <p14:creationId xmlns:p14="http://schemas.microsoft.com/office/powerpoint/2010/main" val="2596438525"/>
       </p:ext>
     </p:extLst>
   </p:cSld>
